--- a/01 Понятие программы.pptx
+++ b/01 Понятие программы.pptx
@@ -332,7 +332,7 @@
             <a:fld id="{0B58CFEA-3D72-4A90-A9B2-D2B1EEAECCD8}" type="datetimeFigureOut">
               <a:rPr lang="ru-RU" smtClean="0"/>
               <a:pPr/>
-              <a:t>07.09.2018</a:t>
+              <a:t>05.09.2019</a:t>
             </a:fld>
             <a:endParaRPr lang="ru-RU"/>
           </a:p>
@@ -504,7 +504,7 @@
             <a:fld id="{0B58CFEA-3D72-4A90-A9B2-D2B1EEAECCD8}" type="datetimeFigureOut">
               <a:rPr lang="ru-RU" smtClean="0"/>
               <a:pPr/>
-              <a:t>07.09.2018</a:t>
+              <a:t>05.09.2019</a:t>
             </a:fld>
             <a:endParaRPr lang="ru-RU"/>
           </a:p>
@@ -686,7 +686,7 @@
             <a:fld id="{0B58CFEA-3D72-4A90-A9B2-D2B1EEAECCD8}" type="datetimeFigureOut">
               <a:rPr lang="ru-RU" smtClean="0"/>
               <a:pPr/>
-              <a:t>07.09.2018</a:t>
+              <a:t>05.09.2019</a:t>
             </a:fld>
             <a:endParaRPr lang="ru-RU"/>
           </a:p>
@@ -858,7 +858,7 @@
             <a:fld id="{0B58CFEA-3D72-4A90-A9B2-D2B1EEAECCD8}" type="datetimeFigureOut">
               <a:rPr lang="ru-RU" smtClean="0"/>
               <a:pPr/>
-              <a:t>07.09.2018</a:t>
+              <a:t>05.09.2019</a:t>
             </a:fld>
             <a:endParaRPr lang="ru-RU"/>
           </a:p>
@@ -1106,7 +1106,7 @@
             <a:fld id="{0B58CFEA-3D72-4A90-A9B2-D2B1EEAECCD8}" type="datetimeFigureOut">
               <a:rPr lang="ru-RU" smtClean="0"/>
               <a:pPr/>
-              <a:t>07.09.2018</a:t>
+              <a:t>05.09.2019</a:t>
             </a:fld>
             <a:endParaRPr lang="ru-RU"/>
           </a:p>
@@ -1396,7 +1396,7 @@
             <a:fld id="{0B58CFEA-3D72-4A90-A9B2-D2B1EEAECCD8}" type="datetimeFigureOut">
               <a:rPr lang="ru-RU" smtClean="0"/>
               <a:pPr/>
-              <a:t>07.09.2018</a:t>
+              <a:t>05.09.2019</a:t>
             </a:fld>
             <a:endParaRPr lang="ru-RU"/>
           </a:p>
@@ -1820,7 +1820,7 @@
             <a:fld id="{0B58CFEA-3D72-4A90-A9B2-D2B1EEAECCD8}" type="datetimeFigureOut">
               <a:rPr lang="ru-RU" smtClean="0"/>
               <a:pPr/>
-              <a:t>07.09.2018</a:t>
+              <a:t>05.09.2019</a:t>
             </a:fld>
             <a:endParaRPr lang="ru-RU"/>
           </a:p>
@@ -1940,7 +1940,7 @@
             <a:fld id="{0B58CFEA-3D72-4A90-A9B2-D2B1EEAECCD8}" type="datetimeFigureOut">
               <a:rPr lang="ru-RU" smtClean="0"/>
               <a:pPr/>
-              <a:t>07.09.2018</a:t>
+              <a:t>05.09.2019</a:t>
             </a:fld>
             <a:endParaRPr lang="ru-RU"/>
           </a:p>
@@ -2037,7 +2037,7 @@
             <a:fld id="{0B58CFEA-3D72-4A90-A9B2-D2B1EEAECCD8}" type="datetimeFigureOut">
               <a:rPr lang="ru-RU" smtClean="0"/>
               <a:pPr/>
-              <a:t>07.09.2018</a:t>
+              <a:t>05.09.2019</a:t>
             </a:fld>
             <a:endParaRPr lang="ru-RU"/>
           </a:p>
@@ -2316,7 +2316,7 @@
             <a:fld id="{0B58CFEA-3D72-4A90-A9B2-D2B1EEAECCD8}" type="datetimeFigureOut">
               <a:rPr lang="ru-RU" smtClean="0"/>
               <a:pPr/>
-              <a:t>07.09.2018</a:t>
+              <a:t>05.09.2019</a:t>
             </a:fld>
             <a:endParaRPr lang="ru-RU"/>
           </a:p>
@@ -2571,7 +2571,7 @@
             <a:fld id="{0B58CFEA-3D72-4A90-A9B2-D2B1EEAECCD8}" type="datetimeFigureOut">
               <a:rPr lang="ru-RU" smtClean="0"/>
               <a:pPr/>
-              <a:t>07.09.2018</a:t>
+              <a:t>05.09.2019</a:t>
             </a:fld>
             <a:endParaRPr lang="ru-RU"/>
           </a:p>
@@ -2786,7 +2786,7 @@
             <a:fld id="{0B58CFEA-3D72-4A90-A9B2-D2B1EEAECCD8}" type="datetimeFigureOut">
               <a:rPr lang="ru-RU" smtClean="0"/>
               <a:pPr/>
-              <a:t>07.09.2018</a:t>
+              <a:t>05.09.2019</a:t>
             </a:fld>
             <a:endParaRPr lang="ru-RU"/>
           </a:p>
@@ -4151,11 +4151,7 @@
             </a:r>
             <a:r>
               <a:rPr lang="en-US" sz="3100" dirty="0" smtClean="0"/>
-              <a:t>code review</a:t>
-            </a:r>
-            <a:r>
-              <a:rPr lang="en-US" sz="3100" dirty="0" smtClean="0"/>
-              <a:t>)</a:t>
+              <a:t>code review)</a:t>
             </a:r>
             <a:endParaRPr lang="ru-RU" sz="3100" dirty="0" smtClean="0"/>
           </a:p>
@@ -16847,21 +16843,29 @@
           <a:p>
             <a:r>
               <a:rPr lang="ru-RU" sz="2400" dirty="0"/>
-              <a:t>Программа курса </a:t>
-            </a:r>
-            <a:r>
-              <a:rPr lang="en-US" sz="2400" dirty="0"/>
-              <a:t>http://nsu.ru/rs/mw/link/Media:/30785/</a:t>
-            </a:r>
-            <a:r>
-              <a:rPr lang="ru-RU" sz="2400" dirty="0"/>
-              <a:t>Б3.Б.4_Программирование.</a:t>
-            </a:r>
-            <a:r>
-              <a:rPr lang="en-US" sz="2400" dirty="0"/>
-              <a:t>pdf</a:t>
-            </a:r>
-            <a:endParaRPr lang="ru-RU" sz="2400" dirty="0"/>
+              <a:t>Программа </a:t>
+            </a:r>
+            <a:r>
+              <a:rPr lang="ru-RU" sz="2400" dirty="0" smtClean="0"/>
+              <a:t>курса</a:t>
+            </a:r>
+            <a:endParaRPr lang="en-US" sz="2400" dirty="0" smtClean="0"/>
+          </a:p>
+          <a:p>
+            <a:pPr lvl="1"/>
+            <a:r>
+              <a:rPr lang="en-US" sz="2000" dirty="0" smtClean="0"/>
+              <a:t>http</a:t>
+            </a:r>
+            <a:r>
+              <a:rPr lang="en-US" sz="2000" dirty="0"/>
+              <a:t>://fit.nsu.ru/data_/docs/bak/OOP/4_RPD/09.03.01/_</a:t>
+            </a:r>
+            <a:r>
+              <a:rPr lang="en-US" sz="2000" dirty="0" smtClean="0"/>
+              <a:t>09.03.01_B11_rpd.pdf</a:t>
+            </a:r>
+            <a:endParaRPr lang="ru-RU" sz="2000" dirty="0"/>
           </a:p>
           <a:p>
             <a:endParaRPr lang="en-US" sz="2400" dirty="0"/>

--- a/01 Понятие программы.pptx
+++ b/01 Понятие программы.pptx
@@ -10998,8 +10998,12 @@
             <a:pPr lvl="1"/>
             <a:r>
               <a:rPr lang="en-US" sz="2000" dirty="0"/>
-              <a:t>http://fit.nsu.ru/data_/docs/bak/OOP/4_RPD/09.03.01/_09.03.01_B11_rpd.pdf</a:t>
-            </a:r>
+              <a:t>https://www.nsu.ru/n/information-technologies-department/education_fit/programs/OOP/09-03-01/piikn/rabochie-programmy/09.03.01_PIiKN_B1.B.4.pdf</a:t>
+            </a:r>
+            <a:endParaRPr lang="ru-RU" sz="2000" dirty="0"/>
+          </a:p>
+          <a:p>
+            <a:pPr lvl="1"/>
             <a:endParaRPr lang="ru-RU" sz="2000" dirty="0"/>
           </a:p>
           <a:p>
@@ -14979,7 +14983,7 @@
             <a:pPr lvl="1"/>
             <a:r>
               <a:rPr lang="en-US" sz="2000" dirty="0"/>
-              <a:t>http://fit.nsu.ru/data_/docs/bak/OOP/4_RPD/09.03.01/_09.03.01_B11_rpd.pdf</a:t>
+              <a:t>https://www.nsu.ru/n/information-technologies-department/education_fit/programs/OOP/09-03-01/piikn/rabochie-programmy/09.03.01_PIiKN_B1.B.4.pdf</a:t>
             </a:r>
             <a:endParaRPr lang="ru-RU" sz="2000" dirty="0"/>
           </a:p>
@@ -16762,7 +16766,7 @@
           <a:p>
             <a:pPr lvl="1"/>
             <a:r>
-              <a:rPr lang="en-US" sz="2000"/>
+              <a:rPr lang="en-US" sz="2000" dirty="0"/>
               <a:t>https://www.nsu.ru/n/information-technologies-department/education_fit/programs/OOP/09-03-01/piikn/rabochie-programmy/09.03.01_PIiKN_B1.B.4.pdf</a:t>
             </a:r>
             <a:endParaRPr lang="ru-RU" sz="2000" dirty="0"/>
@@ -27724,7 +27728,7 @@
             <a:pPr lvl="1"/>
             <a:r>
               <a:rPr lang="en-US" sz="2000" dirty="0"/>
-              <a:t>http://fit.nsu.ru/data_/docs/bak/OOP/4_RPD/09.03.01/_09.03.01_B11_rpd.pdf</a:t>
+              <a:t>https://www.nsu.ru/n/information-technologies-department/education_fit/programs/OOP/09-03-01/piikn/rabochie-programmy/09.03.01_PIiKN_B1.B.4.pdf</a:t>
             </a:r>
             <a:endParaRPr lang="ru-RU" sz="2000" dirty="0"/>
           </a:p>

--- a/01 Понятие программы.pptx
+++ b/01 Понятие программы.pptx
@@ -73,21 +73,21 @@
     <p:sldId id="325" r:id="rId67"/>
     <p:sldId id="333" r:id="rId68"/>
     <p:sldId id="334" r:id="rId69"/>
-    <p:sldId id="278" r:id="rId70"/>
-    <p:sldId id="270" r:id="rId71"/>
-    <p:sldId id="280" r:id="rId72"/>
-    <p:sldId id="281" r:id="rId73"/>
-    <p:sldId id="282" r:id="rId74"/>
-    <p:sldId id="260" r:id="rId75"/>
-    <p:sldId id="262" r:id="rId76"/>
-    <p:sldId id="285" r:id="rId77"/>
-    <p:sldId id="264" r:id="rId78"/>
-    <p:sldId id="265" r:id="rId79"/>
-    <p:sldId id="266" r:id="rId80"/>
-    <p:sldId id="267" r:id="rId81"/>
-    <p:sldId id="272" r:id="rId82"/>
-    <p:sldId id="273" r:id="rId83"/>
-    <p:sldId id="274" r:id="rId84"/>
+    <p:sldId id="341" r:id="rId70"/>
+    <p:sldId id="342" r:id="rId71"/>
+    <p:sldId id="343" r:id="rId72"/>
+    <p:sldId id="344" r:id="rId73"/>
+    <p:sldId id="345" r:id="rId74"/>
+    <p:sldId id="278" r:id="rId75"/>
+    <p:sldId id="270" r:id="rId76"/>
+    <p:sldId id="280" r:id="rId77"/>
+    <p:sldId id="281" r:id="rId78"/>
+    <p:sldId id="282" r:id="rId79"/>
+    <p:sldId id="285" r:id="rId80"/>
+    <p:sldId id="264" r:id="rId81"/>
+    <p:sldId id="265" r:id="rId82"/>
+    <p:sldId id="266" r:id="rId83"/>
+    <p:sldId id="267" r:id="rId84"/>
   </p:sldIdLst>
   <p:sldSz cx="12192000" cy="6858000"/>
   <p:notesSz cx="6858000" cy="9144000"/>
@@ -387,7 +387,7 @@
             <a:fld id="{0B58CFEA-3D72-4A90-A9B2-D2B1EEAECCD8}" type="datetimeFigureOut">
               <a:rPr lang="ru-RU" smtClean="0"/>
               <a:pPr/>
-              <a:t>10.06.2021</a:t>
+              <a:t>24.08.2021</a:t>
             </a:fld>
             <a:endParaRPr lang="ru-RU"/>
           </a:p>
@@ -559,7 +559,7 @@
             <a:fld id="{0B58CFEA-3D72-4A90-A9B2-D2B1EEAECCD8}" type="datetimeFigureOut">
               <a:rPr lang="ru-RU" smtClean="0"/>
               <a:pPr/>
-              <a:t>10.06.2021</a:t>
+              <a:t>24.08.2021</a:t>
             </a:fld>
             <a:endParaRPr lang="ru-RU"/>
           </a:p>
@@ -741,7 +741,7 @@
             <a:fld id="{0B58CFEA-3D72-4A90-A9B2-D2B1EEAECCD8}" type="datetimeFigureOut">
               <a:rPr lang="ru-RU" smtClean="0"/>
               <a:pPr/>
-              <a:t>10.06.2021</a:t>
+              <a:t>24.08.2021</a:t>
             </a:fld>
             <a:endParaRPr lang="ru-RU"/>
           </a:p>
@@ -913,7 +913,7 @@
             <a:fld id="{0B58CFEA-3D72-4A90-A9B2-D2B1EEAECCD8}" type="datetimeFigureOut">
               <a:rPr lang="ru-RU" smtClean="0"/>
               <a:pPr/>
-              <a:t>10.06.2021</a:t>
+              <a:t>24.08.2021</a:t>
             </a:fld>
             <a:endParaRPr lang="ru-RU"/>
           </a:p>
@@ -1161,7 +1161,7 @@
             <a:fld id="{0B58CFEA-3D72-4A90-A9B2-D2B1EEAECCD8}" type="datetimeFigureOut">
               <a:rPr lang="ru-RU" smtClean="0"/>
               <a:pPr/>
-              <a:t>10.06.2021</a:t>
+              <a:t>24.08.2021</a:t>
             </a:fld>
             <a:endParaRPr lang="ru-RU"/>
           </a:p>
@@ -1451,7 +1451,7 @@
             <a:fld id="{0B58CFEA-3D72-4A90-A9B2-D2B1EEAECCD8}" type="datetimeFigureOut">
               <a:rPr lang="ru-RU" smtClean="0"/>
               <a:pPr/>
-              <a:t>10.06.2021</a:t>
+              <a:t>24.08.2021</a:t>
             </a:fld>
             <a:endParaRPr lang="ru-RU"/>
           </a:p>
@@ -1875,7 +1875,7 @@
             <a:fld id="{0B58CFEA-3D72-4A90-A9B2-D2B1EEAECCD8}" type="datetimeFigureOut">
               <a:rPr lang="ru-RU" smtClean="0"/>
               <a:pPr/>
-              <a:t>10.06.2021</a:t>
+              <a:t>24.08.2021</a:t>
             </a:fld>
             <a:endParaRPr lang="ru-RU"/>
           </a:p>
@@ -1995,7 +1995,7 @@
             <a:fld id="{0B58CFEA-3D72-4A90-A9B2-D2B1EEAECCD8}" type="datetimeFigureOut">
               <a:rPr lang="ru-RU" smtClean="0"/>
               <a:pPr/>
-              <a:t>10.06.2021</a:t>
+              <a:t>24.08.2021</a:t>
             </a:fld>
             <a:endParaRPr lang="ru-RU"/>
           </a:p>
@@ -2092,7 +2092,7 @@
             <a:fld id="{0B58CFEA-3D72-4A90-A9B2-D2B1EEAECCD8}" type="datetimeFigureOut">
               <a:rPr lang="ru-RU" smtClean="0"/>
               <a:pPr/>
-              <a:t>10.06.2021</a:t>
+              <a:t>24.08.2021</a:t>
             </a:fld>
             <a:endParaRPr lang="ru-RU"/>
           </a:p>
@@ -2371,7 +2371,7 @@
             <a:fld id="{0B58CFEA-3D72-4A90-A9B2-D2B1EEAECCD8}" type="datetimeFigureOut">
               <a:rPr lang="ru-RU" smtClean="0"/>
               <a:pPr/>
-              <a:t>10.06.2021</a:t>
+              <a:t>24.08.2021</a:t>
             </a:fld>
             <a:endParaRPr lang="ru-RU"/>
           </a:p>
@@ -2626,7 +2626,7 @@
             <a:fld id="{0B58CFEA-3D72-4A90-A9B2-D2B1EEAECCD8}" type="datetimeFigureOut">
               <a:rPr lang="ru-RU" smtClean="0"/>
               <a:pPr/>
-              <a:t>10.06.2021</a:t>
+              <a:t>24.08.2021</a:t>
             </a:fld>
             <a:endParaRPr lang="ru-RU"/>
           </a:p>
@@ -2841,7 +2841,7 @@
             <a:fld id="{0B58CFEA-3D72-4A90-A9B2-D2B1EEAECCD8}" type="datetimeFigureOut">
               <a:rPr lang="ru-RU" smtClean="0"/>
               <a:pPr/>
-              <a:t>10.06.2021</a:t>
+              <a:t>24.08.2021</a:t>
             </a:fld>
             <a:endParaRPr lang="ru-RU"/>
           </a:p>
@@ -4813,6 +4813,18 @@
               <a:rPr lang="ru-RU" dirty="0"/>
               <a:t>Этапы создания программ</a:t>
             </a:r>
+            <a:endParaRPr lang="en-US" dirty="0"/>
+          </a:p>
+          <a:p>
+            <a:r>
+              <a:rPr lang="ru-RU" dirty="0"/>
+              <a:t>Выполнение лабораторных работ на </a:t>
+            </a:r>
+            <a:r>
+              <a:rPr lang="en-US" dirty="0"/>
+              <a:t>gitlab.ccfit.nsu.ru</a:t>
+            </a:r>
+            <a:endParaRPr lang="ru-RU" dirty="0"/>
           </a:p>
         </p:txBody>
       </p:sp>
@@ -16573,7 +16585,13 @@
       </p:grpSpPr>
       <p:sp>
         <p:nvSpPr>
-          <p:cNvPr id="2" name="Заголовок 1"/>
+          <p:cNvPr id="2" name="Title 1">
+            <a:extLst>
+              <a:ext uri="{FF2B5EF4-FFF2-40B4-BE49-F238E27FC236}">
+                <a16:creationId xmlns:a16="http://schemas.microsoft.com/office/drawing/2014/main" id="{94D0B36A-C5CC-424D-B095-C6FA40CF2C0E}"/>
+              </a:ext>
+            </a:extLst>
+          </p:cNvPr>
           <p:cNvSpPr>
             <a:spLocks noGrp="1"/>
           </p:cNvSpPr>
@@ -16588,14 +16606,25 @@
           <a:p>
             <a:r>
               <a:rPr lang="ru-RU" dirty="0"/>
-              <a:t>Заключение</a:t>
-            </a:r>
+              <a:t>Процесс работы с </a:t>
+            </a:r>
+            <a:r>
+              <a:rPr lang="en-US" dirty="0"/>
+              <a:t>gitlab.ccfit.nsu.ru</a:t>
+            </a:r>
+            <a:endParaRPr lang="ru-RU" dirty="0"/>
           </a:p>
         </p:txBody>
       </p:sp>
       <p:sp>
         <p:nvSpPr>
-          <p:cNvPr id="3" name="Содержимое 2"/>
+          <p:cNvPr id="3" name="Content Placeholder 2">
+            <a:extLst>
+              <a:ext uri="{FF2B5EF4-FFF2-40B4-BE49-F238E27FC236}">
+                <a16:creationId xmlns:a16="http://schemas.microsoft.com/office/drawing/2014/main" id="{425BBCA4-01F4-4D60-8CE7-2C2EECEDCB46}"/>
+              </a:ext>
+            </a:extLst>
+          </p:cNvPr>
           <p:cNvSpPr>
             <a:spLocks noGrp="1"/>
           </p:cNvSpPr>
@@ -16605,83 +16634,889 @@
         </p:nvSpPr>
         <p:spPr/>
         <p:txBody>
-          <a:bodyPr>
-            <a:normAutofit/>
+          <a:bodyPr/>
+          <a:lstStyle/>
+          <a:p>
+            <a:endParaRPr lang="ru-RU" dirty="0"/>
+          </a:p>
+        </p:txBody>
+      </p:sp>
+      <p:sp>
+        <p:nvSpPr>
+          <p:cNvPr id="4" name="TextBox 3">
+            <a:extLst>
+              <a:ext uri="{FF2B5EF4-FFF2-40B4-BE49-F238E27FC236}">
+                <a16:creationId xmlns:a16="http://schemas.microsoft.com/office/drawing/2014/main" id="{B74B3D51-D255-4A98-83AC-D8AB68D5FA88}"/>
+              </a:ext>
+            </a:extLst>
+          </p:cNvPr>
+          <p:cNvSpPr txBox="1"/>
+          <p:nvPr/>
+        </p:nvSpPr>
+        <p:spPr>
+          <a:xfrm rot="16200000">
+            <a:off x="9430820" y="3817235"/>
+            <a:ext cx="3933834" cy="369332"/>
+          </a:xfrm>
+          <a:prstGeom prst="rect">
+            <a:avLst/>
+          </a:prstGeom>
+          <a:noFill/>
+        </p:spPr>
+        <p:txBody>
+          <a:bodyPr wrap="none" rtlCol="0">
+            <a:spAutoFit/>
           </a:bodyPr>
           <a:lstStyle/>
           <a:p>
             <a:r>
               <a:rPr lang="ru-RU" dirty="0"/>
-              <a:t>Информация об этом курсе</a:t>
-            </a:r>
-          </a:p>
-          <a:p>
-            <a:r>
-              <a:rPr lang="ru-RU" dirty="0"/>
-              <a:t>Понятие программы</a:t>
-            </a:r>
-          </a:p>
-          <a:p>
-            <a:r>
-              <a:rPr lang="ru-RU" dirty="0"/>
-              <a:t>Этапы разработки программ</a:t>
-            </a:r>
-          </a:p>
-          <a:p>
-            <a:pPr lvl="2"/>
-            <a:r>
-              <a:rPr lang="ru-RU" dirty="0"/>
-              <a:t>Написание исходного кода</a:t>
-            </a:r>
-          </a:p>
-          <a:p>
-            <a:pPr lvl="2"/>
-            <a:r>
-              <a:rPr lang="ru-RU" dirty="0"/>
-              <a:t>Компиляция исходного кода</a:t>
-            </a:r>
-          </a:p>
-          <a:p>
-            <a:pPr lvl="2"/>
-            <a:r>
-              <a:rPr lang="ru-RU" dirty="0"/>
-              <a:t>Сборка</a:t>
-            </a:r>
-          </a:p>
-          <a:p>
-            <a:pPr lvl="2"/>
-            <a:r>
-              <a:rPr lang="ru-RU" dirty="0"/>
-              <a:t>Отладка</a:t>
-            </a:r>
-          </a:p>
-          <a:p>
-            <a:pPr lvl="2"/>
-            <a:r>
-              <a:rPr lang="ru-RU" dirty="0"/>
-              <a:t>Оптимизация</a:t>
-            </a:r>
-          </a:p>
-          <a:p>
-            <a:pPr lvl="2"/>
-            <a:r>
-              <a:rPr lang="ru-RU" dirty="0"/>
-              <a:t>Тестирование</a:t>
-            </a:r>
-          </a:p>
-          <a:p>
-            <a:pPr lvl="1"/>
-            <a:endParaRPr lang="ru-RU" dirty="0"/>
-          </a:p>
-          <a:p>
-            <a:endParaRPr lang="ru-RU" dirty="0"/>
+              <a:t>Автор Архипов И.А. ФИТ НГУ гр. 20201</a:t>
+            </a:r>
           </a:p>
         </p:txBody>
       </p:sp>
+      <p:sp>
+        <p:nvSpPr>
+          <p:cNvPr id="5" name="Google Shape;63;p14">
+            <a:extLst>
+              <a:ext uri="{FF2B5EF4-FFF2-40B4-BE49-F238E27FC236}">
+                <a16:creationId xmlns:a16="http://schemas.microsoft.com/office/drawing/2014/main" id="{FDA9D164-0E8F-473E-B3E1-4271E3C11156}"/>
+              </a:ext>
+            </a:extLst>
+          </p:cNvPr>
+          <p:cNvSpPr/>
+          <p:nvPr/>
+        </p:nvSpPr>
+        <p:spPr>
+          <a:xfrm>
+            <a:off x="623393" y="4745618"/>
+            <a:ext cx="1214125" cy="915630"/>
+          </a:xfrm>
+          <a:prstGeom prst="rect">
+            <a:avLst/>
+          </a:prstGeom>
+          <a:solidFill>
+            <a:srgbClr val="D9EAD3"/>
+          </a:solidFill>
+          <a:ln w="9525" cap="flat" cmpd="sng">
+            <a:solidFill>
+              <a:schemeClr val="dk2"/>
+            </a:solidFill>
+            <a:prstDash val="solid"/>
+            <a:round/>
+            <a:headEnd type="none" w="sm" len="sm"/>
+            <a:tailEnd type="none" w="sm" len="sm"/>
+          </a:ln>
+        </p:spPr>
+        <p:txBody>
+          <a:bodyPr spcFirstLastPara="1" wrap="square" lIns="0" tIns="91425" rIns="0" bIns="91425" anchor="ctr" anchorCtr="0">
+            <a:noAutofit/>
+          </a:bodyPr>
+          <a:lstStyle/>
+          <a:p>
+            <a:pPr marL="0" lvl="0" indent="0" algn="ctr" rtl="0">
+              <a:spcBef>
+                <a:spcPts val="0"/>
+              </a:spcBef>
+              <a:spcAft>
+                <a:spcPts val="0"/>
+              </a:spcAft>
+              <a:buNone/>
+            </a:pPr>
+            <a:r>
+              <a:rPr lang="ru-RU" sz="1800" dirty="0"/>
+              <a:t>создать </a:t>
+            </a:r>
+          </a:p>
+          <a:p>
+            <a:pPr marL="0" lvl="0" indent="0" algn="ctr" rtl="0">
+              <a:spcBef>
+                <a:spcPts val="0"/>
+              </a:spcBef>
+              <a:spcAft>
+                <a:spcPts val="0"/>
+              </a:spcAft>
+              <a:buNone/>
+            </a:pPr>
+            <a:r>
+              <a:rPr lang="ru-RU" sz="1800" dirty="0"/>
+              <a:t>ветку </a:t>
+            </a:r>
+            <a:r>
+              <a:rPr lang="en-US" sz="1800" dirty="0"/>
+              <a:t>lab0</a:t>
+            </a:r>
+          </a:p>
+        </p:txBody>
+      </p:sp>
+      <p:sp>
+        <p:nvSpPr>
+          <p:cNvPr id="7" name="Google Shape;65;p14">
+            <a:extLst>
+              <a:ext uri="{FF2B5EF4-FFF2-40B4-BE49-F238E27FC236}">
+                <a16:creationId xmlns:a16="http://schemas.microsoft.com/office/drawing/2014/main" id="{1F1DD1DA-F6AD-42E5-9BD9-D7753F8549D8}"/>
+              </a:ext>
+            </a:extLst>
+          </p:cNvPr>
+          <p:cNvSpPr/>
+          <p:nvPr/>
+        </p:nvSpPr>
+        <p:spPr>
+          <a:xfrm>
+            <a:off x="2235391" y="4745618"/>
+            <a:ext cx="1433126" cy="915630"/>
+          </a:xfrm>
+          <a:prstGeom prst="rect">
+            <a:avLst/>
+          </a:prstGeom>
+          <a:solidFill>
+            <a:srgbClr val="D9EAD3"/>
+          </a:solidFill>
+          <a:ln w="9525" cap="flat" cmpd="sng">
+            <a:solidFill>
+              <a:schemeClr val="dk2"/>
+            </a:solidFill>
+            <a:prstDash val="solid"/>
+            <a:round/>
+            <a:headEnd type="none" w="sm" len="sm"/>
+            <a:tailEnd type="none" w="sm" len="sm"/>
+          </a:ln>
+        </p:spPr>
+        <p:txBody>
+          <a:bodyPr spcFirstLastPara="1" wrap="square" lIns="0" tIns="91425" rIns="0" bIns="91425" anchor="ctr" anchorCtr="0">
+            <a:noAutofit/>
+          </a:bodyPr>
+          <a:lstStyle/>
+          <a:p>
+            <a:pPr marL="0" lvl="0" indent="0" algn="ctr" rtl="0">
+              <a:spcBef>
+                <a:spcPts val="0"/>
+              </a:spcBef>
+              <a:spcAft>
+                <a:spcPts val="0"/>
+              </a:spcAft>
+              <a:buNone/>
+            </a:pPr>
+            <a:r>
+              <a:rPr lang="ru-RU" sz="1800"/>
+              <a:t>скачать репозиторий</a:t>
+            </a:r>
+            <a:endParaRPr lang="ru-RU" sz="1800" dirty="0"/>
+          </a:p>
+        </p:txBody>
+      </p:sp>
+      <p:sp>
+        <p:nvSpPr>
+          <p:cNvPr id="9" name="Google Shape;67;p14">
+            <a:extLst>
+              <a:ext uri="{FF2B5EF4-FFF2-40B4-BE49-F238E27FC236}">
+                <a16:creationId xmlns:a16="http://schemas.microsoft.com/office/drawing/2014/main" id="{F94EC95B-D5A2-411D-905E-65EDFC7C1BE8}"/>
+              </a:ext>
+            </a:extLst>
+          </p:cNvPr>
+          <p:cNvSpPr/>
+          <p:nvPr/>
+        </p:nvSpPr>
+        <p:spPr>
+          <a:xfrm>
+            <a:off x="4066390" y="4745618"/>
+            <a:ext cx="1214125" cy="915630"/>
+          </a:xfrm>
+          <a:prstGeom prst="rect">
+            <a:avLst/>
+          </a:prstGeom>
+          <a:solidFill>
+            <a:srgbClr val="D9EAD3"/>
+          </a:solidFill>
+          <a:ln w="9525" cap="flat" cmpd="sng">
+            <a:solidFill>
+              <a:schemeClr val="dk2"/>
+            </a:solidFill>
+            <a:prstDash val="solid"/>
+            <a:round/>
+            <a:headEnd type="none" w="sm" len="sm"/>
+            <a:tailEnd type="none" w="sm" len="sm"/>
+          </a:ln>
+        </p:spPr>
+        <p:txBody>
+          <a:bodyPr spcFirstLastPara="1" wrap="square" lIns="0" tIns="91425" rIns="0" bIns="91425" anchor="ctr" anchorCtr="0">
+            <a:noAutofit/>
+          </a:bodyPr>
+          <a:lstStyle/>
+          <a:p>
+            <a:pPr marL="0" lvl="0" indent="0" algn="ctr" rtl="0">
+              <a:spcBef>
+                <a:spcPts val="0"/>
+              </a:spcBef>
+              <a:spcAft>
+                <a:spcPts val="0"/>
+              </a:spcAft>
+              <a:buNone/>
+            </a:pPr>
+            <a:r>
+              <a:rPr lang="ru-RU" sz="1800" dirty="0"/>
+              <a:t>написать </a:t>
+            </a:r>
+          </a:p>
+          <a:p>
+            <a:pPr marL="0" lvl="0" indent="0" algn="ctr" rtl="0">
+              <a:spcBef>
+                <a:spcPts val="0"/>
+              </a:spcBef>
+              <a:spcAft>
+                <a:spcPts val="0"/>
+              </a:spcAft>
+              <a:buNone/>
+            </a:pPr>
+            <a:r>
+              <a:rPr lang="ru-RU" sz="1800" dirty="0"/>
+              <a:t>код</a:t>
+            </a:r>
+          </a:p>
+        </p:txBody>
+      </p:sp>
+      <p:sp>
+        <p:nvSpPr>
+          <p:cNvPr id="11" name="Google Shape;69;p14">
+            <a:extLst>
+              <a:ext uri="{FF2B5EF4-FFF2-40B4-BE49-F238E27FC236}">
+                <a16:creationId xmlns:a16="http://schemas.microsoft.com/office/drawing/2014/main" id="{BDD1A40A-2607-48AA-AD39-0AF6E4BF7FD8}"/>
+              </a:ext>
+            </a:extLst>
+          </p:cNvPr>
+          <p:cNvSpPr/>
+          <p:nvPr/>
+        </p:nvSpPr>
+        <p:spPr>
+          <a:xfrm>
+            <a:off x="5678388" y="4745618"/>
+            <a:ext cx="1433126" cy="915630"/>
+          </a:xfrm>
+          <a:prstGeom prst="rect">
+            <a:avLst/>
+          </a:prstGeom>
+          <a:solidFill>
+            <a:srgbClr val="D9EAD3"/>
+          </a:solidFill>
+          <a:ln w="9525" cap="flat" cmpd="sng">
+            <a:solidFill>
+              <a:schemeClr val="dk2"/>
+            </a:solidFill>
+            <a:prstDash val="solid"/>
+            <a:round/>
+            <a:headEnd type="none" w="sm" len="sm"/>
+            <a:tailEnd type="none" w="sm" len="sm"/>
+          </a:ln>
+        </p:spPr>
+        <p:txBody>
+          <a:bodyPr spcFirstLastPara="1" wrap="square" lIns="0" tIns="91425" rIns="0" bIns="91425" anchor="ctr" anchorCtr="0">
+            <a:noAutofit/>
+          </a:bodyPr>
+          <a:lstStyle/>
+          <a:p>
+            <a:pPr marL="0" lvl="0" indent="0" algn="ctr" rtl="0">
+              <a:spcBef>
+                <a:spcPts val="0"/>
+              </a:spcBef>
+              <a:spcAft>
+                <a:spcPts val="0"/>
+              </a:spcAft>
+              <a:buNone/>
+            </a:pPr>
+            <a:r>
+              <a:rPr lang="ru-RU" sz="1800" dirty="0"/>
+              <a:t>отправить </a:t>
+            </a:r>
+          </a:p>
+          <a:p>
+            <a:pPr marL="0" lvl="0" indent="0" algn="ctr" rtl="0">
+              <a:spcBef>
+                <a:spcPts val="0"/>
+              </a:spcBef>
+              <a:spcAft>
+                <a:spcPts val="0"/>
+              </a:spcAft>
+              <a:buNone/>
+            </a:pPr>
+            <a:r>
+              <a:rPr lang="ru-RU" sz="1800" dirty="0"/>
+              <a:t>код на </a:t>
+            </a:r>
+            <a:r>
+              <a:rPr lang="en-US" sz="1800" dirty="0"/>
+              <a:t>GitLab</a:t>
+            </a:r>
+          </a:p>
+        </p:txBody>
+      </p:sp>
+      <p:sp>
+        <p:nvSpPr>
+          <p:cNvPr id="13" name="Google Shape;71;p14">
+            <a:extLst>
+              <a:ext uri="{FF2B5EF4-FFF2-40B4-BE49-F238E27FC236}">
+                <a16:creationId xmlns:a16="http://schemas.microsoft.com/office/drawing/2014/main" id="{080EA994-2F36-489B-91BF-937805BF5033}"/>
+              </a:ext>
+            </a:extLst>
+          </p:cNvPr>
+          <p:cNvSpPr/>
+          <p:nvPr/>
+        </p:nvSpPr>
+        <p:spPr>
+          <a:xfrm>
+            <a:off x="9469398" y="4745618"/>
+            <a:ext cx="1792605" cy="915630"/>
+          </a:xfrm>
+          <a:prstGeom prst="rect">
+            <a:avLst/>
+          </a:prstGeom>
+          <a:solidFill>
+            <a:srgbClr val="D9EAD3"/>
+          </a:solidFill>
+          <a:ln w="9525" cap="flat" cmpd="sng">
+            <a:solidFill>
+              <a:schemeClr val="dk2"/>
+            </a:solidFill>
+            <a:prstDash val="solid"/>
+            <a:round/>
+            <a:headEnd type="none" w="sm" len="sm"/>
+            <a:tailEnd type="none" w="sm" len="sm"/>
+          </a:ln>
+        </p:spPr>
+        <p:txBody>
+          <a:bodyPr spcFirstLastPara="1" wrap="square" lIns="0" tIns="91425" rIns="0" bIns="91425" anchor="ctr" anchorCtr="0">
+            <a:noAutofit/>
+          </a:bodyPr>
+          <a:lstStyle/>
+          <a:p>
+            <a:pPr marL="0" lvl="0" indent="0" algn="ctr" rtl="0">
+              <a:spcBef>
+                <a:spcPts val="0"/>
+              </a:spcBef>
+              <a:spcAft>
+                <a:spcPts val="0"/>
+              </a:spcAft>
+              <a:buNone/>
+            </a:pPr>
+            <a:r>
+              <a:rPr lang="ru-RU" sz="1800" dirty="0"/>
+              <a:t>получить замечания от преподавателя</a:t>
+            </a:r>
+          </a:p>
+        </p:txBody>
+      </p:sp>
+      <p:cxnSp>
+        <p:nvCxnSpPr>
+          <p:cNvPr id="15" name="Google Shape;73;p14">
+            <a:extLst>
+              <a:ext uri="{FF2B5EF4-FFF2-40B4-BE49-F238E27FC236}">
+                <a16:creationId xmlns:a16="http://schemas.microsoft.com/office/drawing/2014/main" id="{021ABB5F-E310-4054-84E3-DBEEC4A983BB}"/>
+              </a:ext>
+            </a:extLst>
+          </p:cNvPr>
+          <p:cNvCxnSpPr>
+            <a:cxnSpLocks/>
+            <a:stCxn id="5" idx="3"/>
+            <a:endCxn id="7" idx="1"/>
+          </p:cNvCxnSpPr>
+          <p:nvPr/>
+        </p:nvCxnSpPr>
+        <p:spPr>
+          <a:xfrm>
+            <a:off x="1837518" y="5203433"/>
+            <a:ext cx="397873" cy="0"/>
+          </a:xfrm>
+          <a:prstGeom prst="straightConnector1">
+            <a:avLst/>
+          </a:prstGeom>
+          <a:noFill/>
+          <a:ln w="9525" cap="flat" cmpd="sng">
+            <a:solidFill>
+              <a:schemeClr val="dk2"/>
+            </a:solidFill>
+            <a:prstDash val="solid"/>
+            <a:round/>
+            <a:headEnd type="none" w="med" len="med"/>
+            <a:tailEnd type="triangle" w="med" len="med"/>
+          </a:ln>
+        </p:spPr>
+      </p:cxnSp>
+      <p:cxnSp>
+        <p:nvCxnSpPr>
+          <p:cNvPr id="16" name="Google Shape;74;p14">
+            <a:extLst>
+              <a:ext uri="{FF2B5EF4-FFF2-40B4-BE49-F238E27FC236}">
+                <a16:creationId xmlns:a16="http://schemas.microsoft.com/office/drawing/2014/main" id="{6ECBDD77-50B2-42CB-963B-94958246282D}"/>
+              </a:ext>
+            </a:extLst>
+          </p:cNvPr>
+          <p:cNvCxnSpPr>
+            <a:cxnSpLocks/>
+            <a:endCxn id="9" idx="1"/>
+          </p:cNvCxnSpPr>
+          <p:nvPr/>
+        </p:nvCxnSpPr>
+        <p:spPr>
+          <a:xfrm flipV="1">
+            <a:off x="3668517" y="5203433"/>
+            <a:ext cx="397873" cy="2"/>
+          </a:xfrm>
+          <a:prstGeom prst="straightConnector1">
+            <a:avLst/>
+          </a:prstGeom>
+          <a:noFill/>
+          <a:ln w="9525" cap="flat" cmpd="sng">
+            <a:solidFill>
+              <a:schemeClr val="dk2"/>
+            </a:solidFill>
+            <a:prstDash val="solid"/>
+            <a:round/>
+            <a:headEnd type="none" w="med" len="med"/>
+            <a:tailEnd type="triangle" w="med" len="med"/>
+          </a:ln>
+        </p:spPr>
+      </p:cxnSp>
+      <p:cxnSp>
+        <p:nvCxnSpPr>
+          <p:cNvPr id="17" name="Google Shape;75;p14">
+            <a:extLst>
+              <a:ext uri="{FF2B5EF4-FFF2-40B4-BE49-F238E27FC236}">
+                <a16:creationId xmlns:a16="http://schemas.microsoft.com/office/drawing/2014/main" id="{EBA18844-7D33-4193-BC5C-7E9CF46F40D1}"/>
+              </a:ext>
+            </a:extLst>
+          </p:cNvPr>
+          <p:cNvCxnSpPr>
+            <a:cxnSpLocks/>
+            <a:stCxn id="9" idx="3"/>
+            <a:endCxn id="11" idx="1"/>
+          </p:cNvCxnSpPr>
+          <p:nvPr/>
+        </p:nvCxnSpPr>
+        <p:spPr>
+          <a:xfrm>
+            <a:off x="5280515" y="5203433"/>
+            <a:ext cx="397873" cy="0"/>
+          </a:xfrm>
+          <a:prstGeom prst="straightConnector1">
+            <a:avLst/>
+          </a:prstGeom>
+          <a:noFill/>
+          <a:ln w="9525" cap="flat" cmpd="sng">
+            <a:solidFill>
+              <a:schemeClr val="dk2"/>
+            </a:solidFill>
+            <a:prstDash val="solid"/>
+            <a:round/>
+            <a:headEnd type="none" w="med" len="med"/>
+            <a:tailEnd type="triangle" w="med" len="med"/>
+          </a:ln>
+        </p:spPr>
+      </p:cxnSp>
+      <p:cxnSp>
+        <p:nvCxnSpPr>
+          <p:cNvPr id="18" name="Google Shape;76;p14">
+            <a:extLst>
+              <a:ext uri="{FF2B5EF4-FFF2-40B4-BE49-F238E27FC236}">
+                <a16:creationId xmlns:a16="http://schemas.microsoft.com/office/drawing/2014/main" id="{83665FCF-9886-4584-A324-98A81FD41255}"/>
+              </a:ext>
+            </a:extLst>
+          </p:cNvPr>
+          <p:cNvCxnSpPr>
+            <a:cxnSpLocks/>
+            <a:stCxn id="13" idx="2"/>
+            <a:endCxn id="9" idx="2"/>
+          </p:cNvCxnSpPr>
+          <p:nvPr/>
+        </p:nvCxnSpPr>
+        <p:spPr>
+          <a:xfrm rot="5400000">
+            <a:off x="7519577" y="2815124"/>
+            <a:ext cx="12700" cy="5692248"/>
+          </a:xfrm>
+          <a:prstGeom prst="bentConnector3">
+            <a:avLst>
+              <a:gd name="adj1" fmla="val 1800000"/>
+            </a:avLst>
+          </a:prstGeom>
+          <a:noFill/>
+          <a:ln w="9525" cap="flat" cmpd="sng">
+            <a:solidFill>
+              <a:schemeClr val="dk2"/>
+            </a:solidFill>
+            <a:prstDash val="solid"/>
+            <a:round/>
+            <a:headEnd type="none" w="med" len="med"/>
+            <a:tailEnd type="none" w="med" len="med"/>
+          </a:ln>
+        </p:spPr>
+      </p:cxnSp>
+      <p:sp>
+        <p:nvSpPr>
+          <p:cNvPr id="19" name="Google Shape;77;p14">
+            <a:extLst>
+              <a:ext uri="{FF2B5EF4-FFF2-40B4-BE49-F238E27FC236}">
+                <a16:creationId xmlns:a16="http://schemas.microsoft.com/office/drawing/2014/main" id="{AA869FBC-6079-454A-8795-6A72F0B31343}"/>
+              </a:ext>
+            </a:extLst>
+          </p:cNvPr>
+          <p:cNvSpPr/>
+          <p:nvPr/>
+        </p:nvSpPr>
+        <p:spPr>
+          <a:xfrm>
+            <a:off x="7392144" y="3403233"/>
+            <a:ext cx="1853635" cy="915630"/>
+          </a:xfrm>
+          <a:prstGeom prst="rect">
+            <a:avLst/>
+          </a:prstGeom>
+          <a:solidFill>
+            <a:srgbClr val="D9EAD3"/>
+          </a:solidFill>
+          <a:ln w="9525" cap="flat" cmpd="sng">
+            <a:solidFill>
+              <a:schemeClr val="dk2"/>
+            </a:solidFill>
+            <a:prstDash val="solid"/>
+            <a:round/>
+            <a:headEnd type="none" w="sm" len="sm"/>
+            <a:tailEnd type="none" w="sm" len="sm"/>
+          </a:ln>
+        </p:spPr>
+        <p:txBody>
+          <a:bodyPr spcFirstLastPara="1" wrap="square" lIns="0" tIns="91425" rIns="0" bIns="91425" anchor="ctr" anchorCtr="0">
+            <a:noAutofit/>
+          </a:bodyPr>
+          <a:lstStyle/>
+          <a:p>
+            <a:pPr marL="0" lvl="0" indent="0" algn="ctr" rtl="0">
+              <a:spcBef>
+                <a:spcPts val="0"/>
+              </a:spcBef>
+              <a:spcAft>
+                <a:spcPts val="0"/>
+              </a:spcAft>
+              <a:buNone/>
+            </a:pPr>
+            <a:r>
+              <a:rPr lang="ru-RU" sz="1800" dirty="0"/>
+              <a:t>получить</a:t>
+            </a:r>
+            <a:br>
+              <a:rPr lang="ru-RU" sz="1800" dirty="0"/>
+            </a:br>
+            <a:r>
+              <a:rPr lang="ru-RU" sz="1800" dirty="0"/>
+              <a:t>подтверждение от преподавателя</a:t>
+            </a:r>
+          </a:p>
+        </p:txBody>
+      </p:sp>
+      <p:sp>
+        <p:nvSpPr>
+          <p:cNvPr id="21" name="Google Shape;79;p14">
+            <a:extLst>
+              <a:ext uri="{FF2B5EF4-FFF2-40B4-BE49-F238E27FC236}">
+                <a16:creationId xmlns:a16="http://schemas.microsoft.com/office/drawing/2014/main" id="{2B9BA921-148C-48CE-AE8D-5BAA6432A8D3}"/>
+              </a:ext>
+            </a:extLst>
+          </p:cNvPr>
+          <p:cNvSpPr/>
+          <p:nvPr/>
+        </p:nvSpPr>
+        <p:spPr>
+          <a:xfrm>
+            <a:off x="7537892" y="4745618"/>
+            <a:ext cx="1562139" cy="915630"/>
+          </a:xfrm>
+          <a:prstGeom prst="rect">
+            <a:avLst/>
+          </a:prstGeom>
+          <a:solidFill>
+            <a:srgbClr val="D9EAD3"/>
+          </a:solidFill>
+          <a:ln w="9525" cap="flat" cmpd="sng">
+            <a:solidFill>
+              <a:schemeClr val="dk2"/>
+            </a:solidFill>
+            <a:prstDash val="solid"/>
+            <a:round/>
+            <a:headEnd type="none" w="sm" len="sm"/>
+            <a:tailEnd type="none" w="sm" len="sm"/>
+          </a:ln>
+        </p:spPr>
+        <p:txBody>
+          <a:bodyPr spcFirstLastPara="1" wrap="square" lIns="0" tIns="91425" rIns="0" bIns="91425" anchor="ctr" anchorCtr="0">
+            <a:noAutofit/>
+          </a:bodyPr>
+          <a:lstStyle/>
+          <a:p>
+            <a:pPr marL="0" lvl="0" indent="0" algn="ctr" rtl="0">
+              <a:spcBef>
+                <a:spcPts val="0"/>
+              </a:spcBef>
+              <a:spcAft>
+                <a:spcPts val="0"/>
+              </a:spcAft>
+              <a:buNone/>
+            </a:pPr>
+            <a:r>
+              <a:rPr lang="ru-RU" sz="1800" dirty="0"/>
+              <a:t>сделать </a:t>
+            </a:r>
+          </a:p>
+          <a:p>
+            <a:pPr marL="0" lvl="0" indent="0" algn="ctr" rtl="0">
+              <a:spcBef>
+                <a:spcPts val="0"/>
+              </a:spcBef>
+              <a:spcAft>
+                <a:spcPts val="0"/>
+              </a:spcAft>
+              <a:buNone/>
+            </a:pPr>
+            <a:r>
+              <a:rPr lang="en-US" sz="1800" dirty="0"/>
+              <a:t>Merge Request</a:t>
+            </a:r>
+          </a:p>
+        </p:txBody>
+      </p:sp>
+      <p:cxnSp>
+        <p:nvCxnSpPr>
+          <p:cNvPr id="23" name="Google Shape;81;p14">
+            <a:extLst>
+              <a:ext uri="{FF2B5EF4-FFF2-40B4-BE49-F238E27FC236}">
+                <a16:creationId xmlns:a16="http://schemas.microsoft.com/office/drawing/2014/main" id="{BE3FE66A-9076-4CE9-9584-77ABC5EDBB0A}"/>
+              </a:ext>
+            </a:extLst>
+          </p:cNvPr>
+          <p:cNvCxnSpPr>
+            <a:cxnSpLocks/>
+            <a:endCxn id="21" idx="1"/>
+          </p:cNvCxnSpPr>
+          <p:nvPr/>
+        </p:nvCxnSpPr>
+        <p:spPr>
+          <a:xfrm>
+            <a:off x="7111514" y="5203433"/>
+            <a:ext cx="426378" cy="0"/>
+          </a:xfrm>
+          <a:prstGeom prst="straightConnector1">
+            <a:avLst/>
+          </a:prstGeom>
+          <a:noFill/>
+          <a:ln w="9525" cap="flat" cmpd="sng">
+            <a:solidFill>
+              <a:schemeClr val="dk2"/>
+            </a:solidFill>
+            <a:prstDash val="solid"/>
+            <a:round/>
+            <a:headEnd type="none" w="med" len="med"/>
+            <a:tailEnd type="triangle" w="med" len="med"/>
+          </a:ln>
+        </p:spPr>
+      </p:cxnSp>
+      <p:cxnSp>
+        <p:nvCxnSpPr>
+          <p:cNvPr id="24" name="Google Shape;82;p14">
+            <a:extLst>
+              <a:ext uri="{FF2B5EF4-FFF2-40B4-BE49-F238E27FC236}">
+                <a16:creationId xmlns:a16="http://schemas.microsoft.com/office/drawing/2014/main" id="{FD7D9905-A826-438C-B7BB-104055C7D74D}"/>
+              </a:ext>
+            </a:extLst>
+          </p:cNvPr>
+          <p:cNvCxnSpPr>
+            <a:cxnSpLocks/>
+          </p:cNvCxnSpPr>
+          <p:nvPr/>
+        </p:nvCxnSpPr>
+        <p:spPr>
+          <a:xfrm>
+            <a:off x="8648684" y="2778978"/>
+            <a:ext cx="176400" cy="0"/>
+          </a:xfrm>
+          <a:prstGeom prst="straightConnector1">
+            <a:avLst/>
+          </a:prstGeom>
+          <a:noFill/>
+          <a:ln w="9525" cap="flat" cmpd="sng">
+            <a:solidFill>
+              <a:schemeClr val="dk2"/>
+            </a:solidFill>
+            <a:prstDash val="solid"/>
+            <a:round/>
+            <a:headEnd type="none" w="med" len="med"/>
+            <a:tailEnd type="triangle" w="med" len="med"/>
+          </a:ln>
+        </p:spPr>
+      </p:cxnSp>
+      <p:cxnSp>
+        <p:nvCxnSpPr>
+          <p:cNvPr id="25" name="Google Shape;83;p14">
+            <a:extLst>
+              <a:ext uri="{FF2B5EF4-FFF2-40B4-BE49-F238E27FC236}">
+                <a16:creationId xmlns:a16="http://schemas.microsoft.com/office/drawing/2014/main" id="{8E1EA5F1-8474-4B03-9ABC-6779B59A445D}"/>
+              </a:ext>
+            </a:extLst>
+          </p:cNvPr>
+          <p:cNvCxnSpPr>
+            <a:cxnSpLocks/>
+            <a:stCxn id="21" idx="0"/>
+            <a:endCxn id="19" idx="2"/>
+          </p:cNvCxnSpPr>
+          <p:nvPr/>
+        </p:nvCxnSpPr>
+        <p:spPr>
+          <a:xfrm flipV="1">
+            <a:off x="8318962" y="4318863"/>
+            <a:ext cx="0" cy="426755"/>
+          </a:xfrm>
+          <a:prstGeom prst="straightConnector1">
+            <a:avLst/>
+          </a:prstGeom>
+          <a:noFill/>
+          <a:ln w="9525" cap="flat" cmpd="sng">
+            <a:solidFill>
+              <a:schemeClr val="dk2"/>
+            </a:solidFill>
+            <a:prstDash val="solid"/>
+            <a:round/>
+            <a:headEnd type="none" w="med" len="med"/>
+            <a:tailEnd type="triangle" w="med" len="med"/>
+          </a:ln>
+        </p:spPr>
+      </p:cxnSp>
+      <p:sp>
+        <p:nvSpPr>
+          <p:cNvPr id="26" name="Google Shape;84;p14">
+            <a:extLst>
+              <a:ext uri="{FF2B5EF4-FFF2-40B4-BE49-F238E27FC236}">
+                <a16:creationId xmlns:a16="http://schemas.microsoft.com/office/drawing/2014/main" id="{E1646F2A-0B2F-491B-810E-EB89A2A9B6C5}"/>
+              </a:ext>
+            </a:extLst>
+          </p:cNvPr>
+          <p:cNvSpPr/>
+          <p:nvPr/>
+        </p:nvSpPr>
+        <p:spPr>
+          <a:xfrm>
+            <a:off x="7422659" y="2060848"/>
+            <a:ext cx="1792605" cy="915630"/>
+          </a:xfrm>
+          <a:prstGeom prst="rect">
+            <a:avLst/>
+          </a:prstGeom>
+          <a:solidFill>
+            <a:srgbClr val="D9EAD3"/>
+          </a:solidFill>
+          <a:ln w="9525" cap="flat" cmpd="sng">
+            <a:solidFill>
+              <a:schemeClr val="dk2"/>
+            </a:solidFill>
+            <a:prstDash val="solid"/>
+            <a:round/>
+            <a:headEnd type="none" w="sm" len="sm"/>
+            <a:tailEnd type="none" w="sm" len="sm"/>
+          </a:ln>
+        </p:spPr>
+        <p:txBody>
+          <a:bodyPr spcFirstLastPara="1" wrap="square" lIns="0" tIns="91425" rIns="0" bIns="91425" anchor="ctr" anchorCtr="0">
+            <a:noAutofit/>
+          </a:bodyPr>
+          <a:lstStyle/>
+          <a:p>
+            <a:pPr marL="0" lvl="0" indent="0" algn="ctr" rtl="0">
+              <a:spcBef>
+                <a:spcPts val="0"/>
+              </a:spcBef>
+              <a:spcAft>
+                <a:spcPts val="0"/>
+              </a:spcAft>
+              <a:buNone/>
+            </a:pPr>
+            <a:r>
+              <a:rPr lang="ru-RU" sz="1800" dirty="0"/>
+              <a:t>вы прекрасны!</a:t>
+            </a:r>
+          </a:p>
+        </p:txBody>
+      </p:sp>
+      <p:cxnSp>
+        <p:nvCxnSpPr>
+          <p:cNvPr id="28" name="Google Shape;86;p14">
+            <a:extLst>
+              <a:ext uri="{FF2B5EF4-FFF2-40B4-BE49-F238E27FC236}">
+                <a16:creationId xmlns:a16="http://schemas.microsoft.com/office/drawing/2014/main" id="{8725544A-C939-418B-806B-86A3FFE72909}"/>
+              </a:ext>
+            </a:extLst>
+          </p:cNvPr>
+          <p:cNvCxnSpPr>
+            <a:cxnSpLocks/>
+            <a:stCxn id="19" idx="0"/>
+            <a:endCxn id="26" idx="2"/>
+          </p:cNvCxnSpPr>
+          <p:nvPr/>
+        </p:nvCxnSpPr>
+        <p:spPr>
+          <a:xfrm flipV="1">
+            <a:off x="8318962" y="2976478"/>
+            <a:ext cx="0" cy="426755"/>
+          </a:xfrm>
+          <a:prstGeom prst="straightConnector1">
+            <a:avLst/>
+          </a:prstGeom>
+          <a:noFill/>
+          <a:ln w="9525" cap="flat" cmpd="sng">
+            <a:solidFill>
+              <a:schemeClr val="dk2"/>
+            </a:solidFill>
+            <a:prstDash val="solid"/>
+            <a:round/>
+            <a:headEnd type="none" w="med" len="med"/>
+            <a:tailEnd type="triangle" w="med" len="med"/>
+          </a:ln>
+        </p:spPr>
+      </p:cxnSp>
+      <p:cxnSp>
+        <p:nvCxnSpPr>
+          <p:cNvPr id="63" name="Google Shape;81;p14">
+            <a:extLst>
+              <a:ext uri="{FF2B5EF4-FFF2-40B4-BE49-F238E27FC236}">
+                <a16:creationId xmlns:a16="http://schemas.microsoft.com/office/drawing/2014/main" id="{905EE4F6-B9E6-465D-8E48-0041255E6EE0}"/>
+              </a:ext>
+            </a:extLst>
+          </p:cNvPr>
+          <p:cNvCxnSpPr>
+            <a:cxnSpLocks/>
+            <a:endCxn id="13" idx="1"/>
+          </p:cNvCxnSpPr>
+          <p:nvPr/>
+        </p:nvCxnSpPr>
+        <p:spPr>
+          <a:xfrm>
+            <a:off x="9100032" y="5203433"/>
+            <a:ext cx="369366" cy="0"/>
+          </a:xfrm>
+          <a:prstGeom prst="straightConnector1">
+            <a:avLst/>
+          </a:prstGeom>
+          <a:noFill/>
+          <a:ln w="9525" cap="flat" cmpd="sng">
+            <a:solidFill>
+              <a:schemeClr val="dk2"/>
+            </a:solidFill>
+            <a:prstDash val="solid"/>
+            <a:round/>
+            <a:headEnd type="none" w="med" len="med"/>
+            <a:tailEnd type="triangle" w="med" len="med"/>
+          </a:ln>
+        </p:spPr>
+      </p:cxnSp>
     </p:spTree>
     <p:extLst>
       <p:ext uri="{BB962C8B-B14F-4D97-AF65-F5344CB8AC3E}">
-        <p14:creationId xmlns:p14="http://schemas.microsoft.com/office/powerpoint/2010/main" val="2522769053"/>
+        <p14:creationId xmlns:p14="http://schemas.microsoft.com/office/powerpoint/2010/main" val="3857320037"/>
       </p:ext>
     </p:extLst>
   </p:cSld>
@@ -16874,6 +17709,2004 @@
       </p:grpSpPr>
       <p:sp>
         <p:nvSpPr>
+          <p:cNvPr id="2" name="Title 1">
+            <a:extLst>
+              <a:ext uri="{FF2B5EF4-FFF2-40B4-BE49-F238E27FC236}">
+                <a16:creationId xmlns:a16="http://schemas.microsoft.com/office/drawing/2014/main" id="{7CFC969E-9DFC-40A2-9103-76FB240FDA2E}"/>
+              </a:ext>
+            </a:extLst>
+          </p:cNvPr>
+          <p:cNvSpPr>
+            <a:spLocks noGrp="1"/>
+          </p:cNvSpPr>
+          <p:nvPr>
+            <p:ph type="title"/>
+          </p:nvPr>
+        </p:nvSpPr>
+        <p:spPr/>
+        <p:txBody>
+          <a:bodyPr/>
+          <a:lstStyle/>
+          <a:p>
+            <a:r>
+              <a:rPr lang="ru-RU" dirty="0"/>
+              <a:t>Создание ветки</a:t>
+            </a:r>
+          </a:p>
+        </p:txBody>
+      </p:sp>
+      <p:sp>
+        <p:nvSpPr>
+          <p:cNvPr id="3" name="Content Placeholder 2">
+            <a:extLst>
+              <a:ext uri="{FF2B5EF4-FFF2-40B4-BE49-F238E27FC236}">
+                <a16:creationId xmlns:a16="http://schemas.microsoft.com/office/drawing/2014/main" id="{EECA420A-0E98-4304-ADE3-9302E6ED889C}"/>
+              </a:ext>
+            </a:extLst>
+          </p:cNvPr>
+          <p:cNvSpPr>
+            <a:spLocks noGrp="1"/>
+          </p:cNvSpPr>
+          <p:nvPr>
+            <p:ph sz="half" idx="1"/>
+          </p:nvPr>
+        </p:nvSpPr>
+        <p:spPr/>
+        <p:txBody>
+          <a:bodyPr/>
+          <a:lstStyle/>
+          <a:p>
+            <a:pPr>
+              <a:spcBef>
+                <a:spcPts val="0"/>
+              </a:spcBef>
+            </a:pPr>
+            <a:r>
+              <a:rPr lang="ru-RU" dirty="0"/>
+              <a:t>На странице репозитория находим кнопку “+”</a:t>
+            </a:r>
+          </a:p>
+          <a:p>
+            <a:pPr>
+              <a:spcBef>
+                <a:spcPts val="1600"/>
+              </a:spcBef>
+            </a:pPr>
+            <a:r>
+              <a:rPr lang="ru-RU" dirty="0"/>
+              <a:t>Выбираем </a:t>
+            </a:r>
+            <a:r>
+              <a:rPr lang="ru-RU" dirty="0" err="1"/>
+              <a:t>New</a:t>
+            </a:r>
+            <a:r>
+              <a:rPr lang="ru-RU" dirty="0"/>
+              <a:t> </a:t>
+            </a:r>
+            <a:r>
+              <a:rPr lang="ru-RU" dirty="0" err="1"/>
+              <a:t>branch</a:t>
+            </a:r>
+            <a:endParaRPr lang="ru-RU" dirty="0"/>
+          </a:p>
+          <a:p>
+            <a:pPr>
+              <a:spcBef>
+                <a:spcPts val="1600"/>
+              </a:spcBef>
+            </a:pPr>
+            <a:r>
+              <a:rPr lang="ru-RU" dirty="0"/>
+              <a:t>Набираем название ветки </a:t>
+            </a:r>
+            <a:r>
+              <a:rPr lang="ru-RU" dirty="0" err="1"/>
+              <a:t>lab</a:t>
+            </a:r>
+            <a:r>
+              <a:rPr lang="ru-RU" dirty="0"/>
+              <a:t>&lt;номер&gt;</a:t>
+            </a:r>
+          </a:p>
+          <a:p>
+            <a:pPr lvl="1">
+              <a:spcBef>
+                <a:spcPts val="1600"/>
+              </a:spcBef>
+            </a:pPr>
+            <a:r>
+              <a:rPr lang="ru-RU" dirty="0"/>
+              <a:t>например lab0, lab1, ...</a:t>
+            </a:r>
+          </a:p>
+          <a:p>
+            <a:pPr>
+              <a:spcBef>
+                <a:spcPts val="1600"/>
+              </a:spcBef>
+              <a:spcAft>
+                <a:spcPts val="1600"/>
+              </a:spcAft>
+            </a:pPr>
+            <a:endParaRPr lang="ru-RU" dirty="0"/>
+          </a:p>
+          <a:p>
+            <a:endParaRPr lang="ru-RU" dirty="0"/>
+          </a:p>
+        </p:txBody>
+      </p:sp>
+      <p:sp>
+        <p:nvSpPr>
+          <p:cNvPr id="6" name="Content Placeholder 5">
+            <a:extLst>
+              <a:ext uri="{FF2B5EF4-FFF2-40B4-BE49-F238E27FC236}">
+                <a16:creationId xmlns:a16="http://schemas.microsoft.com/office/drawing/2014/main" id="{98E8874F-EA55-4D30-9B08-E996454CF596}"/>
+              </a:ext>
+            </a:extLst>
+          </p:cNvPr>
+          <p:cNvSpPr>
+            <a:spLocks noGrp="1"/>
+          </p:cNvSpPr>
+          <p:nvPr>
+            <p:ph sz="half" idx="2"/>
+          </p:nvPr>
+        </p:nvSpPr>
+        <p:spPr/>
+        <p:txBody>
+          <a:bodyPr/>
+          <a:lstStyle/>
+          <a:p>
+            <a:endParaRPr lang="ru-RU" dirty="0"/>
+          </a:p>
+        </p:txBody>
+      </p:sp>
+      <p:pic>
+        <p:nvPicPr>
+          <p:cNvPr id="5" name="Google Shape;93;p15">
+            <a:extLst>
+              <a:ext uri="{FF2B5EF4-FFF2-40B4-BE49-F238E27FC236}">
+                <a16:creationId xmlns:a16="http://schemas.microsoft.com/office/drawing/2014/main" id="{75773BE0-14D6-424D-A8D5-6EEF3D242E19}"/>
+              </a:ext>
+            </a:extLst>
+          </p:cNvPr>
+          <p:cNvPicPr preferRelativeResize="0"/>
+          <p:nvPr/>
+        </p:nvPicPr>
+        <p:blipFill rotWithShape="1">
+          <a:blip r:embed="rId2">
+            <a:alphaModFix/>
+          </a:blip>
+          <a:srcRect l="2407"/>
+          <a:stretch/>
+        </p:blipFill>
+        <p:spPr>
+          <a:xfrm>
+            <a:off x="6213895" y="2351080"/>
+            <a:ext cx="5138689" cy="3024204"/>
+          </a:xfrm>
+          <a:prstGeom prst="rect">
+            <a:avLst/>
+          </a:prstGeom>
+          <a:noFill/>
+          <a:ln>
+            <a:noFill/>
+          </a:ln>
+        </p:spPr>
+      </p:pic>
+      <p:sp>
+        <p:nvSpPr>
+          <p:cNvPr id="7" name="TextBox 6">
+            <a:extLst>
+              <a:ext uri="{FF2B5EF4-FFF2-40B4-BE49-F238E27FC236}">
+                <a16:creationId xmlns:a16="http://schemas.microsoft.com/office/drawing/2014/main" id="{9D1E9BBC-67B1-413D-B199-6849BF7BC478}"/>
+              </a:ext>
+            </a:extLst>
+          </p:cNvPr>
+          <p:cNvSpPr txBox="1"/>
+          <p:nvPr/>
+        </p:nvSpPr>
+        <p:spPr>
+          <a:xfrm rot="16200000">
+            <a:off x="9430820" y="3817235"/>
+            <a:ext cx="3933834" cy="369332"/>
+          </a:xfrm>
+          <a:prstGeom prst="rect">
+            <a:avLst/>
+          </a:prstGeom>
+          <a:noFill/>
+        </p:spPr>
+        <p:txBody>
+          <a:bodyPr wrap="none" rtlCol="0">
+            <a:spAutoFit/>
+          </a:bodyPr>
+          <a:lstStyle/>
+          <a:p>
+            <a:r>
+              <a:rPr lang="ru-RU" dirty="0"/>
+              <a:t>Автор Архипов И.А. ФИТ НГУ гр. 20201</a:t>
+            </a:r>
+          </a:p>
+        </p:txBody>
+      </p:sp>
+    </p:spTree>
+    <p:extLst>
+      <p:ext uri="{BB962C8B-B14F-4D97-AF65-F5344CB8AC3E}">
+        <p14:creationId xmlns:p14="http://schemas.microsoft.com/office/powerpoint/2010/main" val="3241971204"/>
+      </p:ext>
+    </p:extLst>
+  </p:cSld>
+  <p:clrMapOvr>
+    <a:masterClrMapping/>
+  </p:clrMapOvr>
+</p:sld>
+</file>
+
+<file path=ppt/slides/slide71.xml><?xml version="1.0" encoding="utf-8"?>
+<p:sld xmlns:a="http://schemas.openxmlformats.org/drawingml/2006/main" xmlns:r="http://schemas.openxmlformats.org/officeDocument/2006/relationships" xmlns:p="http://schemas.openxmlformats.org/presentationml/2006/main">
+  <p:cSld>
+    <p:spTree>
+      <p:nvGrpSpPr>
+        <p:cNvPr id="1" name=""/>
+        <p:cNvGrpSpPr/>
+        <p:nvPr/>
+      </p:nvGrpSpPr>
+      <p:grpSpPr>
+        <a:xfrm>
+          <a:off x="0" y="0"/>
+          <a:ext cx="0" cy="0"/>
+          <a:chOff x="0" y="0"/>
+          <a:chExt cx="0" cy="0"/>
+        </a:xfrm>
+      </p:grpSpPr>
+      <p:sp>
+        <p:nvSpPr>
+          <p:cNvPr id="2" name="Title 1">
+            <a:extLst>
+              <a:ext uri="{FF2B5EF4-FFF2-40B4-BE49-F238E27FC236}">
+                <a16:creationId xmlns:a16="http://schemas.microsoft.com/office/drawing/2014/main" id="{7CFC969E-9DFC-40A2-9103-76FB240FDA2E}"/>
+              </a:ext>
+            </a:extLst>
+          </p:cNvPr>
+          <p:cNvSpPr>
+            <a:spLocks noGrp="1"/>
+          </p:cNvSpPr>
+          <p:nvPr>
+            <p:ph type="title"/>
+          </p:nvPr>
+        </p:nvSpPr>
+        <p:spPr/>
+        <p:txBody>
+          <a:bodyPr/>
+          <a:lstStyle/>
+          <a:p>
+            <a:r>
+              <a:rPr lang="ru-RU" dirty="0"/>
+              <a:t>Скачивание репозитория</a:t>
+            </a:r>
+          </a:p>
+        </p:txBody>
+      </p:sp>
+      <p:sp>
+        <p:nvSpPr>
+          <p:cNvPr id="3" name="Content Placeholder 2">
+            <a:extLst>
+              <a:ext uri="{FF2B5EF4-FFF2-40B4-BE49-F238E27FC236}">
+                <a16:creationId xmlns:a16="http://schemas.microsoft.com/office/drawing/2014/main" id="{EECA420A-0E98-4304-ADE3-9302E6ED889C}"/>
+              </a:ext>
+            </a:extLst>
+          </p:cNvPr>
+          <p:cNvSpPr>
+            <a:spLocks noGrp="1"/>
+          </p:cNvSpPr>
+          <p:nvPr>
+            <p:ph sz="half" idx="1"/>
+          </p:nvPr>
+        </p:nvSpPr>
+        <p:spPr/>
+        <p:txBody>
+          <a:bodyPr/>
+          <a:lstStyle/>
+          <a:p>
+            <a:r>
+              <a:rPr lang="ru-RU" sz="2800" dirty="0"/>
+              <a:t>Просто скачать как файл</a:t>
+            </a:r>
+          </a:p>
+          <a:p>
+            <a:endParaRPr lang="ru-RU" dirty="0"/>
+          </a:p>
+        </p:txBody>
+      </p:sp>
+      <p:sp>
+        <p:nvSpPr>
+          <p:cNvPr id="6" name="Content Placeholder 5">
+            <a:extLst>
+              <a:ext uri="{FF2B5EF4-FFF2-40B4-BE49-F238E27FC236}">
+                <a16:creationId xmlns:a16="http://schemas.microsoft.com/office/drawing/2014/main" id="{98E8874F-EA55-4D30-9B08-E996454CF596}"/>
+              </a:ext>
+            </a:extLst>
+          </p:cNvPr>
+          <p:cNvSpPr>
+            <a:spLocks noGrp="1"/>
+          </p:cNvSpPr>
+          <p:nvPr>
+            <p:ph sz="half" idx="2"/>
+          </p:nvPr>
+        </p:nvSpPr>
+        <p:spPr/>
+        <p:txBody>
+          <a:bodyPr/>
+          <a:lstStyle/>
+          <a:p>
+            <a:r>
+              <a:rPr lang="ru" sz="2800" dirty="0"/>
+              <a:t>Использовать git client</a:t>
+            </a:r>
+            <a:r>
+              <a:rPr lang="ru" dirty="0"/>
+              <a:t> </a:t>
+            </a:r>
+            <a:endParaRPr lang="ru-RU" dirty="0"/>
+          </a:p>
+        </p:txBody>
+      </p:sp>
+      <p:sp>
+        <p:nvSpPr>
+          <p:cNvPr id="7" name="TextBox 6">
+            <a:extLst>
+              <a:ext uri="{FF2B5EF4-FFF2-40B4-BE49-F238E27FC236}">
+                <a16:creationId xmlns:a16="http://schemas.microsoft.com/office/drawing/2014/main" id="{9D1E9BBC-67B1-413D-B199-6849BF7BC478}"/>
+              </a:ext>
+            </a:extLst>
+          </p:cNvPr>
+          <p:cNvSpPr txBox="1"/>
+          <p:nvPr/>
+        </p:nvSpPr>
+        <p:spPr>
+          <a:xfrm rot="16200000">
+            <a:off x="9430820" y="3817235"/>
+            <a:ext cx="3933834" cy="369332"/>
+          </a:xfrm>
+          <a:prstGeom prst="rect">
+            <a:avLst/>
+          </a:prstGeom>
+          <a:noFill/>
+        </p:spPr>
+        <p:txBody>
+          <a:bodyPr wrap="none" rtlCol="0">
+            <a:spAutoFit/>
+          </a:bodyPr>
+          <a:lstStyle/>
+          <a:p>
+            <a:r>
+              <a:rPr lang="ru-RU" dirty="0"/>
+              <a:t>Автор Архипов И.А. ФИТ НГУ гр. 20201</a:t>
+            </a:r>
+          </a:p>
+        </p:txBody>
+      </p:sp>
+      <p:pic>
+        <p:nvPicPr>
+          <p:cNvPr id="8" name="Google Shape;100;p16">
+            <a:extLst>
+              <a:ext uri="{FF2B5EF4-FFF2-40B4-BE49-F238E27FC236}">
+                <a16:creationId xmlns:a16="http://schemas.microsoft.com/office/drawing/2014/main" id="{7C3C67EC-F694-4624-880C-D89604D557A8}"/>
+              </a:ext>
+            </a:extLst>
+          </p:cNvPr>
+          <p:cNvPicPr preferRelativeResize="0"/>
+          <p:nvPr/>
+        </p:nvPicPr>
+        <p:blipFill>
+          <a:blip r:embed="rId2">
+            <a:alphaModFix/>
+          </a:blip>
+          <a:stretch>
+            <a:fillRect/>
+          </a:stretch>
+        </p:blipFill>
+        <p:spPr>
+          <a:xfrm>
+            <a:off x="911424" y="2492896"/>
+            <a:ext cx="4229100" cy="1038225"/>
+          </a:xfrm>
+          <a:prstGeom prst="rect">
+            <a:avLst/>
+          </a:prstGeom>
+          <a:noFill/>
+          <a:ln>
+            <a:noFill/>
+          </a:ln>
+        </p:spPr>
+      </p:pic>
+      <p:cxnSp>
+        <p:nvCxnSpPr>
+          <p:cNvPr id="9" name="Google Shape;101;p16">
+            <a:extLst>
+              <a:ext uri="{FF2B5EF4-FFF2-40B4-BE49-F238E27FC236}">
+                <a16:creationId xmlns:a16="http://schemas.microsoft.com/office/drawing/2014/main" id="{A9527251-3F6C-4FF9-9407-D51FEAF5E45E}"/>
+              </a:ext>
+            </a:extLst>
+          </p:cNvPr>
+          <p:cNvCxnSpPr>
+            <a:cxnSpLocks/>
+            <a:stCxn id="10" idx="0"/>
+          </p:cNvCxnSpPr>
+          <p:nvPr/>
+        </p:nvCxnSpPr>
+        <p:spPr>
+          <a:xfrm flipV="1">
+            <a:off x="2743749" y="3325484"/>
+            <a:ext cx="1060975" cy="945574"/>
+          </a:xfrm>
+          <a:prstGeom prst="straightConnector1">
+            <a:avLst/>
+          </a:prstGeom>
+          <a:noFill/>
+          <a:ln w="9525" cap="flat" cmpd="sng">
+            <a:solidFill>
+              <a:schemeClr val="dk2"/>
+            </a:solidFill>
+            <a:prstDash val="solid"/>
+            <a:round/>
+            <a:headEnd type="none" w="med" len="med"/>
+            <a:tailEnd type="triangle" w="med" len="med"/>
+          </a:ln>
+        </p:spPr>
+      </p:cxnSp>
+      <p:sp>
+        <p:nvSpPr>
+          <p:cNvPr id="10" name="Google Shape;102;p16">
+            <a:extLst>
+              <a:ext uri="{FF2B5EF4-FFF2-40B4-BE49-F238E27FC236}">
+                <a16:creationId xmlns:a16="http://schemas.microsoft.com/office/drawing/2014/main" id="{21ED9690-D8DE-4954-AF1B-86C5D4C81222}"/>
+              </a:ext>
+            </a:extLst>
+          </p:cNvPr>
+          <p:cNvSpPr txBox="1"/>
+          <p:nvPr/>
+        </p:nvSpPr>
+        <p:spPr>
+          <a:xfrm>
+            <a:off x="2423592" y="4271058"/>
+            <a:ext cx="640314" cy="388500"/>
+          </a:xfrm>
+          <a:prstGeom prst="rect">
+            <a:avLst/>
+          </a:prstGeom>
+          <a:noFill/>
+          <a:ln>
+            <a:noFill/>
+          </a:ln>
+        </p:spPr>
+        <p:txBody>
+          <a:bodyPr spcFirstLastPara="1" wrap="square" lIns="91425" tIns="91425" rIns="91425" bIns="91425" anchor="t" anchorCtr="0">
+            <a:noAutofit/>
+          </a:bodyPr>
+          <a:lstStyle/>
+          <a:p>
+            <a:pPr marL="0" lvl="0" indent="0" algn="l" rtl="0">
+              <a:spcBef>
+                <a:spcPts val="0"/>
+              </a:spcBef>
+              <a:spcAft>
+                <a:spcPts val="0"/>
+              </a:spcAft>
+              <a:buNone/>
+            </a:pPr>
+            <a:r>
+              <a:rPr lang="ru" dirty="0"/>
+              <a:t>тык</a:t>
+            </a:r>
+            <a:endParaRPr dirty="0"/>
+          </a:p>
+        </p:txBody>
+      </p:sp>
+      <p:sp>
+        <p:nvSpPr>
+          <p:cNvPr id="11" name="Google Shape;106;p16">
+            <a:extLst>
+              <a:ext uri="{FF2B5EF4-FFF2-40B4-BE49-F238E27FC236}">
+                <a16:creationId xmlns:a16="http://schemas.microsoft.com/office/drawing/2014/main" id="{AD4238A4-1880-4082-AAD5-4B6290B52314}"/>
+              </a:ext>
+            </a:extLst>
+          </p:cNvPr>
+          <p:cNvSpPr txBox="1"/>
+          <p:nvPr/>
+        </p:nvSpPr>
+        <p:spPr>
+          <a:xfrm>
+            <a:off x="581834" y="5087940"/>
+            <a:ext cx="5384803" cy="1038224"/>
+          </a:xfrm>
+          <a:prstGeom prst="rect">
+            <a:avLst/>
+          </a:prstGeom>
+          <a:noFill/>
+          <a:ln>
+            <a:noFill/>
+          </a:ln>
+        </p:spPr>
+        <p:txBody>
+          <a:bodyPr spcFirstLastPara="1" wrap="square" lIns="91425" tIns="91425" rIns="91425" bIns="91425" anchor="t" anchorCtr="0">
+            <a:noAutofit/>
+          </a:bodyPr>
+          <a:lstStyle/>
+          <a:p>
+            <a:pPr marL="0" lvl="0" indent="0" algn="l" rtl="0">
+              <a:spcBef>
+                <a:spcPts val="0"/>
+              </a:spcBef>
+              <a:spcAft>
+                <a:spcPts val="0"/>
+              </a:spcAft>
+              <a:buNone/>
+            </a:pPr>
+            <a:r>
+              <a:rPr lang="ru" dirty="0">
+                <a:solidFill>
+                  <a:srgbClr val="E06666"/>
+                </a:solidFill>
+              </a:rPr>
+              <a:t>Не рекомендуется делать так постоянно. Имеет смысл использовать это для первой лабы, чтобы быстрее разобраться.</a:t>
+            </a:r>
+            <a:endParaRPr dirty="0">
+              <a:solidFill>
+                <a:srgbClr val="E06666"/>
+              </a:solidFill>
+            </a:endParaRPr>
+          </a:p>
+        </p:txBody>
+      </p:sp>
+      <p:pic>
+        <p:nvPicPr>
+          <p:cNvPr id="12" name="Google Shape;104;p16">
+            <a:extLst>
+              <a:ext uri="{FF2B5EF4-FFF2-40B4-BE49-F238E27FC236}">
+                <a16:creationId xmlns:a16="http://schemas.microsoft.com/office/drawing/2014/main" id="{73BCFC2C-EBEF-4DA3-8D64-BCF6D62F9529}"/>
+              </a:ext>
+            </a:extLst>
+          </p:cNvPr>
+          <p:cNvPicPr preferRelativeResize="0"/>
+          <p:nvPr/>
+        </p:nvPicPr>
+        <p:blipFill rotWithShape="1">
+          <a:blip r:embed="rId3">
+            <a:alphaModFix/>
+          </a:blip>
+          <a:srcRect b="19470"/>
+          <a:stretch/>
+        </p:blipFill>
+        <p:spPr>
+          <a:xfrm>
+            <a:off x="6493945" y="2132856"/>
+            <a:ext cx="4422782" cy="4085892"/>
+          </a:xfrm>
+          <a:prstGeom prst="rect">
+            <a:avLst/>
+          </a:prstGeom>
+          <a:noFill/>
+          <a:ln>
+            <a:noFill/>
+          </a:ln>
+        </p:spPr>
+      </p:pic>
+      <p:sp>
+        <p:nvSpPr>
+          <p:cNvPr id="13" name="TextBox 12">
+            <a:extLst>
+              <a:ext uri="{FF2B5EF4-FFF2-40B4-BE49-F238E27FC236}">
+                <a16:creationId xmlns:a16="http://schemas.microsoft.com/office/drawing/2014/main" id="{1403EF76-9BF6-459B-BEF3-C3D0E57016C3}"/>
+              </a:ext>
+            </a:extLst>
+          </p:cNvPr>
+          <p:cNvSpPr txBox="1"/>
+          <p:nvPr/>
+        </p:nvSpPr>
+        <p:spPr>
+          <a:xfrm rot="18766936">
+            <a:off x="5743630" y="3765494"/>
+            <a:ext cx="4984634" cy="400110"/>
+          </a:xfrm>
+          <a:prstGeom prst="rect">
+            <a:avLst/>
+          </a:prstGeom>
+          <a:noFill/>
+        </p:spPr>
+        <p:txBody>
+          <a:bodyPr wrap="none" rtlCol="0">
+            <a:spAutoFit/>
+          </a:bodyPr>
+          <a:lstStyle/>
+          <a:p>
+            <a:r>
+              <a:rPr lang="ru" sz="2000" b="1" dirty="0">
+                <a:hlinkClick r:id="rId4"/>
+              </a:rPr>
+              <a:t>https://git-scm.com/download/gui/windows</a:t>
+            </a:r>
+            <a:endParaRPr lang="ru-RU" sz="2000" b="1" dirty="0"/>
+          </a:p>
+        </p:txBody>
+      </p:sp>
+    </p:spTree>
+    <p:extLst>
+      <p:ext uri="{BB962C8B-B14F-4D97-AF65-F5344CB8AC3E}">
+        <p14:creationId xmlns:p14="http://schemas.microsoft.com/office/powerpoint/2010/main" val="729429073"/>
+      </p:ext>
+    </p:extLst>
+  </p:cSld>
+  <p:clrMapOvr>
+    <a:masterClrMapping/>
+  </p:clrMapOvr>
+</p:sld>
+</file>
+
+<file path=ppt/slides/slide72.xml><?xml version="1.0" encoding="utf-8"?>
+<p:sld xmlns:a="http://schemas.openxmlformats.org/drawingml/2006/main" xmlns:r="http://schemas.openxmlformats.org/officeDocument/2006/relationships" xmlns:p="http://schemas.openxmlformats.org/presentationml/2006/main">
+  <p:cSld>
+    <p:spTree>
+      <p:nvGrpSpPr>
+        <p:cNvPr id="1" name=""/>
+        <p:cNvGrpSpPr/>
+        <p:nvPr/>
+      </p:nvGrpSpPr>
+      <p:grpSpPr>
+        <a:xfrm>
+          <a:off x="0" y="0"/>
+          <a:ext cx="0" cy="0"/>
+          <a:chOff x="0" y="0"/>
+          <a:chExt cx="0" cy="0"/>
+        </a:xfrm>
+      </p:grpSpPr>
+      <p:sp>
+        <p:nvSpPr>
+          <p:cNvPr id="2" name="Title 1">
+            <a:extLst>
+              <a:ext uri="{FF2B5EF4-FFF2-40B4-BE49-F238E27FC236}">
+                <a16:creationId xmlns:a16="http://schemas.microsoft.com/office/drawing/2014/main" id="{7CFC969E-9DFC-40A2-9103-76FB240FDA2E}"/>
+              </a:ext>
+            </a:extLst>
+          </p:cNvPr>
+          <p:cNvSpPr>
+            <a:spLocks noGrp="1"/>
+          </p:cNvSpPr>
+          <p:nvPr>
+            <p:ph type="title"/>
+          </p:nvPr>
+        </p:nvSpPr>
+        <p:spPr/>
+        <p:txBody>
+          <a:bodyPr/>
+          <a:lstStyle/>
+          <a:p>
+            <a:r>
+              <a:rPr lang="ru-RU" dirty="0"/>
+              <a:t>Заливка правок</a:t>
+            </a:r>
+          </a:p>
+        </p:txBody>
+      </p:sp>
+      <p:sp>
+        <p:nvSpPr>
+          <p:cNvPr id="3" name="Content Placeholder 2">
+            <a:extLst>
+              <a:ext uri="{FF2B5EF4-FFF2-40B4-BE49-F238E27FC236}">
+                <a16:creationId xmlns:a16="http://schemas.microsoft.com/office/drawing/2014/main" id="{EECA420A-0E98-4304-ADE3-9302E6ED889C}"/>
+              </a:ext>
+            </a:extLst>
+          </p:cNvPr>
+          <p:cNvSpPr>
+            <a:spLocks noGrp="1"/>
+          </p:cNvSpPr>
+          <p:nvPr>
+            <p:ph sz="half" idx="1"/>
+          </p:nvPr>
+        </p:nvSpPr>
+        <p:spPr/>
+        <p:txBody>
+          <a:bodyPr/>
+          <a:lstStyle/>
+          <a:p>
+            <a:r>
+              <a:rPr lang="ru-RU" sz="2800" dirty="0"/>
+              <a:t>Использовать </a:t>
+            </a:r>
+            <a:r>
+              <a:rPr lang="en-US" sz="2800" dirty="0"/>
+              <a:t>Web IDE</a:t>
+            </a:r>
+          </a:p>
+          <a:p>
+            <a:pPr lvl="1"/>
+            <a:r>
+              <a:rPr lang="ru" dirty="0"/>
+              <a:t>В интерфейсе Web IDE найти нужный файл, редактировать, в конце нажать “Commit”</a:t>
+            </a:r>
+            <a:endParaRPr lang="ru-RU" dirty="0"/>
+          </a:p>
+          <a:p>
+            <a:endParaRPr lang="ru-RU" dirty="0"/>
+          </a:p>
+        </p:txBody>
+      </p:sp>
+      <p:sp>
+        <p:nvSpPr>
+          <p:cNvPr id="6" name="Content Placeholder 5">
+            <a:extLst>
+              <a:ext uri="{FF2B5EF4-FFF2-40B4-BE49-F238E27FC236}">
+                <a16:creationId xmlns:a16="http://schemas.microsoft.com/office/drawing/2014/main" id="{98E8874F-EA55-4D30-9B08-E996454CF596}"/>
+              </a:ext>
+            </a:extLst>
+          </p:cNvPr>
+          <p:cNvSpPr>
+            <a:spLocks noGrp="1"/>
+          </p:cNvSpPr>
+          <p:nvPr>
+            <p:ph sz="half" idx="2"/>
+          </p:nvPr>
+        </p:nvSpPr>
+        <p:spPr/>
+        <p:txBody>
+          <a:bodyPr/>
+          <a:lstStyle/>
+          <a:p>
+            <a:r>
+              <a:rPr lang="ru" sz="2800" dirty="0"/>
+              <a:t>Использовать git client</a:t>
+            </a:r>
+            <a:r>
+              <a:rPr lang="ru" dirty="0"/>
+              <a:t> </a:t>
+            </a:r>
+            <a:endParaRPr lang="ru-RU" dirty="0"/>
+          </a:p>
+        </p:txBody>
+      </p:sp>
+      <p:sp>
+        <p:nvSpPr>
+          <p:cNvPr id="7" name="TextBox 6">
+            <a:extLst>
+              <a:ext uri="{FF2B5EF4-FFF2-40B4-BE49-F238E27FC236}">
+                <a16:creationId xmlns:a16="http://schemas.microsoft.com/office/drawing/2014/main" id="{9D1E9BBC-67B1-413D-B199-6849BF7BC478}"/>
+              </a:ext>
+            </a:extLst>
+          </p:cNvPr>
+          <p:cNvSpPr txBox="1"/>
+          <p:nvPr/>
+        </p:nvSpPr>
+        <p:spPr>
+          <a:xfrm rot="16200000">
+            <a:off x="9430820" y="3817235"/>
+            <a:ext cx="3933834" cy="369332"/>
+          </a:xfrm>
+          <a:prstGeom prst="rect">
+            <a:avLst/>
+          </a:prstGeom>
+          <a:noFill/>
+        </p:spPr>
+        <p:txBody>
+          <a:bodyPr wrap="none" rtlCol="0">
+            <a:spAutoFit/>
+          </a:bodyPr>
+          <a:lstStyle/>
+          <a:p>
+            <a:r>
+              <a:rPr lang="ru-RU" dirty="0"/>
+              <a:t>Автор Архипов И.А. ФИТ НГУ гр. 20201</a:t>
+            </a:r>
+          </a:p>
+        </p:txBody>
+      </p:sp>
+      <p:pic>
+        <p:nvPicPr>
+          <p:cNvPr id="12" name="Google Shape;104;p16">
+            <a:extLst>
+              <a:ext uri="{FF2B5EF4-FFF2-40B4-BE49-F238E27FC236}">
+                <a16:creationId xmlns:a16="http://schemas.microsoft.com/office/drawing/2014/main" id="{73BCFC2C-EBEF-4DA3-8D64-BCF6D62F9529}"/>
+              </a:ext>
+            </a:extLst>
+          </p:cNvPr>
+          <p:cNvPicPr preferRelativeResize="0"/>
+          <p:nvPr/>
+        </p:nvPicPr>
+        <p:blipFill rotWithShape="1">
+          <a:blip r:embed="rId2">
+            <a:alphaModFix/>
+          </a:blip>
+          <a:srcRect b="19470"/>
+          <a:stretch/>
+        </p:blipFill>
+        <p:spPr>
+          <a:xfrm>
+            <a:off x="6493945" y="2132856"/>
+            <a:ext cx="4422782" cy="4085892"/>
+          </a:xfrm>
+          <a:prstGeom prst="rect">
+            <a:avLst/>
+          </a:prstGeom>
+          <a:noFill/>
+          <a:ln>
+            <a:noFill/>
+          </a:ln>
+        </p:spPr>
+      </p:pic>
+      <p:sp>
+        <p:nvSpPr>
+          <p:cNvPr id="13" name="TextBox 12">
+            <a:extLst>
+              <a:ext uri="{FF2B5EF4-FFF2-40B4-BE49-F238E27FC236}">
+                <a16:creationId xmlns:a16="http://schemas.microsoft.com/office/drawing/2014/main" id="{1403EF76-9BF6-459B-BEF3-C3D0E57016C3}"/>
+              </a:ext>
+            </a:extLst>
+          </p:cNvPr>
+          <p:cNvSpPr txBox="1"/>
+          <p:nvPr/>
+        </p:nvSpPr>
+        <p:spPr>
+          <a:xfrm rot="18766936">
+            <a:off x="5743630" y="3765494"/>
+            <a:ext cx="4984634" cy="400110"/>
+          </a:xfrm>
+          <a:prstGeom prst="rect">
+            <a:avLst/>
+          </a:prstGeom>
+          <a:noFill/>
+        </p:spPr>
+        <p:txBody>
+          <a:bodyPr wrap="none" rtlCol="0">
+            <a:spAutoFit/>
+          </a:bodyPr>
+          <a:lstStyle/>
+          <a:p>
+            <a:r>
+              <a:rPr lang="ru" sz="2000" b="1" dirty="0">
+                <a:hlinkClick r:id="rId3"/>
+              </a:rPr>
+              <a:t>https://git-scm.com/download/gui/windows</a:t>
+            </a:r>
+            <a:endParaRPr lang="ru-RU" sz="2000" b="1" dirty="0"/>
+          </a:p>
+        </p:txBody>
+      </p:sp>
+      <p:pic>
+        <p:nvPicPr>
+          <p:cNvPr id="14" name="Google Shape;114;p17">
+            <a:extLst>
+              <a:ext uri="{FF2B5EF4-FFF2-40B4-BE49-F238E27FC236}">
+                <a16:creationId xmlns:a16="http://schemas.microsoft.com/office/drawing/2014/main" id="{B80BAF9F-4E75-47E9-AEEA-70019BD7C908}"/>
+              </a:ext>
+            </a:extLst>
+          </p:cNvPr>
+          <p:cNvPicPr preferRelativeResize="0"/>
+          <p:nvPr/>
+        </p:nvPicPr>
+        <p:blipFill rotWithShape="1">
+          <a:blip r:embed="rId4">
+            <a:alphaModFix/>
+          </a:blip>
+          <a:srcRect t="20807"/>
+          <a:stretch/>
+        </p:blipFill>
+        <p:spPr>
+          <a:xfrm>
+            <a:off x="1029723" y="3354720"/>
+            <a:ext cx="4229100" cy="822201"/>
+          </a:xfrm>
+          <a:prstGeom prst="rect">
+            <a:avLst/>
+          </a:prstGeom>
+          <a:noFill/>
+          <a:ln>
+            <a:noFill/>
+          </a:ln>
+        </p:spPr>
+      </p:pic>
+      <p:cxnSp>
+        <p:nvCxnSpPr>
+          <p:cNvPr id="15" name="Google Shape;115;p17">
+            <a:extLst>
+              <a:ext uri="{FF2B5EF4-FFF2-40B4-BE49-F238E27FC236}">
+                <a16:creationId xmlns:a16="http://schemas.microsoft.com/office/drawing/2014/main" id="{E8BBBB0A-9A80-4C82-A2E8-AEEEDBD850EB}"/>
+              </a:ext>
+            </a:extLst>
+          </p:cNvPr>
+          <p:cNvCxnSpPr/>
+          <p:nvPr/>
+        </p:nvCxnSpPr>
+        <p:spPr>
+          <a:xfrm rot="10800000" flipH="1">
+            <a:off x="3033248" y="4007946"/>
+            <a:ext cx="134400" cy="709800"/>
+          </a:xfrm>
+          <a:prstGeom prst="straightConnector1">
+            <a:avLst/>
+          </a:prstGeom>
+          <a:noFill/>
+          <a:ln w="9525" cap="flat" cmpd="sng">
+            <a:solidFill>
+              <a:schemeClr val="dk2"/>
+            </a:solidFill>
+            <a:prstDash val="solid"/>
+            <a:round/>
+            <a:headEnd type="none" w="med" len="med"/>
+            <a:tailEnd type="triangle" w="med" len="med"/>
+          </a:ln>
+        </p:spPr>
+      </p:cxnSp>
+      <p:sp>
+        <p:nvSpPr>
+          <p:cNvPr id="16" name="Google Shape;116;p17">
+            <a:extLst>
+              <a:ext uri="{FF2B5EF4-FFF2-40B4-BE49-F238E27FC236}">
+                <a16:creationId xmlns:a16="http://schemas.microsoft.com/office/drawing/2014/main" id="{55FDEDBC-4849-4163-BC01-0CF13CB86443}"/>
+              </a:ext>
+            </a:extLst>
+          </p:cNvPr>
+          <p:cNvSpPr txBox="1"/>
+          <p:nvPr/>
+        </p:nvSpPr>
+        <p:spPr>
+          <a:xfrm>
+            <a:off x="2674598" y="4605696"/>
+            <a:ext cx="552900" cy="388500"/>
+          </a:xfrm>
+          <a:prstGeom prst="rect">
+            <a:avLst/>
+          </a:prstGeom>
+          <a:noFill/>
+          <a:ln>
+            <a:noFill/>
+          </a:ln>
+        </p:spPr>
+        <p:txBody>
+          <a:bodyPr spcFirstLastPara="1" wrap="square" lIns="91425" tIns="91425" rIns="91425" bIns="91425" anchor="t" anchorCtr="0">
+            <a:noAutofit/>
+          </a:bodyPr>
+          <a:lstStyle/>
+          <a:p>
+            <a:pPr marL="0" lvl="0" indent="0" algn="l" rtl="0">
+              <a:spcBef>
+                <a:spcPts val="0"/>
+              </a:spcBef>
+              <a:spcAft>
+                <a:spcPts val="0"/>
+              </a:spcAft>
+              <a:buNone/>
+            </a:pPr>
+            <a:r>
+              <a:rPr lang="ru"/>
+              <a:t>тык</a:t>
+            </a:r>
+            <a:endParaRPr/>
+          </a:p>
+        </p:txBody>
+      </p:sp>
+      <p:sp>
+        <p:nvSpPr>
+          <p:cNvPr id="19" name="Google Shape;106;p16">
+            <a:extLst>
+              <a:ext uri="{FF2B5EF4-FFF2-40B4-BE49-F238E27FC236}">
+                <a16:creationId xmlns:a16="http://schemas.microsoft.com/office/drawing/2014/main" id="{E902ADC1-D401-4B9A-8BB8-E23A329B1210}"/>
+              </a:ext>
+            </a:extLst>
+          </p:cNvPr>
+          <p:cNvSpPr txBox="1"/>
+          <p:nvPr/>
+        </p:nvSpPr>
+        <p:spPr>
+          <a:xfrm>
+            <a:off x="581834" y="5087940"/>
+            <a:ext cx="5384803" cy="1038224"/>
+          </a:xfrm>
+          <a:prstGeom prst="rect">
+            <a:avLst/>
+          </a:prstGeom>
+          <a:noFill/>
+          <a:ln>
+            <a:noFill/>
+          </a:ln>
+        </p:spPr>
+        <p:txBody>
+          <a:bodyPr spcFirstLastPara="1" wrap="square" lIns="91425" tIns="91425" rIns="91425" bIns="91425" anchor="t" anchorCtr="0">
+            <a:noAutofit/>
+          </a:bodyPr>
+          <a:lstStyle/>
+          <a:p>
+            <a:pPr marL="0" lvl="0" indent="0" algn="l" rtl="0">
+              <a:spcBef>
+                <a:spcPts val="0"/>
+              </a:spcBef>
+              <a:spcAft>
+                <a:spcPts val="0"/>
+              </a:spcAft>
+              <a:buNone/>
+            </a:pPr>
+            <a:r>
+              <a:rPr lang="ru" dirty="0">
+                <a:solidFill>
+                  <a:srgbClr val="E06666"/>
+                </a:solidFill>
+              </a:rPr>
+              <a:t>Не рекомендуется делать так постоянно. Имеет смысл использовать это для первой лабы, чтобы быстрее разобраться.</a:t>
+            </a:r>
+            <a:endParaRPr dirty="0">
+              <a:solidFill>
+                <a:srgbClr val="E06666"/>
+              </a:solidFill>
+            </a:endParaRPr>
+          </a:p>
+        </p:txBody>
+      </p:sp>
+    </p:spTree>
+    <p:extLst>
+      <p:ext uri="{BB962C8B-B14F-4D97-AF65-F5344CB8AC3E}">
+        <p14:creationId xmlns:p14="http://schemas.microsoft.com/office/powerpoint/2010/main" val="1458757453"/>
+      </p:ext>
+    </p:extLst>
+  </p:cSld>
+  <p:clrMapOvr>
+    <a:masterClrMapping/>
+  </p:clrMapOvr>
+</p:sld>
+</file>
+
+<file path=ppt/slides/slide73.xml><?xml version="1.0" encoding="utf-8"?>
+<p:sld xmlns:a="http://schemas.openxmlformats.org/drawingml/2006/main" xmlns:r="http://schemas.openxmlformats.org/officeDocument/2006/relationships" xmlns:p="http://schemas.openxmlformats.org/presentationml/2006/main">
+  <p:cSld>
+    <p:spTree>
+      <p:nvGrpSpPr>
+        <p:cNvPr id="1" name=""/>
+        <p:cNvGrpSpPr/>
+        <p:nvPr/>
+      </p:nvGrpSpPr>
+      <p:grpSpPr>
+        <a:xfrm>
+          <a:off x="0" y="0"/>
+          <a:ext cx="0" cy="0"/>
+          <a:chOff x="0" y="0"/>
+          <a:chExt cx="0" cy="0"/>
+        </a:xfrm>
+      </p:grpSpPr>
+      <p:sp>
+        <p:nvSpPr>
+          <p:cNvPr id="2" name="Title 1">
+            <a:extLst>
+              <a:ext uri="{FF2B5EF4-FFF2-40B4-BE49-F238E27FC236}">
+                <a16:creationId xmlns:a16="http://schemas.microsoft.com/office/drawing/2014/main" id="{7CFC969E-9DFC-40A2-9103-76FB240FDA2E}"/>
+              </a:ext>
+            </a:extLst>
+          </p:cNvPr>
+          <p:cNvSpPr>
+            <a:spLocks noGrp="1"/>
+          </p:cNvSpPr>
+          <p:nvPr>
+            <p:ph type="title"/>
+          </p:nvPr>
+        </p:nvSpPr>
+        <p:spPr/>
+        <p:txBody>
+          <a:bodyPr/>
+          <a:lstStyle/>
+          <a:p>
+            <a:r>
+              <a:rPr lang="ru-RU" dirty="0"/>
+              <a:t>Создание </a:t>
+            </a:r>
+            <a:r>
+              <a:rPr lang="en-US" dirty="0"/>
+              <a:t>merge request</a:t>
+            </a:r>
+            <a:r>
+              <a:rPr lang="ru-RU" dirty="0"/>
+              <a:t>-а</a:t>
+            </a:r>
+          </a:p>
+        </p:txBody>
+      </p:sp>
+      <p:sp>
+        <p:nvSpPr>
+          <p:cNvPr id="7" name="TextBox 6">
+            <a:extLst>
+              <a:ext uri="{FF2B5EF4-FFF2-40B4-BE49-F238E27FC236}">
+                <a16:creationId xmlns:a16="http://schemas.microsoft.com/office/drawing/2014/main" id="{9D1E9BBC-67B1-413D-B199-6849BF7BC478}"/>
+              </a:ext>
+            </a:extLst>
+          </p:cNvPr>
+          <p:cNvSpPr txBox="1"/>
+          <p:nvPr/>
+        </p:nvSpPr>
+        <p:spPr>
+          <a:xfrm rot="16200000">
+            <a:off x="9430820" y="3817235"/>
+            <a:ext cx="3933834" cy="369332"/>
+          </a:xfrm>
+          <a:prstGeom prst="rect">
+            <a:avLst/>
+          </a:prstGeom>
+          <a:noFill/>
+        </p:spPr>
+        <p:txBody>
+          <a:bodyPr wrap="none" rtlCol="0">
+            <a:spAutoFit/>
+          </a:bodyPr>
+          <a:lstStyle/>
+          <a:p>
+            <a:r>
+              <a:rPr lang="ru-RU" dirty="0"/>
+              <a:t>Автор Архипов И.А. ФИТ НГУ гр. 20201</a:t>
+            </a:r>
+          </a:p>
+        </p:txBody>
+      </p:sp>
+      <p:pic>
+        <p:nvPicPr>
+          <p:cNvPr id="17" name="Google Shape;128;p18">
+            <a:extLst>
+              <a:ext uri="{FF2B5EF4-FFF2-40B4-BE49-F238E27FC236}">
+                <a16:creationId xmlns:a16="http://schemas.microsoft.com/office/drawing/2014/main" id="{59E10B86-5FB5-4257-8A58-853B1453BA39}"/>
+              </a:ext>
+            </a:extLst>
+          </p:cNvPr>
+          <p:cNvPicPr preferRelativeResize="0"/>
+          <p:nvPr/>
+        </p:nvPicPr>
+        <p:blipFill>
+          <a:blip r:embed="rId2">
+            <a:alphaModFix/>
+          </a:blip>
+          <a:stretch>
+            <a:fillRect/>
+          </a:stretch>
+        </p:blipFill>
+        <p:spPr>
+          <a:xfrm>
+            <a:off x="633645" y="1283420"/>
+            <a:ext cx="1661348" cy="5079636"/>
+          </a:xfrm>
+          <a:prstGeom prst="rect">
+            <a:avLst/>
+          </a:prstGeom>
+          <a:noFill/>
+          <a:ln>
+            <a:noFill/>
+          </a:ln>
+        </p:spPr>
+      </p:pic>
+      <p:cxnSp>
+        <p:nvCxnSpPr>
+          <p:cNvPr id="18" name="Google Shape;129;p18">
+            <a:extLst>
+              <a:ext uri="{FF2B5EF4-FFF2-40B4-BE49-F238E27FC236}">
+                <a16:creationId xmlns:a16="http://schemas.microsoft.com/office/drawing/2014/main" id="{61F3D513-4DF8-4F63-B11C-0A3F4CFCE738}"/>
+              </a:ext>
+            </a:extLst>
+          </p:cNvPr>
+          <p:cNvCxnSpPr>
+            <a:cxnSpLocks/>
+            <a:stCxn id="23" idx="1"/>
+          </p:cNvCxnSpPr>
+          <p:nvPr/>
+        </p:nvCxnSpPr>
+        <p:spPr>
+          <a:xfrm flipH="1">
+            <a:off x="1772706" y="3178238"/>
+            <a:ext cx="560400" cy="605125"/>
+          </a:xfrm>
+          <a:prstGeom prst="straightConnector1">
+            <a:avLst/>
+          </a:prstGeom>
+          <a:noFill/>
+          <a:ln w="9525" cap="flat" cmpd="sng">
+            <a:solidFill>
+              <a:schemeClr val="dk2"/>
+            </a:solidFill>
+            <a:prstDash val="solid"/>
+            <a:round/>
+            <a:headEnd type="none" w="med" len="med"/>
+            <a:tailEnd type="triangle" w="med" len="med"/>
+          </a:ln>
+        </p:spPr>
+      </p:cxnSp>
+      <p:pic>
+        <p:nvPicPr>
+          <p:cNvPr id="20" name="Google Shape;130;p18">
+            <a:extLst>
+              <a:ext uri="{FF2B5EF4-FFF2-40B4-BE49-F238E27FC236}">
+                <a16:creationId xmlns:a16="http://schemas.microsoft.com/office/drawing/2014/main" id="{6E0892B3-2F95-4B5C-A07F-108AF7762B16}"/>
+              </a:ext>
+            </a:extLst>
+          </p:cNvPr>
+          <p:cNvPicPr preferRelativeResize="0"/>
+          <p:nvPr/>
+        </p:nvPicPr>
+        <p:blipFill rotWithShape="1">
+          <a:blip r:embed="rId3">
+            <a:alphaModFix/>
+          </a:blip>
+          <a:srcRect b="14792"/>
+          <a:stretch/>
+        </p:blipFill>
+        <p:spPr>
+          <a:xfrm>
+            <a:off x="2424951" y="1283420"/>
+            <a:ext cx="7418580" cy="3556262"/>
+          </a:xfrm>
+          <a:prstGeom prst="rect">
+            <a:avLst/>
+          </a:prstGeom>
+          <a:noFill/>
+          <a:ln>
+            <a:noFill/>
+          </a:ln>
+        </p:spPr>
+      </p:pic>
+      <p:cxnSp>
+        <p:nvCxnSpPr>
+          <p:cNvPr id="21" name="Google Shape;131;p18">
+            <a:extLst>
+              <a:ext uri="{FF2B5EF4-FFF2-40B4-BE49-F238E27FC236}">
+                <a16:creationId xmlns:a16="http://schemas.microsoft.com/office/drawing/2014/main" id="{59E2408E-157B-48F8-B796-A391075A04E2}"/>
+              </a:ext>
+            </a:extLst>
+          </p:cNvPr>
+          <p:cNvCxnSpPr>
+            <a:cxnSpLocks/>
+            <a:stCxn id="24" idx="1"/>
+          </p:cNvCxnSpPr>
+          <p:nvPr/>
+        </p:nvCxnSpPr>
+        <p:spPr>
+          <a:xfrm flipH="1" flipV="1">
+            <a:off x="9120337" y="1615414"/>
+            <a:ext cx="1183864" cy="368030"/>
+          </a:xfrm>
+          <a:prstGeom prst="straightConnector1">
+            <a:avLst/>
+          </a:prstGeom>
+          <a:noFill/>
+          <a:ln w="9525" cap="flat" cmpd="sng">
+            <a:solidFill>
+              <a:schemeClr val="dk2"/>
+            </a:solidFill>
+            <a:prstDash val="solid"/>
+            <a:round/>
+            <a:headEnd type="none" w="med" len="med"/>
+            <a:tailEnd type="triangle" w="med" len="med"/>
+          </a:ln>
+        </p:spPr>
+      </p:cxnSp>
+      <p:pic>
+        <p:nvPicPr>
+          <p:cNvPr id="22" name="Google Shape;132;p18">
+            <a:extLst>
+              <a:ext uri="{FF2B5EF4-FFF2-40B4-BE49-F238E27FC236}">
+                <a16:creationId xmlns:a16="http://schemas.microsoft.com/office/drawing/2014/main" id="{FD499E4F-23F8-41D0-B0B2-A6D2FEEBC3CC}"/>
+              </a:ext>
+            </a:extLst>
+          </p:cNvPr>
+          <p:cNvPicPr preferRelativeResize="0"/>
+          <p:nvPr/>
+        </p:nvPicPr>
+        <p:blipFill rotWithShape="1">
+          <a:blip r:embed="rId4">
+            <a:alphaModFix/>
+          </a:blip>
+          <a:srcRect b="21651"/>
+          <a:stretch/>
+        </p:blipFill>
+        <p:spPr>
+          <a:xfrm>
+            <a:off x="3359696" y="4974506"/>
+            <a:ext cx="3343101" cy="1388550"/>
+          </a:xfrm>
+          <a:prstGeom prst="rect">
+            <a:avLst/>
+          </a:prstGeom>
+          <a:noFill/>
+          <a:ln>
+            <a:noFill/>
+          </a:ln>
+        </p:spPr>
+      </p:pic>
+      <p:sp>
+        <p:nvSpPr>
+          <p:cNvPr id="23" name="Google Shape;133;p18">
+            <a:extLst>
+              <a:ext uri="{FF2B5EF4-FFF2-40B4-BE49-F238E27FC236}">
+                <a16:creationId xmlns:a16="http://schemas.microsoft.com/office/drawing/2014/main" id="{1590D9B6-90D7-4F83-8798-950AC8F43D4A}"/>
+              </a:ext>
+            </a:extLst>
+          </p:cNvPr>
+          <p:cNvSpPr txBox="1"/>
+          <p:nvPr/>
+        </p:nvSpPr>
+        <p:spPr>
+          <a:xfrm>
+            <a:off x="2333106" y="3028838"/>
+            <a:ext cx="396000" cy="298800"/>
+          </a:xfrm>
+          <a:prstGeom prst="rect">
+            <a:avLst/>
+          </a:prstGeom>
+          <a:noFill/>
+          <a:ln>
+            <a:noFill/>
+          </a:ln>
+        </p:spPr>
+        <p:txBody>
+          <a:bodyPr spcFirstLastPara="1" wrap="square" lIns="91425" tIns="91425" rIns="91425" bIns="91425" anchor="ctr" anchorCtr="0">
+            <a:noAutofit/>
+          </a:bodyPr>
+          <a:lstStyle/>
+          <a:p>
+            <a:pPr marL="0" lvl="0" indent="0" algn="ctr" rtl="0">
+              <a:spcBef>
+                <a:spcPts val="0"/>
+              </a:spcBef>
+              <a:spcAft>
+                <a:spcPts val="0"/>
+              </a:spcAft>
+              <a:buNone/>
+            </a:pPr>
+            <a:r>
+              <a:rPr lang="ru"/>
+              <a:t>1</a:t>
+            </a:r>
+            <a:endParaRPr/>
+          </a:p>
+        </p:txBody>
+      </p:sp>
+      <p:sp>
+        <p:nvSpPr>
+          <p:cNvPr id="24" name="Google Shape;134;p18">
+            <a:extLst>
+              <a:ext uri="{FF2B5EF4-FFF2-40B4-BE49-F238E27FC236}">
+                <a16:creationId xmlns:a16="http://schemas.microsoft.com/office/drawing/2014/main" id="{CD37292A-1A05-44EE-B32E-20634B5C7267}"/>
+              </a:ext>
+            </a:extLst>
+          </p:cNvPr>
+          <p:cNvSpPr txBox="1"/>
+          <p:nvPr/>
+        </p:nvSpPr>
+        <p:spPr>
+          <a:xfrm>
+            <a:off x="10304201" y="1834044"/>
+            <a:ext cx="448200" cy="298800"/>
+          </a:xfrm>
+          <a:prstGeom prst="rect">
+            <a:avLst/>
+          </a:prstGeom>
+          <a:noFill/>
+          <a:ln>
+            <a:noFill/>
+          </a:ln>
+        </p:spPr>
+        <p:txBody>
+          <a:bodyPr spcFirstLastPara="1" wrap="square" lIns="91425" tIns="91425" rIns="91425" bIns="91425" anchor="ctr" anchorCtr="0">
+            <a:noAutofit/>
+          </a:bodyPr>
+          <a:lstStyle/>
+          <a:p>
+            <a:pPr marL="0" lvl="0" indent="0" algn="ctr" rtl="0">
+              <a:spcBef>
+                <a:spcPts val="0"/>
+              </a:spcBef>
+              <a:spcAft>
+                <a:spcPts val="0"/>
+              </a:spcAft>
+              <a:buNone/>
+            </a:pPr>
+            <a:r>
+              <a:rPr lang="ru" dirty="0"/>
+              <a:t>2</a:t>
+            </a:r>
+            <a:endParaRPr dirty="0"/>
+          </a:p>
+        </p:txBody>
+      </p:sp>
+      <p:sp>
+        <p:nvSpPr>
+          <p:cNvPr id="25" name="Google Shape;135;p18">
+            <a:extLst>
+              <a:ext uri="{FF2B5EF4-FFF2-40B4-BE49-F238E27FC236}">
+                <a16:creationId xmlns:a16="http://schemas.microsoft.com/office/drawing/2014/main" id="{5EF56114-4E76-4991-838E-E8941D028B8A}"/>
+              </a:ext>
+            </a:extLst>
+          </p:cNvPr>
+          <p:cNvSpPr txBox="1"/>
+          <p:nvPr/>
+        </p:nvSpPr>
+        <p:spPr>
+          <a:xfrm>
+            <a:off x="7464796" y="6135056"/>
+            <a:ext cx="396000" cy="228000"/>
+          </a:xfrm>
+          <a:prstGeom prst="rect">
+            <a:avLst/>
+          </a:prstGeom>
+          <a:noFill/>
+          <a:ln>
+            <a:noFill/>
+          </a:ln>
+        </p:spPr>
+        <p:txBody>
+          <a:bodyPr spcFirstLastPara="1" wrap="square" lIns="91425" tIns="91425" rIns="91425" bIns="91425" anchor="ctr" anchorCtr="0">
+            <a:noAutofit/>
+          </a:bodyPr>
+          <a:lstStyle/>
+          <a:p>
+            <a:pPr marL="0" lvl="0" indent="0" algn="ctr" rtl="0">
+              <a:spcBef>
+                <a:spcPts val="0"/>
+              </a:spcBef>
+              <a:spcAft>
+                <a:spcPts val="0"/>
+              </a:spcAft>
+              <a:buNone/>
+            </a:pPr>
+            <a:r>
+              <a:rPr lang="ru" dirty="0"/>
+              <a:t>3</a:t>
+            </a:r>
+            <a:endParaRPr dirty="0"/>
+          </a:p>
+        </p:txBody>
+      </p:sp>
+      <p:cxnSp>
+        <p:nvCxnSpPr>
+          <p:cNvPr id="26" name="Google Shape;136;p18">
+            <a:extLst>
+              <a:ext uri="{FF2B5EF4-FFF2-40B4-BE49-F238E27FC236}">
+                <a16:creationId xmlns:a16="http://schemas.microsoft.com/office/drawing/2014/main" id="{C344A13B-2B18-4857-966C-9116333C8BA3}"/>
+              </a:ext>
+            </a:extLst>
+          </p:cNvPr>
+          <p:cNvCxnSpPr>
+            <a:cxnSpLocks/>
+            <a:stCxn id="25" idx="1"/>
+          </p:cNvCxnSpPr>
+          <p:nvPr/>
+        </p:nvCxnSpPr>
+        <p:spPr>
+          <a:xfrm flipH="1" flipV="1">
+            <a:off x="6105196" y="5701856"/>
+            <a:ext cx="1359600" cy="547200"/>
+          </a:xfrm>
+          <a:prstGeom prst="straightConnector1">
+            <a:avLst/>
+          </a:prstGeom>
+          <a:noFill/>
+          <a:ln w="9525" cap="flat" cmpd="sng">
+            <a:solidFill>
+              <a:schemeClr val="dk2"/>
+            </a:solidFill>
+            <a:prstDash val="solid"/>
+            <a:round/>
+            <a:headEnd type="none" w="med" len="med"/>
+            <a:tailEnd type="triangle" w="med" len="med"/>
+          </a:ln>
+        </p:spPr>
+      </p:cxnSp>
+      <p:cxnSp>
+        <p:nvCxnSpPr>
+          <p:cNvPr id="27" name="Google Shape;137;p18">
+            <a:extLst>
+              <a:ext uri="{FF2B5EF4-FFF2-40B4-BE49-F238E27FC236}">
+                <a16:creationId xmlns:a16="http://schemas.microsoft.com/office/drawing/2014/main" id="{F6BC213C-F5A0-477C-89B1-5F59D89878A2}"/>
+              </a:ext>
+            </a:extLst>
+          </p:cNvPr>
+          <p:cNvCxnSpPr>
+            <a:stCxn id="25" idx="1"/>
+          </p:cNvCxnSpPr>
+          <p:nvPr/>
+        </p:nvCxnSpPr>
+        <p:spPr>
+          <a:xfrm rot="10800000">
+            <a:off x="4738096" y="6179756"/>
+            <a:ext cx="2726700" cy="69300"/>
+          </a:xfrm>
+          <a:prstGeom prst="straightConnector1">
+            <a:avLst/>
+          </a:prstGeom>
+          <a:noFill/>
+          <a:ln w="9525" cap="flat" cmpd="sng">
+            <a:solidFill>
+              <a:schemeClr val="dk2"/>
+            </a:solidFill>
+            <a:prstDash val="solid"/>
+            <a:round/>
+            <a:headEnd type="none" w="med" len="med"/>
+            <a:tailEnd type="triangle" w="med" len="med"/>
+          </a:ln>
+        </p:spPr>
+      </p:cxnSp>
+      <p:pic>
+        <p:nvPicPr>
+          <p:cNvPr id="28" name="Google Shape;144;p19">
+            <a:extLst>
+              <a:ext uri="{FF2B5EF4-FFF2-40B4-BE49-F238E27FC236}">
+                <a16:creationId xmlns:a16="http://schemas.microsoft.com/office/drawing/2014/main" id="{0EB053ED-A170-424B-9240-26FD99526C00}"/>
+              </a:ext>
+            </a:extLst>
+          </p:cNvPr>
+          <p:cNvPicPr preferRelativeResize="0"/>
+          <p:nvPr/>
+        </p:nvPicPr>
+        <p:blipFill>
+          <a:blip r:embed="rId5">
+            <a:alphaModFix/>
+          </a:blip>
+          <a:stretch>
+            <a:fillRect/>
+          </a:stretch>
+        </p:blipFill>
+        <p:spPr>
+          <a:xfrm>
+            <a:off x="9431947" y="2984731"/>
+            <a:ext cx="1720925" cy="3378325"/>
+          </a:xfrm>
+          <a:prstGeom prst="rect">
+            <a:avLst/>
+          </a:prstGeom>
+          <a:noFill/>
+          <a:ln>
+            <a:noFill/>
+          </a:ln>
+        </p:spPr>
+      </p:pic>
+      <p:cxnSp>
+        <p:nvCxnSpPr>
+          <p:cNvPr id="29" name="Google Shape;145;p19">
+            <a:extLst>
+              <a:ext uri="{FF2B5EF4-FFF2-40B4-BE49-F238E27FC236}">
+                <a16:creationId xmlns:a16="http://schemas.microsoft.com/office/drawing/2014/main" id="{D644C8DF-C2CE-41E4-AC50-0C24163AE0A0}"/>
+              </a:ext>
+            </a:extLst>
+          </p:cNvPr>
+          <p:cNvCxnSpPr>
+            <a:cxnSpLocks/>
+            <a:stCxn id="30" idx="0"/>
+          </p:cNvCxnSpPr>
+          <p:nvPr/>
+        </p:nvCxnSpPr>
+        <p:spPr>
+          <a:xfrm flipV="1">
+            <a:off x="8524167" y="3327638"/>
+            <a:ext cx="956381" cy="1144956"/>
+          </a:xfrm>
+          <a:prstGeom prst="straightConnector1">
+            <a:avLst/>
+          </a:prstGeom>
+          <a:noFill/>
+          <a:ln w="9525" cap="flat" cmpd="sng">
+            <a:solidFill>
+              <a:schemeClr val="dk2"/>
+            </a:solidFill>
+            <a:prstDash val="solid"/>
+            <a:round/>
+            <a:headEnd type="none" w="med" len="med"/>
+            <a:tailEnd type="triangle" w="med" len="med"/>
+          </a:ln>
+        </p:spPr>
+      </p:cxnSp>
+      <p:sp>
+        <p:nvSpPr>
+          <p:cNvPr id="30" name="Google Shape;146;p19">
+            <a:extLst>
+              <a:ext uri="{FF2B5EF4-FFF2-40B4-BE49-F238E27FC236}">
+                <a16:creationId xmlns:a16="http://schemas.microsoft.com/office/drawing/2014/main" id="{6F1DBD1E-7B8E-4077-B802-98E5B9972FA6}"/>
+              </a:ext>
+            </a:extLst>
+          </p:cNvPr>
+          <p:cNvSpPr txBox="1"/>
+          <p:nvPr/>
+        </p:nvSpPr>
+        <p:spPr>
+          <a:xfrm>
+            <a:off x="8278590" y="4472594"/>
+            <a:ext cx="491154" cy="368030"/>
+          </a:xfrm>
+          <a:prstGeom prst="rect">
+            <a:avLst/>
+          </a:prstGeom>
+          <a:noFill/>
+          <a:ln>
+            <a:noFill/>
+          </a:ln>
+        </p:spPr>
+        <p:txBody>
+          <a:bodyPr spcFirstLastPara="1" wrap="square" lIns="91425" tIns="91425" rIns="91425" bIns="91425" anchor="ctr" anchorCtr="0">
+            <a:noAutofit/>
+          </a:bodyPr>
+          <a:lstStyle/>
+          <a:p>
+            <a:pPr marL="0" lvl="0" indent="0" algn="ctr" rtl="0">
+              <a:spcBef>
+                <a:spcPts val="0"/>
+              </a:spcBef>
+              <a:spcAft>
+                <a:spcPts val="0"/>
+              </a:spcAft>
+              <a:buNone/>
+            </a:pPr>
+            <a:r>
+              <a:rPr lang="ru" dirty="0"/>
+              <a:t>4</a:t>
+            </a:r>
+          </a:p>
+        </p:txBody>
+      </p:sp>
+      <p:sp>
+        <p:nvSpPr>
+          <p:cNvPr id="35" name="Rectangle 34">
+            <a:extLst>
+              <a:ext uri="{FF2B5EF4-FFF2-40B4-BE49-F238E27FC236}">
+                <a16:creationId xmlns:a16="http://schemas.microsoft.com/office/drawing/2014/main" id="{80374144-2C28-473B-815C-055CF7909976}"/>
+              </a:ext>
+            </a:extLst>
+          </p:cNvPr>
+          <p:cNvSpPr/>
+          <p:nvPr/>
+        </p:nvSpPr>
+        <p:spPr>
+          <a:xfrm>
+            <a:off x="9875156" y="3212975"/>
+            <a:ext cx="883108" cy="276999"/>
+          </a:xfrm>
+          <a:prstGeom prst="rect">
+            <a:avLst/>
+          </a:prstGeom>
+          <a:solidFill>
+            <a:srgbClr val="FAFAFA"/>
+          </a:solidFill>
+          <a:ln>
+            <a:noFill/>
+          </a:ln>
+        </p:spPr>
+        <p:style>
+          <a:lnRef idx="2">
+            <a:schemeClr val="accent1">
+              <a:shade val="50000"/>
+            </a:schemeClr>
+          </a:lnRef>
+          <a:fillRef idx="1">
+            <a:schemeClr val="accent1"/>
+          </a:fillRef>
+          <a:effectRef idx="0">
+            <a:schemeClr val="accent1"/>
+          </a:effectRef>
+          <a:fontRef idx="minor">
+            <a:schemeClr val="lt1"/>
+          </a:fontRef>
+        </p:style>
+        <p:txBody>
+          <a:bodyPr lIns="0" rIns="0" rtlCol="0" anchor="ctr"/>
+          <a:lstStyle/>
+          <a:p>
+            <a:pPr marL="0" lvl="0" indent="0" algn="ctr" rtl="0">
+              <a:spcBef>
+                <a:spcPts val="0"/>
+              </a:spcBef>
+              <a:spcAft>
+                <a:spcPts val="0"/>
+              </a:spcAft>
+              <a:buNone/>
+            </a:pPr>
+            <a:r>
+              <a:rPr lang="ru" sz="1000" dirty="0">
+                <a:solidFill>
+                  <a:srgbClr val="C00000"/>
+                </a:solidFill>
+              </a:rPr>
+              <a:t>Преподаватель</a:t>
+            </a:r>
+          </a:p>
+          <a:p>
+            <a:pPr marL="0" lvl="0" indent="0" algn="ctr" rtl="0">
+              <a:spcBef>
+                <a:spcPts val="0"/>
+              </a:spcBef>
+              <a:spcAft>
+                <a:spcPts val="0"/>
+              </a:spcAft>
+              <a:buNone/>
+            </a:pPr>
+            <a:r>
+              <a:rPr lang="ru" sz="1000" dirty="0">
+                <a:solidFill>
+                  <a:srgbClr val="C00000"/>
+                </a:solidFill>
+              </a:rPr>
+              <a:t>вашей группы</a:t>
+            </a:r>
+            <a:endParaRPr lang="ru-RU" sz="1000" dirty="0">
+              <a:solidFill>
+                <a:srgbClr val="C00000"/>
+              </a:solidFill>
+            </a:endParaRPr>
+          </a:p>
+        </p:txBody>
+      </p:sp>
+      <p:sp>
+        <p:nvSpPr>
+          <p:cNvPr id="36" name="TextBox 35">
+            <a:extLst>
+              <a:ext uri="{FF2B5EF4-FFF2-40B4-BE49-F238E27FC236}">
+                <a16:creationId xmlns:a16="http://schemas.microsoft.com/office/drawing/2014/main" id="{E30565FD-B95B-45F6-BFF2-6FA3883E372D}"/>
+              </a:ext>
+            </a:extLst>
+          </p:cNvPr>
+          <p:cNvSpPr txBox="1"/>
+          <p:nvPr/>
+        </p:nvSpPr>
+        <p:spPr>
+          <a:xfrm>
+            <a:off x="9599322" y="3212976"/>
+            <a:ext cx="275834" cy="276999"/>
+          </a:xfrm>
+          <a:prstGeom prst="rect">
+            <a:avLst/>
+          </a:prstGeom>
+          <a:solidFill>
+            <a:srgbClr val="FFC000"/>
+          </a:solidFill>
+        </p:spPr>
+        <p:txBody>
+          <a:bodyPr wrap="square" tIns="0" bIns="0" rtlCol="0" anchor="ctr">
+            <a:spAutoFit/>
+          </a:bodyPr>
+          <a:lstStyle/>
+          <a:p>
+            <a:pPr algn="ctr"/>
+            <a:r>
+              <a:rPr lang="ru-RU" dirty="0">
+                <a:solidFill>
+                  <a:srgbClr val="C00000"/>
+                </a:solidFill>
+                <a:sym typeface="Wingdings" panose="05000000000000000000" pitchFamily="2" charset="2"/>
+              </a:rPr>
+              <a:t></a:t>
+            </a:r>
+            <a:endParaRPr lang="ru-RU" dirty="0">
+              <a:solidFill>
+                <a:srgbClr val="C00000"/>
+              </a:solidFill>
+            </a:endParaRPr>
+          </a:p>
+        </p:txBody>
+      </p:sp>
+      <p:sp>
+        <p:nvSpPr>
+          <p:cNvPr id="37" name="TextBox 36">
+            <a:extLst>
+              <a:ext uri="{FF2B5EF4-FFF2-40B4-BE49-F238E27FC236}">
+                <a16:creationId xmlns:a16="http://schemas.microsoft.com/office/drawing/2014/main" id="{0B6EA3DA-3B5A-4304-A200-FB62BA3F321C}"/>
+              </a:ext>
+            </a:extLst>
+          </p:cNvPr>
+          <p:cNvSpPr txBox="1"/>
+          <p:nvPr/>
+        </p:nvSpPr>
+        <p:spPr>
+          <a:xfrm>
+            <a:off x="9578003" y="5324369"/>
+            <a:ext cx="275834" cy="276999"/>
+          </a:xfrm>
+          <a:prstGeom prst="rect">
+            <a:avLst/>
+          </a:prstGeom>
+          <a:solidFill>
+            <a:srgbClr val="FFC000"/>
+          </a:solidFill>
+        </p:spPr>
+        <p:txBody>
+          <a:bodyPr wrap="square" tIns="0" bIns="0" rtlCol="0" anchor="ctr">
+            <a:spAutoFit/>
+          </a:bodyPr>
+          <a:lstStyle/>
+          <a:p>
+            <a:pPr algn="ctr"/>
+            <a:r>
+              <a:rPr lang="ru-RU" dirty="0">
+                <a:solidFill>
+                  <a:srgbClr val="C00000"/>
+                </a:solidFill>
+                <a:sym typeface="Wingdings" panose="05000000000000000000" pitchFamily="2" charset="2"/>
+              </a:rPr>
+              <a:t></a:t>
+            </a:r>
+            <a:endParaRPr lang="ru-RU" dirty="0">
+              <a:solidFill>
+                <a:srgbClr val="C00000"/>
+              </a:solidFill>
+            </a:endParaRPr>
+          </a:p>
+        </p:txBody>
+      </p:sp>
+    </p:spTree>
+    <p:extLst>
+      <p:ext uri="{BB962C8B-B14F-4D97-AF65-F5344CB8AC3E}">
+        <p14:creationId xmlns:p14="http://schemas.microsoft.com/office/powerpoint/2010/main" val="1387215549"/>
+      </p:ext>
+    </p:extLst>
+  </p:cSld>
+  <p:clrMapOvr>
+    <a:masterClrMapping/>
+  </p:clrMapOvr>
+</p:sld>
+</file>
+
+<file path=ppt/slides/slide74.xml><?xml version="1.0" encoding="utf-8"?>
+<p:sld xmlns:a="http://schemas.openxmlformats.org/drawingml/2006/main" xmlns:r="http://schemas.openxmlformats.org/officeDocument/2006/relationships" xmlns:p="http://schemas.openxmlformats.org/presentationml/2006/main">
+  <p:cSld>
+    <p:spTree>
+      <p:nvGrpSpPr>
+        <p:cNvPr id="1" name=""/>
+        <p:cNvGrpSpPr/>
+        <p:nvPr/>
+      </p:nvGrpSpPr>
+      <p:grpSpPr>
+        <a:xfrm>
+          <a:off x="0" y="0"/>
+          <a:ext cx="0" cy="0"/>
+          <a:chOff x="0" y="0"/>
+          <a:chExt cx="0" cy="0"/>
+        </a:xfrm>
+      </p:grpSpPr>
+      <p:sp>
+        <p:nvSpPr>
+          <p:cNvPr id="2" name="Заголовок 1"/>
+          <p:cNvSpPr>
+            <a:spLocks noGrp="1"/>
+          </p:cNvSpPr>
+          <p:nvPr>
+            <p:ph type="title"/>
+          </p:nvPr>
+        </p:nvSpPr>
+        <p:spPr/>
+        <p:txBody>
+          <a:bodyPr/>
+          <a:lstStyle/>
+          <a:p>
+            <a:r>
+              <a:rPr lang="ru-RU" dirty="0"/>
+              <a:t>Заключение</a:t>
+            </a:r>
+          </a:p>
+        </p:txBody>
+      </p:sp>
+      <p:sp>
+        <p:nvSpPr>
+          <p:cNvPr id="3" name="Содержимое 2"/>
+          <p:cNvSpPr>
+            <a:spLocks noGrp="1"/>
+          </p:cNvSpPr>
+          <p:nvPr>
+            <p:ph idx="1"/>
+          </p:nvPr>
+        </p:nvSpPr>
+        <p:spPr/>
+        <p:txBody>
+          <a:bodyPr>
+            <a:normAutofit fontScale="92500" lnSpcReduction="10000"/>
+          </a:bodyPr>
+          <a:lstStyle/>
+          <a:p>
+            <a:r>
+              <a:rPr lang="ru-RU" dirty="0"/>
+              <a:t>Информация об этом курсе</a:t>
+            </a:r>
+          </a:p>
+          <a:p>
+            <a:r>
+              <a:rPr lang="ru-RU" dirty="0"/>
+              <a:t>Понятие программы</a:t>
+            </a:r>
+          </a:p>
+          <a:p>
+            <a:r>
+              <a:rPr lang="ru-RU" dirty="0"/>
+              <a:t>Этапы разработки программ</a:t>
+            </a:r>
+          </a:p>
+          <a:p>
+            <a:pPr lvl="2"/>
+            <a:r>
+              <a:rPr lang="ru-RU" dirty="0"/>
+              <a:t>Написание исходного кода</a:t>
+            </a:r>
+          </a:p>
+          <a:p>
+            <a:pPr lvl="2"/>
+            <a:r>
+              <a:rPr lang="ru-RU" dirty="0"/>
+              <a:t>Компиляция исходного кода</a:t>
+            </a:r>
+          </a:p>
+          <a:p>
+            <a:pPr lvl="2"/>
+            <a:r>
+              <a:rPr lang="ru-RU" dirty="0"/>
+              <a:t>Сборка</a:t>
+            </a:r>
+          </a:p>
+          <a:p>
+            <a:pPr lvl="2"/>
+            <a:r>
+              <a:rPr lang="ru-RU" dirty="0"/>
+              <a:t>Отладка</a:t>
+            </a:r>
+          </a:p>
+          <a:p>
+            <a:pPr lvl="2"/>
+            <a:r>
+              <a:rPr lang="ru-RU" dirty="0"/>
+              <a:t>Оптимизация</a:t>
+            </a:r>
+          </a:p>
+          <a:p>
+            <a:pPr lvl="2"/>
+            <a:r>
+              <a:rPr lang="ru-RU" dirty="0"/>
+              <a:t>Тестирование</a:t>
+            </a:r>
+            <a:endParaRPr lang="en-US" dirty="0"/>
+          </a:p>
+          <a:p>
+            <a:r>
+              <a:rPr lang="ru-RU" dirty="0"/>
+              <a:t>Выполнение лабораторных работ на </a:t>
+            </a:r>
+            <a:r>
+              <a:rPr lang="en-US" dirty="0"/>
+              <a:t>gitlab.ccfit.nsu.ru</a:t>
+            </a:r>
+            <a:endParaRPr lang="ru-RU" dirty="0"/>
+          </a:p>
+          <a:p>
+            <a:pPr lvl="1"/>
+            <a:endParaRPr lang="ru-RU" dirty="0"/>
+          </a:p>
+          <a:p>
+            <a:endParaRPr lang="ru-RU" dirty="0"/>
+          </a:p>
+        </p:txBody>
+      </p:sp>
+    </p:spTree>
+    <p:extLst>
+      <p:ext uri="{BB962C8B-B14F-4D97-AF65-F5344CB8AC3E}">
+        <p14:creationId xmlns:p14="http://schemas.microsoft.com/office/powerpoint/2010/main" val="2522769053"/>
+      </p:ext>
+    </p:extLst>
+  </p:cSld>
+  <p:clrMapOvr>
+    <a:masterClrMapping/>
+  </p:clrMapOvr>
+</p:sld>
+</file>
+
+<file path=ppt/slides/slide75.xml><?xml version="1.0" encoding="utf-8"?>
+<p:sld xmlns:a="http://schemas.openxmlformats.org/drawingml/2006/main" xmlns:r="http://schemas.openxmlformats.org/officeDocument/2006/relationships" xmlns:p="http://schemas.openxmlformats.org/presentationml/2006/main">
+  <p:cSld>
+    <p:spTree>
+      <p:nvGrpSpPr>
+        <p:cNvPr id="1" name=""/>
+        <p:cNvGrpSpPr/>
+        <p:nvPr/>
+      </p:nvGrpSpPr>
+      <p:grpSpPr>
+        <a:xfrm>
+          <a:off x="0" y="0"/>
+          <a:ext cx="0" cy="0"/>
+          <a:chOff x="0" y="0"/>
+          <a:chExt cx="0" cy="0"/>
+        </a:xfrm>
+      </p:grpSpPr>
+      <p:sp>
+        <p:nvSpPr>
           <p:cNvPr id="2" name="Title 1"/>
           <p:cNvSpPr>
             <a:spLocks noGrp="1"/>
@@ -17318,7 +20151,7 @@
 </p:sld>
 </file>
 
-<file path=ppt/slides/slide71.xml><?xml version="1.0" encoding="utf-8"?>
+<file path=ppt/slides/slide76.xml><?xml version="1.0" encoding="utf-8"?>
 <p:sld xmlns:a="http://schemas.openxmlformats.org/drawingml/2006/main" xmlns:r="http://schemas.openxmlformats.org/officeDocument/2006/relationships" xmlns:p="http://schemas.openxmlformats.org/presentationml/2006/main">
   <p:cSld>
     <p:spTree>
@@ -19450,7 +22283,7 @@
 </p:sld>
 </file>
 
-<file path=ppt/slides/slide72.xml><?xml version="1.0" encoding="utf-8"?>
+<file path=ppt/slides/slide77.xml><?xml version="1.0" encoding="utf-8"?>
 <p:sld xmlns:a="http://schemas.openxmlformats.org/drawingml/2006/main" xmlns:r="http://schemas.openxmlformats.org/officeDocument/2006/relationships" xmlns:p="http://schemas.openxmlformats.org/presentationml/2006/main">
   <p:cSld>
     <p:spTree>
@@ -20725,7 +23558,7 @@
 </p:sld>
 </file>
 
-<file path=ppt/slides/slide73.xml><?xml version="1.0" encoding="utf-8"?>
+<file path=ppt/slides/slide78.xml><?xml version="1.0" encoding="utf-8"?>
 <p:sld xmlns:a="http://schemas.openxmlformats.org/drawingml/2006/main" xmlns:r="http://schemas.openxmlformats.org/officeDocument/2006/relationships" xmlns:p="http://schemas.openxmlformats.org/presentationml/2006/main">
   <p:cSld>
     <p:spTree>
@@ -22785,164 +25618,7 @@
 </p:sld>
 </file>
 
-<file path=ppt/slides/slide74.xml><?xml version="1.0" encoding="utf-8"?>
-<p:sld xmlns:a="http://schemas.openxmlformats.org/drawingml/2006/main" xmlns:r="http://schemas.openxmlformats.org/officeDocument/2006/relationships" xmlns:p="http://schemas.openxmlformats.org/presentationml/2006/main" show="0">
-  <p:cSld>
-    <p:spTree>
-      <p:nvGrpSpPr>
-        <p:cNvPr id="1" name=""/>
-        <p:cNvGrpSpPr/>
-        <p:nvPr/>
-      </p:nvGrpSpPr>
-      <p:grpSpPr>
-        <a:xfrm>
-          <a:off x="0" y="0"/>
-          <a:ext cx="0" cy="0"/>
-          <a:chOff x="0" y="0"/>
-          <a:chExt cx="0" cy="0"/>
-        </a:xfrm>
-      </p:grpSpPr>
-      <p:sp>
-        <p:nvSpPr>
-          <p:cNvPr id="2" name="Заголовок 1"/>
-          <p:cNvSpPr>
-            <a:spLocks noGrp="1"/>
-          </p:cNvSpPr>
-          <p:nvPr>
-            <p:ph type="title"/>
-          </p:nvPr>
-        </p:nvSpPr>
-        <p:spPr/>
-        <p:txBody>
-          <a:bodyPr/>
-          <a:lstStyle/>
-          <a:p>
-            <a:r>
-              <a:rPr lang="ru-RU" dirty="0"/>
-              <a:t>Понятие программы</a:t>
-            </a:r>
-          </a:p>
-        </p:txBody>
-      </p:sp>
-      <p:sp>
-        <p:nvSpPr>
-          <p:cNvPr id="3" name="Содержимое 2"/>
-          <p:cNvSpPr>
-            <a:spLocks noGrp="1"/>
-          </p:cNvSpPr>
-          <p:nvPr>
-            <p:ph idx="1"/>
-          </p:nvPr>
-        </p:nvSpPr>
-        <p:spPr/>
-        <p:txBody>
-          <a:bodyPr>
-            <a:normAutofit fontScale="92500" lnSpcReduction="20000"/>
-          </a:bodyPr>
-          <a:lstStyle/>
-          <a:p>
-            <a:r>
-              <a:rPr lang="ru-RU" dirty="0"/>
-              <a:t>Программа – это данные, предназначенные для управления конкретными компонентами системы обработки информации в целях реализации определенного алгоритма. (ГОСТ 19781—90)</a:t>
-            </a:r>
-          </a:p>
-          <a:p>
-            <a:endParaRPr lang="en-US" dirty="0"/>
-          </a:p>
-          <a:p>
-            <a:r>
-              <a:rPr lang="ru-RU" dirty="0"/>
-              <a:t>Программа – это представленная в объективной форме совокупность данных и команд, предназначенных для функционирования ЭВМ и других компьютерных устройств с целью получения определённого результата, включая подготовительные материалы, полученные в ходе разработки программы для ЭВМ, и порождаемые ею аудиовизуальные отображения. (ГК РФ)</a:t>
-            </a:r>
-          </a:p>
-          <a:p>
-            <a:endParaRPr lang="ru-RU" dirty="0"/>
-          </a:p>
-          <a:p>
-            <a:endParaRPr lang="ru-RU" dirty="0"/>
-          </a:p>
-        </p:txBody>
-      </p:sp>
-    </p:spTree>
-  </p:cSld>
-  <p:clrMapOvr>
-    <a:masterClrMapping/>
-  </p:clrMapOvr>
-</p:sld>
-</file>
-
-<file path=ppt/slides/slide75.xml><?xml version="1.0" encoding="utf-8"?>
-<p:sld xmlns:a="http://schemas.openxmlformats.org/drawingml/2006/main" xmlns:r="http://schemas.openxmlformats.org/officeDocument/2006/relationships" xmlns:p="http://schemas.openxmlformats.org/presentationml/2006/main" show="0">
-  <p:cSld>
-    <p:spTree>
-      <p:nvGrpSpPr>
-        <p:cNvPr id="1" name=""/>
-        <p:cNvGrpSpPr/>
-        <p:nvPr/>
-      </p:nvGrpSpPr>
-      <p:grpSpPr>
-        <a:xfrm>
-          <a:off x="0" y="0"/>
-          <a:ext cx="0" cy="0"/>
-          <a:chOff x="0" y="0"/>
-          <a:chExt cx="0" cy="0"/>
-        </a:xfrm>
-      </p:grpSpPr>
-      <p:sp>
-        <p:nvSpPr>
-          <p:cNvPr id="2" name="Заголовок 1"/>
-          <p:cNvSpPr>
-            <a:spLocks noGrp="1"/>
-          </p:cNvSpPr>
-          <p:nvPr>
-            <p:ph type="title"/>
-          </p:nvPr>
-        </p:nvSpPr>
-        <p:spPr/>
-        <p:txBody>
-          <a:bodyPr/>
-          <a:lstStyle/>
-          <a:p>
-            <a:r>
-              <a:rPr lang="ru-RU" dirty="0"/>
-              <a:t>Понятие программы</a:t>
-            </a:r>
-          </a:p>
-        </p:txBody>
-      </p:sp>
-      <p:pic>
-        <p:nvPicPr>
-          <p:cNvPr id="7" name="Рисунок 6" descr="img7.gif"/>
-          <p:cNvPicPr>
-            <a:picLocks noChangeAspect="1"/>
-          </p:cNvPicPr>
-          <p:nvPr/>
-        </p:nvPicPr>
-        <p:blipFill>
-          <a:blip r:embed="rId2" cstate="print"/>
-          <a:stretch>
-            <a:fillRect/>
-          </a:stretch>
-        </p:blipFill>
-        <p:spPr>
-          <a:xfrm>
-            <a:off x="2783632" y="2313844"/>
-            <a:ext cx="7128792" cy="2915357"/>
-          </a:xfrm>
-          <a:prstGeom prst="rect">
-            <a:avLst/>
-          </a:prstGeom>
-        </p:spPr>
-      </p:pic>
-    </p:spTree>
-  </p:cSld>
-  <p:clrMapOvr>
-    <a:masterClrMapping/>
-  </p:clrMapOvr>
-</p:sld>
-</file>
-
-<file path=ppt/slides/slide76.xml><?xml version="1.0" encoding="utf-8"?>
+<file path=ppt/slides/slide79.xml><?xml version="1.0" encoding="utf-8"?>
 <p:sld xmlns:a="http://schemas.openxmlformats.org/drawingml/2006/main" xmlns:r="http://schemas.openxmlformats.org/officeDocument/2006/relationships" xmlns:p="http://schemas.openxmlformats.org/presentationml/2006/main" show="0">
   <p:cSld>
     <p:bg>
@@ -27427,7 +30103,209 @@
 </p:sld>
 </file>
 
-<file path=ppt/slides/slide77.xml><?xml version="1.0" encoding="utf-8"?>
+<file path=ppt/slides/slide8.xml><?xml version="1.0" encoding="utf-8"?>
+<p:sld xmlns:a="http://schemas.openxmlformats.org/drawingml/2006/main" xmlns:r="http://schemas.openxmlformats.org/officeDocument/2006/relationships" xmlns:p="http://schemas.openxmlformats.org/presentationml/2006/main">
+  <p:cSld>
+    <p:spTree>
+      <p:nvGrpSpPr>
+        <p:cNvPr id="1" name=""/>
+        <p:cNvGrpSpPr/>
+        <p:nvPr/>
+      </p:nvGrpSpPr>
+      <p:grpSpPr>
+        <a:xfrm>
+          <a:off x="0" y="0"/>
+          <a:ext cx="0" cy="0"/>
+          <a:chOff x="0" y="0"/>
+          <a:chExt cx="0" cy="0"/>
+        </a:xfrm>
+      </p:grpSpPr>
+      <p:sp>
+        <p:nvSpPr>
+          <p:cNvPr id="2" name="Заголовок 1"/>
+          <p:cNvSpPr>
+            <a:spLocks noGrp="1"/>
+          </p:cNvSpPr>
+          <p:nvPr>
+            <p:ph type="title"/>
+          </p:nvPr>
+        </p:nvSpPr>
+        <p:spPr/>
+        <p:txBody>
+          <a:bodyPr/>
+          <a:lstStyle/>
+          <a:p>
+            <a:r>
+              <a:rPr lang="ru-RU" dirty="0"/>
+              <a:t>Информация об этом курсе</a:t>
+            </a:r>
+          </a:p>
+        </p:txBody>
+      </p:sp>
+      <p:sp>
+        <p:nvSpPr>
+          <p:cNvPr id="3" name="Содержимое 2"/>
+          <p:cNvSpPr>
+            <a:spLocks noGrp="1"/>
+          </p:cNvSpPr>
+          <p:nvPr>
+            <p:ph sz="half" idx="1"/>
+          </p:nvPr>
+        </p:nvSpPr>
+        <p:spPr/>
+        <p:txBody>
+          <a:bodyPr>
+            <a:normAutofit/>
+          </a:bodyPr>
+          <a:lstStyle/>
+          <a:p>
+            <a:r>
+              <a:rPr lang="ru-RU" sz="2400" dirty="0"/>
+              <a:t>Петров Евгений Сергеевич</a:t>
+            </a:r>
+            <a:endParaRPr lang="en-US" sz="2400" dirty="0"/>
+          </a:p>
+          <a:p>
+            <a:endParaRPr lang="en-US" sz="2400" dirty="0"/>
+          </a:p>
+          <a:p>
+            <a:r>
+              <a:rPr lang="ru-RU" sz="2400" dirty="0"/>
+              <a:t>Программа курса</a:t>
+            </a:r>
+            <a:endParaRPr lang="en-US" sz="2400" dirty="0"/>
+          </a:p>
+          <a:p>
+            <a:pPr lvl="1"/>
+            <a:r>
+              <a:rPr lang="en-US" sz="2000" dirty="0"/>
+              <a:t>https://www.nsu.ru/n/information-technologies-department/education_fit/programs/OOP/09-03-01/piikn/rabochie-programmy/09.03.01_PIiKN_B1.B.4.pdf</a:t>
+            </a:r>
+            <a:endParaRPr lang="ru-RU" sz="2000" dirty="0"/>
+          </a:p>
+          <a:p>
+            <a:endParaRPr lang="en-US" sz="2400" dirty="0"/>
+          </a:p>
+          <a:p>
+            <a:r>
+              <a:rPr lang="ru-RU" sz="2400" dirty="0"/>
+              <a:t>Лекция + семинар + практика каждую учебную неделю</a:t>
+            </a:r>
+          </a:p>
+          <a:p>
+            <a:endParaRPr lang="ru-RU" sz="2400" dirty="0"/>
+          </a:p>
+        </p:txBody>
+      </p:sp>
+      <p:sp>
+        <p:nvSpPr>
+          <p:cNvPr id="4" name="Объект 3"/>
+          <p:cNvSpPr>
+            <a:spLocks noGrp="1"/>
+          </p:cNvSpPr>
+          <p:nvPr>
+            <p:ph sz="half" idx="2"/>
+          </p:nvPr>
+        </p:nvSpPr>
+        <p:spPr/>
+        <p:txBody>
+          <a:bodyPr>
+            <a:normAutofit/>
+          </a:bodyPr>
+          <a:lstStyle/>
+          <a:p>
+            <a:r>
+              <a:rPr lang="ru-RU" dirty="0"/>
+              <a:t>1й семестр</a:t>
+            </a:r>
+          </a:p>
+          <a:p>
+            <a:pPr lvl="1"/>
+            <a:r>
+              <a:rPr lang="ru-RU" dirty="0"/>
+              <a:t>16 учебных недель</a:t>
+            </a:r>
+            <a:endParaRPr lang="en-US" dirty="0"/>
+          </a:p>
+          <a:p>
+            <a:pPr lvl="1"/>
+            <a:r>
+              <a:rPr lang="ru-RU" dirty="0"/>
+              <a:t>1</a:t>
+            </a:r>
+            <a:r>
+              <a:rPr lang="en-US" dirty="0"/>
+              <a:t> </a:t>
+            </a:r>
+            <a:r>
+              <a:rPr lang="ru-RU" dirty="0"/>
+              <a:t>потоковая контрольная работа</a:t>
+            </a:r>
+          </a:p>
+          <a:p>
+            <a:pPr lvl="1"/>
+            <a:r>
+              <a:rPr lang="ru-RU" dirty="0"/>
+              <a:t>Дифференцированный зачёт</a:t>
+            </a:r>
+          </a:p>
+          <a:p>
+            <a:endParaRPr lang="ru-RU" dirty="0"/>
+          </a:p>
+          <a:p>
+            <a:r>
+              <a:rPr lang="ru-RU" dirty="0"/>
+              <a:t>2й семестр</a:t>
+            </a:r>
+          </a:p>
+          <a:p>
+            <a:pPr lvl="1"/>
+            <a:r>
+              <a:rPr lang="ru-RU" dirty="0"/>
+              <a:t>16 учебных недель</a:t>
+            </a:r>
+          </a:p>
+          <a:p>
+            <a:pPr lvl="1"/>
+            <a:r>
+              <a:rPr lang="ru-RU" dirty="0"/>
+              <a:t>1</a:t>
+            </a:r>
+            <a:r>
+              <a:rPr lang="en-US" dirty="0"/>
+              <a:t> </a:t>
+            </a:r>
+            <a:r>
+              <a:rPr lang="ru-RU" dirty="0"/>
+              <a:t>потоковая контрольная работа</a:t>
+            </a:r>
+          </a:p>
+          <a:p>
+            <a:pPr lvl="1"/>
+            <a:r>
+              <a:rPr lang="ru-RU" dirty="0"/>
+              <a:t>Экзамен</a:t>
+            </a:r>
+          </a:p>
+          <a:p>
+            <a:endParaRPr lang="ru-RU" dirty="0"/>
+          </a:p>
+        </p:txBody>
+      </p:sp>
+    </p:spTree>
+    <p:extLst>
+      <p:ext uri="{BB962C8B-B14F-4D97-AF65-F5344CB8AC3E}">
+        <p14:creationId xmlns:p14="http://schemas.microsoft.com/office/powerpoint/2010/main" val="3163583711"/>
+      </p:ext>
+    </p:extLst>
+  </p:cSld>
+  <p:clrMapOvr>
+    <a:masterClrMapping/>
+  </p:clrMapOvr>
+</p:sld>
+</file>
+
+<file path=ppt/slides/slide80.xml><?xml version="1.0" encoding="utf-8"?>
 <p:sld xmlns:a="http://schemas.openxmlformats.org/drawingml/2006/main" xmlns:r="http://schemas.openxmlformats.org/officeDocument/2006/relationships" xmlns:p="http://schemas.openxmlformats.org/presentationml/2006/main" show="0">
   <p:cSld>
     <p:spTree>
@@ -27502,7 +30380,7 @@
 </p:sld>
 </file>
 
-<file path=ppt/slides/slide78.xml><?xml version="1.0" encoding="utf-8"?>
+<file path=ppt/slides/slide81.xml><?xml version="1.0" encoding="utf-8"?>
 <p:sld xmlns:a="http://schemas.openxmlformats.org/drawingml/2006/main" xmlns:r="http://schemas.openxmlformats.org/officeDocument/2006/relationships" xmlns:p="http://schemas.openxmlformats.org/presentationml/2006/main" show="0">
   <p:cSld>
     <p:spTree>
@@ -27577,7 +30455,7 @@
 </p:sld>
 </file>
 
-<file path=ppt/slides/slide79.xml><?xml version="1.0" encoding="utf-8"?>
+<file path=ppt/slides/slide82.xml><?xml version="1.0" encoding="utf-8"?>
 <p:sld xmlns:a="http://schemas.openxmlformats.org/drawingml/2006/main" xmlns:r="http://schemas.openxmlformats.org/officeDocument/2006/relationships" xmlns:p="http://schemas.openxmlformats.org/presentationml/2006/main" show="0">
   <p:cSld>
     <p:spTree>
@@ -27652,209 +30530,7 @@
 </p:sld>
 </file>
 
-<file path=ppt/slides/slide8.xml><?xml version="1.0" encoding="utf-8"?>
-<p:sld xmlns:a="http://schemas.openxmlformats.org/drawingml/2006/main" xmlns:r="http://schemas.openxmlformats.org/officeDocument/2006/relationships" xmlns:p="http://schemas.openxmlformats.org/presentationml/2006/main">
-  <p:cSld>
-    <p:spTree>
-      <p:nvGrpSpPr>
-        <p:cNvPr id="1" name=""/>
-        <p:cNvGrpSpPr/>
-        <p:nvPr/>
-      </p:nvGrpSpPr>
-      <p:grpSpPr>
-        <a:xfrm>
-          <a:off x="0" y="0"/>
-          <a:ext cx="0" cy="0"/>
-          <a:chOff x="0" y="0"/>
-          <a:chExt cx="0" cy="0"/>
-        </a:xfrm>
-      </p:grpSpPr>
-      <p:sp>
-        <p:nvSpPr>
-          <p:cNvPr id="2" name="Заголовок 1"/>
-          <p:cNvSpPr>
-            <a:spLocks noGrp="1"/>
-          </p:cNvSpPr>
-          <p:nvPr>
-            <p:ph type="title"/>
-          </p:nvPr>
-        </p:nvSpPr>
-        <p:spPr/>
-        <p:txBody>
-          <a:bodyPr/>
-          <a:lstStyle/>
-          <a:p>
-            <a:r>
-              <a:rPr lang="ru-RU" dirty="0"/>
-              <a:t>Информация об этом курсе</a:t>
-            </a:r>
-          </a:p>
-        </p:txBody>
-      </p:sp>
-      <p:sp>
-        <p:nvSpPr>
-          <p:cNvPr id="3" name="Содержимое 2"/>
-          <p:cNvSpPr>
-            <a:spLocks noGrp="1"/>
-          </p:cNvSpPr>
-          <p:nvPr>
-            <p:ph sz="half" idx="1"/>
-          </p:nvPr>
-        </p:nvSpPr>
-        <p:spPr/>
-        <p:txBody>
-          <a:bodyPr>
-            <a:normAutofit/>
-          </a:bodyPr>
-          <a:lstStyle/>
-          <a:p>
-            <a:r>
-              <a:rPr lang="ru-RU" sz="2400" dirty="0"/>
-              <a:t>Петров Евгений Сергеевич</a:t>
-            </a:r>
-            <a:endParaRPr lang="en-US" sz="2400" dirty="0"/>
-          </a:p>
-          <a:p>
-            <a:endParaRPr lang="en-US" sz="2400" dirty="0"/>
-          </a:p>
-          <a:p>
-            <a:r>
-              <a:rPr lang="ru-RU" sz="2400" dirty="0"/>
-              <a:t>Программа курса</a:t>
-            </a:r>
-            <a:endParaRPr lang="en-US" sz="2400" dirty="0"/>
-          </a:p>
-          <a:p>
-            <a:pPr lvl="1"/>
-            <a:r>
-              <a:rPr lang="en-US" sz="2000" dirty="0"/>
-              <a:t>https://www.nsu.ru/n/information-technologies-department/education_fit/programs/OOP/09-03-01/piikn/rabochie-programmy/09.03.01_PIiKN_B1.B.4.pdf</a:t>
-            </a:r>
-            <a:endParaRPr lang="ru-RU" sz="2000" dirty="0"/>
-          </a:p>
-          <a:p>
-            <a:endParaRPr lang="en-US" sz="2400" dirty="0"/>
-          </a:p>
-          <a:p>
-            <a:r>
-              <a:rPr lang="ru-RU" sz="2400" dirty="0"/>
-              <a:t>Лекция + семинар + практика каждую учебную неделю</a:t>
-            </a:r>
-          </a:p>
-          <a:p>
-            <a:endParaRPr lang="ru-RU" sz="2400" dirty="0"/>
-          </a:p>
-        </p:txBody>
-      </p:sp>
-      <p:sp>
-        <p:nvSpPr>
-          <p:cNvPr id="4" name="Объект 3"/>
-          <p:cNvSpPr>
-            <a:spLocks noGrp="1"/>
-          </p:cNvSpPr>
-          <p:nvPr>
-            <p:ph sz="half" idx="2"/>
-          </p:nvPr>
-        </p:nvSpPr>
-        <p:spPr/>
-        <p:txBody>
-          <a:bodyPr>
-            <a:normAutofit/>
-          </a:bodyPr>
-          <a:lstStyle/>
-          <a:p>
-            <a:r>
-              <a:rPr lang="ru-RU" dirty="0"/>
-              <a:t>1й семестр</a:t>
-            </a:r>
-          </a:p>
-          <a:p>
-            <a:pPr lvl="1"/>
-            <a:r>
-              <a:rPr lang="ru-RU" dirty="0"/>
-              <a:t>16 учебных недель</a:t>
-            </a:r>
-            <a:endParaRPr lang="en-US" dirty="0"/>
-          </a:p>
-          <a:p>
-            <a:pPr lvl="1"/>
-            <a:r>
-              <a:rPr lang="ru-RU" dirty="0"/>
-              <a:t>1</a:t>
-            </a:r>
-            <a:r>
-              <a:rPr lang="en-US" dirty="0"/>
-              <a:t> </a:t>
-            </a:r>
-            <a:r>
-              <a:rPr lang="ru-RU" dirty="0"/>
-              <a:t>потоковая контрольная работа</a:t>
-            </a:r>
-          </a:p>
-          <a:p>
-            <a:pPr lvl="1"/>
-            <a:r>
-              <a:rPr lang="ru-RU" dirty="0"/>
-              <a:t>Дифференцированный зачёт</a:t>
-            </a:r>
-          </a:p>
-          <a:p>
-            <a:endParaRPr lang="ru-RU" dirty="0"/>
-          </a:p>
-          <a:p>
-            <a:r>
-              <a:rPr lang="ru-RU" dirty="0"/>
-              <a:t>2й семестр</a:t>
-            </a:r>
-          </a:p>
-          <a:p>
-            <a:pPr lvl="1"/>
-            <a:r>
-              <a:rPr lang="ru-RU" dirty="0"/>
-              <a:t>16 учебных недель</a:t>
-            </a:r>
-          </a:p>
-          <a:p>
-            <a:pPr lvl="1"/>
-            <a:r>
-              <a:rPr lang="ru-RU" dirty="0"/>
-              <a:t>1</a:t>
-            </a:r>
-            <a:r>
-              <a:rPr lang="en-US" dirty="0"/>
-              <a:t> </a:t>
-            </a:r>
-            <a:r>
-              <a:rPr lang="ru-RU" dirty="0"/>
-              <a:t>потоковая контрольная работа</a:t>
-            </a:r>
-          </a:p>
-          <a:p>
-            <a:pPr lvl="1"/>
-            <a:r>
-              <a:rPr lang="ru-RU" dirty="0"/>
-              <a:t>Экзамен</a:t>
-            </a:r>
-          </a:p>
-          <a:p>
-            <a:endParaRPr lang="ru-RU" dirty="0"/>
-          </a:p>
-        </p:txBody>
-      </p:sp>
-    </p:spTree>
-    <p:extLst>
-      <p:ext uri="{BB962C8B-B14F-4D97-AF65-F5344CB8AC3E}">
-        <p14:creationId xmlns:p14="http://schemas.microsoft.com/office/powerpoint/2010/main" val="3163583711"/>
-      </p:ext>
-    </p:extLst>
-  </p:cSld>
-  <p:clrMapOvr>
-    <a:masterClrMapping/>
-  </p:clrMapOvr>
-</p:sld>
-</file>
-
-<file path=ppt/slides/slide80.xml><?xml version="1.0" encoding="utf-8"?>
+<file path=ppt/slides/slide83.xml><?xml version="1.0" encoding="utf-8"?>
 <p:sld xmlns:a="http://schemas.openxmlformats.org/drawingml/2006/main" xmlns:r="http://schemas.openxmlformats.org/officeDocument/2006/relationships" xmlns:p="http://schemas.openxmlformats.org/presentationml/2006/main" show="0">
   <p:cSld>
     <p:spTree>
@@ -28401,291 +31077,6 @@
         </a:graphic>
       </p:graphicFrame>
     </p:spTree>
-  </p:cSld>
-  <p:clrMapOvr>
-    <a:masterClrMapping/>
-  </p:clrMapOvr>
-</p:sld>
-</file>
-
-<file path=ppt/slides/slide81.xml><?xml version="1.0" encoding="utf-8"?>
-<p:sld xmlns:a="http://schemas.openxmlformats.org/drawingml/2006/main" xmlns:r="http://schemas.openxmlformats.org/officeDocument/2006/relationships" xmlns:p="http://schemas.openxmlformats.org/presentationml/2006/main" show="0">
-  <p:cSld>
-    <p:spTree>
-      <p:nvGrpSpPr>
-        <p:cNvPr id="1" name=""/>
-        <p:cNvGrpSpPr/>
-        <p:nvPr/>
-      </p:nvGrpSpPr>
-      <p:grpSpPr>
-        <a:xfrm>
-          <a:off x="0" y="0"/>
-          <a:ext cx="0" cy="0"/>
-          <a:chOff x="0" y="0"/>
-          <a:chExt cx="0" cy="0"/>
-        </a:xfrm>
-      </p:grpSpPr>
-      <p:sp>
-        <p:nvSpPr>
-          <p:cNvPr id="2" name="Title 1"/>
-          <p:cNvSpPr>
-            <a:spLocks noGrp="1"/>
-          </p:cNvSpPr>
-          <p:nvPr>
-            <p:ph type="title"/>
-          </p:nvPr>
-        </p:nvSpPr>
-        <p:spPr/>
-        <p:txBody>
-          <a:bodyPr>
-            <a:normAutofit fontScale="90000"/>
-          </a:bodyPr>
-          <a:lstStyle/>
-          <a:p>
-            <a:r>
-              <a:rPr lang="ru-RU" dirty="0"/>
-              <a:t>Статическая библиотека</a:t>
-            </a:r>
-            <a:br>
-              <a:rPr lang="ru-RU" dirty="0"/>
-            </a:br>
-            <a:endParaRPr lang="ru-RU" dirty="0"/>
-          </a:p>
-        </p:txBody>
-      </p:sp>
-      <p:sp>
-        <p:nvSpPr>
-          <p:cNvPr id="3" name="Content Placeholder 2"/>
-          <p:cNvSpPr>
-            <a:spLocks noGrp="1"/>
-          </p:cNvSpPr>
-          <p:nvPr>
-            <p:ph idx="1"/>
-          </p:nvPr>
-        </p:nvSpPr>
-        <p:spPr/>
-        <p:txBody>
-          <a:bodyPr>
-            <a:normAutofit/>
-          </a:bodyPr>
-          <a:lstStyle/>
-          <a:p>
-            <a:r>
-              <a:rPr lang="ru-RU" sz="3600" dirty="0"/>
-              <a:t>Вход: объектные файлы</a:t>
-            </a:r>
-          </a:p>
-          <a:p>
-            <a:r>
-              <a:rPr lang="ru-RU" sz="3600" dirty="0"/>
-              <a:t>Выход: архив, содержащий эти файлы</a:t>
-            </a:r>
-          </a:p>
-          <a:p>
-            <a:endParaRPr lang="ru-RU" sz="3600" dirty="0"/>
-          </a:p>
-          <a:p>
-            <a:r>
-              <a:rPr lang="ru-RU" sz="3600" dirty="0"/>
-              <a:t>Статическая библиотека – средство группирования логически связанных объектных файлов</a:t>
-            </a:r>
-          </a:p>
-        </p:txBody>
-      </p:sp>
-    </p:spTree>
-    <p:extLst>
-      <p:ext uri="{BB962C8B-B14F-4D97-AF65-F5344CB8AC3E}">
-        <p14:creationId xmlns:p14="http://schemas.microsoft.com/office/powerpoint/2010/main" val="3779845128"/>
-      </p:ext>
-    </p:extLst>
-  </p:cSld>
-  <p:clrMapOvr>
-    <a:masterClrMapping/>
-  </p:clrMapOvr>
-</p:sld>
-</file>
-
-<file path=ppt/slides/slide82.xml><?xml version="1.0" encoding="utf-8"?>
-<p:sld xmlns:a="http://schemas.openxmlformats.org/drawingml/2006/main" xmlns:r="http://schemas.openxmlformats.org/officeDocument/2006/relationships" xmlns:p="http://schemas.openxmlformats.org/presentationml/2006/main" show="0">
-  <p:cSld>
-    <p:spTree>
-      <p:nvGrpSpPr>
-        <p:cNvPr id="1" name=""/>
-        <p:cNvGrpSpPr/>
-        <p:nvPr/>
-      </p:nvGrpSpPr>
-      <p:grpSpPr>
-        <a:xfrm>
-          <a:off x="0" y="0"/>
-          <a:ext cx="0" cy="0"/>
-          <a:chOff x="0" y="0"/>
-          <a:chExt cx="0" cy="0"/>
-        </a:xfrm>
-      </p:grpSpPr>
-      <p:sp>
-        <p:nvSpPr>
-          <p:cNvPr id="2" name="Title 1"/>
-          <p:cNvSpPr>
-            <a:spLocks noGrp="1"/>
-          </p:cNvSpPr>
-          <p:nvPr>
-            <p:ph type="title"/>
-          </p:nvPr>
-        </p:nvSpPr>
-        <p:spPr/>
-        <p:txBody>
-          <a:bodyPr>
-            <a:normAutofit/>
-          </a:bodyPr>
-          <a:lstStyle/>
-          <a:p>
-            <a:r>
-              <a:rPr lang="ru-RU" dirty="0"/>
-              <a:t>Сборка динамической библиотеки</a:t>
-            </a:r>
-          </a:p>
-        </p:txBody>
-      </p:sp>
-      <p:sp>
-        <p:nvSpPr>
-          <p:cNvPr id="3" name="Content Placeholder 2"/>
-          <p:cNvSpPr>
-            <a:spLocks noGrp="1"/>
-          </p:cNvSpPr>
-          <p:nvPr>
-            <p:ph idx="1"/>
-          </p:nvPr>
-        </p:nvSpPr>
-        <p:spPr/>
-        <p:txBody>
-          <a:bodyPr>
-            <a:normAutofit lnSpcReduction="10000"/>
-          </a:bodyPr>
-          <a:lstStyle/>
-          <a:p>
-            <a:r>
-              <a:rPr lang="ru-RU" dirty="0"/>
-              <a:t>Вход: объектные файлы, статические библиотеки, ранее созданные динамические библиотеки</a:t>
-            </a:r>
-          </a:p>
-          <a:p>
-            <a:endParaRPr lang="ru-RU" dirty="0"/>
-          </a:p>
-          <a:p>
-            <a:r>
-              <a:rPr lang="ru-RU" dirty="0"/>
-              <a:t>Выход: файл со служебной информацией для ОС и машинными инструкциями, годными для исполнения процессором</a:t>
-            </a:r>
-          </a:p>
-          <a:p>
-            <a:endParaRPr lang="ru-RU" dirty="0"/>
-          </a:p>
-          <a:p>
-            <a:r>
-              <a:rPr lang="ru-RU" dirty="0"/>
-              <a:t>Динамическая библиотека – средство построения программ в процессе их работы</a:t>
-            </a:r>
-          </a:p>
-          <a:p>
-            <a:endParaRPr lang="ru-RU" dirty="0"/>
-          </a:p>
-        </p:txBody>
-      </p:sp>
-    </p:spTree>
-    <p:extLst>
-      <p:ext uri="{BB962C8B-B14F-4D97-AF65-F5344CB8AC3E}">
-        <p14:creationId xmlns:p14="http://schemas.microsoft.com/office/powerpoint/2010/main" val="1303031612"/>
-      </p:ext>
-    </p:extLst>
-  </p:cSld>
-  <p:clrMapOvr>
-    <a:masterClrMapping/>
-  </p:clrMapOvr>
-</p:sld>
-</file>
-
-<file path=ppt/slides/slide83.xml><?xml version="1.0" encoding="utf-8"?>
-<p:sld xmlns:a="http://schemas.openxmlformats.org/drawingml/2006/main" xmlns:r="http://schemas.openxmlformats.org/officeDocument/2006/relationships" xmlns:p="http://schemas.openxmlformats.org/presentationml/2006/main" show="0">
-  <p:cSld>
-    <p:spTree>
-      <p:nvGrpSpPr>
-        <p:cNvPr id="1" name=""/>
-        <p:cNvGrpSpPr/>
-        <p:nvPr/>
-      </p:nvGrpSpPr>
-      <p:grpSpPr>
-        <a:xfrm>
-          <a:off x="0" y="0"/>
-          <a:ext cx="0" cy="0"/>
-          <a:chOff x="0" y="0"/>
-          <a:chExt cx="0" cy="0"/>
-        </a:xfrm>
-      </p:grpSpPr>
-      <p:sp>
-        <p:nvSpPr>
-          <p:cNvPr id="2" name="Title 1"/>
-          <p:cNvSpPr>
-            <a:spLocks noGrp="1"/>
-          </p:cNvSpPr>
-          <p:nvPr>
-            <p:ph type="title"/>
-          </p:nvPr>
-        </p:nvSpPr>
-        <p:spPr/>
-        <p:txBody>
-          <a:bodyPr/>
-          <a:lstStyle/>
-          <a:p>
-            <a:r>
-              <a:rPr lang="ru-RU"/>
-              <a:t>Сборка исполняемого файла</a:t>
-            </a:r>
-            <a:endParaRPr lang="ru-RU" dirty="0"/>
-          </a:p>
-        </p:txBody>
-      </p:sp>
-      <p:sp>
-        <p:nvSpPr>
-          <p:cNvPr id="3" name="Content Placeholder 2"/>
-          <p:cNvSpPr>
-            <a:spLocks noGrp="1"/>
-          </p:cNvSpPr>
-          <p:nvPr>
-            <p:ph idx="1"/>
-          </p:nvPr>
-        </p:nvSpPr>
-        <p:spPr/>
-        <p:txBody>
-          <a:bodyPr>
-            <a:normAutofit/>
-          </a:bodyPr>
-          <a:lstStyle/>
-          <a:p>
-            <a:r>
-              <a:rPr lang="ru-RU" dirty="0"/>
-              <a:t>Вход: объектные файлы, статические библиотеки, динамические библиотеки</a:t>
-            </a:r>
-          </a:p>
-          <a:p>
-            <a:r>
-              <a:rPr lang="ru-RU" dirty="0"/>
-              <a:t>Выход: файл со служебной информацией для ОС, машинными инструкциями, годными для исполнения процессором, и «точкой входа»</a:t>
-            </a:r>
-          </a:p>
-          <a:p>
-            <a:endParaRPr lang="ru-RU" dirty="0"/>
-          </a:p>
-          <a:p>
-            <a:endParaRPr lang="ru-RU" dirty="0"/>
-          </a:p>
-        </p:txBody>
-      </p:sp>
-    </p:spTree>
-    <p:extLst>
-      <p:ext uri="{BB962C8B-B14F-4D97-AF65-F5344CB8AC3E}">
-        <p14:creationId xmlns:p14="http://schemas.microsoft.com/office/powerpoint/2010/main" val="641313008"/>
-      </p:ext>
-    </p:extLst>
   </p:cSld>
   <p:clrMapOvr>
     <a:masterClrMapping/>

--- a/01 Понятие программы.pptx
+++ b/01 Понятие программы.pptx
@@ -16671,8 +16671,13 @@
           <a:p>
             <a:r>
               <a:rPr lang="ru-RU" dirty="0"/>
-              <a:t>Автор Архипов И.А. ФИТ НГУ гр. 20201</a:t>
-            </a:r>
+              <a:t>Автор Архипов И.А. ФИТ НГУ гр. </a:t>
+            </a:r>
+            <a:r>
+              <a:rPr lang="ru-RU"/>
+              <a:t>20205</a:t>
+            </a:r>
+            <a:endParaRPr lang="ru-RU" dirty="0"/>
           </a:p>
         </p:txBody>
       </p:sp>
@@ -17924,7 +17929,7 @@
           <a:p>
             <a:r>
               <a:rPr lang="ru-RU" dirty="0"/>
-              <a:t>Автор Архипов И.А. ФИТ НГУ гр. 20201</a:t>
+              <a:t>Автор Архипов И.А. ФИТ НГУ гр. 20205</a:t>
             </a:r>
           </a:p>
         </p:txBody>
@@ -18081,7 +18086,7 @@
           <a:p>
             <a:r>
               <a:rPr lang="ru-RU" dirty="0"/>
-              <a:t>Автор Архипов И.А. ФИТ НГУ гр. 20201</a:t>
+              <a:t>Автор Архипов И.А. ФИТ НГУ гр. 20205</a:t>
             </a:r>
           </a:p>
         </p:txBody>
@@ -18494,7 +18499,7 @@
           <a:p>
             <a:r>
               <a:rPr lang="ru-RU" dirty="0"/>
-              <a:t>Автор Архипов И.А. ФИТ НГУ гр. 20201</a:t>
+              <a:t>Автор Архипов И.А. ФИТ НГУ гр. 20205</a:t>
             </a:r>
           </a:p>
         </p:txBody>
@@ -18835,7 +18840,7 @@
           <a:p>
             <a:r>
               <a:rPr lang="ru-RU" dirty="0"/>
-              <a:t>Автор Архипов И.А. ФИТ НГУ гр. 20201</a:t>
+              <a:t>Автор Архипов И.А. ФИТ НГУ гр. 20205</a:t>
             </a:r>
           </a:p>
         </p:txBody>

--- a/01 Понятие программы.pptx
+++ b/01 Понятие программы.pptx
@@ -38,41 +38,41 @@
     <p:sldId id="309" r:id="rId32"/>
     <p:sldId id="310" r:id="rId33"/>
     <p:sldId id="311" r:id="rId34"/>
-    <p:sldId id="283" r:id="rId35"/>
-    <p:sldId id="312" r:id="rId36"/>
-    <p:sldId id="313" r:id="rId37"/>
-    <p:sldId id="314" r:id="rId38"/>
-    <p:sldId id="315" r:id="rId39"/>
-    <p:sldId id="269" r:id="rId40"/>
-    <p:sldId id="316" r:id="rId41"/>
-    <p:sldId id="317" r:id="rId42"/>
-    <p:sldId id="318" r:id="rId43"/>
-    <p:sldId id="319" r:id="rId44"/>
-    <p:sldId id="324" r:id="rId45"/>
-    <p:sldId id="268" r:id="rId46"/>
-    <p:sldId id="320" r:id="rId47"/>
-    <p:sldId id="321" r:id="rId48"/>
-    <p:sldId id="322" r:id="rId49"/>
-    <p:sldId id="323" r:id="rId50"/>
-    <p:sldId id="275" r:id="rId51"/>
-    <p:sldId id="340" r:id="rId52"/>
-    <p:sldId id="335" r:id="rId53"/>
-    <p:sldId id="336" r:id="rId54"/>
-    <p:sldId id="337" r:id="rId55"/>
-    <p:sldId id="338" r:id="rId56"/>
-    <p:sldId id="339" r:id="rId57"/>
-    <p:sldId id="328" r:id="rId58"/>
-    <p:sldId id="276" r:id="rId59"/>
-    <p:sldId id="326" r:id="rId60"/>
-    <p:sldId id="327" r:id="rId61"/>
-    <p:sldId id="277" r:id="rId62"/>
-    <p:sldId id="329" r:id="rId63"/>
-    <p:sldId id="330" r:id="rId64"/>
-    <p:sldId id="331" r:id="rId65"/>
-    <p:sldId id="332" r:id="rId66"/>
-    <p:sldId id="325" r:id="rId67"/>
-    <p:sldId id="333" r:id="rId68"/>
-    <p:sldId id="334" r:id="rId69"/>
+    <p:sldId id="328" r:id="rId35"/>
+    <p:sldId id="276" r:id="rId36"/>
+    <p:sldId id="326" r:id="rId37"/>
+    <p:sldId id="327" r:id="rId38"/>
+    <p:sldId id="277" r:id="rId39"/>
+    <p:sldId id="329" r:id="rId40"/>
+    <p:sldId id="330" r:id="rId41"/>
+    <p:sldId id="331" r:id="rId42"/>
+    <p:sldId id="346" r:id="rId43"/>
+    <p:sldId id="325" r:id="rId44"/>
+    <p:sldId id="333" r:id="rId45"/>
+    <p:sldId id="334" r:id="rId46"/>
+    <p:sldId id="283" r:id="rId47"/>
+    <p:sldId id="312" r:id="rId48"/>
+    <p:sldId id="313" r:id="rId49"/>
+    <p:sldId id="314" r:id="rId50"/>
+    <p:sldId id="315" r:id="rId51"/>
+    <p:sldId id="269" r:id="rId52"/>
+    <p:sldId id="316" r:id="rId53"/>
+    <p:sldId id="317" r:id="rId54"/>
+    <p:sldId id="318" r:id="rId55"/>
+    <p:sldId id="319" r:id="rId56"/>
+    <p:sldId id="275" r:id="rId57"/>
+    <p:sldId id="324" r:id="rId58"/>
+    <p:sldId id="268" r:id="rId59"/>
+    <p:sldId id="320" r:id="rId60"/>
+    <p:sldId id="321" r:id="rId61"/>
+    <p:sldId id="322" r:id="rId62"/>
+    <p:sldId id="323" r:id="rId63"/>
+    <p:sldId id="340" r:id="rId64"/>
+    <p:sldId id="335" r:id="rId65"/>
+    <p:sldId id="336" r:id="rId66"/>
+    <p:sldId id="337" r:id="rId67"/>
+    <p:sldId id="338" r:id="rId68"/>
+    <p:sldId id="339" r:id="rId69"/>
     <p:sldId id="341" r:id="rId70"/>
     <p:sldId id="342" r:id="rId71"/>
     <p:sldId id="343" r:id="rId72"/>
@@ -387,7 +387,7 @@
             <a:fld id="{0B58CFEA-3D72-4A90-A9B2-D2B1EEAECCD8}" type="datetimeFigureOut">
               <a:rPr lang="ru-RU" smtClean="0"/>
               <a:pPr/>
-              <a:t>24.08.2021</a:t>
+              <a:t>03.09.2022</a:t>
             </a:fld>
             <a:endParaRPr lang="ru-RU"/>
           </a:p>
@@ -559,7 +559,7 @@
             <a:fld id="{0B58CFEA-3D72-4A90-A9B2-D2B1EEAECCD8}" type="datetimeFigureOut">
               <a:rPr lang="ru-RU" smtClean="0"/>
               <a:pPr/>
-              <a:t>24.08.2021</a:t>
+              <a:t>03.09.2022</a:t>
             </a:fld>
             <a:endParaRPr lang="ru-RU"/>
           </a:p>
@@ -741,7 +741,7 @@
             <a:fld id="{0B58CFEA-3D72-4A90-A9B2-D2B1EEAECCD8}" type="datetimeFigureOut">
               <a:rPr lang="ru-RU" smtClean="0"/>
               <a:pPr/>
-              <a:t>24.08.2021</a:t>
+              <a:t>03.09.2022</a:t>
             </a:fld>
             <a:endParaRPr lang="ru-RU"/>
           </a:p>
@@ -913,7 +913,7 @@
             <a:fld id="{0B58CFEA-3D72-4A90-A9B2-D2B1EEAECCD8}" type="datetimeFigureOut">
               <a:rPr lang="ru-RU" smtClean="0"/>
               <a:pPr/>
-              <a:t>24.08.2021</a:t>
+              <a:t>03.09.2022</a:t>
             </a:fld>
             <a:endParaRPr lang="ru-RU"/>
           </a:p>
@@ -1161,7 +1161,7 @@
             <a:fld id="{0B58CFEA-3D72-4A90-A9B2-D2B1EEAECCD8}" type="datetimeFigureOut">
               <a:rPr lang="ru-RU" smtClean="0"/>
               <a:pPr/>
-              <a:t>24.08.2021</a:t>
+              <a:t>03.09.2022</a:t>
             </a:fld>
             <a:endParaRPr lang="ru-RU"/>
           </a:p>
@@ -1451,7 +1451,7 @@
             <a:fld id="{0B58CFEA-3D72-4A90-A9B2-D2B1EEAECCD8}" type="datetimeFigureOut">
               <a:rPr lang="ru-RU" smtClean="0"/>
               <a:pPr/>
-              <a:t>24.08.2021</a:t>
+              <a:t>03.09.2022</a:t>
             </a:fld>
             <a:endParaRPr lang="ru-RU"/>
           </a:p>
@@ -1875,7 +1875,7 @@
             <a:fld id="{0B58CFEA-3D72-4A90-A9B2-D2B1EEAECCD8}" type="datetimeFigureOut">
               <a:rPr lang="ru-RU" smtClean="0"/>
               <a:pPr/>
-              <a:t>24.08.2021</a:t>
+              <a:t>03.09.2022</a:t>
             </a:fld>
             <a:endParaRPr lang="ru-RU"/>
           </a:p>
@@ -1995,7 +1995,7 @@
             <a:fld id="{0B58CFEA-3D72-4A90-A9B2-D2B1EEAECCD8}" type="datetimeFigureOut">
               <a:rPr lang="ru-RU" smtClean="0"/>
               <a:pPr/>
-              <a:t>24.08.2021</a:t>
+              <a:t>03.09.2022</a:t>
             </a:fld>
             <a:endParaRPr lang="ru-RU"/>
           </a:p>
@@ -2092,7 +2092,7 @@
             <a:fld id="{0B58CFEA-3D72-4A90-A9B2-D2B1EEAECCD8}" type="datetimeFigureOut">
               <a:rPr lang="ru-RU" smtClean="0"/>
               <a:pPr/>
-              <a:t>24.08.2021</a:t>
+              <a:t>03.09.2022</a:t>
             </a:fld>
             <a:endParaRPr lang="ru-RU"/>
           </a:p>
@@ -2371,7 +2371,7 @@
             <a:fld id="{0B58CFEA-3D72-4A90-A9B2-D2B1EEAECCD8}" type="datetimeFigureOut">
               <a:rPr lang="ru-RU" smtClean="0"/>
               <a:pPr/>
-              <a:t>24.08.2021</a:t>
+              <a:t>03.09.2022</a:t>
             </a:fld>
             <a:endParaRPr lang="ru-RU"/>
           </a:p>
@@ -2626,7 +2626,7 @@
             <a:fld id="{0B58CFEA-3D72-4A90-A9B2-D2B1EEAECCD8}" type="datetimeFigureOut">
               <a:rPr lang="ru-RU" smtClean="0"/>
               <a:pPr/>
-              <a:t>24.08.2021</a:t>
+              <a:t>03.09.2022</a:t>
             </a:fld>
             <a:endParaRPr lang="ru-RU"/>
           </a:p>
@@ -2841,7 +2841,7 @@
             <a:fld id="{0B58CFEA-3D72-4A90-A9B2-D2B1EEAECCD8}" type="datetimeFigureOut">
               <a:rPr lang="ru-RU" smtClean="0"/>
               <a:pPr/>
-              <a:t>24.08.2021</a:t>
+              <a:t>03.09.2022</a:t>
             </a:fld>
             <a:endParaRPr lang="ru-RU"/>
           </a:p>
@@ -4811,7 +4811,21 @@
           <a:p>
             <a:r>
               <a:rPr lang="ru-RU" dirty="0"/>
-              <a:t>Этапы создания программ</a:t>
+              <a:t>Понятие разработки программы</a:t>
+            </a:r>
+          </a:p>
+          <a:p>
+            <a:pPr lvl="1"/>
+            <a:r>
+              <a:rPr lang="ru-RU" dirty="0"/>
+              <a:t>Основные этапы</a:t>
+            </a:r>
+          </a:p>
+          <a:p>
+            <a:pPr lvl="1"/>
+            <a:r>
+              <a:rPr lang="ru-RU" dirty="0"/>
+              <a:t>Инструменты разработки</a:t>
             </a:r>
             <a:endParaRPr lang="en-US" dirty="0"/>
           </a:p>
@@ -6959,27 +6973,41 @@
           </a:p>
         </p:txBody>
       </p:sp>
-      <p:sp>
-        <p:nvSpPr>
-          <p:cNvPr id="3" name="Содержимое 2"/>
-          <p:cNvSpPr>
-            <a:spLocks noGrp="1"/>
-          </p:cNvSpPr>
+      <p:pic>
+        <p:nvPicPr>
+          <p:cNvPr id="6" name="Content Placeholder 5" descr="A picture containing text, mammal, primate, monkey&#10;&#10;Description automatically generated">
+            <a:extLst>
+              <a:ext uri="{FF2B5EF4-FFF2-40B4-BE49-F238E27FC236}">
+                <a16:creationId xmlns:a16="http://schemas.microsoft.com/office/drawing/2014/main" id="{0B911A27-596B-437B-80A7-E3894050B145}"/>
+              </a:ext>
+            </a:extLst>
+          </p:cNvPr>
+          <p:cNvPicPr>
+            <a:picLocks noGrp="1" noChangeAspect="1"/>
+          </p:cNvPicPr>
           <p:nvPr>
             <p:ph sz="half" idx="1"/>
           </p:nvPr>
-        </p:nvSpPr>
-        <p:spPr/>
-        <p:txBody>
-          <a:bodyPr>
-            <a:normAutofit/>
-          </a:bodyPr>
-          <a:lstStyle/>
-          <a:p>
-            <a:endParaRPr lang="ru-RU" sz="2400" dirty="0"/>
-          </a:p>
-        </p:txBody>
-      </p:sp>
+        </p:nvPicPr>
+        <p:blipFill>
+          <a:blip r:embed="rId2">
+            <a:extLst>
+              <a:ext uri="{28A0092B-C50C-407E-A947-70E740481C1C}">
+                <a14:useLocalDpi xmlns:a14="http://schemas.microsoft.com/office/drawing/2010/main" val="0"/>
+              </a:ext>
+            </a:extLst>
+          </a:blip>
+          <a:stretch>
+            <a:fillRect/>
+          </a:stretch>
+        </p:blipFill>
+        <p:spPr>
+          <a:xfrm>
+            <a:off x="609600" y="1978501"/>
+            <a:ext cx="5384800" cy="3769360"/>
+          </a:xfrm>
+        </p:spPr>
+      </p:pic>
       <p:sp>
         <p:nvSpPr>
           <p:cNvPr id="4" name="Объект 3"/>
@@ -7595,9 +7623,12 @@
           <a:p>
             <a:r>
               <a:rPr lang="ru-RU" sz="3500" dirty="0" err="1"/>
-              <a:t>Рефакторинг</a:t>
-            </a:r>
-            <a:endParaRPr lang="ru-RU" sz="3500" dirty="0"/>
+              <a:t>Ревью</a:t>
+            </a:r>
+            <a:r>
+              <a:rPr lang="ru-RU" sz="3500" dirty="0"/>
+              <a:t> правок</a:t>
+            </a:r>
           </a:p>
           <a:p>
             <a:pPr lvl="1"/>
@@ -7605,26 +7636,13 @@
           </a:p>
           <a:p>
             <a:r>
-              <a:rPr lang="ru-RU" sz="3500" dirty="0" err="1">
+              <a:rPr lang="ru-RU" sz="3500" dirty="0">
                 <a:solidFill>
                   <a:schemeClr val="bg1"/>
                 </a:solidFill>
               </a:rPr>
-              <a:t>Ревью</a:t>
-            </a:r>
-            <a:r>
-              <a:rPr lang="ru-RU" sz="3500" dirty="0">
-                <a:solidFill>
-                  <a:schemeClr val="bg1"/>
-                </a:solidFill>
-              </a:rPr>
-              <a:t> правок</a:t>
-            </a:r>
-            <a:endParaRPr lang="ru-RU" dirty="0">
-              <a:solidFill>
-                <a:schemeClr val="bg1"/>
-              </a:solidFill>
-            </a:endParaRPr>
+              <a:t>Рефакторинг</a:t>
+            </a:r>
           </a:p>
         </p:txBody>
       </p:sp>
@@ -7795,9 +7813,13 @@
           <a:p>
             <a:r>
               <a:rPr lang="ru-RU" sz="3500" dirty="0" err="1"/>
-              <a:t>Рефакторинг</a:t>
-            </a:r>
-            <a:endParaRPr lang="ru-RU" sz="3500" dirty="0"/>
+              <a:t>Ревью</a:t>
+            </a:r>
+            <a:r>
+              <a:rPr lang="ru-RU" sz="3500" dirty="0"/>
+              <a:t> правок</a:t>
+            </a:r>
+            <a:endParaRPr lang="ru-RU" dirty="0"/>
           </a:p>
           <a:p>
             <a:pPr lvl="1"/>
@@ -7805,14 +7827,9 @@
           </a:p>
           <a:p>
             <a:r>
-              <a:rPr lang="ru-RU" sz="3500" dirty="0" err="1"/>
-              <a:t>Ревью</a:t>
-            </a:r>
-            <a:r>
               <a:rPr lang="ru-RU" sz="3500" dirty="0"/>
-              <a:t> правок</a:t>
-            </a:r>
-            <a:endParaRPr lang="ru-RU" dirty="0"/>
+              <a:t>Рефакторинг</a:t>
+            </a:r>
           </a:p>
         </p:txBody>
       </p:sp>
@@ -7863,7 +7880,7 @@
           <a:p>
             <a:r>
               <a:rPr lang="ru-RU" dirty="0"/>
-              <a:t>Что делает компилятор?</a:t>
+              <a:t>Отладка</a:t>
             </a:r>
           </a:p>
         </p:txBody>
@@ -7881,7 +7898,7 @@
         <p:spPr/>
         <p:txBody>
           <a:bodyPr>
-            <a:normAutofit fontScale="92500" lnSpcReduction="20000"/>
+            <a:normAutofit fontScale="92500" lnSpcReduction="10000"/>
           </a:bodyPr>
           <a:lstStyle/>
           <a:p>
@@ -7891,116 +7908,7 @@
                   <a:schemeClr val="bg1"/>
                 </a:solidFill>
               </a:rPr>
-              <a:t>Компилятор – это программа, преобразующая исходный код в объектный код</a:t>
-            </a:r>
-          </a:p>
-          <a:p>
-            <a:pPr lvl="1"/>
-            <a:r>
-              <a:rPr lang="ru-RU" dirty="0">
-                <a:solidFill>
-                  <a:schemeClr val="bg1"/>
-                </a:solidFill>
-              </a:rPr>
-              <a:t>Формирование </a:t>
-            </a:r>
-            <a:r>
-              <a:rPr lang="ru-RU" i="1" dirty="0">
-                <a:solidFill>
-                  <a:schemeClr val="bg1"/>
-                </a:solidFill>
-              </a:rPr>
-              <a:t>лексем</a:t>
-            </a:r>
-            <a:r>
-              <a:rPr lang="ru-RU" dirty="0">
-                <a:solidFill>
-                  <a:schemeClr val="bg1"/>
-                </a:solidFill>
-              </a:rPr>
-              <a:t> (одна из след. лекций)</a:t>
-            </a:r>
-            <a:endParaRPr lang="ru-RU" i="1" dirty="0">
-              <a:solidFill>
-                <a:schemeClr val="bg1"/>
-              </a:solidFill>
-            </a:endParaRPr>
-          </a:p>
-          <a:p>
-            <a:pPr lvl="1"/>
-            <a:r>
-              <a:rPr lang="ru-RU" dirty="0">
-                <a:solidFill>
-                  <a:schemeClr val="bg1"/>
-                </a:solidFill>
-              </a:rPr>
-              <a:t>Синтаксический анализ</a:t>
-            </a:r>
-          </a:p>
-          <a:p>
-            <a:pPr lvl="1"/>
-            <a:r>
-              <a:rPr lang="ru-RU" dirty="0">
-                <a:solidFill>
-                  <a:schemeClr val="bg1"/>
-                </a:solidFill>
-              </a:rPr>
-              <a:t>Семантический анализ</a:t>
-            </a:r>
-          </a:p>
-          <a:p>
-            <a:pPr lvl="1"/>
-            <a:r>
-              <a:rPr lang="ru-RU" dirty="0">
-                <a:solidFill>
-                  <a:schemeClr val="bg1"/>
-                </a:solidFill>
-              </a:rPr>
-              <a:t>Оптимизация</a:t>
-            </a:r>
-          </a:p>
-          <a:p>
-            <a:pPr lvl="1"/>
-            <a:r>
-              <a:rPr lang="ru-RU" dirty="0">
-                <a:solidFill>
-                  <a:schemeClr val="bg1"/>
-                </a:solidFill>
-              </a:rPr>
-              <a:t>Генерация объектного кода</a:t>
-            </a:r>
-            <a:endParaRPr lang="ru-RU" sz="3200" dirty="0">
-              <a:solidFill>
-                <a:schemeClr val="bg1"/>
-              </a:solidFill>
-            </a:endParaRPr>
-          </a:p>
-          <a:p>
-            <a:pPr marL="0" indent="0">
-              <a:buNone/>
-            </a:pPr>
-            <a:endParaRPr lang="ru-RU" sz="2000" dirty="0">
-              <a:solidFill>
-                <a:schemeClr val="bg1"/>
-              </a:solidFill>
-            </a:endParaRPr>
-          </a:p>
-          <a:p>
-            <a:r>
-              <a:rPr lang="ru-RU" dirty="0">
-                <a:solidFill>
-                  <a:schemeClr val="bg1"/>
-                </a:solidFill>
-              </a:rPr>
-              <a:t>Файлы с исходным кодом называются </a:t>
-            </a:r>
-            <a:r>
-              <a:rPr lang="ru-RU" i="1" dirty="0">
-                <a:solidFill>
-                  <a:schemeClr val="bg1"/>
-                </a:solidFill>
-              </a:rPr>
-              <a:t>единицами компиляции</a:t>
+              <a:t>Отладка – это достижение работоспособности программы, устранение грубых ошибок</a:t>
             </a:r>
           </a:p>
           <a:p>
@@ -8017,15 +7925,51 @@
                   <a:schemeClr val="bg1"/>
                 </a:solidFill>
               </a:rPr>
-              <a:t>Файлы с объектным кодом называются </a:t>
-            </a:r>
-            <a:r>
-              <a:rPr lang="ru-RU" i="1" dirty="0">
+              <a:t>Методы отладки</a:t>
+            </a:r>
+          </a:p>
+          <a:p>
+            <a:pPr lvl="1"/>
+            <a:r>
+              <a:rPr lang="ru-RU" dirty="0">
                 <a:solidFill>
                   <a:schemeClr val="bg1"/>
                 </a:solidFill>
               </a:rPr>
-              <a:t>объектными файлами</a:t>
+              <a:t>Имитация пошагового исполнения с помощью «карандаша и бумаги» для простых случаев</a:t>
+            </a:r>
+          </a:p>
+          <a:p>
+            <a:pPr lvl="1"/>
+            <a:r>
+              <a:rPr lang="ru-RU" dirty="0">
+                <a:solidFill>
+                  <a:schemeClr val="bg1"/>
+                </a:solidFill>
+              </a:rPr>
+              <a:t>Трассировка работы программы с помощью отладочной печати</a:t>
+            </a:r>
+          </a:p>
+          <a:p>
+            <a:pPr lvl="1"/>
+            <a:r>
+              <a:rPr lang="ru-RU" dirty="0">
+                <a:solidFill>
+                  <a:schemeClr val="bg1"/>
+                </a:solidFill>
+              </a:rPr>
+              <a:t>Проверка необходимых условий корректности в ходе работы программы</a:t>
+            </a:r>
+          </a:p>
+          <a:p>
+            <a:pPr lvl="1"/>
+            <a:r>
+              <a:rPr lang="ru-RU" dirty="0">
+                <a:solidFill>
+                  <a:schemeClr val="bg1"/>
+                </a:solidFill>
+              </a:rPr>
+              <a:t>Пошаговое исполнение программы с помощью отладчика</a:t>
             </a:r>
           </a:p>
         </p:txBody>
@@ -8033,7 +7977,7 @@
     </p:spTree>
     <p:extLst>
       <p:ext uri="{BB962C8B-B14F-4D97-AF65-F5344CB8AC3E}">
-        <p14:creationId xmlns:p14="http://schemas.microsoft.com/office/powerpoint/2010/main" val="2767968023"/>
+        <p14:creationId xmlns:p14="http://schemas.microsoft.com/office/powerpoint/2010/main" val="662558787"/>
       </p:ext>
     </p:extLst>
   </p:cSld>
@@ -8077,7 +8021,7 @@
           <a:p>
             <a:r>
               <a:rPr lang="ru-RU" dirty="0"/>
-              <a:t>Что делает компилятор?</a:t>
+              <a:t>Отладка</a:t>
             </a:r>
           </a:p>
         </p:txBody>
@@ -8095,13 +8039,26 @@
         <p:spPr/>
         <p:txBody>
           <a:bodyPr>
-            <a:normAutofit fontScale="92500" lnSpcReduction="20000"/>
+            <a:normAutofit fontScale="92500" lnSpcReduction="10000"/>
           </a:bodyPr>
           <a:lstStyle/>
           <a:p>
             <a:r>
               <a:rPr lang="ru-RU" dirty="0"/>
-              <a:t>Компилятор – это программа, преобразующая исходный код в объектный код</a:t>
+              <a:t>Отладка – это достижение работоспособности программы, устранение грубых ошибок</a:t>
+            </a:r>
+          </a:p>
+          <a:p>
+            <a:endParaRPr lang="ru-RU" dirty="0"/>
+          </a:p>
+          <a:p>
+            <a:r>
+              <a:rPr lang="ru-RU" dirty="0">
+                <a:solidFill>
+                  <a:schemeClr val="bg1"/>
+                </a:solidFill>
+              </a:rPr>
+              <a:t>Методы отладки</a:t>
             </a:r>
           </a:p>
           <a:p>
@@ -8112,29 +8069,30 @@
                   <a:schemeClr val="bg1"/>
                 </a:solidFill>
               </a:rPr>
-              <a:t>Формирование </a:t>
-            </a:r>
-            <a:r>
-              <a:rPr lang="ru-RU" i="1" dirty="0">
+              <a:t>Имитация пошагового исполнения с помощью «карандаша и бумаги» для простых случаев</a:t>
+            </a:r>
+          </a:p>
+          <a:p>
+            <a:pPr lvl="1"/>
+            <a:r>
+              <a:rPr lang="ru-RU" dirty="0">
                 <a:solidFill>
                   <a:schemeClr val="bg1"/>
                 </a:solidFill>
               </a:rPr>
-              <a:t>лексем</a:t>
-            </a:r>
+              <a:t>Трассировка работы программы с помощью отладочной печати</a:t>
+            </a:r>
+          </a:p>
+          <a:p>
+            <a:pPr lvl="1"/>
             <a:r>
               <a:rPr lang="ru-RU" dirty="0">
                 <a:solidFill>
                   <a:schemeClr val="bg1"/>
                 </a:solidFill>
               </a:rPr>
-              <a:t> (одна из след. лекций)</a:t>
-            </a:r>
-            <a:endParaRPr lang="ru-RU" i="1" dirty="0">
-              <a:solidFill>
-                <a:schemeClr val="bg1"/>
-              </a:solidFill>
-            </a:endParaRPr>
+              <a:t>Проверка необходимых условий корректности в ходе работы программы</a:t>
+            </a:r>
           </a:p>
           <a:p>
             <a:pPr lvl="1"/>
@@ -8144,98 +8102,7 @@
                   <a:schemeClr val="bg1"/>
                 </a:solidFill>
               </a:rPr>
-              <a:t>Синтаксический анализ</a:t>
-            </a:r>
-          </a:p>
-          <a:p>
-            <a:pPr lvl="1"/>
-            <a:r>
-              <a:rPr lang="ru-RU" dirty="0">
-                <a:solidFill>
-                  <a:schemeClr val="bg1"/>
-                </a:solidFill>
-              </a:rPr>
-              <a:t>Семантический анализ</a:t>
-            </a:r>
-          </a:p>
-          <a:p>
-            <a:pPr lvl="1"/>
-            <a:r>
-              <a:rPr lang="ru-RU" dirty="0">
-                <a:solidFill>
-                  <a:schemeClr val="bg1"/>
-                </a:solidFill>
-              </a:rPr>
-              <a:t>Оптимизация</a:t>
-            </a:r>
-          </a:p>
-          <a:p>
-            <a:pPr lvl="1"/>
-            <a:r>
-              <a:rPr lang="ru-RU" dirty="0">
-                <a:solidFill>
-                  <a:schemeClr val="bg1"/>
-                </a:solidFill>
-              </a:rPr>
-              <a:t>Генерация объектного кода</a:t>
-            </a:r>
-            <a:endParaRPr lang="ru-RU" sz="3200" dirty="0">
-              <a:solidFill>
-                <a:schemeClr val="bg1"/>
-              </a:solidFill>
-            </a:endParaRPr>
-          </a:p>
-          <a:p>
-            <a:pPr marL="0" indent="0">
-              <a:buNone/>
-            </a:pPr>
-            <a:endParaRPr lang="ru-RU" sz="2000" dirty="0">
-              <a:solidFill>
-                <a:schemeClr val="bg1"/>
-              </a:solidFill>
-            </a:endParaRPr>
-          </a:p>
-          <a:p>
-            <a:r>
-              <a:rPr lang="ru-RU" dirty="0">
-                <a:solidFill>
-                  <a:schemeClr val="bg1"/>
-                </a:solidFill>
-              </a:rPr>
-              <a:t>Файлы с исходным кодом называются </a:t>
-            </a:r>
-            <a:r>
-              <a:rPr lang="ru-RU" i="1" dirty="0">
-                <a:solidFill>
-                  <a:schemeClr val="bg1"/>
-                </a:solidFill>
-              </a:rPr>
-              <a:t>единицами компиляции</a:t>
-            </a:r>
-          </a:p>
-          <a:p>
-            <a:endParaRPr lang="ru-RU" dirty="0">
-              <a:solidFill>
-                <a:schemeClr val="bg1"/>
-              </a:solidFill>
-            </a:endParaRPr>
-          </a:p>
-          <a:p>
-            <a:r>
-              <a:rPr lang="ru-RU" dirty="0">
-                <a:solidFill>
-                  <a:schemeClr val="bg1"/>
-                </a:solidFill>
-              </a:rPr>
-              <a:t>Файлы с объектным кодом называются </a:t>
-            </a:r>
-            <a:r>
-              <a:rPr lang="ru-RU" i="1" dirty="0">
-                <a:solidFill>
-                  <a:schemeClr val="bg1"/>
-                </a:solidFill>
-              </a:rPr>
-              <a:t>объектными файлами</a:t>
+              <a:t>Пошаговое исполнение программы с помощью отладчика</a:t>
             </a:r>
           </a:p>
         </p:txBody>
@@ -8243,7 +8110,7 @@
     </p:spTree>
     <p:extLst>
       <p:ext uri="{BB962C8B-B14F-4D97-AF65-F5344CB8AC3E}">
-        <p14:creationId xmlns:p14="http://schemas.microsoft.com/office/powerpoint/2010/main" val="1618568564"/>
+        <p14:creationId xmlns:p14="http://schemas.microsoft.com/office/powerpoint/2010/main" val="2453568680"/>
       </p:ext>
     </p:extLst>
   </p:cSld>
@@ -8287,7 +8154,7 @@
           <a:p>
             <a:r>
               <a:rPr lang="ru-RU" dirty="0"/>
-              <a:t>Что делает компилятор?</a:t>
+              <a:t>Отладка</a:t>
             </a:r>
           </a:p>
         </p:txBody>
@@ -8305,107 +8172,66 @@
         <p:spPr/>
         <p:txBody>
           <a:bodyPr>
-            <a:normAutofit fontScale="92500" lnSpcReduction="20000"/>
+            <a:normAutofit fontScale="92500" lnSpcReduction="10000"/>
           </a:bodyPr>
           <a:lstStyle/>
           <a:p>
             <a:r>
               <a:rPr lang="ru-RU" dirty="0"/>
-              <a:t>Компилятор – это программа, преобразующая исходный код в объектный код</a:t>
+              <a:t>Отладка – это достижение работоспособности программы, устранение грубых ошибок</a:t>
+            </a:r>
+          </a:p>
+          <a:p>
+            <a:endParaRPr lang="ru-RU" dirty="0"/>
+          </a:p>
+          <a:p>
+            <a:r>
+              <a:rPr lang="ru-RU" dirty="0"/>
+              <a:t>Методы отладки</a:t>
             </a:r>
           </a:p>
           <a:p>
             <a:pPr lvl="1"/>
             <a:r>
-              <a:rPr lang="ru-RU" dirty="0"/>
-              <a:t>Формирование </a:t>
-            </a:r>
-            <a:r>
-              <a:rPr lang="ru-RU" i="1" dirty="0"/>
-              <a:t>лексем</a:t>
-            </a:r>
-            <a:r>
-              <a:rPr lang="ru-RU" dirty="0"/>
-              <a:t> (одна из след. лекций)</a:t>
-            </a:r>
-            <a:endParaRPr lang="ru-RU" i="1" dirty="0"/>
+              <a:rPr lang="ru-RU" dirty="0">
+                <a:solidFill>
+                  <a:schemeClr val="bg1"/>
+                </a:solidFill>
+              </a:rPr>
+              <a:t>Имитация пошагового исполнения с помощью «карандаша и бумаги» для простых случаев</a:t>
+            </a:r>
           </a:p>
           <a:p>
             <a:pPr lvl="1"/>
             <a:r>
-              <a:rPr lang="ru-RU" dirty="0"/>
-              <a:t>Синтаксический анализ</a:t>
+              <a:rPr lang="ru-RU" dirty="0">
+                <a:solidFill>
+                  <a:schemeClr val="bg1"/>
+                </a:solidFill>
+              </a:rPr>
+              <a:t>Трассировка работы программы с помощью отладочной печати</a:t>
             </a:r>
           </a:p>
           <a:p>
             <a:pPr lvl="1"/>
             <a:r>
-              <a:rPr lang="ru-RU" dirty="0"/>
-              <a:t>Семантический анализ</a:t>
+              <a:rPr lang="ru-RU" dirty="0">
+                <a:solidFill>
+                  <a:schemeClr val="bg1"/>
+                </a:solidFill>
+              </a:rPr>
+              <a:t>Проверка необходимых условий корректности в ходе работы программы</a:t>
             </a:r>
           </a:p>
           <a:p>
             <a:pPr lvl="1"/>
             <a:r>
-              <a:rPr lang="ru-RU" dirty="0"/>
-              <a:t>Оптимизация</a:t>
-            </a:r>
-          </a:p>
-          <a:p>
-            <a:pPr lvl="1"/>
-            <a:r>
-              <a:rPr lang="ru-RU" dirty="0"/>
-              <a:t>Генерация объектного кода</a:t>
-            </a:r>
-            <a:endParaRPr lang="ru-RU" sz="3200" dirty="0"/>
-          </a:p>
-          <a:p>
-            <a:pPr marL="0" indent="0">
-              <a:buNone/>
-            </a:pPr>
-            <a:endParaRPr lang="ru-RU" sz="2000" dirty="0"/>
-          </a:p>
-          <a:p>
-            <a:r>
               <a:rPr lang="ru-RU" dirty="0">
                 <a:solidFill>
                   <a:schemeClr val="bg1"/>
                 </a:solidFill>
               </a:rPr>
-              <a:t>Файлы с исходным кодом называются </a:t>
-            </a:r>
-            <a:r>
-              <a:rPr lang="ru-RU" i="1" dirty="0">
-                <a:solidFill>
-                  <a:schemeClr val="bg1"/>
-                </a:solidFill>
-              </a:rPr>
-              <a:t>единицами компиляции</a:t>
-            </a:r>
-          </a:p>
-          <a:p>
-            <a:endParaRPr lang="ru-RU" dirty="0">
-              <a:solidFill>
-                <a:schemeClr val="bg1"/>
-              </a:solidFill>
-            </a:endParaRPr>
-          </a:p>
-          <a:p>
-            <a:r>
-              <a:rPr lang="ru-RU" dirty="0">
-                <a:solidFill>
-                  <a:schemeClr val="bg1"/>
-                </a:solidFill>
-              </a:rPr>
-              <a:t>Файлы с объектным кодом называются </a:t>
-            </a:r>
-            <a:r>
-              <a:rPr lang="ru-RU" i="1" dirty="0">
-                <a:solidFill>
-                  <a:schemeClr val="bg1"/>
-                </a:solidFill>
-              </a:rPr>
-              <a:t>объектными файлами</a:t>
+              <a:t>Пошаговое исполнение программы с помощью отладчика</a:t>
             </a:r>
           </a:p>
         </p:txBody>
@@ -8413,7 +8239,7 @@
     </p:spTree>
     <p:extLst>
       <p:ext uri="{BB962C8B-B14F-4D97-AF65-F5344CB8AC3E}">
-        <p14:creationId xmlns:p14="http://schemas.microsoft.com/office/powerpoint/2010/main" val="3466410497"/>
+        <p14:creationId xmlns:p14="http://schemas.microsoft.com/office/powerpoint/2010/main" val="3007804739"/>
       </p:ext>
     </p:extLst>
   </p:cSld>
@@ -8457,7 +8283,7 @@
           <a:p>
             <a:r>
               <a:rPr lang="ru-RU" dirty="0"/>
-              <a:t>Что делает компилятор?</a:t>
+              <a:t>Отладка</a:t>
             </a:r>
           </a:p>
         </p:txBody>
@@ -8475,95 +8301,50 @@
         <p:spPr/>
         <p:txBody>
           <a:bodyPr>
-            <a:normAutofit fontScale="92500" lnSpcReduction="20000"/>
+            <a:normAutofit fontScale="92500" lnSpcReduction="10000"/>
           </a:bodyPr>
           <a:lstStyle/>
           <a:p>
             <a:r>
               <a:rPr lang="ru-RU" dirty="0"/>
-              <a:t>Компилятор – это программа, преобразующая исходный код в объектный код</a:t>
+              <a:t>Отладка – это достижение работоспособности программы, устранение грубых ошибок</a:t>
+            </a:r>
+          </a:p>
+          <a:p>
+            <a:endParaRPr lang="ru-RU" dirty="0"/>
+          </a:p>
+          <a:p>
+            <a:r>
+              <a:rPr lang="ru-RU" dirty="0"/>
+              <a:t>Методы отладки</a:t>
             </a:r>
           </a:p>
           <a:p>
             <a:pPr lvl="1"/>
             <a:r>
               <a:rPr lang="ru-RU" dirty="0"/>
-              <a:t>Формирование </a:t>
-            </a:r>
-            <a:r>
-              <a:rPr lang="ru-RU" i="1" dirty="0"/>
-              <a:t>лексем</a:t>
-            </a:r>
+              <a:t>Имитация пошагового исполнения с помощью «карандаша и бумаги» для простых случаев</a:t>
+            </a:r>
+          </a:p>
+          <a:p>
+            <a:pPr lvl="1"/>
             <a:r>
               <a:rPr lang="ru-RU" dirty="0"/>
-              <a:t> (одна из след. лекций)</a:t>
-            </a:r>
-            <a:endParaRPr lang="ru-RU" i="1" dirty="0"/>
+              <a:t>Трассировка работы программы с помощью отладочной печати</a:t>
+            </a:r>
           </a:p>
           <a:p>
             <a:pPr lvl="1"/>
             <a:r>
               <a:rPr lang="ru-RU" dirty="0"/>
-              <a:t>Синтаксический анализ</a:t>
+              <a:t>Проверка необходимых условий корректности в ходе работы программы</a:t>
             </a:r>
           </a:p>
           <a:p>
             <a:pPr lvl="1"/>
             <a:r>
               <a:rPr lang="ru-RU" dirty="0"/>
-              <a:t>Семантический анализ</a:t>
-            </a:r>
-          </a:p>
-          <a:p>
-            <a:pPr lvl="1"/>
-            <a:r>
-              <a:rPr lang="ru-RU" dirty="0"/>
-              <a:t>Оптимизация</a:t>
-            </a:r>
-          </a:p>
-          <a:p>
-            <a:pPr lvl="1"/>
-            <a:r>
-              <a:rPr lang="ru-RU" dirty="0"/>
-              <a:t>Генерация объектного кода</a:t>
-            </a:r>
-            <a:endParaRPr lang="ru-RU" sz="3200" dirty="0"/>
-          </a:p>
-          <a:p>
-            <a:pPr marL="0" indent="0">
-              <a:buNone/>
-            </a:pPr>
-            <a:endParaRPr lang="ru-RU" sz="2000" dirty="0"/>
-          </a:p>
-          <a:p>
-            <a:r>
-              <a:rPr lang="ru-RU" dirty="0"/>
-              <a:t>Файлы с исходным кодом называются </a:t>
-            </a:r>
-            <a:r>
-              <a:rPr lang="ru-RU" i="1" dirty="0"/>
-              <a:t>единицами компиляции</a:t>
-            </a:r>
-          </a:p>
-          <a:p>
-            <a:endParaRPr lang="ru-RU" dirty="0"/>
-          </a:p>
-          <a:p>
-            <a:r>
-              <a:rPr lang="ru-RU" dirty="0">
-                <a:solidFill>
-                  <a:schemeClr val="bg1"/>
-                </a:solidFill>
-              </a:rPr>
-              <a:t>Файлы с объектным кодом называются </a:t>
-            </a:r>
-            <a:r>
-              <a:rPr lang="ru-RU" i="1" dirty="0">
-                <a:solidFill>
-                  <a:schemeClr val="bg1"/>
-                </a:solidFill>
-              </a:rPr>
-              <a:t>объектными файлами</a:t>
+              <a:t>Пошаговое исполнение программы с помощью отладчика</a:t>
             </a:r>
           </a:p>
         </p:txBody>
@@ -8571,7 +8352,7 @@
     </p:spTree>
     <p:extLst>
       <p:ext uri="{BB962C8B-B14F-4D97-AF65-F5344CB8AC3E}">
-        <p14:creationId xmlns:p14="http://schemas.microsoft.com/office/powerpoint/2010/main" val="153305264"/>
+        <p14:creationId xmlns:p14="http://schemas.microsoft.com/office/powerpoint/2010/main" val="2722614794"/>
       </p:ext>
     </p:extLst>
   </p:cSld>
@@ -8615,7 +8396,7 @@
           <a:p>
             <a:r>
               <a:rPr lang="ru-RU" dirty="0"/>
-              <a:t>Что делает компилятор?</a:t>
+              <a:t>Оптимизация</a:t>
             </a:r>
           </a:p>
         </p:txBody>
@@ -8627,101 +8408,188 @@
             <a:spLocks noGrp="1"/>
           </p:cNvSpPr>
           <p:nvPr>
-            <p:ph idx="1"/>
+            <p:ph sz="half" idx="1"/>
           </p:nvPr>
         </p:nvSpPr>
         <p:spPr/>
         <p:txBody>
           <a:bodyPr>
-            <a:normAutofit fontScale="92500" lnSpcReduction="20000"/>
+            <a:normAutofit/>
           </a:bodyPr>
           <a:lstStyle/>
           <a:p>
             <a:r>
-              <a:rPr lang="ru-RU" dirty="0"/>
-              <a:t>Компилятор – это программа, преобразующая исходный код в объектный код</a:t>
+              <a:rPr lang="ru-RU" dirty="0">
+                <a:solidFill>
+                  <a:schemeClr val="bg1"/>
+                </a:solidFill>
+              </a:rPr>
+              <a:t>Оптимизация – это улучшение количественных характеристик программы</a:t>
             </a:r>
           </a:p>
           <a:p>
             <a:pPr lvl="1"/>
             <a:r>
-              <a:rPr lang="ru-RU" dirty="0"/>
-              <a:t>Формирование </a:t>
-            </a:r>
-            <a:r>
-              <a:rPr lang="ru-RU" i="1" dirty="0"/>
-              <a:t>лексем</a:t>
-            </a:r>
-            <a:r>
-              <a:rPr lang="ru-RU" dirty="0"/>
-              <a:t> (одна из след. лекций)</a:t>
-            </a:r>
-            <a:endParaRPr lang="ru-RU" i="1" dirty="0"/>
+              <a:rPr lang="ru-RU" dirty="0">
+                <a:solidFill>
+                  <a:schemeClr val="bg1"/>
+                </a:solidFill>
+              </a:rPr>
+              <a:t>Время компиляции</a:t>
+            </a:r>
           </a:p>
           <a:p>
             <a:pPr lvl="1"/>
             <a:r>
-              <a:rPr lang="ru-RU" dirty="0"/>
-              <a:t>Синтаксический анализ</a:t>
+              <a:rPr lang="ru-RU" dirty="0">
+                <a:solidFill>
+                  <a:schemeClr val="bg1"/>
+                </a:solidFill>
+              </a:rPr>
+              <a:t>Время загрузки</a:t>
             </a:r>
           </a:p>
           <a:p>
             <a:pPr lvl="1"/>
             <a:r>
-              <a:rPr lang="ru-RU" dirty="0"/>
-              <a:t>Семантический анализ</a:t>
+              <a:rPr lang="ru-RU" dirty="0">
+                <a:solidFill>
+                  <a:schemeClr val="bg1"/>
+                </a:solidFill>
+              </a:rPr>
+              <a:t>Время работы</a:t>
             </a:r>
           </a:p>
           <a:p>
             <a:pPr lvl="1"/>
             <a:r>
-              <a:rPr lang="ru-RU" dirty="0"/>
-              <a:t>Оптимизация</a:t>
+              <a:rPr lang="ru-RU" dirty="0">
+                <a:solidFill>
+                  <a:schemeClr val="bg1"/>
+                </a:solidFill>
+              </a:rPr>
+              <a:t>Размер используемой памяти (данных на диске)</a:t>
             </a:r>
           </a:p>
           <a:p>
             <a:pPr lvl="1"/>
             <a:r>
-              <a:rPr lang="ru-RU" dirty="0"/>
-              <a:t>Генерация объектного кода</a:t>
-            </a:r>
-            <a:endParaRPr lang="ru-RU" sz="3200" dirty="0"/>
-          </a:p>
-          <a:p>
-            <a:pPr marL="0" indent="0">
-              <a:buNone/>
-            </a:pPr>
-            <a:endParaRPr lang="ru-RU" sz="2000" dirty="0"/>
-          </a:p>
-          <a:p>
-            <a:r>
-              <a:rPr lang="ru-RU" dirty="0"/>
-              <a:t>Файлы с исходным кодом называются </a:t>
-            </a:r>
-            <a:r>
-              <a:rPr lang="ru-RU" i="1" dirty="0"/>
-              <a:t>единицами компиляции</a:t>
-            </a:r>
-          </a:p>
-          <a:p>
-            <a:endParaRPr lang="ru-RU" dirty="0"/>
-          </a:p>
-          <a:p>
-            <a:r>
-              <a:rPr lang="ru-RU" dirty="0"/>
-              <a:t>Файлы с объектным кодом называются </a:t>
-            </a:r>
-            <a:r>
-              <a:rPr lang="ru-RU" i="1" dirty="0"/>
-              <a:t>объектными файлами</a:t>
-            </a:r>
+              <a:rPr lang="ru-RU" dirty="0">
+                <a:solidFill>
+                  <a:schemeClr val="bg1"/>
+                </a:solidFill>
+              </a:rPr>
+              <a:t>Размер исходного кода</a:t>
+            </a:r>
+          </a:p>
+          <a:p>
+            <a:pPr lvl="1"/>
+            <a:r>
+              <a:rPr lang="ru-RU" dirty="0">
+                <a:solidFill>
+                  <a:schemeClr val="bg1"/>
+                </a:solidFill>
+              </a:rPr>
+              <a:t>Размер исполняемого кода</a:t>
+            </a:r>
+          </a:p>
+          <a:p>
+            <a:endParaRPr lang="ru-RU" dirty="0">
+              <a:solidFill>
+                <a:schemeClr val="bg1"/>
+              </a:solidFill>
+            </a:endParaRPr>
+          </a:p>
+        </p:txBody>
+      </p:sp>
+      <p:sp>
+        <p:nvSpPr>
+          <p:cNvPr id="4" name="Объект 3"/>
+          <p:cNvSpPr>
+            <a:spLocks noGrp="1"/>
+          </p:cNvSpPr>
+          <p:nvPr>
+            <p:ph sz="half" idx="2"/>
+          </p:nvPr>
+        </p:nvSpPr>
+        <p:spPr/>
+        <p:txBody>
+          <a:bodyPr>
+            <a:normAutofit/>
+          </a:bodyPr>
+          <a:lstStyle/>
+          <a:p>
+            <a:r>
+              <a:rPr lang="ru-RU" dirty="0">
+                <a:solidFill>
+                  <a:schemeClr val="bg1"/>
+                </a:solidFill>
+              </a:rPr>
+              <a:t>Компилятор и линкер умеют «оптимизировать» программы</a:t>
+            </a:r>
+          </a:p>
+          <a:p>
+            <a:pPr lvl="1"/>
+            <a:r>
+              <a:rPr lang="ru-RU" dirty="0">
+                <a:solidFill>
+                  <a:schemeClr val="bg1"/>
+                </a:solidFill>
+              </a:rPr>
+              <a:t>Сохраняют корректность </a:t>
+            </a:r>
+          </a:p>
+          <a:p>
+            <a:pPr lvl="1"/>
+            <a:r>
+              <a:rPr lang="ru-RU" dirty="0">
+                <a:solidFill>
+                  <a:schemeClr val="bg1"/>
+                </a:solidFill>
+              </a:rPr>
+              <a:t>Могут менять некорректную программу неожиданным образом</a:t>
+            </a:r>
+          </a:p>
+          <a:p>
+            <a:pPr lvl="1"/>
+            <a:r>
+              <a:rPr lang="ru-RU" dirty="0">
+                <a:solidFill>
+                  <a:schemeClr val="bg1"/>
+                </a:solidFill>
+              </a:rPr>
+              <a:t>Могут </a:t>
+            </a:r>
+            <a:r>
+              <a:rPr lang="ru-RU" i="1" dirty="0">
+                <a:solidFill>
+                  <a:schemeClr val="bg1"/>
+                </a:solidFill>
+              </a:rPr>
+              <a:t>ухудшать </a:t>
+            </a:r>
+            <a:r>
+              <a:rPr lang="ru-RU" dirty="0">
+                <a:solidFill>
+                  <a:schemeClr val="bg1"/>
+                </a:solidFill>
+              </a:rPr>
+              <a:t>количественные характеристики программы</a:t>
+            </a:r>
+          </a:p>
+          <a:p>
+            <a:endParaRPr lang="ru-RU" dirty="0">
+              <a:solidFill>
+                <a:schemeClr val="bg1"/>
+              </a:solidFill>
+            </a:endParaRPr>
           </a:p>
         </p:txBody>
       </p:sp>
     </p:spTree>
     <p:extLst>
       <p:ext uri="{BB962C8B-B14F-4D97-AF65-F5344CB8AC3E}">
-        <p14:creationId xmlns:p14="http://schemas.microsoft.com/office/powerpoint/2010/main" val="707104426"/>
+        <p14:creationId xmlns:p14="http://schemas.microsoft.com/office/powerpoint/2010/main" val="1216889432"/>
       </p:ext>
     </p:extLst>
   </p:cSld>
@@ -8765,7 +8633,7 @@
           <a:p>
             <a:r>
               <a:rPr lang="ru-RU" dirty="0"/>
-              <a:t>Что такое сборка?</a:t>
+              <a:t>Оптимизация</a:t>
             </a:r>
           </a:p>
         </p:txBody>
@@ -8777,124 +8645,110 @@
             <a:spLocks noGrp="1"/>
           </p:cNvSpPr>
           <p:nvPr>
-            <p:ph idx="1"/>
+            <p:ph sz="half" idx="1"/>
           </p:nvPr>
         </p:nvSpPr>
         <p:spPr/>
         <p:txBody>
           <a:bodyPr>
-            <a:normAutofit fontScale="77500" lnSpcReduction="20000"/>
+            <a:normAutofit/>
           </a:bodyPr>
           <a:lstStyle/>
           <a:p>
             <a:r>
-              <a:rPr lang="ru-RU" sz="4000" dirty="0">
+              <a:rPr lang="ru-RU" dirty="0"/>
+              <a:t>Оптимизация – это улучшение количественных характеристик программы</a:t>
+            </a:r>
+          </a:p>
+          <a:p>
+            <a:pPr lvl="1"/>
+            <a:r>
+              <a:rPr lang="ru-RU" dirty="0">
                 <a:solidFill>
                   <a:schemeClr val="bg1"/>
                 </a:solidFill>
               </a:rPr>
-              <a:t>Сборка – это создание </a:t>
-            </a:r>
-            <a:r>
-              <a:rPr lang="ru-RU" sz="4000" i="1" dirty="0">
+              <a:t>Время компиляции</a:t>
+            </a:r>
+          </a:p>
+          <a:p>
+            <a:pPr lvl="1"/>
+            <a:r>
+              <a:rPr lang="ru-RU" dirty="0">
                 <a:solidFill>
                   <a:schemeClr val="bg1"/>
                 </a:solidFill>
               </a:rPr>
-              <a:t>библиотеки</a:t>
-            </a:r>
-            <a:r>
-              <a:rPr lang="ru-RU" sz="4000" dirty="0">
+              <a:t>Время загрузки</a:t>
+            </a:r>
+          </a:p>
+          <a:p>
+            <a:pPr lvl="1"/>
+            <a:r>
+              <a:rPr lang="ru-RU" dirty="0">
                 <a:solidFill>
                   <a:schemeClr val="bg1"/>
                 </a:solidFill>
               </a:rPr>
-              <a:t> или исполняемого файла из объектных файлов</a:t>
+              <a:t>Время работы</a:t>
             </a:r>
           </a:p>
           <a:p>
             <a:pPr lvl="1"/>
             <a:r>
-              <a:rPr lang="ru-RU" sz="3600" dirty="0">
+              <a:rPr lang="ru-RU" dirty="0">
                 <a:solidFill>
                   <a:schemeClr val="bg1"/>
                 </a:solidFill>
               </a:rPr>
-              <a:t>Она же «линковка»</a:t>
+              <a:t>Размер используемой памяти (данных на диске)</a:t>
             </a:r>
           </a:p>
           <a:p>
             <a:pPr lvl="1"/>
             <a:r>
-              <a:rPr lang="ru-RU" sz="3600" dirty="0">
+              <a:rPr lang="ru-RU" dirty="0">
                 <a:solidFill>
                   <a:schemeClr val="bg1"/>
                 </a:solidFill>
               </a:rPr>
-              <a:t>Она же «компоновка»</a:t>
-            </a:r>
-          </a:p>
-          <a:p>
-            <a:endParaRPr lang="ru-RU" sz="4000" dirty="0">
-              <a:solidFill>
-                <a:schemeClr val="bg1"/>
-              </a:solidFill>
-            </a:endParaRPr>
-          </a:p>
-          <a:p>
-            <a:r>
-              <a:rPr lang="ru-RU" sz="4000" dirty="0">
+              <a:t>Размер исходного кода</a:t>
+            </a:r>
+          </a:p>
+          <a:p>
+            <a:pPr lvl="1"/>
+            <a:r>
+              <a:rPr lang="ru-RU" dirty="0">
                 <a:solidFill>
                   <a:schemeClr val="bg1"/>
                 </a:solidFill>
               </a:rPr>
-              <a:t>Статическая библиотека</a:t>
-            </a:r>
-          </a:p>
-          <a:p>
-            <a:pPr lvl="1"/>
-            <a:r>
-              <a:rPr lang="ru-RU" sz="3600" dirty="0">
-                <a:solidFill>
-                  <a:schemeClr val="bg1"/>
-                </a:solidFill>
-              </a:rPr>
-              <a:t>Архив объектных файлов</a:t>
-            </a:r>
-          </a:p>
-          <a:p>
-            <a:endParaRPr lang="ru-RU" sz="4000" dirty="0">
-              <a:solidFill>
-                <a:schemeClr val="bg1"/>
-              </a:solidFill>
-            </a:endParaRPr>
-          </a:p>
-          <a:p>
-            <a:r>
-              <a:rPr lang="ru-RU" sz="4000" dirty="0">
-                <a:solidFill>
-                  <a:schemeClr val="bg1"/>
-                </a:solidFill>
-              </a:rPr>
-              <a:t>Динамическая библиотека</a:t>
-            </a:r>
-          </a:p>
-          <a:p>
-            <a:pPr lvl="1"/>
-            <a:r>
-              <a:rPr lang="ru-RU" sz="3600" dirty="0">
-                <a:solidFill>
-                  <a:schemeClr val="bg1"/>
-                </a:solidFill>
-              </a:rPr>
-              <a:t>Разновидность исполняемого файла</a:t>
-            </a:r>
-          </a:p>
-          <a:p>
-            <a:pPr marL="68580" indent="0">
-              <a:buNone/>
-            </a:pPr>
-            <a:endParaRPr lang="ru-RU" sz="4000" dirty="0">
+              <a:t>Размер исполняемого кода</a:t>
+            </a:r>
+          </a:p>
+          <a:p>
+            <a:endParaRPr lang="ru-RU" dirty="0"/>
+          </a:p>
+        </p:txBody>
+      </p:sp>
+      <p:sp>
+        <p:nvSpPr>
+          <p:cNvPr id="4" name="Объект 3"/>
+          <p:cNvSpPr>
+            <a:spLocks noGrp="1"/>
+          </p:cNvSpPr>
+          <p:nvPr>
+            <p:ph sz="half" idx="2"/>
+          </p:nvPr>
+        </p:nvSpPr>
+        <p:spPr/>
+        <p:txBody>
+          <a:bodyPr>
+            <a:normAutofit/>
+          </a:bodyPr>
+          <a:lstStyle/>
+          <a:p>
+            <a:endParaRPr lang="ru-RU" dirty="0">
               <a:solidFill>
                 <a:schemeClr val="bg1"/>
               </a:solidFill>
@@ -8905,7 +8759,7 @@
     </p:spTree>
     <p:extLst>
       <p:ext uri="{BB962C8B-B14F-4D97-AF65-F5344CB8AC3E}">
-        <p14:creationId xmlns:p14="http://schemas.microsoft.com/office/powerpoint/2010/main" val="1845386138"/>
+        <p14:creationId xmlns:p14="http://schemas.microsoft.com/office/powerpoint/2010/main" val="1843727217"/>
       </p:ext>
     </p:extLst>
   </p:cSld>
@@ -9050,7 +8904,7 @@
           <a:p>
             <a:r>
               <a:rPr lang="ru-RU" dirty="0"/>
-              <a:t>Что такое сборка?</a:t>
+              <a:t>Оптимизация</a:t>
             </a:r>
           </a:p>
         </p:txBody>
@@ -9062,112 +8916,86 @@
             <a:spLocks noGrp="1"/>
           </p:cNvSpPr>
           <p:nvPr>
-            <p:ph idx="1"/>
+            <p:ph sz="half" idx="1"/>
           </p:nvPr>
         </p:nvSpPr>
         <p:spPr/>
         <p:txBody>
           <a:bodyPr>
-            <a:normAutofit fontScale="77500" lnSpcReduction="20000"/>
+            <a:normAutofit/>
           </a:bodyPr>
           <a:lstStyle/>
           <a:p>
             <a:r>
-              <a:rPr lang="ru-RU" sz="4000" dirty="0"/>
-              <a:t>Сборка – это создание </a:t>
-            </a:r>
-            <a:r>
-              <a:rPr lang="ru-RU" sz="4000" i="1" dirty="0"/>
-              <a:t>библиотеки</a:t>
-            </a:r>
-            <a:r>
-              <a:rPr lang="ru-RU" sz="4000" dirty="0"/>
-              <a:t> или исполняемого файла из объектных файлов</a:t>
+              <a:rPr lang="ru-RU" dirty="0"/>
+              <a:t>Оптимизация – это улучшение количественных характеристик программы</a:t>
             </a:r>
           </a:p>
           <a:p>
             <a:pPr lvl="1"/>
             <a:r>
-              <a:rPr lang="ru-RU" sz="3600" dirty="0">
-                <a:solidFill>
-                  <a:schemeClr val="bg1"/>
-                </a:solidFill>
-              </a:rPr>
-              <a:t>Она же «линковка»</a:t>
+              <a:rPr lang="ru-RU" dirty="0"/>
+              <a:t>Время компиляции</a:t>
             </a:r>
           </a:p>
           <a:p>
             <a:pPr lvl="1"/>
             <a:r>
-              <a:rPr lang="ru-RU" sz="3600" dirty="0">
-                <a:solidFill>
-                  <a:schemeClr val="bg1"/>
-                </a:solidFill>
-              </a:rPr>
-              <a:t>Она же «компоновка»</a:t>
-            </a:r>
-          </a:p>
-          <a:p>
-            <a:endParaRPr lang="ru-RU" sz="4000" dirty="0">
-              <a:solidFill>
-                <a:schemeClr val="bg1"/>
-              </a:solidFill>
-            </a:endParaRPr>
-          </a:p>
-          <a:p>
-            <a:r>
-              <a:rPr lang="ru-RU" sz="4000" dirty="0">
-                <a:solidFill>
-                  <a:schemeClr val="bg1"/>
-                </a:solidFill>
-              </a:rPr>
-              <a:t>Статическая библиотека</a:t>
+              <a:rPr lang="ru-RU" dirty="0"/>
+              <a:t>Время загрузки</a:t>
             </a:r>
           </a:p>
           <a:p>
             <a:pPr lvl="1"/>
             <a:r>
-              <a:rPr lang="ru-RU" sz="3600" dirty="0">
-                <a:solidFill>
-                  <a:schemeClr val="bg1"/>
-                </a:solidFill>
-              </a:rPr>
-              <a:t>Архив объектных файлов</a:t>
-            </a:r>
-          </a:p>
-          <a:p>
-            <a:endParaRPr lang="ru-RU" sz="4000" dirty="0">
-              <a:solidFill>
-                <a:schemeClr val="bg1"/>
-              </a:solidFill>
-            </a:endParaRPr>
-          </a:p>
-          <a:p>
-            <a:r>
-              <a:rPr lang="ru-RU" sz="4000" dirty="0">
-                <a:solidFill>
-                  <a:schemeClr val="bg1"/>
-                </a:solidFill>
-              </a:rPr>
-              <a:t>Динамическая библиотека</a:t>
+              <a:rPr lang="ru-RU" dirty="0"/>
+              <a:t>Время работы</a:t>
             </a:r>
           </a:p>
           <a:p>
             <a:pPr lvl="1"/>
             <a:r>
-              <a:rPr lang="ru-RU" sz="3600" dirty="0">
-                <a:solidFill>
-                  <a:schemeClr val="bg1"/>
-                </a:solidFill>
-              </a:rPr>
-              <a:t>Разновидность исполняемого файла</a:t>
-            </a:r>
-          </a:p>
-          <a:p>
-            <a:pPr marL="68580" indent="0">
-              <a:buNone/>
-            </a:pPr>
-            <a:endParaRPr lang="ru-RU" sz="4000" dirty="0">
+              <a:rPr lang="ru-RU" dirty="0"/>
+              <a:t>Размер используемой памяти (данных на диске)</a:t>
+            </a:r>
+          </a:p>
+          <a:p>
+            <a:pPr lvl="1"/>
+            <a:r>
+              <a:rPr lang="ru-RU" dirty="0"/>
+              <a:t>Размер исходного кода</a:t>
+            </a:r>
+          </a:p>
+          <a:p>
+            <a:pPr lvl="1"/>
+            <a:r>
+              <a:rPr lang="ru-RU" dirty="0"/>
+              <a:t>Размер исполняемого кода</a:t>
+            </a:r>
+          </a:p>
+          <a:p>
+            <a:endParaRPr lang="ru-RU" dirty="0"/>
+          </a:p>
+        </p:txBody>
+      </p:sp>
+      <p:sp>
+        <p:nvSpPr>
+          <p:cNvPr id="4" name="Объект 3"/>
+          <p:cNvSpPr>
+            <a:spLocks noGrp="1"/>
+          </p:cNvSpPr>
+          <p:nvPr>
+            <p:ph sz="half" idx="2"/>
+          </p:nvPr>
+        </p:nvSpPr>
+        <p:spPr/>
+        <p:txBody>
+          <a:bodyPr>
+            <a:normAutofit/>
+          </a:bodyPr>
+          <a:lstStyle/>
+          <a:p>
+            <a:endParaRPr lang="ru-RU" dirty="0">
               <a:solidFill>
                 <a:schemeClr val="bg1"/>
               </a:solidFill>
@@ -9178,7 +9006,7 @@
     </p:spTree>
     <p:extLst>
       <p:ext uri="{BB962C8B-B14F-4D97-AF65-F5344CB8AC3E}">
-        <p14:creationId xmlns:p14="http://schemas.microsoft.com/office/powerpoint/2010/main" val="895345545"/>
+        <p14:creationId xmlns:p14="http://schemas.microsoft.com/office/powerpoint/2010/main" val="2244281674"/>
       </p:ext>
     </p:extLst>
   </p:cSld>
@@ -9222,7 +9050,7 @@
           <a:p>
             <a:r>
               <a:rPr lang="ru-RU" dirty="0"/>
-              <a:t>Что такое сборка?</a:t>
+              <a:t>Оптимизация</a:t>
             </a:r>
           </a:p>
         </p:txBody>
@@ -9234,107 +9062,150 @@
             <a:spLocks noGrp="1"/>
           </p:cNvSpPr>
           <p:nvPr>
-            <p:ph idx="1"/>
+            <p:ph sz="half" idx="1"/>
           </p:nvPr>
         </p:nvSpPr>
         <p:spPr/>
         <p:txBody>
           <a:bodyPr>
-            <a:normAutofit fontScale="77500" lnSpcReduction="20000"/>
+            <a:normAutofit/>
           </a:bodyPr>
           <a:lstStyle/>
           <a:p>
             <a:r>
-              <a:rPr lang="ru-RU" sz="4000" dirty="0"/>
-              <a:t>Сборка – это создание </a:t>
-            </a:r>
-            <a:r>
-              <a:rPr lang="ru-RU" sz="4000" i="1" dirty="0"/>
-              <a:t>библиотеки</a:t>
-            </a:r>
-            <a:r>
-              <a:rPr lang="ru-RU" sz="4000" dirty="0"/>
-              <a:t> или исполняемого файла из объектных файлов</a:t>
+              <a:rPr lang="ru-RU" dirty="0"/>
+              <a:t>Оптимизация – это улучшение количественных характеристик программы</a:t>
             </a:r>
           </a:p>
           <a:p>
             <a:pPr lvl="1"/>
             <a:r>
-              <a:rPr lang="ru-RU" sz="3600" dirty="0"/>
-              <a:t>Она же «линковка»</a:t>
+              <a:rPr lang="ru-RU" dirty="0"/>
+              <a:t>Время компиляции</a:t>
             </a:r>
           </a:p>
           <a:p>
             <a:pPr lvl="1"/>
             <a:r>
-              <a:rPr lang="ru-RU" sz="3600" dirty="0"/>
-              <a:t>Она же «компоновка»</a:t>
-            </a:r>
-          </a:p>
-          <a:p>
-            <a:endParaRPr lang="ru-RU" sz="4000" dirty="0"/>
-          </a:p>
-          <a:p>
-            <a:r>
-              <a:rPr lang="ru-RU" sz="4000" dirty="0">
+              <a:rPr lang="ru-RU" dirty="0"/>
+              <a:t>Время загрузки</a:t>
+            </a:r>
+          </a:p>
+          <a:p>
+            <a:pPr lvl="1"/>
+            <a:r>
+              <a:rPr lang="ru-RU" dirty="0"/>
+              <a:t>Время работы</a:t>
+            </a:r>
+          </a:p>
+          <a:p>
+            <a:pPr lvl="1"/>
+            <a:r>
+              <a:rPr lang="ru-RU" dirty="0"/>
+              <a:t>Размер используемой памяти (данных на диске)</a:t>
+            </a:r>
+          </a:p>
+          <a:p>
+            <a:pPr lvl="1"/>
+            <a:r>
+              <a:rPr lang="ru-RU" dirty="0"/>
+              <a:t>Размер исходного кода</a:t>
+            </a:r>
+          </a:p>
+          <a:p>
+            <a:pPr lvl="1"/>
+            <a:r>
+              <a:rPr lang="ru-RU" dirty="0"/>
+              <a:t>Размер исполняемого кода</a:t>
+            </a:r>
+          </a:p>
+          <a:p>
+            <a:endParaRPr lang="ru-RU" dirty="0"/>
+          </a:p>
+        </p:txBody>
+      </p:sp>
+      <p:sp>
+        <p:nvSpPr>
+          <p:cNvPr id="4" name="Объект 3"/>
+          <p:cNvSpPr>
+            <a:spLocks noGrp="1"/>
+          </p:cNvSpPr>
+          <p:nvPr>
+            <p:ph sz="half" idx="2"/>
+          </p:nvPr>
+        </p:nvSpPr>
+        <p:spPr/>
+        <p:txBody>
+          <a:bodyPr>
+            <a:normAutofit/>
+          </a:bodyPr>
+          <a:lstStyle/>
+          <a:p>
+            <a:r>
+              <a:rPr lang="ru-RU" dirty="0"/>
+              <a:t>При компиляции/сборке</a:t>
+            </a:r>
+          </a:p>
+          <a:p>
+            <a:pPr lvl="1"/>
+            <a:r>
+              <a:rPr lang="ru-RU" dirty="0"/>
+              <a:t>«Ручная»</a:t>
+            </a:r>
+          </a:p>
+          <a:p>
+            <a:pPr lvl="1"/>
+            <a:r>
+              <a:rPr lang="ru-RU" dirty="0"/>
+              <a:t>Автоматизированная</a:t>
+            </a:r>
+          </a:p>
+          <a:p>
+            <a:pPr lvl="2"/>
+            <a:r>
+              <a:rPr lang="ru-RU" dirty="0"/>
+              <a:t>Инструменты разработки</a:t>
+            </a:r>
+          </a:p>
+          <a:p>
+            <a:pPr lvl="1"/>
+            <a:endParaRPr lang="ru-RU" dirty="0"/>
+          </a:p>
+          <a:p>
+            <a:r>
+              <a:rPr lang="ru-RU" dirty="0">
                 <a:solidFill>
                   <a:schemeClr val="bg1"/>
                 </a:solidFill>
               </a:rPr>
-              <a:t>Статическая библиотека</a:t>
+              <a:t>В процессе работы</a:t>
             </a:r>
           </a:p>
           <a:p>
             <a:pPr lvl="1"/>
             <a:r>
-              <a:rPr lang="ru-RU" sz="3600" dirty="0">
+              <a:rPr lang="en-US" dirty="0">
                 <a:solidFill>
                   <a:schemeClr val="bg1"/>
                 </a:solidFill>
               </a:rPr>
-              <a:t>Архив объектных файлов</a:t>
-            </a:r>
-          </a:p>
-          <a:p>
-            <a:endParaRPr lang="ru-RU" sz="4000" dirty="0">
-              <a:solidFill>
-                <a:schemeClr val="bg1"/>
-              </a:solidFill>
-            </a:endParaRPr>
-          </a:p>
-          <a:p>
-            <a:r>
-              <a:rPr lang="ru-RU" sz="4000" dirty="0">
+              <a:t>JIT </a:t>
+            </a:r>
+            <a:r>
+              <a:rPr lang="ru-RU" dirty="0">
                 <a:solidFill>
                   <a:schemeClr val="bg1"/>
                 </a:solidFill>
               </a:rPr>
-              <a:t>Динамическая библиотека</a:t>
-            </a:r>
-          </a:p>
-          <a:p>
-            <a:pPr lvl="1"/>
-            <a:r>
-              <a:rPr lang="ru-RU" sz="3600" dirty="0">
-                <a:solidFill>
-                  <a:schemeClr val="bg1"/>
-                </a:solidFill>
-              </a:rPr>
-              <a:t>Разновидность исполняемого файла</a:t>
-            </a:r>
-          </a:p>
-          <a:p>
-            <a:pPr marL="68580" indent="0">
-              <a:buNone/>
-            </a:pPr>
-            <a:endParaRPr lang="ru-RU" sz="4000" dirty="0"/>
+              <a:t>и т.п.</a:t>
+            </a:r>
           </a:p>
         </p:txBody>
       </p:sp>
     </p:spTree>
     <p:extLst>
       <p:ext uri="{BB962C8B-B14F-4D97-AF65-F5344CB8AC3E}">
-        <p14:creationId xmlns:p14="http://schemas.microsoft.com/office/powerpoint/2010/main" val="2714853552"/>
+        <p14:creationId xmlns:p14="http://schemas.microsoft.com/office/powerpoint/2010/main" val="1143527354"/>
       </p:ext>
     </p:extLst>
   </p:cSld>
@@ -9378,7 +9249,7 @@
           <a:p>
             <a:r>
               <a:rPr lang="ru-RU" dirty="0"/>
-              <a:t>Что такое сборка?</a:t>
+              <a:t>Оптимизация</a:t>
             </a:r>
           </a:p>
         </p:txBody>
@@ -9390,99 +9261,138 @@
             <a:spLocks noGrp="1"/>
           </p:cNvSpPr>
           <p:nvPr>
-            <p:ph idx="1"/>
+            <p:ph sz="half" idx="1"/>
           </p:nvPr>
         </p:nvSpPr>
         <p:spPr/>
         <p:txBody>
           <a:bodyPr>
-            <a:normAutofit fontScale="77500" lnSpcReduction="20000"/>
+            <a:normAutofit/>
           </a:bodyPr>
           <a:lstStyle/>
           <a:p>
             <a:r>
-              <a:rPr lang="ru-RU" sz="4000" dirty="0"/>
-              <a:t>Сборка – это создание </a:t>
-            </a:r>
-            <a:r>
-              <a:rPr lang="ru-RU" sz="4000" i="1" dirty="0"/>
-              <a:t>библиотеки</a:t>
-            </a:r>
-            <a:r>
-              <a:rPr lang="ru-RU" sz="4000" dirty="0"/>
-              <a:t> или исполняемого файла из объектных файлов</a:t>
+              <a:rPr lang="ru-RU" dirty="0"/>
+              <a:t>Оптимизация – это улучшение количественных характеристик программы</a:t>
             </a:r>
           </a:p>
           <a:p>
             <a:pPr lvl="1"/>
             <a:r>
-              <a:rPr lang="ru-RU" sz="3600" dirty="0"/>
-              <a:t>Она же «линковка»</a:t>
+              <a:rPr lang="ru-RU" dirty="0"/>
+              <a:t>Время компиляции</a:t>
             </a:r>
           </a:p>
           <a:p>
             <a:pPr lvl="1"/>
             <a:r>
-              <a:rPr lang="ru-RU" sz="3600" dirty="0"/>
-              <a:t>Она же «компоновка»</a:t>
-            </a:r>
-          </a:p>
-          <a:p>
-            <a:endParaRPr lang="ru-RU" sz="4000" dirty="0"/>
-          </a:p>
-          <a:p>
-            <a:r>
-              <a:rPr lang="ru-RU" sz="4000" dirty="0"/>
-              <a:t>Статическая библиотека</a:t>
+              <a:rPr lang="ru-RU" dirty="0"/>
+              <a:t>Время загрузки</a:t>
             </a:r>
           </a:p>
           <a:p>
             <a:pPr lvl="1"/>
             <a:r>
-              <a:rPr lang="ru-RU" sz="3600" dirty="0"/>
-              <a:t>Архив объектных файлов</a:t>
-            </a:r>
-          </a:p>
-          <a:p>
-            <a:endParaRPr lang="ru-RU" sz="4000" dirty="0"/>
-          </a:p>
-          <a:p>
-            <a:r>
-              <a:rPr lang="ru-RU" sz="4000" dirty="0">
-                <a:solidFill>
-                  <a:schemeClr val="bg1"/>
-                </a:solidFill>
-              </a:rPr>
-              <a:t>Динамическая библиотека</a:t>
+              <a:rPr lang="ru-RU" dirty="0"/>
+              <a:t>Время работы</a:t>
             </a:r>
           </a:p>
           <a:p>
             <a:pPr lvl="1"/>
             <a:r>
-              <a:rPr lang="ru-RU" sz="3600" dirty="0">
-                <a:solidFill>
-                  <a:schemeClr val="bg1"/>
-                </a:solidFill>
-              </a:rPr>
-              <a:t>Разновидность исполняемого файла</a:t>
-            </a:r>
-          </a:p>
-          <a:p>
-            <a:pPr marL="68580" indent="0">
-              <a:buNone/>
-            </a:pPr>
-            <a:endParaRPr lang="ru-RU" sz="4000" dirty="0">
-              <a:solidFill>
-                <a:schemeClr val="bg1"/>
-              </a:solidFill>
-            </a:endParaRPr>
+              <a:rPr lang="ru-RU" dirty="0"/>
+              <a:t>Размер используемой памяти (данных на диске)</a:t>
+            </a:r>
+          </a:p>
+          <a:p>
+            <a:pPr lvl="1"/>
+            <a:r>
+              <a:rPr lang="ru-RU" dirty="0"/>
+              <a:t>Размер исходного кода</a:t>
+            </a:r>
+          </a:p>
+          <a:p>
+            <a:pPr lvl="1"/>
+            <a:r>
+              <a:rPr lang="ru-RU" dirty="0"/>
+              <a:t>Размер исполняемого кода</a:t>
+            </a:r>
+          </a:p>
+          <a:p>
+            <a:endParaRPr lang="ru-RU" dirty="0"/>
+          </a:p>
+        </p:txBody>
+      </p:sp>
+      <p:sp>
+        <p:nvSpPr>
+          <p:cNvPr id="4" name="Объект 3"/>
+          <p:cNvSpPr>
+            <a:spLocks noGrp="1"/>
+          </p:cNvSpPr>
+          <p:nvPr>
+            <p:ph sz="half" idx="2"/>
+          </p:nvPr>
+        </p:nvSpPr>
+        <p:spPr/>
+        <p:txBody>
+          <a:bodyPr>
+            <a:normAutofit/>
+          </a:bodyPr>
+          <a:lstStyle/>
+          <a:p>
+            <a:r>
+              <a:rPr lang="ru-RU" dirty="0"/>
+              <a:t>При компиляции/сборке</a:t>
+            </a:r>
+          </a:p>
+          <a:p>
+            <a:pPr lvl="1"/>
+            <a:r>
+              <a:rPr lang="ru-RU" dirty="0"/>
+              <a:t>«Ручная»</a:t>
+            </a:r>
+          </a:p>
+          <a:p>
+            <a:pPr lvl="1"/>
+            <a:r>
+              <a:rPr lang="ru-RU" dirty="0"/>
+              <a:t>Автоматизированная</a:t>
+            </a:r>
+          </a:p>
+          <a:p>
+            <a:pPr lvl="2"/>
+            <a:r>
+              <a:rPr lang="ru-RU" dirty="0"/>
+              <a:t>Инструменты разработки</a:t>
+            </a:r>
+          </a:p>
+          <a:p>
+            <a:pPr lvl="1"/>
+            <a:endParaRPr lang="ru-RU" dirty="0"/>
+          </a:p>
+          <a:p>
+            <a:r>
+              <a:rPr lang="ru-RU" dirty="0"/>
+              <a:t>В процессе работы</a:t>
+            </a:r>
+          </a:p>
+          <a:p>
+            <a:pPr lvl="1"/>
+            <a:r>
+              <a:rPr lang="en-US" dirty="0"/>
+              <a:t>JIT </a:t>
+            </a:r>
+            <a:r>
+              <a:rPr lang="ru-RU" dirty="0"/>
+              <a:t>и т.п.</a:t>
+            </a:r>
           </a:p>
         </p:txBody>
       </p:sp>
     </p:spTree>
     <p:extLst>
       <p:ext uri="{BB962C8B-B14F-4D97-AF65-F5344CB8AC3E}">
-        <p14:creationId xmlns:p14="http://schemas.microsoft.com/office/powerpoint/2010/main" val="379771876"/>
+        <p14:creationId xmlns:p14="http://schemas.microsoft.com/office/powerpoint/2010/main" val="5071403"/>
       </p:ext>
     </p:extLst>
   </p:cSld>
@@ -9526,7 +9436,7 @@
           <a:p>
             <a:r>
               <a:rPr lang="ru-RU" dirty="0"/>
-              <a:t>Что такое сборка?</a:t>
+              <a:t>Тестирование</a:t>
             </a:r>
           </a:p>
         </p:txBody>
@@ -9544,81 +9454,76 @@
         <p:spPr/>
         <p:txBody>
           <a:bodyPr>
-            <a:normAutofit fontScale="77500" lnSpcReduction="20000"/>
+            <a:normAutofit/>
           </a:bodyPr>
           <a:lstStyle/>
           <a:p>
             <a:r>
-              <a:rPr lang="ru-RU" sz="4000" dirty="0"/>
-              <a:t>Сборка – это создание </a:t>
-            </a:r>
-            <a:r>
-              <a:rPr lang="ru-RU" sz="4000" i="1" dirty="0"/>
-              <a:t>библиотеки</a:t>
-            </a:r>
-            <a:r>
-              <a:rPr lang="ru-RU" sz="4000" dirty="0"/>
-              <a:t> или исполняемого файла из объектных файлов</a:t>
+              <a:rPr lang="ru-RU" dirty="0">
+                <a:solidFill>
+                  <a:schemeClr val="bg1"/>
+                </a:solidFill>
+              </a:rPr>
+              <a:t>Тестирование – это обнаружение ошибок, вносимых в программу в процессе изменений</a:t>
             </a:r>
           </a:p>
           <a:p>
             <a:pPr lvl="1"/>
             <a:r>
-              <a:rPr lang="ru-RU" sz="3600" dirty="0"/>
-              <a:t>Она же «линковка»</a:t>
+              <a:rPr lang="ru-RU" dirty="0">
+                <a:solidFill>
+                  <a:schemeClr val="bg1"/>
+                </a:solidFill>
+              </a:rPr>
+              <a:t>Юнит</a:t>
             </a:r>
           </a:p>
           <a:p>
             <a:pPr lvl="1"/>
             <a:r>
-              <a:rPr lang="ru-RU" sz="3600" dirty="0"/>
-              <a:t>Она же «компоновка»</a:t>
-            </a:r>
-          </a:p>
-          <a:p>
-            <a:endParaRPr lang="ru-RU" sz="4000" dirty="0"/>
-          </a:p>
-          <a:p>
-            <a:r>
-              <a:rPr lang="ru-RU" sz="4000" dirty="0"/>
-              <a:t>Статическая библиотека</a:t>
+              <a:rPr lang="ru-RU" dirty="0">
+                <a:solidFill>
+                  <a:schemeClr val="bg1"/>
+                </a:solidFill>
+              </a:rPr>
+              <a:t>Интеграционное</a:t>
             </a:r>
           </a:p>
           <a:p>
             <a:pPr lvl="1"/>
             <a:r>
-              <a:rPr lang="ru-RU" sz="3600" dirty="0"/>
-              <a:t>Архив объектных файлов</a:t>
-            </a:r>
-          </a:p>
-          <a:p>
-            <a:endParaRPr lang="ru-RU" sz="4000" dirty="0"/>
-          </a:p>
-          <a:p>
-            <a:r>
-              <a:rPr lang="ru-RU" sz="4000" dirty="0"/>
-              <a:t>Динамическая библиотека</a:t>
+              <a:rPr lang="ru-RU" dirty="0">
+                <a:solidFill>
+                  <a:schemeClr val="bg1"/>
+                </a:solidFill>
+              </a:rPr>
+              <a:t>Нагрузочное</a:t>
             </a:r>
           </a:p>
           <a:p>
             <a:pPr lvl="1"/>
             <a:r>
-              <a:rPr lang="ru-RU" sz="3600" dirty="0"/>
-              <a:t>Разновидность исполняемого файла</a:t>
-            </a:r>
-          </a:p>
-          <a:p>
-            <a:pPr marL="68580" indent="0">
-              <a:buNone/>
-            </a:pPr>
-            <a:endParaRPr lang="ru-RU" sz="4000" dirty="0"/>
+              <a:rPr lang="ru-RU" dirty="0">
+                <a:solidFill>
+                  <a:schemeClr val="bg1"/>
+                </a:solidFill>
+              </a:rPr>
+              <a:t>Производительности</a:t>
+            </a:r>
+          </a:p>
+          <a:p>
+            <a:endParaRPr lang="ru-RU" dirty="0">
+              <a:solidFill>
+                <a:schemeClr val="bg1"/>
+              </a:solidFill>
+            </a:endParaRPr>
           </a:p>
         </p:txBody>
       </p:sp>
     </p:spTree>
     <p:extLst>
       <p:ext uri="{BB962C8B-B14F-4D97-AF65-F5344CB8AC3E}">
-        <p14:creationId xmlns:p14="http://schemas.microsoft.com/office/powerpoint/2010/main" val="4187518187"/>
+        <p14:creationId xmlns:p14="http://schemas.microsoft.com/office/powerpoint/2010/main" val="2570084809"/>
       </p:ext>
     </p:extLst>
   </p:cSld>
@@ -9662,7 +9567,7 @@
           <a:p>
             <a:r>
               <a:rPr lang="ru-RU" dirty="0"/>
-              <a:t>Что такое система сборки?</a:t>
+              <a:t>Тестирование</a:t>
             </a:r>
           </a:p>
         </p:txBody>
@@ -9674,190 +9579,74 @@
             <a:spLocks noGrp="1"/>
           </p:cNvSpPr>
           <p:nvPr>
-            <p:ph sz="half" idx="1"/>
+            <p:ph idx="1"/>
           </p:nvPr>
         </p:nvSpPr>
         <p:spPr/>
         <p:txBody>
           <a:bodyPr>
-            <a:normAutofit fontScale="92500" lnSpcReduction="10000"/>
+            <a:normAutofit/>
           </a:bodyPr>
           <a:lstStyle/>
           <a:p>
             <a:r>
-              <a:rPr lang="ru-RU" sz="2800" dirty="0">
+              <a:rPr lang="ru-RU" dirty="0"/>
+              <a:t>Тестирование – это обнаружение ошибок, вносимых в программу в процессе изменений</a:t>
+            </a:r>
+          </a:p>
+          <a:p>
+            <a:pPr lvl="1"/>
+            <a:r>
+              <a:rPr lang="ru-RU" dirty="0">
                 <a:solidFill>
                   <a:schemeClr val="bg1"/>
                 </a:solidFill>
               </a:rPr>
-              <a:t>Система сборки – это программа, которая строит библиотеку или исполняемый файл после изменений в исходном коде</a:t>
+              <a:t>Юнит</a:t>
             </a:r>
           </a:p>
           <a:p>
             <a:pPr lvl="1"/>
             <a:r>
-              <a:rPr lang="ru-RU" sz="2400" dirty="0">
+              <a:rPr lang="ru-RU" dirty="0">
                 <a:solidFill>
                   <a:schemeClr val="bg1"/>
                 </a:solidFill>
               </a:rPr>
-              <a:t>Хорошие системы сборки пытаются компилировать как можно меньше файлов и использовать как можно больше готовых объектных файлов</a:t>
+              <a:t>Интеграционное</a:t>
             </a:r>
           </a:p>
           <a:p>
             <a:pPr lvl="1"/>
-            <a:endParaRPr lang="ru-RU" sz="2400" dirty="0">
-              <a:solidFill>
-                <a:schemeClr val="bg1"/>
-              </a:solidFill>
-            </a:endParaRPr>
-          </a:p>
-          <a:p>
-            <a:r>
-              <a:rPr lang="ru-RU" sz="2800" dirty="0">
+            <a:r>
+              <a:rPr lang="ru-RU" dirty="0">
                 <a:solidFill>
                   <a:schemeClr val="bg1"/>
                 </a:solidFill>
               </a:rPr>
-              <a:t>Если изменения в файле Ф1 нарушают логику работы кода в файле Ф2, то Ф2 </a:t>
-            </a:r>
-            <a:r>
-              <a:rPr lang="ru-RU" sz="2800" i="1" dirty="0">
+              <a:t>Нагрузочное</a:t>
+            </a:r>
+          </a:p>
+          <a:p>
+            <a:pPr lvl="1"/>
+            <a:r>
+              <a:rPr lang="ru-RU" dirty="0">
                 <a:solidFill>
                   <a:schemeClr val="bg1"/>
                 </a:solidFill>
               </a:rPr>
-              <a:t>зависит</a:t>
-            </a:r>
-            <a:r>
-              <a:rPr lang="ru-RU" sz="2800" dirty="0">
-                <a:solidFill>
-                  <a:schemeClr val="bg1"/>
-                </a:solidFill>
-              </a:rPr>
-              <a:t> от Ф1</a:t>
-            </a:r>
-          </a:p>
-          <a:p>
-            <a:endParaRPr lang="ru-RU" sz="2800" dirty="0">
-              <a:solidFill>
-                <a:schemeClr val="bg1"/>
-              </a:solidFill>
-            </a:endParaRPr>
-          </a:p>
-        </p:txBody>
-      </p:sp>
-      <p:sp>
-        <p:nvSpPr>
-          <p:cNvPr id="4" name="Content Placeholder 3"/>
-          <p:cNvSpPr>
-            <a:spLocks noGrp="1"/>
-          </p:cNvSpPr>
-          <p:nvPr>
-            <p:ph sz="half" idx="2"/>
-          </p:nvPr>
-        </p:nvSpPr>
-        <p:spPr/>
-        <p:txBody>
-          <a:bodyPr>
-            <a:normAutofit fontScale="92500" lnSpcReduction="10000"/>
-          </a:bodyPr>
-          <a:lstStyle/>
-          <a:p>
-            <a:r>
-              <a:rPr lang="ru-RU" dirty="0">
-                <a:solidFill>
-                  <a:schemeClr val="bg1"/>
-                </a:solidFill>
-              </a:rPr>
-              <a:t>Вход</a:t>
-            </a:r>
-          </a:p>
-          <a:p>
-            <a:pPr lvl="1"/>
-            <a:r>
-              <a:rPr lang="ru-RU" dirty="0">
-                <a:solidFill>
-                  <a:schemeClr val="bg1"/>
-                </a:solidFill>
-              </a:rPr>
-              <a:t>описание зависимостей между файлами с исходным кодом</a:t>
-            </a:r>
-          </a:p>
-          <a:p>
-            <a:pPr lvl="1"/>
-            <a:r>
-              <a:rPr lang="ru-RU" dirty="0">
-                <a:solidFill>
-                  <a:schemeClr val="bg1"/>
-                </a:solidFill>
-              </a:rPr>
-              <a:t>файлы с объектным кодом до изменений</a:t>
-            </a:r>
-          </a:p>
-          <a:p>
-            <a:pPr lvl="1"/>
-            <a:r>
-              <a:rPr lang="ru-RU" dirty="0">
-                <a:solidFill>
-                  <a:schemeClr val="bg1"/>
-                </a:solidFill>
-              </a:rPr>
-              <a:t>исходный код после изменений</a:t>
-            </a:r>
-          </a:p>
-          <a:p>
-            <a:r>
-              <a:rPr lang="ru-RU" dirty="0">
-                <a:solidFill>
-                  <a:schemeClr val="bg1"/>
-                </a:solidFill>
-              </a:rPr>
-              <a:t>Выход</a:t>
-            </a:r>
-          </a:p>
-          <a:p>
-            <a:pPr lvl="1"/>
-            <a:r>
-              <a:rPr lang="ru-RU" dirty="0">
-                <a:solidFill>
-                  <a:schemeClr val="bg1"/>
-                </a:solidFill>
-              </a:rPr>
-              <a:t>файлы с объектным кодом после изменений</a:t>
-            </a:r>
-          </a:p>
-          <a:p>
-            <a:pPr lvl="1"/>
-            <a:r>
-              <a:rPr lang="ru-RU" dirty="0">
-                <a:solidFill>
-                  <a:schemeClr val="bg1"/>
-                </a:solidFill>
-              </a:rPr>
-              <a:t>библиотека или исполняемый файл, построенная из исходного кода после изменений</a:t>
-            </a:r>
-          </a:p>
-          <a:p>
-            <a:endParaRPr lang="ru-RU" dirty="0">
-              <a:solidFill>
-                <a:schemeClr val="bg1"/>
-              </a:solidFill>
-            </a:endParaRPr>
-          </a:p>
-          <a:p>
-            <a:endParaRPr lang="ru-RU" dirty="0">
-              <a:solidFill>
-                <a:schemeClr val="bg1"/>
-              </a:solidFill>
-            </a:endParaRPr>
+              <a:t>Производительности</a:t>
+            </a:r>
+          </a:p>
+          <a:p>
+            <a:endParaRPr lang="ru-RU" dirty="0"/>
           </a:p>
         </p:txBody>
       </p:sp>
     </p:spTree>
     <p:extLst>
       <p:ext uri="{BB962C8B-B14F-4D97-AF65-F5344CB8AC3E}">
-        <p14:creationId xmlns:p14="http://schemas.microsoft.com/office/powerpoint/2010/main" val="112405181"/>
+        <p14:creationId xmlns:p14="http://schemas.microsoft.com/office/powerpoint/2010/main" val="1302378609"/>
       </p:ext>
     </p:extLst>
   </p:cSld>
@@ -9901,7 +9690,7 @@
           <a:p>
             <a:r>
               <a:rPr lang="ru-RU" dirty="0"/>
-              <a:t>Что такое система сборки?</a:t>
+              <a:t>Тестирование</a:t>
             </a:r>
           </a:p>
         </p:txBody>
@@ -9913,186 +9702,58 @@
             <a:spLocks noGrp="1"/>
           </p:cNvSpPr>
           <p:nvPr>
-            <p:ph sz="half" idx="1"/>
+            <p:ph idx="1"/>
           </p:nvPr>
         </p:nvSpPr>
         <p:spPr/>
         <p:txBody>
           <a:bodyPr>
-            <a:normAutofit fontScale="92500" lnSpcReduction="10000"/>
+            <a:normAutofit/>
           </a:bodyPr>
           <a:lstStyle/>
           <a:p>
             <a:r>
-              <a:rPr lang="ru-RU" sz="2800" dirty="0"/>
-              <a:t>Система сборки – это программа, которая строит библиотеку или исполняемый файл после изменений в исходном коде</a:t>
+              <a:rPr lang="ru-RU" dirty="0"/>
+              <a:t>Тестирование – это обнаружение ошибок, вносимых в программу в процессе изменений</a:t>
             </a:r>
           </a:p>
           <a:p>
             <a:pPr lvl="1"/>
             <a:r>
-              <a:rPr lang="ru-RU" sz="2400" dirty="0">
-                <a:solidFill>
-                  <a:schemeClr val="bg1"/>
-                </a:solidFill>
-              </a:rPr>
-              <a:t>Хорошие системы сборки пытаются компилировать как можно меньше файлов и использовать как можно больше готовых объектных файлов</a:t>
+              <a:rPr lang="ru-RU" dirty="0"/>
+              <a:t>Юнит</a:t>
             </a:r>
           </a:p>
           <a:p>
             <a:pPr lvl="1"/>
-            <a:endParaRPr lang="ru-RU" sz="2400" dirty="0">
-              <a:solidFill>
-                <a:schemeClr val="bg1"/>
-              </a:solidFill>
-            </a:endParaRPr>
-          </a:p>
-          <a:p>
-            <a:r>
-              <a:rPr lang="ru-RU" sz="2800" dirty="0">
-                <a:solidFill>
-                  <a:schemeClr val="bg1"/>
-                </a:solidFill>
-              </a:rPr>
-              <a:t>Если изменения в файле Ф1 нарушают логику работы кода в файле Ф2, то Ф2 </a:t>
-            </a:r>
-            <a:r>
-              <a:rPr lang="ru-RU" sz="2800" i="1" dirty="0">
-                <a:solidFill>
-                  <a:schemeClr val="bg1"/>
-                </a:solidFill>
-              </a:rPr>
-              <a:t>зависит</a:t>
-            </a:r>
-            <a:r>
-              <a:rPr lang="ru-RU" sz="2800" dirty="0">
-                <a:solidFill>
-                  <a:schemeClr val="bg1"/>
-                </a:solidFill>
-              </a:rPr>
-              <a:t> от Ф1</a:t>
-            </a:r>
-          </a:p>
-          <a:p>
-            <a:endParaRPr lang="ru-RU" sz="2800" dirty="0">
-              <a:solidFill>
-                <a:schemeClr val="bg1"/>
-              </a:solidFill>
-            </a:endParaRPr>
-          </a:p>
-        </p:txBody>
-      </p:sp>
-      <p:sp>
-        <p:nvSpPr>
-          <p:cNvPr id="4" name="Content Placeholder 3"/>
-          <p:cNvSpPr>
-            <a:spLocks noGrp="1"/>
-          </p:cNvSpPr>
-          <p:nvPr>
-            <p:ph sz="half" idx="2"/>
-          </p:nvPr>
-        </p:nvSpPr>
-        <p:spPr/>
-        <p:txBody>
-          <a:bodyPr>
-            <a:normAutofit fontScale="92500" lnSpcReduction="10000"/>
-          </a:bodyPr>
-          <a:lstStyle/>
-          <a:p>
-            <a:r>
-              <a:rPr lang="ru-RU" dirty="0">
-                <a:solidFill>
-                  <a:schemeClr val="bg1"/>
-                </a:solidFill>
-              </a:rPr>
-              <a:t>Вход</a:t>
+            <a:r>
+              <a:rPr lang="ru-RU" dirty="0"/>
+              <a:t>Интеграционное</a:t>
             </a:r>
           </a:p>
           <a:p>
             <a:pPr lvl="1"/>
             <a:r>
-              <a:rPr lang="ru-RU" dirty="0">
-                <a:solidFill>
-                  <a:schemeClr val="bg1"/>
-                </a:solidFill>
-              </a:rPr>
-              <a:t>описание зависимостей между файлами с исходным кодом</a:t>
+              <a:rPr lang="ru-RU" dirty="0"/>
+              <a:t>Нагрузочное</a:t>
             </a:r>
           </a:p>
           <a:p>
             <a:pPr lvl="1"/>
             <a:r>
-              <a:rPr lang="ru-RU" dirty="0">
-                <a:solidFill>
-                  <a:schemeClr val="bg1"/>
-                </a:solidFill>
-              </a:rPr>
-              <a:t>файлы с объектным кодом до изменений</a:t>
-            </a:r>
-          </a:p>
-          <a:p>
-            <a:pPr lvl="1"/>
-            <a:r>
-              <a:rPr lang="ru-RU" dirty="0">
-                <a:solidFill>
-                  <a:schemeClr val="bg1"/>
-                </a:solidFill>
-              </a:rPr>
-              <a:t>исходный код после изменений</a:t>
-            </a:r>
-          </a:p>
-          <a:p>
-            <a:r>
-              <a:rPr lang="ru-RU" dirty="0">
-                <a:solidFill>
-                  <a:schemeClr val="bg1"/>
-                </a:solidFill>
-              </a:rPr>
-              <a:t>Выход</a:t>
-            </a:r>
-          </a:p>
-          <a:p>
-            <a:pPr lvl="1"/>
-            <a:r>
-              <a:rPr lang="ru-RU" dirty="0">
-                <a:solidFill>
-                  <a:schemeClr val="bg1"/>
-                </a:solidFill>
-              </a:rPr>
-              <a:t>файлы с объектным кодом после изменений</a:t>
-            </a:r>
-          </a:p>
-          <a:p>
-            <a:pPr lvl="1"/>
-            <a:r>
-              <a:rPr lang="ru-RU" dirty="0">
-                <a:solidFill>
-                  <a:schemeClr val="bg1"/>
-                </a:solidFill>
-              </a:rPr>
-              <a:t>библиотека или исполняемый файл, построенная из исходного кода после изменений</a:t>
-            </a:r>
-          </a:p>
-          <a:p>
-            <a:endParaRPr lang="ru-RU" dirty="0">
-              <a:solidFill>
-                <a:schemeClr val="bg1"/>
-              </a:solidFill>
-            </a:endParaRPr>
-          </a:p>
-          <a:p>
-            <a:endParaRPr lang="ru-RU" dirty="0">
-              <a:solidFill>
-                <a:schemeClr val="bg1"/>
-              </a:solidFill>
-            </a:endParaRPr>
+              <a:rPr lang="ru-RU" dirty="0"/>
+              <a:t>Производительности</a:t>
+            </a:r>
+          </a:p>
+          <a:p>
+            <a:endParaRPr lang="ru-RU" dirty="0"/>
           </a:p>
         </p:txBody>
       </p:sp>
     </p:spTree>
     <p:extLst>
       <p:ext uri="{BB962C8B-B14F-4D97-AF65-F5344CB8AC3E}">
-        <p14:creationId xmlns:p14="http://schemas.microsoft.com/office/powerpoint/2010/main" val="2842276539"/>
+        <p14:creationId xmlns:p14="http://schemas.microsoft.com/office/powerpoint/2010/main" val="1605230997"/>
       </p:ext>
     </p:extLst>
   </p:cSld>
@@ -10136,7 +9797,7 @@
           <a:p>
             <a:r>
               <a:rPr lang="ru-RU" dirty="0"/>
-              <a:t>Что такое система сборки?</a:t>
+              <a:t>Инструменты разработки: компилятор</a:t>
             </a:r>
           </a:p>
         </p:txBody>
@@ -10148,152 +9809,132 @@
             <a:spLocks noGrp="1"/>
           </p:cNvSpPr>
           <p:nvPr>
-            <p:ph sz="half" idx="1"/>
+            <p:ph idx="1"/>
           </p:nvPr>
         </p:nvSpPr>
         <p:spPr/>
         <p:txBody>
           <a:bodyPr>
-            <a:normAutofit fontScale="92500" lnSpcReduction="10000"/>
+            <a:normAutofit fontScale="92500" lnSpcReduction="20000"/>
           </a:bodyPr>
           <a:lstStyle/>
           <a:p>
             <a:r>
-              <a:rPr lang="ru-RU" sz="2800" dirty="0"/>
-              <a:t>Система сборки – это программа, которая строит библиотеку или исполняемый файл после изменений в исходном коде</a:t>
+              <a:rPr lang="ru-RU" dirty="0">
+                <a:solidFill>
+                  <a:schemeClr val="bg1"/>
+                </a:solidFill>
+              </a:rPr>
+              <a:t>Компилятор – это программа, преобразующая исходный код в объектный код</a:t>
             </a:r>
           </a:p>
           <a:p>
             <a:pPr lvl="1"/>
             <a:r>
-              <a:rPr lang="ru-RU" sz="2400" dirty="0"/>
-              <a:t>Хорошие системы сборки пытаются компилировать как можно меньше файлов и использовать как можно больше готовых объектных файлов</a:t>
-            </a:r>
+              <a:rPr lang="ru-RU" dirty="0">
+                <a:solidFill>
+                  <a:schemeClr val="bg1"/>
+                </a:solidFill>
+              </a:rPr>
+              <a:t>Формирование </a:t>
+            </a:r>
+            <a:r>
+              <a:rPr lang="ru-RU" i="1" dirty="0">
+                <a:solidFill>
+                  <a:schemeClr val="bg1"/>
+                </a:solidFill>
+              </a:rPr>
+              <a:t>лексем</a:t>
+            </a:r>
+            <a:r>
+              <a:rPr lang="ru-RU" dirty="0">
+                <a:solidFill>
+                  <a:schemeClr val="bg1"/>
+                </a:solidFill>
+              </a:rPr>
+              <a:t> (одна из след. лекций)</a:t>
+            </a:r>
+            <a:endParaRPr lang="ru-RU" i="1" dirty="0">
+              <a:solidFill>
+                <a:schemeClr val="bg1"/>
+              </a:solidFill>
+            </a:endParaRPr>
           </a:p>
           <a:p>
             <a:pPr lvl="1"/>
-            <a:endParaRPr lang="ru-RU" sz="2400" dirty="0"/>
-          </a:p>
-          <a:p>
-            <a:r>
-              <a:rPr lang="ru-RU" sz="2800" dirty="0">
+            <a:r>
+              <a:rPr lang="ru-RU" dirty="0">
                 <a:solidFill>
                   <a:schemeClr val="bg1"/>
                 </a:solidFill>
               </a:rPr>
-              <a:t>Если изменения в файле Ф1 нарушают логику работы кода в файле Ф2, то Ф2 </a:t>
-            </a:r>
-            <a:r>
-              <a:rPr lang="ru-RU" sz="2800" i="1" dirty="0">
+              <a:t>Синтаксический анализ</a:t>
+            </a:r>
+          </a:p>
+          <a:p>
+            <a:pPr lvl="1"/>
+            <a:r>
+              <a:rPr lang="ru-RU" dirty="0">
                 <a:solidFill>
                   <a:schemeClr val="bg1"/>
                 </a:solidFill>
               </a:rPr>
-              <a:t>зависит</a:t>
-            </a:r>
-            <a:r>
-              <a:rPr lang="ru-RU" sz="2800" dirty="0">
+              <a:t>Семантический анализ</a:t>
+            </a:r>
+          </a:p>
+          <a:p>
+            <a:pPr lvl="1"/>
+            <a:r>
+              <a:rPr lang="ru-RU" dirty="0">
                 <a:solidFill>
                   <a:schemeClr val="bg1"/>
                 </a:solidFill>
               </a:rPr>
-              <a:t> от Ф1</a:t>
-            </a:r>
-          </a:p>
-          <a:p>
-            <a:endParaRPr lang="ru-RU" sz="2800" dirty="0"/>
-          </a:p>
-        </p:txBody>
-      </p:sp>
-      <p:sp>
-        <p:nvSpPr>
-          <p:cNvPr id="4" name="Content Placeholder 3"/>
-          <p:cNvSpPr>
-            <a:spLocks noGrp="1"/>
-          </p:cNvSpPr>
-          <p:nvPr>
-            <p:ph sz="half" idx="2"/>
-          </p:nvPr>
-        </p:nvSpPr>
-        <p:spPr/>
-        <p:txBody>
-          <a:bodyPr>
-            <a:normAutofit fontScale="92500" lnSpcReduction="10000"/>
-          </a:bodyPr>
-          <a:lstStyle/>
-          <a:p>
+              <a:t>Оптимизация</a:t>
+            </a:r>
+          </a:p>
+          <a:p>
+            <a:pPr lvl="1"/>
             <a:r>
               <a:rPr lang="ru-RU" dirty="0">
                 <a:solidFill>
                   <a:schemeClr val="bg1"/>
                 </a:solidFill>
               </a:rPr>
-              <a:t>Вход</a:t>
-            </a:r>
-          </a:p>
-          <a:p>
-            <a:pPr lvl="1"/>
+              <a:t>Генерация объектного кода</a:t>
+            </a:r>
+            <a:endParaRPr lang="ru-RU" sz="3200" dirty="0">
+              <a:solidFill>
+                <a:schemeClr val="bg1"/>
+              </a:solidFill>
+            </a:endParaRPr>
+          </a:p>
+          <a:p>
+            <a:pPr marL="0" indent="0">
+              <a:buNone/>
+            </a:pPr>
+            <a:endParaRPr lang="ru-RU" sz="2000" dirty="0">
+              <a:solidFill>
+                <a:schemeClr val="bg1"/>
+              </a:solidFill>
+            </a:endParaRPr>
+          </a:p>
+          <a:p>
             <a:r>
               <a:rPr lang="ru-RU" dirty="0">
                 <a:solidFill>
                   <a:schemeClr val="bg1"/>
                 </a:solidFill>
               </a:rPr>
-              <a:t>описание зависимостей между файлами с исходным кодом</a:t>
-            </a:r>
-          </a:p>
-          <a:p>
-            <a:pPr lvl="1"/>
-            <a:r>
-              <a:rPr lang="ru-RU" dirty="0">
+              <a:t>Файлы с исходным кодом называются </a:t>
+            </a:r>
+            <a:r>
+              <a:rPr lang="ru-RU" i="1" dirty="0">
                 <a:solidFill>
                   <a:schemeClr val="bg1"/>
                 </a:solidFill>
               </a:rPr>
-              <a:t>файлы с объектным кодом до изменений</a:t>
-            </a:r>
-          </a:p>
-          <a:p>
-            <a:pPr lvl="1"/>
-            <a:r>
-              <a:rPr lang="ru-RU" dirty="0">
-                <a:solidFill>
-                  <a:schemeClr val="bg1"/>
-                </a:solidFill>
-              </a:rPr>
-              <a:t>исходный код после изменений</a:t>
-            </a:r>
-          </a:p>
-          <a:p>
-            <a:r>
-              <a:rPr lang="ru-RU" dirty="0">
-                <a:solidFill>
-                  <a:schemeClr val="bg1"/>
-                </a:solidFill>
-              </a:rPr>
-              <a:t>Выход</a:t>
-            </a:r>
-          </a:p>
-          <a:p>
-            <a:pPr lvl="1"/>
-            <a:r>
-              <a:rPr lang="ru-RU" dirty="0">
-                <a:solidFill>
-                  <a:schemeClr val="bg1"/>
-                </a:solidFill>
-              </a:rPr>
-              <a:t>файлы с объектным кодом после изменений</a:t>
-            </a:r>
-          </a:p>
-          <a:p>
-            <a:pPr lvl="1"/>
-            <a:r>
-              <a:rPr lang="ru-RU" dirty="0">
-                <a:solidFill>
-                  <a:schemeClr val="bg1"/>
-                </a:solidFill>
-              </a:rPr>
-              <a:t>библиотека или исполняемый файл, построенная из исходного кода после изменений</a:t>
+              <a:t>единицами компиляции</a:t>
             </a:r>
           </a:p>
           <a:p>
@@ -10304,18 +9945,29 @@
             </a:endParaRPr>
           </a:p>
           <a:p>
-            <a:endParaRPr lang="ru-RU" dirty="0">
-              <a:solidFill>
-                <a:schemeClr val="bg1"/>
-              </a:solidFill>
-            </a:endParaRPr>
+            <a:r>
+              <a:rPr lang="ru-RU" dirty="0">
+                <a:solidFill>
+                  <a:schemeClr val="bg1"/>
+                </a:solidFill>
+              </a:rPr>
+              <a:t>Файлы с объектным кодом называются </a:t>
+            </a:r>
+            <a:r>
+              <a:rPr lang="ru-RU" i="1" dirty="0">
+                <a:solidFill>
+                  <a:schemeClr val="bg1"/>
+                </a:solidFill>
+              </a:rPr>
+              <a:t>объектными файлами</a:t>
+            </a:r>
           </a:p>
         </p:txBody>
       </p:sp>
     </p:spTree>
     <p:extLst>
       <p:ext uri="{BB962C8B-B14F-4D97-AF65-F5344CB8AC3E}">
-        <p14:creationId xmlns:p14="http://schemas.microsoft.com/office/powerpoint/2010/main" val="4242157814"/>
+        <p14:creationId xmlns:p14="http://schemas.microsoft.com/office/powerpoint/2010/main" val="2767968023"/>
       </p:ext>
     </p:extLst>
   </p:cSld>
@@ -10359,7 +10011,7 @@
           <a:p>
             <a:r>
               <a:rPr lang="ru-RU" dirty="0"/>
-              <a:t>Что такое система сборки?</a:t>
+              <a:t>Инструменты разработки: компилятор</a:t>
             </a:r>
           </a:p>
         </p:txBody>
@@ -10371,75 +10023,62 @@
             <a:spLocks noGrp="1"/>
           </p:cNvSpPr>
           <p:nvPr>
-            <p:ph sz="half" idx="1"/>
+            <p:ph idx="1"/>
           </p:nvPr>
         </p:nvSpPr>
         <p:spPr/>
         <p:txBody>
           <a:bodyPr>
-            <a:normAutofit fontScale="92500" lnSpcReduction="10000"/>
+            <a:normAutofit fontScale="92500" lnSpcReduction="20000"/>
           </a:bodyPr>
           <a:lstStyle/>
           <a:p>
             <a:r>
-              <a:rPr lang="ru-RU" sz="2800" dirty="0"/>
-              <a:t>Система сборки – это программа, которая строит библиотеку или исполняемый файл после изменений в исходном коде</a:t>
+              <a:rPr lang="ru-RU" dirty="0"/>
+              <a:t>Компилятор – это программа, преобразующая исходный код в объектный код</a:t>
             </a:r>
           </a:p>
           <a:p>
             <a:pPr lvl="1"/>
             <a:r>
-              <a:rPr lang="ru-RU" sz="2400" dirty="0"/>
-              <a:t>Хорошие системы сборки пытаются компилировать как можно меньше файлов и использовать как можно больше готовых объектных файлов</a:t>
-            </a:r>
+              <a:rPr lang="ru-RU" dirty="0">
+                <a:solidFill>
+                  <a:schemeClr val="bg1"/>
+                </a:solidFill>
+              </a:rPr>
+              <a:t>Формирование </a:t>
+            </a:r>
+            <a:r>
+              <a:rPr lang="ru-RU" i="1" dirty="0">
+                <a:solidFill>
+                  <a:schemeClr val="bg1"/>
+                </a:solidFill>
+              </a:rPr>
+              <a:t>лексем</a:t>
+            </a:r>
+            <a:r>
+              <a:rPr lang="ru-RU" dirty="0">
+                <a:solidFill>
+                  <a:schemeClr val="bg1"/>
+                </a:solidFill>
+              </a:rPr>
+              <a:t> (одна из след. лекций)</a:t>
+            </a:r>
+            <a:endParaRPr lang="ru-RU" i="1" dirty="0">
+              <a:solidFill>
+                <a:schemeClr val="bg1"/>
+              </a:solidFill>
+            </a:endParaRPr>
           </a:p>
           <a:p>
             <a:pPr lvl="1"/>
-            <a:endParaRPr lang="ru-RU" sz="2400" dirty="0"/>
-          </a:p>
-          <a:p>
-            <a:r>
-              <a:rPr lang="ru-RU" sz="2800" dirty="0"/>
-              <a:t>Если изменения в файле Ф1 нарушают логику работы кода в файле Ф2, то Ф2 </a:t>
-            </a:r>
-            <a:r>
-              <a:rPr lang="ru-RU" sz="2800" i="1" dirty="0"/>
-              <a:t>зависит</a:t>
-            </a:r>
-            <a:r>
-              <a:rPr lang="ru-RU" sz="2800" dirty="0"/>
-              <a:t> от Ф1</a:t>
-            </a:r>
-          </a:p>
-          <a:p>
-            <a:endParaRPr lang="ru-RU" sz="2800" dirty="0"/>
-          </a:p>
-        </p:txBody>
-      </p:sp>
-      <p:sp>
-        <p:nvSpPr>
-          <p:cNvPr id="4" name="Content Placeholder 3"/>
-          <p:cNvSpPr>
-            <a:spLocks noGrp="1"/>
-          </p:cNvSpPr>
-          <p:nvPr>
-            <p:ph sz="half" idx="2"/>
-          </p:nvPr>
-        </p:nvSpPr>
-        <p:spPr/>
-        <p:txBody>
-          <a:bodyPr>
-            <a:normAutofit fontScale="92500" lnSpcReduction="10000"/>
-          </a:bodyPr>
-          <a:lstStyle/>
-          <a:p>
             <a:r>
               <a:rPr lang="ru-RU" dirty="0">
                 <a:solidFill>
                   <a:schemeClr val="bg1"/>
                 </a:solidFill>
               </a:rPr>
-              <a:t>Вход</a:t>
+              <a:t>Синтаксический анализ</a:t>
             </a:r>
           </a:p>
           <a:p>
@@ -10450,7 +10089,7 @@
                   <a:schemeClr val="bg1"/>
                 </a:solidFill>
               </a:rPr>
-              <a:t>описание зависимостей между файлами с исходным кодом</a:t>
+              <a:t>Семантический анализ</a:t>
             </a:r>
           </a:p>
           <a:p>
@@ -10461,7 +10100,7 @@
                   <a:schemeClr val="bg1"/>
                 </a:solidFill>
               </a:rPr>
-              <a:t>файлы с объектным кодом до изменений</a:t>
+              <a:t>Оптимизация</a:t>
             </a:r>
           </a:p>
           <a:p>
@@ -10472,8 +10111,23 @@
                   <a:schemeClr val="bg1"/>
                 </a:solidFill>
               </a:rPr>
-              <a:t>исходный код после изменений</a:t>
-            </a:r>
+              <a:t>Генерация объектного кода</a:t>
+            </a:r>
+            <a:endParaRPr lang="ru-RU" sz="3200" dirty="0">
+              <a:solidFill>
+                <a:schemeClr val="bg1"/>
+              </a:solidFill>
+            </a:endParaRPr>
+          </a:p>
+          <a:p>
+            <a:pPr marL="0" indent="0">
+              <a:buNone/>
+            </a:pPr>
+            <a:endParaRPr lang="ru-RU" sz="2000" dirty="0">
+              <a:solidFill>
+                <a:schemeClr val="bg1"/>
+              </a:solidFill>
+            </a:endParaRPr>
           </a:p>
           <a:p>
             <a:r>
@@ -10482,29 +10136,15 @@
                   <a:schemeClr val="bg1"/>
                 </a:solidFill>
               </a:rPr>
-              <a:t>Выход</a:t>
-            </a:r>
-          </a:p>
-          <a:p>
-            <a:pPr lvl="1"/>
-            <a:r>
-              <a:rPr lang="ru-RU" dirty="0">
+              <a:t>Файлы с исходным кодом называются </a:t>
+            </a:r>
+            <a:r>
+              <a:rPr lang="ru-RU" i="1" dirty="0">
                 <a:solidFill>
                   <a:schemeClr val="bg1"/>
                 </a:solidFill>
               </a:rPr>
-              <a:t>файлы с объектным кодом после изменений</a:t>
-            </a:r>
-          </a:p>
-          <a:p>
-            <a:pPr lvl="1"/>
-            <a:r>
-              <a:rPr lang="ru-RU" dirty="0">
-                <a:solidFill>
-                  <a:schemeClr val="bg1"/>
-                </a:solidFill>
-              </a:rPr>
-              <a:t>библиотека или исполняемый файл, построенная из исходного кода после изменений</a:t>
+              <a:t>единицами компиляции</a:t>
             </a:r>
           </a:p>
           <a:p>
@@ -10515,18 +10155,29 @@
             </a:endParaRPr>
           </a:p>
           <a:p>
-            <a:endParaRPr lang="ru-RU" dirty="0">
-              <a:solidFill>
-                <a:schemeClr val="bg1"/>
-              </a:solidFill>
-            </a:endParaRPr>
+            <a:r>
+              <a:rPr lang="ru-RU" dirty="0">
+                <a:solidFill>
+                  <a:schemeClr val="bg1"/>
+                </a:solidFill>
+              </a:rPr>
+              <a:t>Файлы с объектным кодом называются </a:t>
+            </a:r>
+            <a:r>
+              <a:rPr lang="ru-RU" i="1" dirty="0">
+                <a:solidFill>
+                  <a:schemeClr val="bg1"/>
+                </a:solidFill>
+              </a:rPr>
+              <a:t>объектными файлами</a:t>
+            </a:r>
           </a:p>
         </p:txBody>
       </p:sp>
     </p:spTree>
     <p:extLst>
       <p:ext uri="{BB962C8B-B14F-4D97-AF65-F5344CB8AC3E}">
-        <p14:creationId xmlns:p14="http://schemas.microsoft.com/office/powerpoint/2010/main" val="2901186400"/>
+        <p14:creationId xmlns:p14="http://schemas.microsoft.com/office/powerpoint/2010/main" val="1618568564"/>
       </p:ext>
     </p:extLst>
   </p:cSld>
@@ -10570,7 +10221,7 @@
           <a:p>
             <a:r>
               <a:rPr lang="ru-RU" dirty="0"/>
-              <a:t>Что такое система сборки?</a:t>
+              <a:t>Инструменты разработки: компилятор</a:t>
             </a:r>
           </a:p>
         </p:txBody>
@@ -10582,109 +10233,71 @@
             <a:spLocks noGrp="1"/>
           </p:cNvSpPr>
           <p:nvPr>
-            <p:ph sz="half" idx="1"/>
+            <p:ph idx="1"/>
           </p:nvPr>
         </p:nvSpPr>
         <p:spPr/>
         <p:txBody>
           <a:bodyPr>
-            <a:normAutofit fontScale="92500" lnSpcReduction="10000"/>
+            <a:normAutofit fontScale="92500" lnSpcReduction="20000"/>
           </a:bodyPr>
           <a:lstStyle/>
           <a:p>
             <a:r>
-              <a:rPr lang="ru-RU" sz="2800" dirty="0"/>
-              <a:t>Система сборки – это программа, которая строит библиотеку или исполняемый файл после изменений в исходном коде</a:t>
+              <a:rPr lang="ru-RU" dirty="0"/>
+              <a:t>Компилятор – это программа, преобразующая исходный код в объектный код</a:t>
             </a:r>
           </a:p>
           <a:p>
             <a:pPr lvl="1"/>
             <a:r>
-              <a:rPr lang="ru-RU" sz="2400" dirty="0"/>
-              <a:t>Хорошие системы сборки пытаются компилировать как можно меньше файлов и использовать как можно больше готовых объектных файлов</a:t>
-            </a:r>
+              <a:rPr lang="ru-RU" dirty="0"/>
+              <a:t>Формирование </a:t>
+            </a:r>
+            <a:r>
+              <a:rPr lang="ru-RU" i="1" dirty="0"/>
+              <a:t>лексем</a:t>
+            </a:r>
+            <a:r>
+              <a:rPr lang="ru-RU" dirty="0"/>
+              <a:t> (одна из след. лекций)</a:t>
+            </a:r>
+            <a:endParaRPr lang="ru-RU" i="1" dirty="0"/>
           </a:p>
           <a:p>
             <a:pPr lvl="1"/>
-            <a:endParaRPr lang="ru-RU" sz="2400" dirty="0"/>
-          </a:p>
-          <a:p>
-            <a:r>
-              <a:rPr lang="ru-RU" sz="2800" dirty="0"/>
-              <a:t>Если изменения в файле Ф1 нарушают логику работы кода в файле Ф2, то Ф2 </a:t>
-            </a:r>
-            <a:r>
-              <a:rPr lang="ru-RU" sz="2800" i="1" dirty="0"/>
-              <a:t>зависит</a:t>
-            </a:r>
-            <a:r>
-              <a:rPr lang="ru-RU" sz="2800" dirty="0"/>
-              <a:t> от Ф1</a:t>
-            </a:r>
-          </a:p>
-          <a:p>
-            <a:endParaRPr lang="ru-RU" sz="2800" dirty="0"/>
-          </a:p>
-        </p:txBody>
-      </p:sp>
-      <p:sp>
-        <p:nvSpPr>
-          <p:cNvPr id="4" name="Content Placeholder 3"/>
-          <p:cNvSpPr>
-            <a:spLocks noGrp="1"/>
-          </p:cNvSpPr>
-          <p:nvPr>
-            <p:ph sz="half" idx="2"/>
-          </p:nvPr>
-        </p:nvSpPr>
-        <p:spPr/>
-        <p:txBody>
-          <a:bodyPr>
-            <a:normAutofit fontScale="92500" lnSpcReduction="10000"/>
-          </a:bodyPr>
-          <a:lstStyle/>
-          <a:p>
             <a:r>
               <a:rPr lang="ru-RU" dirty="0"/>
-              <a:t>Вход</a:t>
+              <a:t>Синтаксический анализ</a:t>
             </a:r>
           </a:p>
           <a:p>
             <a:pPr lvl="1"/>
             <a:r>
               <a:rPr lang="ru-RU" dirty="0"/>
-              <a:t>описание зависимостей между файлами с исходным кодом</a:t>
+              <a:t>Семантический анализ</a:t>
             </a:r>
           </a:p>
           <a:p>
             <a:pPr lvl="1"/>
             <a:r>
               <a:rPr lang="ru-RU" dirty="0"/>
-              <a:t>файлы с объектным кодом </a:t>
-            </a:r>
-            <a:r>
-              <a:rPr lang="ru-RU" i="1" dirty="0"/>
-              <a:t>до</a:t>
-            </a:r>
+              <a:t>Оптимизация</a:t>
+            </a:r>
+          </a:p>
+          <a:p>
+            <a:pPr lvl="1"/>
             <a:r>
               <a:rPr lang="ru-RU" dirty="0"/>
-              <a:t> изменений</a:t>
-            </a:r>
-          </a:p>
-          <a:p>
-            <a:pPr lvl="1"/>
-            <a:r>
-              <a:rPr lang="ru-RU" dirty="0"/>
-              <a:t>исходный код </a:t>
-            </a:r>
-            <a:r>
-              <a:rPr lang="ru-RU" i="1" dirty="0"/>
-              <a:t>после</a:t>
-            </a:r>
-            <a:r>
-              <a:rPr lang="ru-RU" dirty="0"/>
-              <a:t> изменений</a:t>
-            </a:r>
+              <a:t>Генерация объектного кода</a:t>
+            </a:r>
+            <a:endParaRPr lang="ru-RU" sz="3200" dirty="0"/>
+          </a:p>
+          <a:p>
+            <a:pPr marL="0" indent="0">
+              <a:buNone/>
+            </a:pPr>
+            <a:endParaRPr lang="ru-RU" sz="2000" dirty="0"/>
           </a:p>
           <a:p>
             <a:r>
@@ -10693,29 +10306,15 @@
                   <a:schemeClr val="bg1"/>
                 </a:solidFill>
               </a:rPr>
-              <a:t>Выход</a:t>
-            </a:r>
-          </a:p>
-          <a:p>
-            <a:pPr lvl="1"/>
-            <a:r>
-              <a:rPr lang="ru-RU" dirty="0">
+              <a:t>Файлы с исходным кодом называются </a:t>
+            </a:r>
+            <a:r>
+              <a:rPr lang="ru-RU" i="1" dirty="0">
                 <a:solidFill>
                   <a:schemeClr val="bg1"/>
                 </a:solidFill>
               </a:rPr>
-              <a:t>файлы с объектным кодом после изменений</a:t>
-            </a:r>
-          </a:p>
-          <a:p>
-            <a:pPr lvl="1"/>
-            <a:r>
-              <a:rPr lang="ru-RU" dirty="0">
-                <a:solidFill>
-                  <a:schemeClr val="bg1"/>
-                </a:solidFill>
-              </a:rPr>
-              <a:t>библиотека или исполняемый файл, построенная из исходного кода после изменений</a:t>
+              <a:t>единицами компиляции</a:t>
             </a:r>
           </a:p>
           <a:p>
@@ -10726,14 +10325,29 @@
             </a:endParaRPr>
           </a:p>
           <a:p>
-            <a:endParaRPr lang="ru-RU" dirty="0"/>
+            <a:r>
+              <a:rPr lang="ru-RU" dirty="0">
+                <a:solidFill>
+                  <a:schemeClr val="bg1"/>
+                </a:solidFill>
+              </a:rPr>
+              <a:t>Файлы с объектным кодом называются </a:t>
+            </a:r>
+            <a:r>
+              <a:rPr lang="ru-RU" i="1" dirty="0">
+                <a:solidFill>
+                  <a:schemeClr val="bg1"/>
+                </a:solidFill>
+              </a:rPr>
+              <a:t>объектными файлами</a:t>
+            </a:r>
           </a:p>
         </p:txBody>
       </p:sp>
     </p:spTree>
     <p:extLst>
       <p:ext uri="{BB962C8B-B14F-4D97-AF65-F5344CB8AC3E}">
-        <p14:creationId xmlns:p14="http://schemas.microsoft.com/office/powerpoint/2010/main" val="1071046435"/>
+        <p14:creationId xmlns:p14="http://schemas.microsoft.com/office/powerpoint/2010/main" val="3466410497"/>
       </p:ext>
     </p:extLst>
   </p:cSld>
@@ -10777,7 +10391,7 @@
           <a:p>
             <a:r>
               <a:rPr lang="ru-RU" dirty="0"/>
-              <a:t>Что такое система сборки?</a:t>
+              <a:t>Инструменты разработки: компилятор</a:t>
             </a:r>
           </a:p>
         </p:txBody>
@@ -10789,142 +10403,109 @@
             <a:spLocks noGrp="1"/>
           </p:cNvSpPr>
           <p:nvPr>
-            <p:ph sz="half" idx="1"/>
+            <p:ph idx="1"/>
           </p:nvPr>
         </p:nvSpPr>
         <p:spPr/>
         <p:txBody>
           <a:bodyPr>
-            <a:normAutofit fontScale="92500" lnSpcReduction="10000"/>
+            <a:normAutofit fontScale="92500" lnSpcReduction="20000"/>
           </a:bodyPr>
           <a:lstStyle/>
           <a:p>
             <a:r>
-              <a:rPr lang="ru-RU" sz="2800" dirty="0"/>
-              <a:t>Система сборки – это программа, которая строит библиотеку или исполняемый файл после изменений в исходном коде</a:t>
+              <a:rPr lang="ru-RU" dirty="0"/>
+              <a:t>Компилятор – это программа, преобразующая исходный код в объектный код</a:t>
             </a:r>
           </a:p>
           <a:p>
             <a:pPr lvl="1"/>
             <a:r>
-              <a:rPr lang="ru-RU" sz="2400" dirty="0"/>
-              <a:t>Хорошие системы сборки пытаются компилировать как можно меньше файлов и использовать как можно больше готовых объектных файлов</a:t>
-            </a:r>
+              <a:rPr lang="ru-RU" dirty="0"/>
+              <a:t>Формирование </a:t>
+            </a:r>
+            <a:r>
+              <a:rPr lang="ru-RU" i="1" dirty="0"/>
+              <a:t>лексем</a:t>
+            </a:r>
+            <a:r>
+              <a:rPr lang="ru-RU" dirty="0"/>
+              <a:t> (одна из след. лекций)</a:t>
+            </a:r>
+            <a:endParaRPr lang="ru-RU" i="1" dirty="0"/>
           </a:p>
           <a:p>
             <a:pPr lvl="1"/>
-            <a:endParaRPr lang="ru-RU" sz="2400" dirty="0"/>
-          </a:p>
-          <a:p>
-            <a:r>
-              <a:rPr lang="ru-RU" sz="2800" dirty="0"/>
-              <a:t>Если изменения в файле Ф1 нарушают логику работы кода в файле Ф2, то Ф2 </a:t>
-            </a:r>
-            <a:r>
-              <a:rPr lang="ru-RU" sz="2800" i="1" dirty="0"/>
-              <a:t>зависит</a:t>
-            </a:r>
-            <a:r>
-              <a:rPr lang="ru-RU" sz="2800" dirty="0"/>
-              <a:t> от Ф1</a:t>
-            </a:r>
-          </a:p>
-          <a:p>
-            <a:endParaRPr lang="ru-RU" sz="2800" dirty="0"/>
-          </a:p>
-        </p:txBody>
-      </p:sp>
-      <p:sp>
-        <p:nvSpPr>
-          <p:cNvPr id="4" name="Content Placeholder 3"/>
-          <p:cNvSpPr>
-            <a:spLocks noGrp="1"/>
-          </p:cNvSpPr>
-          <p:nvPr>
-            <p:ph sz="half" idx="2"/>
-          </p:nvPr>
-        </p:nvSpPr>
-        <p:spPr/>
-        <p:txBody>
-          <a:bodyPr>
-            <a:normAutofit fontScale="92500" lnSpcReduction="10000"/>
-          </a:bodyPr>
-          <a:lstStyle/>
-          <a:p>
             <a:r>
               <a:rPr lang="ru-RU" dirty="0"/>
-              <a:t>Вход</a:t>
+              <a:t>Синтаксический анализ</a:t>
             </a:r>
           </a:p>
           <a:p>
             <a:pPr lvl="1"/>
             <a:r>
               <a:rPr lang="ru-RU" dirty="0"/>
-              <a:t>описание зависимостей между файлами с исходным кодом</a:t>
+              <a:t>Семантический анализ</a:t>
             </a:r>
           </a:p>
           <a:p>
             <a:pPr lvl="1"/>
             <a:r>
               <a:rPr lang="ru-RU" dirty="0"/>
-              <a:t>файлы с объектным кодом </a:t>
+              <a:t>Оптимизация</a:t>
+            </a:r>
+          </a:p>
+          <a:p>
+            <a:pPr lvl="1"/>
+            <a:r>
+              <a:rPr lang="ru-RU" dirty="0"/>
+              <a:t>Генерация объектного кода</a:t>
+            </a:r>
+            <a:endParaRPr lang="ru-RU" sz="3200" dirty="0"/>
+          </a:p>
+          <a:p>
+            <a:pPr marL="0" indent="0">
+              <a:buNone/>
+            </a:pPr>
+            <a:endParaRPr lang="ru-RU" sz="2000" dirty="0"/>
+          </a:p>
+          <a:p>
+            <a:r>
+              <a:rPr lang="ru-RU" dirty="0"/>
+              <a:t>Файлы с исходным кодом называются </a:t>
             </a:r>
             <a:r>
               <a:rPr lang="ru-RU" i="1" dirty="0"/>
-              <a:t>до</a:t>
-            </a:r>
-            <a:r>
-              <a:rPr lang="ru-RU" dirty="0"/>
-              <a:t> изменений</a:t>
-            </a:r>
-          </a:p>
-          <a:p>
-            <a:pPr lvl="1"/>
-            <a:r>
-              <a:rPr lang="ru-RU" dirty="0"/>
-              <a:t>исходный код </a:t>
-            </a:r>
-            <a:r>
-              <a:rPr lang="ru-RU" i="1" dirty="0"/>
-              <a:t>после</a:t>
-            </a:r>
-            <a:r>
-              <a:rPr lang="ru-RU" dirty="0"/>
-              <a:t> изменений</a:t>
-            </a:r>
-          </a:p>
-          <a:p>
-            <a:r>
-              <a:rPr lang="ru-RU" dirty="0"/>
-              <a:t>Выход</a:t>
-            </a:r>
-          </a:p>
-          <a:p>
-            <a:pPr lvl="1"/>
-            <a:r>
-              <a:rPr lang="ru-RU" dirty="0"/>
-              <a:t>файлы с объектным кодом после изменений</a:t>
-            </a:r>
-          </a:p>
-          <a:p>
-            <a:pPr lvl="1"/>
-            <a:r>
-              <a:rPr lang="ru-RU" dirty="0"/>
-              <a:t>библиотека или исполняемый файл, построенная из исходного кода после изменений</a:t>
+              <a:t>единицами компиляции</a:t>
             </a:r>
           </a:p>
           <a:p>
             <a:endParaRPr lang="ru-RU" dirty="0"/>
           </a:p>
           <a:p>
-            <a:endParaRPr lang="ru-RU" dirty="0"/>
+            <a:r>
+              <a:rPr lang="ru-RU" dirty="0">
+                <a:solidFill>
+                  <a:schemeClr val="bg1"/>
+                </a:solidFill>
+              </a:rPr>
+              <a:t>Файлы с объектным кодом называются </a:t>
+            </a:r>
+            <a:r>
+              <a:rPr lang="ru-RU" i="1" dirty="0">
+                <a:solidFill>
+                  <a:schemeClr val="bg1"/>
+                </a:solidFill>
+              </a:rPr>
+              <a:t>объектными файлами</a:t>
+            </a:r>
           </a:p>
         </p:txBody>
       </p:sp>
     </p:spTree>
     <p:extLst>
       <p:ext uri="{BB962C8B-B14F-4D97-AF65-F5344CB8AC3E}">
-        <p14:creationId xmlns:p14="http://schemas.microsoft.com/office/powerpoint/2010/main" val="2467320912"/>
+        <p14:creationId xmlns:p14="http://schemas.microsoft.com/office/powerpoint/2010/main" val="153305264"/>
       </p:ext>
     </p:extLst>
   </p:cSld>
@@ -11058,6 +10639,952 @@
 </file>
 
 <file path=ppt/slides/slide50.xml><?xml version="1.0" encoding="utf-8"?>
+<p:sld xmlns:a="http://schemas.openxmlformats.org/drawingml/2006/main" xmlns:r="http://schemas.openxmlformats.org/officeDocument/2006/relationships" xmlns:p="http://schemas.openxmlformats.org/presentationml/2006/main">
+  <p:cSld>
+    <p:spTree>
+      <p:nvGrpSpPr>
+        <p:cNvPr id="1" name=""/>
+        <p:cNvGrpSpPr/>
+        <p:nvPr/>
+      </p:nvGrpSpPr>
+      <p:grpSpPr>
+        <a:xfrm>
+          <a:off x="0" y="0"/>
+          <a:ext cx="0" cy="0"/>
+          <a:chOff x="0" y="0"/>
+          <a:chExt cx="0" cy="0"/>
+        </a:xfrm>
+      </p:grpSpPr>
+      <p:sp>
+        <p:nvSpPr>
+          <p:cNvPr id="2" name="Title 1"/>
+          <p:cNvSpPr>
+            <a:spLocks noGrp="1"/>
+          </p:cNvSpPr>
+          <p:nvPr>
+            <p:ph type="title"/>
+          </p:nvPr>
+        </p:nvSpPr>
+        <p:spPr/>
+        <p:txBody>
+          <a:bodyPr/>
+          <a:lstStyle/>
+          <a:p>
+            <a:r>
+              <a:rPr lang="ru-RU" dirty="0"/>
+              <a:t>Инструменты разработки: компилятор</a:t>
+            </a:r>
+          </a:p>
+        </p:txBody>
+      </p:sp>
+      <p:sp>
+        <p:nvSpPr>
+          <p:cNvPr id="3" name="Content Placeholder 2"/>
+          <p:cNvSpPr>
+            <a:spLocks noGrp="1"/>
+          </p:cNvSpPr>
+          <p:nvPr>
+            <p:ph idx="1"/>
+          </p:nvPr>
+        </p:nvSpPr>
+        <p:spPr/>
+        <p:txBody>
+          <a:bodyPr>
+            <a:normAutofit fontScale="92500" lnSpcReduction="20000"/>
+          </a:bodyPr>
+          <a:lstStyle/>
+          <a:p>
+            <a:r>
+              <a:rPr lang="ru-RU" dirty="0"/>
+              <a:t>Компилятор – это программа, преобразующая исходный код в объектный код</a:t>
+            </a:r>
+          </a:p>
+          <a:p>
+            <a:pPr lvl="1"/>
+            <a:r>
+              <a:rPr lang="ru-RU" dirty="0"/>
+              <a:t>Формирование </a:t>
+            </a:r>
+            <a:r>
+              <a:rPr lang="ru-RU" i="1" dirty="0"/>
+              <a:t>лексем</a:t>
+            </a:r>
+            <a:r>
+              <a:rPr lang="ru-RU" dirty="0"/>
+              <a:t> (одна из след. лекций)</a:t>
+            </a:r>
+            <a:endParaRPr lang="ru-RU" i="1" dirty="0"/>
+          </a:p>
+          <a:p>
+            <a:pPr lvl="1"/>
+            <a:r>
+              <a:rPr lang="ru-RU" dirty="0"/>
+              <a:t>Синтаксический анализ</a:t>
+            </a:r>
+          </a:p>
+          <a:p>
+            <a:pPr lvl="1"/>
+            <a:r>
+              <a:rPr lang="ru-RU" dirty="0"/>
+              <a:t>Семантический анализ</a:t>
+            </a:r>
+          </a:p>
+          <a:p>
+            <a:pPr lvl="1"/>
+            <a:r>
+              <a:rPr lang="ru-RU" dirty="0"/>
+              <a:t>Оптимизация</a:t>
+            </a:r>
+          </a:p>
+          <a:p>
+            <a:pPr lvl="1"/>
+            <a:r>
+              <a:rPr lang="ru-RU" dirty="0"/>
+              <a:t>Генерация объектного кода</a:t>
+            </a:r>
+            <a:endParaRPr lang="ru-RU" sz="3200" dirty="0"/>
+          </a:p>
+          <a:p>
+            <a:pPr marL="0" indent="0">
+              <a:buNone/>
+            </a:pPr>
+            <a:endParaRPr lang="ru-RU" sz="2000" dirty="0"/>
+          </a:p>
+          <a:p>
+            <a:r>
+              <a:rPr lang="ru-RU" dirty="0"/>
+              <a:t>Файлы с исходным кодом называются </a:t>
+            </a:r>
+            <a:r>
+              <a:rPr lang="ru-RU" i="1" dirty="0"/>
+              <a:t>единицами компиляции</a:t>
+            </a:r>
+          </a:p>
+          <a:p>
+            <a:endParaRPr lang="ru-RU" dirty="0"/>
+          </a:p>
+          <a:p>
+            <a:r>
+              <a:rPr lang="ru-RU" dirty="0"/>
+              <a:t>Файлы с объектным кодом называются </a:t>
+            </a:r>
+            <a:r>
+              <a:rPr lang="ru-RU" i="1" dirty="0"/>
+              <a:t>объектными файлами</a:t>
+            </a:r>
+          </a:p>
+        </p:txBody>
+      </p:sp>
+    </p:spTree>
+    <p:extLst>
+      <p:ext uri="{BB962C8B-B14F-4D97-AF65-F5344CB8AC3E}">
+        <p14:creationId xmlns:p14="http://schemas.microsoft.com/office/powerpoint/2010/main" val="707104426"/>
+      </p:ext>
+    </p:extLst>
+  </p:cSld>
+  <p:clrMapOvr>
+    <a:masterClrMapping/>
+  </p:clrMapOvr>
+</p:sld>
+</file>
+
+<file path=ppt/slides/slide51.xml><?xml version="1.0" encoding="utf-8"?>
+<p:sld xmlns:a="http://schemas.openxmlformats.org/drawingml/2006/main" xmlns:r="http://schemas.openxmlformats.org/officeDocument/2006/relationships" xmlns:p="http://schemas.openxmlformats.org/presentationml/2006/main">
+  <p:cSld>
+    <p:spTree>
+      <p:nvGrpSpPr>
+        <p:cNvPr id="1" name=""/>
+        <p:cNvGrpSpPr/>
+        <p:nvPr/>
+      </p:nvGrpSpPr>
+      <p:grpSpPr>
+        <a:xfrm>
+          <a:off x="0" y="0"/>
+          <a:ext cx="0" cy="0"/>
+          <a:chOff x="0" y="0"/>
+          <a:chExt cx="0" cy="0"/>
+        </a:xfrm>
+      </p:grpSpPr>
+      <p:sp>
+        <p:nvSpPr>
+          <p:cNvPr id="2" name="Title 1"/>
+          <p:cNvSpPr>
+            <a:spLocks noGrp="1"/>
+          </p:cNvSpPr>
+          <p:nvPr>
+            <p:ph type="title"/>
+          </p:nvPr>
+        </p:nvSpPr>
+        <p:spPr/>
+        <p:txBody>
+          <a:bodyPr/>
+          <a:lstStyle/>
+          <a:p>
+            <a:r>
+              <a:rPr lang="ru-RU" dirty="0"/>
+              <a:t>Инструменты разработки: линкер</a:t>
+            </a:r>
+          </a:p>
+        </p:txBody>
+      </p:sp>
+      <p:sp>
+        <p:nvSpPr>
+          <p:cNvPr id="3" name="Content Placeholder 2"/>
+          <p:cNvSpPr>
+            <a:spLocks noGrp="1"/>
+          </p:cNvSpPr>
+          <p:nvPr>
+            <p:ph idx="1"/>
+          </p:nvPr>
+        </p:nvSpPr>
+        <p:spPr/>
+        <p:txBody>
+          <a:bodyPr>
+            <a:normAutofit fontScale="77500" lnSpcReduction="20000"/>
+          </a:bodyPr>
+          <a:lstStyle/>
+          <a:p>
+            <a:r>
+              <a:rPr lang="ru-RU" sz="4000" dirty="0">
+                <a:solidFill>
+                  <a:schemeClr val="bg1"/>
+                </a:solidFill>
+              </a:rPr>
+              <a:t>Сборка – это создание </a:t>
+            </a:r>
+            <a:r>
+              <a:rPr lang="ru-RU" sz="4000" i="1" dirty="0">
+                <a:solidFill>
+                  <a:schemeClr val="bg1"/>
+                </a:solidFill>
+              </a:rPr>
+              <a:t>библиотеки</a:t>
+            </a:r>
+            <a:r>
+              <a:rPr lang="ru-RU" sz="4000" dirty="0">
+                <a:solidFill>
+                  <a:schemeClr val="bg1"/>
+                </a:solidFill>
+              </a:rPr>
+              <a:t> или исполняемого файла из объектных файлов</a:t>
+            </a:r>
+          </a:p>
+          <a:p>
+            <a:pPr lvl="1"/>
+            <a:r>
+              <a:rPr lang="ru-RU" sz="3600" dirty="0">
+                <a:solidFill>
+                  <a:schemeClr val="bg1"/>
+                </a:solidFill>
+              </a:rPr>
+              <a:t>Она же «линковка»</a:t>
+            </a:r>
+          </a:p>
+          <a:p>
+            <a:pPr lvl="1"/>
+            <a:r>
+              <a:rPr lang="ru-RU" sz="3600" dirty="0">
+                <a:solidFill>
+                  <a:schemeClr val="bg1"/>
+                </a:solidFill>
+              </a:rPr>
+              <a:t>Она же «компоновка»</a:t>
+            </a:r>
+          </a:p>
+          <a:p>
+            <a:endParaRPr lang="ru-RU" sz="4000" dirty="0">
+              <a:solidFill>
+                <a:schemeClr val="bg1"/>
+              </a:solidFill>
+            </a:endParaRPr>
+          </a:p>
+          <a:p>
+            <a:r>
+              <a:rPr lang="ru-RU" sz="4000" dirty="0">
+                <a:solidFill>
+                  <a:schemeClr val="bg1"/>
+                </a:solidFill>
+              </a:rPr>
+              <a:t>Статическая библиотека</a:t>
+            </a:r>
+          </a:p>
+          <a:p>
+            <a:pPr lvl="1"/>
+            <a:r>
+              <a:rPr lang="ru-RU" sz="3600" dirty="0">
+                <a:solidFill>
+                  <a:schemeClr val="bg1"/>
+                </a:solidFill>
+              </a:rPr>
+              <a:t>Архив объектных файлов</a:t>
+            </a:r>
+          </a:p>
+          <a:p>
+            <a:endParaRPr lang="ru-RU" sz="4000" dirty="0">
+              <a:solidFill>
+                <a:schemeClr val="bg1"/>
+              </a:solidFill>
+            </a:endParaRPr>
+          </a:p>
+          <a:p>
+            <a:r>
+              <a:rPr lang="ru-RU" sz="4000" dirty="0">
+                <a:solidFill>
+                  <a:schemeClr val="bg1"/>
+                </a:solidFill>
+              </a:rPr>
+              <a:t>Динамическая библиотека</a:t>
+            </a:r>
+          </a:p>
+          <a:p>
+            <a:pPr lvl="1"/>
+            <a:r>
+              <a:rPr lang="ru-RU" sz="3600" dirty="0">
+                <a:solidFill>
+                  <a:schemeClr val="bg1"/>
+                </a:solidFill>
+              </a:rPr>
+              <a:t>Разновидность исполняемого файла</a:t>
+            </a:r>
+          </a:p>
+          <a:p>
+            <a:pPr marL="68580" indent="0">
+              <a:buNone/>
+            </a:pPr>
+            <a:endParaRPr lang="ru-RU" sz="4000" dirty="0">
+              <a:solidFill>
+                <a:schemeClr val="bg1"/>
+              </a:solidFill>
+            </a:endParaRPr>
+          </a:p>
+        </p:txBody>
+      </p:sp>
+    </p:spTree>
+    <p:extLst>
+      <p:ext uri="{BB962C8B-B14F-4D97-AF65-F5344CB8AC3E}">
+        <p14:creationId xmlns:p14="http://schemas.microsoft.com/office/powerpoint/2010/main" val="1845386138"/>
+      </p:ext>
+    </p:extLst>
+  </p:cSld>
+  <p:clrMapOvr>
+    <a:masterClrMapping/>
+  </p:clrMapOvr>
+</p:sld>
+</file>
+
+<file path=ppt/slides/slide52.xml><?xml version="1.0" encoding="utf-8"?>
+<p:sld xmlns:a="http://schemas.openxmlformats.org/drawingml/2006/main" xmlns:r="http://schemas.openxmlformats.org/officeDocument/2006/relationships" xmlns:p="http://schemas.openxmlformats.org/presentationml/2006/main">
+  <p:cSld>
+    <p:spTree>
+      <p:nvGrpSpPr>
+        <p:cNvPr id="1" name=""/>
+        <p:cNvGrpSpPr/>
+        <p:nvPr/>
+      </p:nvGrpSpPr>
+      <p:grpSpPr>
+        <a:xfrm>
+          <a:off x="0" y="0"/>
+          <a:ext cx="0" cy="0"/>
+          <a:chOff x="0" y="0"/>
+          <a:chExt cx="0" cy="0"/>
+        </a:xfrm>
+      </p:grpSpPr>
+      <p:sp>
+        <p:nvSpPr>
+          <p:cNvPr id="2" name="Title 1"/>
+          <p:cNvSpPr>
+            <a:spLocks noGrp="1"/>
+          </p:cNvSpPr>
+          <p:nvPr>
+            <p:ph type="title"/>
+          </p:nvPr>
+        </p:nvSpPr>
+        <p:spPr/>
+        <p:txBody>
+          <a:bodyPr/>
+          <a:lstStyle/>
+          <a:p>
+            <a:r>
+              <a:rPr lang="ru-RU" dirty="0"/>
+              <a:t>Инструменты разработки: линкер</a:t>
+            </a:r>
+          </a:p>
+        </p:txBody>
+      </p:sp>
+      <p:sp>
+        <p:nvSpPr>
+          <p:cNvPr id="3" name="Content Placeholder 2"/>
+          <p:cNvSpPr>
+            <a:spLocks noGrp="1"/>
+          </p:cNvSpPr>
+          <p:nvPr>
+            <p:ph idx="1"/>
+          </p:nvPr>
+        </p:nvSpPr>
+        <p:spPr/>
+        <p:txBody>
+          <a:bodyPr>
+            <a:normAutofit fontScale="77500" lnSpcReduction="20000"/>
+          </a:bodyPr>
+          <a:lstStyle/>
+          <a:p>
+            <a:r>
+              <a:rPr lang="ru-RU" sz="4000" dirty="0"/>
+              <a:t>Сборка – это создание </a:t>
+            </a:r>
+            <a:r>
+              <a:rPr lang="ru-RU" sz="4000" i="1" dirty="0"/>
+              <a:t>библиотеки</a:t>
+            </a:r>
+            <a:r>
+              <a:rPr lang="ru-RU" sz="4000" dirty="0"/>
+              <a:t> или исполняемого файла из объектных файлов</a:t>
+            </a:r>
+          </a:p>
+          <a:p>
+            <a:pPr lvl="1"/>
+            <a:r>
+              <a:rPr lang="ru-RU" sz="3600" dirty="0">
+                <a:solidFill>
+                  <a:schemeClr val="bg1"/>
+                </a:solidFill>
+              </a:rPr>
+              <a:t>Она же «линковка»</a:t>
+            </a:r>
+          </a:p>
+          <a:p>
+            <a:pPr lvl="1"/>
+            <a:r>
+              <a:rPr lang="ru-RU" sz="3600" dirty="0">
+                <a:solidFill>
+                  <a:schemeClr val="bg1"/>
+                </a:solidFill>
+              </a:rPr>
+              <a:t>Она же «компоновка»</a:t>
+            </a:r>
+          </a:p>
+          <a:p>
+            <a:endParaRPr lang="ru-RU" sz="4000" dirty="0">
+              <a:solidFill>
+                <a:schemeClr val="bg1"/>
+              </a:solidFill>
+            </a:endParaRPr>
+          </a:p>
+          <a:p>
+            <a:r>
+              <a:rPr lang="ru-RU" sz="4000" dirty="0">
+                <a:solidFill>
+                  <a:schemeClr val="bg1"/>
+                </a:solidFill>
+              </a:rPr>
+              <a:t>Статическая библиотека</a:t>
+            </a:r>
+          </a:p>
+          <a:p>
+            <a:pPr lvl="1"/>
+            <a:r>
+              <a:rPr lang="ru-RU" sz="3600" dirty="0">
+                <a:solidFill>
+                  <a:schemeClr val="bg1"/>
+                </a:solidFill>
+              </a:rPr>
+              <a:t>Архив объектных файлов</a:t>
+            </a:r>
+          </a:p>
+          <a:p>
+            <a:endParaRPr lang="ru-RU" sz="4000" dirty="0">
+              <a:solidFill>
+                <a:schemeClr val="bg1"/>
+              </a:solidFill>
+            </a:endParaRPr>
+          </a:p>
+          <a:p>
+            <a:r>
+              <a:rPr lang="ru-RU" sz="4000" dirty="0">
+                <a:solidFill>
+                  <a:schemeClr val="bg1"/>
+                </a:solidFill>
+              </a:rPr>
+              <a:t>Динамическая библиотека</a:t>
+            </a:r>
+          </a:p>
+          <a:p>
+            <a:pPr lvl="1"/>
+            <a:r>
+              <a:rPr lang="ru-RU" sz="3600" dirty="0">
+                <a:solidFill>
+                  <a:schemeClr val="bg1"/>
+                </a:solidFill>
+              </a:rPr>
+              <a:t>Разновидность исполняемого файла</a:t>
+            </a:r>
+          </a:p>
+          <a:p>
+            <a:pPr marL="68580" indent="0">
+              <a:buNone/>
+            </a:pPr>
+            <a:endParaRPr lang="ru-RU" sz="4000" dirty="0">
+              <a:solidFill>
+                <a:schemeClr val="bg1"/>
+              </a:solidFill>
+            </a:endParaRPr>
+          </a:p>
+        </p:txBody>
+      </p:sp>
+    </p:spTree>
+    <p:extLst>
+      <p:ext uri="{BB962C8B-B14F-4D97-AF65-F5344CB8AC3E}">
+        <p14:creationId xmlns:p14="http://schemas.microsoft.com/office/powerpoint/2010/main" val="895345545"/>
+      </p:ext>
+    </p:extLst>
+  </p:cSld>
+  <p:clrMapOvr>
+    <a:masterClrMapping/>
+  </p:clrMapOvr>
+</p:sld>
+</file>
+
+<file path=ppt/slides/slide53.xml><?xml version="1.0" encoding="utf-8"?>
+<p:sld xmlns:a="http://schemas.openxmlformats.org/drawingml/2006/main" xmlns:r="http://schemas.openxmlformats.org/officeDocument/2006/relationships" xmlns:p="http://schemas.openxmlformats.org/presentationml/2006/main">
+  <p:cSld>
+    <p:spTree>
+      <p:nvGrpSpPr>
+        <p:cNvPr id="1" name=""/>
+        <p:cNvGrpSpPr/>
+        <p:nvPr/>
+      </p:nvGrpSpPr>
+      <p:grpSpPr>
+        <a:xfrm>
+          <a:off x="0" y="0"/>
+          <a:ext cx="0" cy="0"/>
+          <a:chOff x="0" y="0"/>
+          <a:chExt cx="0" cy="0"/>
+        </a:xfrm>
+      </p:grpSpPr>
+      <p:sp>
+        <p:nvSpPr>
+          <p:cNvPr id="2" name="Title 1"/>
+          <p:cNvSpPr>
+            <a:spLocks noGrp="1"/>
+          </p:cNvSpPr>
+          <p:nvPr>
+            <p:ph type="title"/>
+          </p:nvPr>
+        </p:nvSpPr>
+        <p:spPr/>
+        <p:txBody>
+          <a:bodyPr/>
+          <a:lstStyle/>
+          <a:p>
+            <a:r>
+              <a:rPr lang="ru-RU" dirty="0"/>
+              <a:t>Инструменты разработки: линкер</a:t>
+            </a:r>
+          </a:p>
+        </p:txBody>
+      </p:sp>
+      <p:sp>
+        <p:nvSpPr>
+          <p:cNvPr id="3" name="Content Placeholder 2"/>
+          <p:cNvSpPr>
+            <a:spLocks noGrp="1"/>
+          </p:cNvSpPr>
+          <p:nvPr>
+            <p:ph idx="1"/>
+          </p:nvPr>
+        </p:nvSpPr>
+        <p:spPr/>
+        <p:txBody>
+          <a:bodyPr>
+            <a:normAutofit fontScale="77500" lnSpcReduction="20000"/>
+          </a:bodyPr>
+          <a:lstStyle/>
+          <a:p>
+            <a:r>
+              <a:rPr lang="ru-RU" sz="4000" dirty="0"/>
+              <a:t>Сборка – это создание </a:t>
+            </a:r>
+            <a:r>
+              <a:rPr lang="ru-RU" sz="4000" i="1" dirty="0"/>
+              <a:t>библиотеки</a:t>
+            </a:r>
+            <a:r>
+              <a:rPr lang="ru-RU" sz="4000" dirty="0"/>
+              <a:t> или исполняемого файла из объектных файлов</a:t>
+            </a:r>
+          </a:p>
+          <a:p>
+            <a:pPr lvl="1"/>
+            <a:r>
+              <a:rPr lang="ru-RU" sz="3600" dirty="0"/>
+              <a:t>Она же «линковка»</a:t>
+            </a:r>
+          </a:p>
+          <a:p>
+            <a:pPr lvl="1"/>
+            <a:r>
+              <a:rPr lang="ru-RU" sz="3600" dirty="0"/>
+              <a:t>Она же «компоновка»</a:t>
+            </a:r>
+          </a:p>
+          <a:p>
+            <a:endParaRPr lang="ru-RU" sz="4000" dirty="0"/>
+          </a:p>
+          <a:p>
+            <a:r>
+              <a:rPr lang="ru-RU" sz="4000" dirty="0">
+                <a:solidFill>
+                  <a:schemeClr val="bg1"/>
+                </a:solidFill>
+              </a:rPr>
+              <a:t>Статическая библиотека</a:t>
+            </a:r>
+          </a:p>
+          <a:p>
+            <a:pPr lvl="1"/>
+            <a:r>
+              <a:rPr lang="ru-RU" sz="3600" dirty="0">
+                <a:solidFill>
+                  <a:schemeClr val="bg1"/>
+                </a:solidFill>
+              </a:rPr>
+              <a:t>Архив объектных файлов</a:t>
+            </a:r>
+          </a:p>
+          <a:p>
+            <a:endParaRPr lang="ru-RU" sz="4000" dirty="0">
+              <a:solidFill>
+                <a:schemeClr val="bg1"/>
+              </a:solidFill>
+            </a:endParaRPr>
+          </a:p>
+          <a:p>
+            <a:r>
+              <a:rPr lang="ru-RU" sz="4000" dirty="0">
+                <a:solidFill>
+                  <a:schemeClr val="bg1"/>
+                </a:solidFill>
+              </a:rPr>
+              <a:t>Динамическая библиотека</a:t>
+            </a:r>
+          </a:p>
+          <a:p>
+            <a:pPr lvl="1"/>
+            <a:r>
+              <a:rPr lang="ru-RU" sz="3600" dirty="0">
+                <a:solidFill>
+                  <a:schemeClr val="bg1"/>
+                </a:solidFill>
+              </a:rPr>
+              <a:t>Разновидность исполняемого файла</a:t>
+            </a:r>
+          </a:p>
+          <a:p>
+            <a:pPr marL="68580" indent="0">
+              <a:buNone/>
+            </a:pPr>
+            <a:endParaRPr lang="ru-RU" sz="4000" dirty="0"/>
+          </a:p>
+        </p:txBody>
+      </p:sp>
+    </p:spTree>
+    <p:extLst>
+      <p:ext uri="{BB962C8B-B14F-4D97-AF65-F5344CB8AC3E}">
+        <p14:creationId xmlns:p14="http://schemas.microsoft.com/office/powerpoint/2010/main" val="2714853552"/>
+      </p:ext>
+    </p:extLst>
+  </p:cSld>
+  <p:clrMapOvr>
+    <a:masterClrMapping/>
+  </p:clrMapOvr>
+</p:sld>
+</file>
+
+<file path=ppt/slides/slide54.xml><?xml version="1.0" encoding="utf-8"?>
+<p:sld xmlns:a="http://schemas.openxmlformats.org/drawingml/2006/main" xmlns:r="http://schemas.openxmlformats.org/officeDocument/2006/relationships" xmlns:p="http://schemas.openxmlformats.org/presentationml/2006/main">
+  <p:cSld>
+    <p:spTree>
+      <p:nvGrpSpPr>
+        <p:cNvPr id="1" name=""/>
+        <p:cNvGrpSpPr/>
+        <p:nvPr/>
+      </p:nvGrpSpPr>
+      <p:grpSpPr>
+        <a:xfrm>
+          <a:off x="0" y="0"/>
+          <a:ext cx="0" cy="0"/>
+          <a:chOff x="0" y="0"/>
+          <a:chExt cx="0" cy="0"/>
+        </a:xfrm>
+      </p:grpSpPr>
+      <p:sp>
+        <p:nvSpPr>
+          <p:cNvPr id="2" name="Title 1"/>
+          <p:cNvSpPr>
+            <a:spLocks noGrp="1"/>
+          </p:cNvSpPr>
+          <p:nvPr>
+            <p:ph type="title"/>
+          </p:nvPr>
+        </p:nvSpPr>
+        <p:spPr/>
+        <p:txBody>
+          <a:bodyPr/>
+          <a:lstStyle/>
+          <a:p>
+            <a:r>
+              <a:rPr lang="ru-RU" dirty="0"/>
+              <a:t>Инструменты разработки: линкер</a:t>
+            </a:r>
+          </a:p>
+        </p:txBody>
+      </p:sp>
+      <p:sp>
+        <p:nvSpPr>
+          <p:cNvPr id="3" name="Content Placeholder 2"/>
+          <p:cNvSpPr>
+            <a:spLocks noGrp="1"/>
+          </p:cNvSpPr>
+          <p:nvPr>
+            <p:ph idx="1"/>
+          </p:nvPr>
+        </p:nvSpPr>
+        <p:spPr/>
+        <p:txBody>
+          <a:bodyPr>
+            <a:normAutofit fontScale="77500" lnSpcReduction="20000"/>
+          </a:bodyPr>
+          <a:lstStyle/>
+          <a:p>
+            <a:r>
+              <a:rPr lang="ru-RU" sz="4000" dirty="0"/>
+              <a:t>Сборка – это создание </a:t>
+            </a:r>
+            <a:r>
+              <a:rPr lang="ru-RU" sz="4000" i="1" dirty="0"/>
+              <a:t>библиотеки</a:t>
+            </a:r>
+            <a:r>
+              <a:rPr lang="ru-RU" sz="4000" dirty="0"/>
+              <a:t> или исполняемого файла из объектных файлов</a:t>
+            </a:r>
+          </a:p>
+          <a:p>
+            <a:pPr lvl="1"/>
+            <a:r>
+              <a:rPr lang="ru-RU" sz="3600" dirty="0"/>
+              <a:t>Она же «линковка»</a:t>
+            </a:r>
+          </a:p>
+          <a:p>
+            <a:pPr lvl="1"/>
+            <a:r>
+              <a:rPr lang="ru-RU" sz="3600" dirty="0"/>
+              <a:t>Она же «компоновка»</a:t>
+            </a:r>
+          </a:p>
+          <a:p>
+            <a:endParaRPr lang="ru-RU" sz="4000" dirty="0"/>
+          </a:p>
+          <a:p>
+            <a:r>
+              <a:rPr lang="ru-RU" sz="4000" dirty="0"/>
+              <a:t>Статическая библиотека</a:t>
+            </a:r>
+          </a:p>
+          <a:p>
+            <a:pPr lvl="1"/>
+            <a:r>
+              <a:rPr lang="ru-RU" sz="3600" dirty="0"/>
+              <a:t>Архив объектных файлов</a:t>
+            </a:r>
+          </a:p>
+          <a:p>
+            <a:endParaRPr lang="ru-RU" sz="4000" dirty="0"/>
+          </a:p>
+          <a:p>
+            <a:r>
+              <a:rPr lang="ru-RU" sz="4000" dirty="0">
+                <a:solidFill>
+                  <a:schemeClr val="bg1"/>
+                </a:solidFill>
+              </a:rPr>
+              <a:t>Динамическая библиотека</a:t>
+            </a:r>
+          </a:p>
+          <a:p>
+            <a:pPr lvl="1"/>
+            <a:r>
+              <a:rPr lang="ru-RU" sz="3600" dirty="0">
+                <a:solidFill>
+                  <a:schemeClr val="bg1"/>
+                </a:solidFill>
+              </a:rPr>
+              <a:t>Разновидность исполняемого файла</a:t>
+            </a:r>
+          </a:p>
+          <a:p>
+            <a:pPr marL="68580" indent="0">
+              <a:buNone/>
+            </a:pPr>
+            <a:endParaRPr lang="ru-RU" sz="4000" dirty="0">
+              <a:solidFill>
+                <a:schemeClr val="bg1"/>
+              </a:solidFill>
+            </a:endParaRPr>
+          </a:p>
+        </p:txBody>
+      </p:sp>
+    </p:spTree>
+    <p:extLst>
+      <p:ext uri="{BB962C8B-B14F-4D97-AF65-F5344CB8AC3E}">
+        <p14:creationId xmlns:p14="http://schemas.microsoft.com/office/powerpoint/2010/main" val="379771876"/>
+      </p:ext>
+    </p:extLst>
+  </p:cSld>
+  <p:clrMapOvr>
+    <a:masterClrMapping/>
+  </p:clrMapOvr>
+</p:sld>
+</file>
+
+<file path=ppt/slides/slide55.xml><?xml version="1.0" encoding="utf-8"?>
+<p:sld xmlns:a="http://schemas.openxmlformats.org/drawingml/2006/main" xmlns:r="http://schemas.openxmlformats.org/officeDocument/2006/relationships" xmlns:p="http://schemas.openxmlformats.org/presentationml/2006/main">
+  <p:cSld>
+    <p:spTree>
+      <p:nvGrpSpPr>
+        <p:cNvPr id="1" name=""/>
+        <p:cNvGrpSpPr/>
+        <p:nvPr/>
+      </p:nvGrpSpPr>
+      <p:grpSpPr>
+        <a:xfrm>
+          <a:off x="0" y="0"/>
+          <a:ext cx="0" cy="0"/>
+          <a:chOff x="0" y="0"/>
+          <a:chExt cx="0" cy="0"/>
+        </a:xfrm>
+      </p:grpSpPr>
+      <p:sp>
+        <p:nvSpPr>
+          <p:cNvPr id="2" name="Title 1"/>
+          <p:cNvSpPr>
+            <a:spLocks noGrp="1"/>
+          </p:cNvSpPr>
+          <p:nvPr>
+            <p:ph type="title"/>
+          </p:nvPr>
+        </p:nvSpPr>
+        <p:spPr/>
+        <p:txBody>
+          <a:bodyPr/>
+          <a:lstStyle/>
+          <a:p>
+            <a:r>
+              <a:rPr lang="ru-RU" dirty="0"/>
+              <a:t>Инструменты разработки: линкер</a:t>
+            </a:r>
+          </a:p>
+        </p:txBody>
+      </p:sp>
+      <p:sp>
+        <p:nvSpPr>
+          <p:cNvPr id="3" name="Content Placeholder 2"/>
+          <p:cNvSpPr>
+            <a:spLocks noGrp="1"/>
+          </p:cNvSpPr>
+          <p:nvPr>
+            <p:ph idx="1"/>
+          </p:nvPr>
+        </p:nvSpPr>
+        <p:spPr/>
+        <p:txBody>
+          <a:bodyPr>
+            <a:normAutofit fontScale="77500" lnSpcReduction="20000"/>
+          </a:bodyPr>
+          <a:lstStyle/>
+          <a:p>
+            <a:r>
+              <a:rPr lang="ru-RU" sz="4000" dirty="0"/>
+              <a:t>Сборка – это создание </a:t>
+            </a:r>
+            <a:r>
+              <a:rPr lang="ru-RU" sz="4000" i="1" dirty="0"/>
+              <a:t>библиотеки</a:t>
+            </a:r>
+            <a:r>
+              <a:rPr lang="ru-RU" sz="4000" dirty="0"/>
+              <a:t> или исполняемого файла из объектных файлов</a:t>
+            </a:r>
+          </a:p>
+          <a:p>
+            <a:pPr lvl="1"/>
+            <a:r>
+              <a:rPr lang="ru-RU" sz="3600" dirty="0"/>
+              <a:t>Она же «линковка»</a:t>
+            </a:r>
+          </a:p>
+          <a:p>
+            <a:pPr lvl="1"/>
+            <a:r>
+              <a:rPr lang="ru-RU" sz="3600" dirty="0"/>
+              <a:t>Она же «компоновка»</a:t>
+            </a:r>
+          </a:p>
+          <a:p>
+            <a:endParaRPr lang="ru-RU" sz="4000" dirty="0"/>
+          </a:p>
+          <a:p>
+            <a:r>
+              <a:rPr lang="ru-RU" sz="4000" dirty="0"/>
+              <a:t>Статическая библиотека</a:t>
+            </a:r>
+          </a:p>
+          <a:p>
+            <a:pPr lvl="1"/>
+            <a:r>
+              <a:rPr lang="ru-RU" sz="3600" dirty="0"/>
+              <a:t>Архив объектных файлов</a:t>
+            </a:r>
+          </a:p>
+          <a:p>
+            <a:endParaRPr lang="ru-RU" sz="4000" dirty="0"/>
+          </a:p>
+          <a:p>
+            <a:r>
+              <a:rPr lang="ru-RU" sz="4000" dirty="0"/>
+              <a:t>Динамическая библиотека</a:t>
+            </a:r>
+          </a:p>
+          <a:p>
+            <a:pPr lvl="1"/>
+            <a:r>
+              <a:rPr lang="ru-RU" sz="3600" dirty="0"/>
+              <a:t>Разновидность исполняемого файла</a:t>
+            </a:r>
+          </a:p>
+          <a:p>
+            <a:pPr marL="68580" indent="0">
+              <a:buNone/>
+            </a:pPr>
+            <a:endParaRPr lang="ru-RU" sz="4000" dirty="0"/>
+          </a:p>
+        </p:txBody>
+      </p:sp>
+    </p:spTree>
+    <p:extLst>
+      <p:ext uri="{BB962C8B-B14F-4D97-AF65-F5344CB8AC3E}">
+        <p14:creationId xmlns:p14="http://schemas.microsoft.com/office/powerpoint/2010/main" val="4187518187"/>
+      </p:ext>
+    </p:extLst>
+  </p:cSld>
+  <p:clrMapOvr>
+    <a:masterClrMapping/>
+  </p:clrMapOvr>
+</p:sld>
+</file>
+
+<file path=ppt/slides/slide56.xml><?xml version="1.0" encoding="utf-8"?>
 <p:sld xmlns:a="http://schemas.openxmlformats.org/drawingml/2006/main" xmlns:r="http://schemas.openxmlformats.org/officeDocument/2006/relationships" xmlns:p="http://schemas.openxmlformats.org/presentationml/2006/main">
   <p:cSld>
     <p:spTree>
@@ -11833,7 +12360,7 @@
 </p:sld>
 </file>
 
-<file path=ppt/slides/slide51.xml><?xml version="1.0" encoding="utf-8"?>
+<file path=ppt/slides/slide57.xml><?xml version="1.0" encoding="utf-8"?>
 <p:sld xmlns:a="http://schemas.openxmlformats.org/drawingml/2006/main" xmlns:r="http://schemas.openxmlformats.org/officeDocument/2006/relationships" xmlns:p="http://schemas.openxmlformats.org/presentationml/2006/main">
   <p:cSld>
     <p:spTree>
@@ -11867,7 +12394,1443 @@
           <a:p>
             <a:r>
               <a:rPr lang="ru-RU" dirty="0"/>
-              <a:t>Что такое система контроля версий?</a:t>
+              <a:t>Инструменты разработки: система сборки</a:t>
+            </a:r>
+          </a:p>
+        </p:txBody>
+      </p:sp>
+      <p:sp>
+        <p:nvSpPr>
+          <p:cNvPr id="3" name="Content Placeholder 2"/>
+          <p:cNvSpPr>
+            <a:spLocks noGrp="1"/>
+          </p:cNvSpPr>
+          <p:nvPr>
+            <p:ph sz="half" idx="1"/>
+          </p:nvPr>
+        </p:nvSpPr>
+        <p:spPr/>
+        <p:txBody>
+          <a:bodyPr>
+            <a:normAutofit fontScale="92500" lnSpcReduction="10000"/>
+          </a:bodyPr>
+          <a:lstStyle/>
+          <a:p>
+            <a:r>
+              <a:rPr lang="ru-RU" sz="2800" dirty="0">
+                <a:solidFill>
+                  <a:schemeClr val="bg1"/>
+                </a:solidFill>
+              </a:rPr>
+              <a:t>Система сборки – это программа, которая строит библиотеку или исполняемый файл после изменений в исходном коде</a:t>
+            </a:r>
+          </a:p>
+          <a:p>
+            <a:pPr lvl="1"/>
+            <a:r>
+              <a:rPr lang="ru-RU" sz="2400" dirty="0">
+                <a:solidFill>
+                  <a:schemeClr val="bg1"/>
+                </a:solidFill>
+              </a:rPr>
+              <a:t>Хорошие системы сборки пытаются компилировать как можно меньше файлов и использовать как можно больше готовых объектных файлов</a:t>
+            </a:r>
+          </a:p>
+          <a:p>
+            <a:pPr lvl="1"/>
+            <a:endParaRPr lang="ru-RU" sz="2400" dirty="0">
+              <a:solidFill>
+                <a:schemeClr val="bg1"/>
+              </a:solidFill>
+            </a:endParaRPr>
+          </a:p>
+          <a:p>
+            <a:r>
+              <a:rPr lang="ru-RU" sz="2800" dirty="0">
+                <a:solidFill>
+                  <a:schemeClr val="bg1"/>
+                </a:solidFill>
+              </a:rPr>
+              <a:t>Если изменения в файле Ф1 нарушают логику работы кода в файле Ф2, то Ф2 </a:t>
+            </a:r>
+            <a:r>
+              <a:rPr lang="ru-RU" sz="2800" i="1" dirty="0">
+                <a:solidFill>
+                  <a:schemeClr val="bg1"/>
+                </a:solidFill>
+              </a:rPr>
+              <a:t>зависит</a:t>
+            </a:r>
+            <a:r>
+              <a:rPr lang="ru-RU" sz="2800" dirty="0">
+                <a:solidFill>
+                  <a:schemeClr val="bg1"/>
+                </a:solidFill>
+              </a:rPr>
+              <a:t> от Ф1</a:t>
+            </a:r>
+          </a:p>
+          <a:p>
+            <a:endParaRPr lang="ru-RU" sz="2800" dirty="0">
+              <a:solidFill>
+                <a:schemeClr val="bg1"/>
+              </a:solidFill>
+            </a:endParaRPr>
+          </a:p>
+        </p:txBody>
+      </p:sp>
+      <p:sp>
+        <p:nvSpPr>
+          <p:cNvPr id="4" name="Content Placeholder 3"/>
+          <p:cNvSpPr>
+            <a:spLocks noGrp="1"/>
+          </p:cNvSpPr>
+          <p:nvPr>
+            <p:ph sz="half" idx="2"/>
+          </p:nvPr>
+        </p:nvSpPr>
+        <p:spPr/>
+        <p:txBody>
+          <a:bodyPr>
+            <a:normAutofit fontScale="92500" lnSpcReduction="10000"/>
+          </a:bodyPr>
+          <a:lstStyle/>
+          <a:p>
+            <a:r>
+              <a:rPr lang="ru-RU" dirty="0">
+                <a:solidFill>
+                  <a:schemeClr val="bg1"/>
+                </a:solidFill>
+              </a:rPr>
+              <a:t>Вход</a:t>
+            </a:r>
+          </a:p>
+          <a:p>
+            <a:pPr lvl="1"/>
+            <a:r>
+              <a:rPr lang="ru-RU" dirty="0">
+                <a:solidFill>
+                  <a:schemeClr val="bg1"/>
+                </a:solidFill>
+              </a:rPr>
+              <a:t>описание зависимостей между файлами с исходным кодом</a:t>
+            </a:r>
+          </a:p>
+          <a:p>
+            <a:pPr lvl="1"/>
+            <a:r>
+              <a:rPr lang="ru-RU" dirty="0">
+                <a:solidFill>
+                  <a:schemeClr val="bg1"/>
+                </a:solidFill>
+              </a:rPr>
+              <a:t>файлы с объектным кодом до изменений</a:t>
+            </a:r>
+          </a:p>
+          <a:p>
+            <a:pPr lvl="1"/>
+            <a:r>
+              <a:rPr lang="ru-RU" dirty="0">
+                <a:solidFill>
+                  <a:schemeClr val="bg1"/>
+                </a:solidFill>
+              </a:rPr>
+              <a:t>исходный код после изменений</a:t>
+            </a:r>
+          </a:p>
+          <a:p>
+            <a:r>
+              <a:rPr lang="ru-RU" dirty="0">
+                <a:solidFill>
+                  <a:schemeClr val="bg1"/>
+                </a:solidFill>
+              </a:rPr>
+              <a:t>Выход</a:t>
+            </a:r>
+          </a:p>
+          <a:p>
+            <a:pPr lvl="1"/>
+            <a:r>
+              <a:rPr lang="ru-RU" dirty="0">
+                <a:solidFill>
+                  <a:schemeClr val="bg1"/>
+                </a:solidFill>
+              </a:rPr>
+              <a:t>файлы с объектным кодом после изменений</a:t>
+            </a:r>
+          </a:p>
+          <a:p>
+            <a:pPr lvl="1"/>
+            <a:r>
+              <a:rPr lang="ru-RU" dirty="0">
+                <a:solidFill>
+                  <a:schemeClr val="bg1"/>
+                </a:solidFill>
+              </a:rPr>
+              <a:t>библиотека или исполняемый файл, построенная из исходного кода после изменений</a:t>
+            </a:r>
+          </a:p>
+          <a:p>
+            <a:endParaRPr lang="ru-RU" dirty="0">
+              <a:solidFill>
+                <a:schemeClr val="bg1"/>
+              </a:solidFill>
+            </a:endParaRPr>
+          </a:p>
+          <a:p>
+            <a:endParaRPr lang="ru-RU" dirty="0">
+              <a:solidFill>
+                <a:schemeClr val="bg1"/>
+              </a:solidFill>
+            </a:endParaRPr>
+          </a:p>
+        </p:txBody>
+      </p:sp>
+    </p:spTree>
+    <p:extLst>
+      <p:ext uri="{BB962C8B-B14F-4D97-AF65-F5344CB8AC3E}">
+        <p14:creationId xmlns:p14="http://schemas.microsoft.com/office/powerpoint/2010/main" val="112405181"/>
+      </p:ext>
+    </p:extLst>
+  </p:cSld>
+  <p:clrMapOvr>
+    <a:masterClrMapping/>
+  </p:clrMapOvr>
+</p:sld>
+</file>
+
+<file path=ppt/slides/slide58.xml><?xml version="1.0" encoding="utf-8"?>
+<p:sld xmlns:a="http://schemas.openxmlformats.org/drawingml/2006/main" xmlns:r="http://schemas.openxmlformats.org/officeDocument/2006/relationships" xmlns:p="http://schemas.openxmlformats.org/presentationml/2006/main">
+  <p:cSld>
+    <p:spTree>
+      <p:nvGrpSpPr>
+        <p:cNvPr id="1" name=""/>
+        <p:cNvGrpSpPr/>
+        <p:nvPr/>
+      </p:nvGrpSpPr>
+      <p:grpSpPr>
+        <a:xfrm>
+          <a:off x="0" y="0"/>
+          <a:ext cx="0" cy="0"/>
+          <a:chOff x="0" y="0"/>
+          <a:chExt cx="0" cy="0"/>
+        </a:xfrm>
+      </p:grpSpPr>
+      <p:sp>
+        <p:nvSpPr>
+          <p:cNvPr id="2" name="Title 1"/>
+          <p:cNvSpPr>
+            <a:spLocks noGrp="1"/>
+          </p:cNvSpPr>
+          <p:nvPr>
+            <p:ph type="title"/>
+          </p:nvPr>
+        </p:nvSpPr>
+        <p:spPr/>
+        <p:txBody>
+          <a:bodyPr/>
+          <a:lstStyle/>
+          <a:p>
+            <a:r>
+              <a:rPr lang="ru-RU" dirty="0"/>
+              <a:t>Инструменты разработки: система сборки</a:t>
+            </a:r>
+          </a:p>
+        </p:txBody>
+      </p:sp>
+      <p:sp>
+        <p:nvSpPr>
+          <p:cNvPr id="3" name="Content Placeholder 2"/>
+          <p:cNvSpPr>
+            <a:spLocks noGrp="1"/>
+          </p:cNvSpPr>
+          <p:nvPr>
+            <p:ph sz="half" idx="1"/>
+          </p:nvPr>
+        </p:nvSpPr>
+        <p:spPr/>
+        <p:txBody>
+          <a:bodyPr>
+            <a:normAutofit fontScale="92500" lnSpcReduction="10000"/>
+          </a:bodyPr>
+          <a:lstStyle/>
+          <a:p>
+            <a:r>
+              <a:rPr lang="ru-RU" sz="2800" dirty="0"/>
+              <a:t>Система сборки – это программа, которая строит библиотеку или исполняемый файл после изменений в исходном коде</a:t>
+            </a:r>
+          </a:p>
+          <a:p>
+            <a:pPr lvl="1"/>
+            <a:r>
+              <a:rPr lang="ru-RU" sz="2400" dirty="0">
+                <a:solidFill>
+                  <a:schemeClr val="bg1"/>
+                </a:solidFill>
+              </a:rPr>
+              <a:t>Хорошие системы сборки пытаются компилировать как можно меньше файлов и использовать как можно больше готовых объектных файлов</a:t>
+            </a:r>
+          </a:p>
+          <a:p>
+            <a:pPr lvl="1"/>
+            <a:endParaRPr lang="ru-RU" sz="2400" dirty="0">
+              <a:solidFill>
+                <a:schemeClr val="bg1"/>
+              </a:solidFill>
+            </a:endParaRPr>
+          </a:p>
+          <a:p>
+            <a:r>
+              <a:rPr lang="ru-RU" sz="2800" dirty="0">
+                <a:solidFill>
+                  <a:schemeClr val="bg1"/>
+                </a:solidFill>
+              </a:rPr>
+              <a:t>Если изменения в файле Ф1 нарушают логику работы кода в файле Ф2, то Ф2 </a:t>
+            </a:r>
+            <a:r>
+              <a:rPr lang="ru-RU" sz="2800" i="1" dirty="0">
+                <a:solidFill>
+                  <a:schemeClr val="bg1"/>
+                </a:solidFill>
+              </a:rPr>
+              <a:t>зависит</a:t>
+            </a:r>
+            <a:r>
+              <a:rPr lang="ru-RU" sz="2800" dirty="0">
+                <a:solidFill>
+                  <a:schemeClr val="bg1"/>
+                </a:solidFill>
+              </a:rPr>
+              <a:t> от Ф1</a:t>
+            </a:r>
+          </a:p>
+          <a:p>
+            <a:endParaRPr lang="ru-RU" sz="2800" dirty="0">
+              <a:solidFill>
+                <a:schemeClr val="bg1"/>
+              </a:solidFill>
+            </a:endParaRPr>
+          </a:p>
+        </p:txBody>
+      </p:sp>
+      <p:sp>
+        <p:nvSpPr>
+          <p:cNvPr id="4" name="Content Placeholder 3"/>
+          <p:cNvSpPr>
+            <a:spLocks noGrp="1"/>
+          </p:cNvSpPr>
+          <p:nvPr>
+            <p:ph sz="half" idx="2"/>
+          </p:nvPr>
+        </p:nvSpPr>
+        <p:spPr/>
+        <p:txBody>
+          <a:bodyPr>
+            <a:normAutofit fontScale="92500" lnSpcReduction="10000"/>
+          </a:bodyPr>
+          <a:lstStyle/>
+          <a:p>
+            <a:r>
+              <a:rPr lang="ru-RU" dirty="0">
+                <a:solidFill>
+                  <a:schemeClr val="bg1"/>
+                </a:solidFill>
+              </a:rPr>
+              <a:t>Вход</a:t>
+            </a:r>
+          </a:p>
+          <a:p>
+            <a:pPr lvl="1"/>
+            <a:r>
+              <a:rPr lang="ru-RU" dirty="0">
+                <a:solidFill>
+                  <a:schemeClr val="bg1"/>
+                </a:solidFill>
+              </a:rPr>
+              <a:t>описание зависимостей между файлами с исходным кодом</a:t>
+            </a:r>
+          </a:p>
+          <a:p>
+            <a:pPr lvl="1"/>
+            <a:r>
+              <a:rPr lang="ru-RU" dirty="0">
+                <a:solidFill>
+                  <a:schemeClr val="bg1"/>
+                </a:solidFill>
+              </a:rPr>
+              <a:t>файлы с объектным кодом до изменений</a:t>
+            </a:r>
+          </a:p>
+          <a:p>
+            <a:pPr lvl="1"/>
+            <a:r>
+              <a:rPr lang="ru-RU" dirty="0">
+                <a:solidFill>
+                  <a:schemeClr val="bg1"/>
+                </a:solidFill>
+              </a:rPr>
+              <a:t>исходный код после изменений</a:t>
+            </a:r>
+          </a:p>
+          <a:p>
+            <a:r>
+              <a:rPr lang="ru-RU" dirty="0">
+                <a:solidFill>
+                  <a:schemeClr val="bg1"/>
+                </a:solidFill>
+              </a:rPr>
+              <a:t>Выход</a:t>
+            </a:r>
+          </a:p>
+          <a:p>
+            <a:pPr lvl="1"/>
+            <a:r>
+              <a:rPr lang="ru-RU" dirty="0">
+                <a:solidFill>
+                  <a:schemeClr val="bg1"/>
+                </a:solidFill>
+              </a:rPr>
+              <a:t>файлы с объектным кодом после изменений</a:t>
+            </a:r>
+          </a:p>
+          <a:p>
+            <a:pPr lvl="1"/>
+            <a:r>
+              <a:rPr lang="ru-RU" dirty="0">
+                <a:solidFill>
+                  <a:schemeClr val="bg1"/>
+                </a:solidFill>
+              </a:rPr>
+              <a:t>библиотека или исполняемый файл, построенная из исходного кода после изменений</a:t>
+            </a:r>
+          </a:p>
+          <a:p>
+            <a:endParaRPr lang="ru-RU" dirty="0">
+              <a:solidFill>
+                <a:schemeClr val="bg1"/>
+              </a:solidFill>
+            </a:endParaRPr>
+          </a:p>
+          <a:p>
+            <a:endParaRPr lang="ru-RU" dirty="0">
+              <a:solidFill>
+                <a:schemeClr val="bg1"/>
+              </a:solidFill>
+            </a:endParaRPr>
+          </a:p>
+        </p:txBody>
+      </p:sp>
+    </p:spTree>
+    <p:extLst>
+      <p:ext uri="{BB962C8B-B14F-4D97-AF65-F5344CB8AC3E}">
+        <p14:creationId xmlns:p14="http://schemas.microsoft.com/office/powerpoint/2010/main" val="2842276539"/>
+      </p:ext>
+    </p:extLst>
+  </p:cSld>
+  <p:clrMapOvr>
+    <a:masterClrMapping/>
+  </p:clrMapOvr>
+</p:sld>
+</file>
+
+<file path=ppt/slides/slide59.xml><?xml version="1.0" encoding="utf-8"?>
+<p:sld xmlns:a="http://schemas.openxmlformats.org/drawingml/2006/main" xmlns:r="http://schemas.openxmlformats.org/officeDocument/2006/relationships" xmlns:p="http://schemas.openxmlformats.org/presentationml/2006/main">
+  <p:cSld>
+    <p:spTree>
+      <p:nvGrpSpPr>
+        <p:cNvPr id="1" name=""/>
+        <p:cNvGrpSpPr/>
+        <p:nvPr/>
+      </p:nvGrpSpPr>
+      <p:grpSpPr>
+        <a:xfrm>
+          <a:off x="0" y="0"/>
+          <a:ext cx="0" cy="0"/>
+          <a:chOff x="0" y="0"/>
+          <a:chExt cx="0" cy="0"/>
+        </a:xfrm>
+      </p:grpSpPr>
+      <p:sp>
+        <p:nvSpPr>
+          <p:cNvPr id="2" name="Title 1"/>
+          <p:cNvSpPr>
+            <a:spLocks noGrp="1"/>
+          </p:cNvSpPr>
+          <p:nvPr>
+            <p:ph type="title"/>
+          </p:nvPr>
+        </p:nvSpPr>
+        <p:spPr/>
+        <p:txBody>
+          <a:bodyPr/>
+          <a:lstStyle/>
+          <a:p>
+            <a:r>
+              <a:rPr lang="ru-RU" dirty="0"/>
+              <a:t>Инструменты разработки: система сборки</a:t>
+            </a:r>
+          </a:p>
+        </p:txBody>
+      </p:sp>
+      <p:sp>
+        <p:nvSpPr>
+          <p:cNvPr id="3" name="Content Placeholder 2"/>
+          <p:cNvSpPr>
+            <a:spLocks noGrp="1"/>
+          </p:cNvSpPr>
+          <p:nvPr>
+            <p:ph sz="half" idx="1"/>
+          </p:nvPr>
+        </p:nvSpPr>
+        <p:spPr/>
+        <p:txBody>
+          <a:bodyPr>
+            <a:normAutofit fontScale="92500" lnSpcReduction="10000"/>
+          </a:bodyPr>
+          <a:lstStyle/>
+          <a:p>
+            <a:r>
+              <a:rPr lang="ru-RU" sz="2800" dirty="0"/>
+              <a:t>Система сборки – это программа, которая строит библиотеку или исполняемый файл после изменений в исходном коде</a:t>
+            </a:r>
+          </a:p>
+          <a:p>
+            <a:pPr lvl="1"/>
+            <a:r>
+              <a:rPr lang="ru-RU" sz="2400" dirty="0"/>
+              <a:t>Хорошие системы сборки пытаются компилировать как можно меньше файлов и использовать как можно больше готовых объектных файлов</a:t>
+            </a:r>
+          </a:p>
+          <a:p>
+            <a:pPr lvl="1"/>
+            <a:endParaRPr lang="ru-RU" sz="2400" dirty="0"/>
+          </a:p>
+          <a:p>
+            <a:r>
+              <a:rPr lang="ru-RU" sz="2800" dirty="0">
+                <a:solidFill>
+                  <a:schemeClr val="bg1"/>
+                </a:solidFill>
+              </a:rPr>
+              <a:t>Если изменения в файле Ф1 нарушают логику работы кода в файле Ф2, то Ф2 </a:t>
+            </a:r>
+            <a:r>
+              <a:rPr lang="ru-RU" sz="2800" i="1" dirty="0">
+                <a:solidFill>
+                  <a:schemeClr val="bg1"/>
+                </a:solidFill>
+              </a:rPr>
+              <a:t>зависит</a:t>
+            </a:r>
+            <a:r>
+              <a:rPr lang="ru-RU" sz="2800" dirty="0">
+                <a:solidFill>
+                  <a:schemeClr val="bg1"/>
+                </a:solidFill>
+              </a:rPr>
+              <a:t> от Ф1</a:t>
+            </a:r>
+          </a:p>
+          <a:p>
+            <a:endParaRPr lang="ru-RU" sz="2800" dirty="0"/>
+          </a:p>
+        </p:txBody>
+      </p:sp>
+      <p:sp>
+        <p:nvSpPr>
+          <p:cNvPr id="4" name="Content Placeholder 3"/>
+          <p:cNvSpPr>
+            <a:spLocks noGrp="1"/>
+          </p:cNvSpPr>
+          <p:nvPr>
+            <p:ph sz="half" idx="2"/>
+          </p:nvPr>
+        </p:nvSpPr>
+        <p:spPr/>
+        <p:txBody>
+          <a:bodyPr>
+            <a:normAutofit fontScale="92500" lnSpcReduction="10000"/>
+          </a:bodyPr>
+          <a:lstStyle/>
+          <a:p>
+            <a:r>
+              <a:rPr lang="ru-RU" dirty="0">
+                <a:solidFill>
+                  <a:schemeClr val="bg1"/>
+                </a:solidFill>
+              </a:rPr>
+              <a:t>Вход</a:t>
+            </a:r>
+          </a:p>
+          <a:p>
+            <a:pPr lvl="1"/>
+            <a:r>
+              <a:rPr lang="ru-RU" dirty="0">
+                <a:solidFill>
+                  <a:schemeClr val="bg1"/>
+                </a:solidFill>
+              </a:rPr>
+              <a:t>описание зависимостей между файлами с исходным кодом</a:t>
+            </a:r>
+          </a:p>
+          <a:p>
+            <a:pPr lvl="1"/>
+            <a:r>
+              <a:rPr lang="ru-RU" dirty="0">
+                <a:solidFill>
+                  <a:schemeClr val="bg1"/>
+                </a:solidFill>
+              </a:rPr>
+              <a:t>файлы с объектным кодом до изменений</a:t>
+            </a:r>
+          </a:p>
+          <a:p>
+            <a:pPr lvl="1"/>
+            <a:r>
+              <a:rPr lang="ru-RU" dirty="0">
+                <a:solidFill>
+                  <a:schemeClr val="bg1"/>
+                </a:solidFill>
+              </a:rPr>
+              <a:t>исходный код после изменений</a:t>
+            </a:r>
+          </a:p>
+          <a:p>
+            <a:r>
+              <a:rPr lang="ru-RU" dirty="0">
+                <a:solidFill>
+                  <a:schemeClr val="bg1"/>
+                </a:solidFill>
+              </a:rPr>
+              <a:t>Выход</a:t>
+            </a:r>
+          </a:p>
+          <a:p>
+            <a:pPr lvl="1"/>
+            <a:r>
+              <a:rPr lang="ru-RU" dirty="0">
+                <a:solidFill>
+                  <a:schemeClr val="bg1"/>
+                </a:solidFill>
+              </a:rPr>
+              <a:t>файлы с объектным кодом после изменений</a:t>
+            </a:r>
+          </a:p>
+          <a:p>
+            <a:pPr lvl="1"/>
+            <a:r>
+              <a:rPr lang="ru-RU" dirty="0">
+                <a:solidFill>
+                  <a:schemeClr val="bg1"/>
+                </a:solidFill>
+              </a:rPr>
+              <a:t>библиотека или исполняемый файл, построенная из исходного кода после изменений</a:t>
+            </a:r>
+          </a:p>
+          <a:p>
+            <a:endParaRPr lang="ru-RU" dirty="0">
+              <a:solidFill>
+                <a:schemeClr val="bg1"/>
+              </a:solidFill>
+            </a:endParaRPr>
+          </a:p>
+          <a:p>
+            <a:endParaRPr lang="ru-RU" dirty="0">
+              <a:solidFill>
+                <a:schemeClr val="bg1"/>
+              </a:solidFill>
+            </a:endParaRPr>
+          </a:p>
+        </p:txBody>
+      </p:sp>
+    </p:spTree>
+    <p:extLst>
+      <p:ext uri="{BB962C8B-B14F-4D97-AF65-F5344CB8AC3E}">
+        <p14:creationId xmlns:p14="http://schemas.microsoft.com/office/powerpoint/2010/main" val="4242157814"/>
+      </p:ext>
+    </p:extLst>
+  </p:cSld>
+  <p:clrMapOvr>
+    <a:masterClrMapping/>
+  </p:clrMapOvr>
+</p:sld>
+</file>
+
+<file path=ppt/slides/slide6.xml><?xml version="1.0" encoding="utf-8"?>
+<p:sld xmlns:a="http://schemas.openxmlformats.org/drawingml/2006/main" xmlns:r="http://schemas.openxmlformats.org/officeDocument/2006/relationships" xmlns:p="http://schemas.openxmlformats.org/presentationml/2006/main">
+  <p:cSld>
+    <p:spTree>
+      <p:nvGrpSpPr>
+        <p:cNvPr id="1" name=""/>
+        <p:cNvGrpSpPr/>
+        <p:nvPr/>
+      </p:nvGrpSpPr>
+      <p:grpSpPr>
+        <a:xfrm>
+          <a:off x="0" y="0"/>
+          <a:ext cx="0" cy="0"/>
+          <a:chOff x="0" y="0"/>
+          <a:chExt cx="0" cy="0"/>
+        </a:xfrm>
+      </p:grpSpPr>
+      <p:sp>
+        <p:nvSpPr>
+          <p:cNvPr id="2" name="Заголовок 1"/>
+          <p:cNvSpPr>
+            <a:spLocks noGrp="1"/>
+          </p:cNvSpPr>
+          <p:nvPr>
+            <p:ph type="title"/>
+          </p:nvPr>
+        </p:nvSpPr>
+        <p:spPr/>
+        <p:txBody>
+          <a:bodyPr/>
+          <a:lstStyle/>
+          <a:p>
+            <a:r>
+              <a:rPr lang="ru-RU" dirty="0"/>
+              <a:t>Информация об этом курсе</a:t>
+            </a:r>
+          </a:p>
+        </p:txBody>
+      </p:sp>
+      <p:sp>
+        <p:nvSpPr>
+          <p:cNvPr id="3" name="Содержимое 2"/>
+          <p:cNvSpPr>
+            <a:spLocks noGrp="1"/>
+          </p:cNvSpPr>
+          <p:nvPr>
+            <p:ph sz="half" idx="1"/>
+          </p:nvPr>
+        </p:nvSpPr>
+        <p:spPr/>
+        <p:txBody>
+          <a:bodyPr>
+            <a:normAutofit/>
+          </a:bodyPr>
+          <a:lstStyle/>
+          <a:p>
+            <a:r>
+              <a:rPr lang="ru-RU" sz="2400" dirty="0"/>
+              <a:t>Петров Евгений Сергеевич</a:t>
+            </a:r>
+            <a:endParaRPr lang="en-US" sz="2400" dirty="0"/>
+          </a:p>
+          <a:p>
+            <a:endParaRPr lang="en-US" sz="2400" dirty="0"/>
+          </a:p>
+          <a:p>
+            <a:r>
+              <a:rPr lang="ru-RU" sz="2400" dirty="0"/>
+              <a:t>Программа курса</a:t>
+            </a:r>
+            <a:endParaRPr lang="en-US" sz="2400" dirty="0"/>
+          </a:p>
+          <a:p>
+            <a:pPr lvl="1"/>
+            <a:r>
+              <a:rPr lang="en-US" sz="2000" dirty="0"/>
+              <a:t>https://www.nsu.ru/n/information-technologies-department/education_fit/programs/OOP/09-03-01/piikn/rabochie-programmy/09.03.01_PIiKN_B1.B.4.pdf</a:t>
+            </a:r>
+            <a:endParaRPr lang="ru-RU" sz="2000" dirty="0"/>
+          </a:p>
+          <a:p>
+            <a:endParaRPr lang="en-US" sz="2400" dirty="0"/>
+          </a:p>
+          <a:p>
+            <a:r>
+              <a:rPr lang="ru-RU" sz="2400" dirty="0"/>
+              <a:t>Лекция + семинар + практика каждую учебную неделю</a:t>
+            </a:r>
+          </a:p>
+          <a:p>
+            <a:endParaRPr lang="ru-RU" sz="2400" dirty="0"/>
+          </a:p>
+        </p:txBody>
+      </p:sp>
+      <p:sp>
+        <p:nvSpPr>
+          <p:cNvPr id="4" name="Объект 3"/>
+          <p:cNvSpPr>
+            <a:spLocks noGrp="1"/>
+          </p:cNvSpPr>
+          <p:nvPr>
+            <p:ph sz="half" idx="2"/>
+          </p:nvPr>
+        </p:nvSpPr>
+        <p:spPr/>
+        <p:txBody>
+          <a:bodyPr>
+            <a:normAutofit/>
+          </a:bodyPr>
+          <a:lstStyle/>
+          <a:p>
+            <a:endParaRPr lang="ru-RU" dirty="0"/>
+          </a:p>
+        </p:txBody>
+      </p:sp>
+    </p:spTree>
+    <p:extLst>
+      <p:ext uri="{BB962C8B-B14F-4D97-AF65-F5344CB8AC3E}">
+        <p14:creationId xmlns:p14="http://schemas.microsoft.com/office/powerpoint/2010/main" val="3056092667"/>
+      </p:ext>
+    </p:extLst>
+  </p:cSld>
+  <p:clrMapOvr>
+    <a:masterClrMapping/>
+  </p:clrMapOvr>
+</p:sld>
+</file>
+
+<file path=ppt/slides/slide60.xml><?xml version="1.0" encoding="utf-8"?>
+<p:sld xmlns:a="http://schemas.openxmlformats.org/drawingml/2006/main" xmlns:r="http://schemas.openxmlformats.org/officeDocument/2006/relationships" xmlns:p="http://schemas.openxmlformats.org/presentationml/2006/main">
+  <p:cSld>
+    <p:spTree>
+      <p:nvGrpSpPr>
+        <p:cNvPr id="1" name=""/>
+        <p:cNvGrpSpPr/>
+        <p:nvPr/>
+      </p:nvGrpSpPr>
+      <p:grpSpPr>
+        <a:xfrm>
+          <a:off x="0" y="0"/>
+          <a:ext cx="0" cy="0"/>
+          <a:chOff x="0" y="0"/>
+          <a:chExt cx="0" cy="0"/>
+        </a:xfrm>
+      </p:grpSpPr>
+      <p:sp>
+        <p:nvSpPr>
+          <p:cNvPr id="2" name="Title 1"/>
+          <p:cNvSpPr>
+            <a:spLocks noGrp="1"/>
+          </p:cNvSpPr>
+          <p:nvPr>
+            <p:ph type="title"/>
+          </p:nvPr>
+        </p:nvSpPr>
+        <p:spPr/>
+        <p:txBody>
+          <a:bodyPr/>
+          <a:lstStyle/>
+          <a:p>
+            <a:r>
+              <a:rPr lang="ru-RU" dirty="0"/>
+              <a:t>Инструменты разработки: система сборки</a:t>
+            </a:r>
+          </a:p>
+        </p:txBody>
+      </p:sp>
+      <p:sp>
+        <p:nvSpPr>
+          <p:cNvPr id="3" name="Content Placeholder 2"/>
+          <p:cNvSpPr>
+            <a:spLocks noGrp="1"/>
+          </p:cNvSpPr>
+          <p:nvPr>
+            <p:ph sz="half" idx="1"/>
+          </p:nvPr>
+        </p:nvSpPr>
+        <p:spPr/>
+        <p:txBody>
+          <a:bodyPr>
+            <a:normAutofit fontScale="92500" lnSpcReduction="10000"/>
+          </a:bodyPr>
+          <a:lstStyle/>
+          <a:p>
+            <a:r>
+              <a:rPr lang="ru-RU" sz="2800" dirty="0"/>
+              <a:t>Система сборки – это программа, которая строит библиотеку или исполняемый файл после изменений в исходном коде</a:t>
+            </a:r>
+          </a:p>
+          <a:p>
+            <a:pPr lvl="1"/>
+            <a:r>
+              <a:rPr lang="ru-RU" sz="2400" dirty="0"/>
+              <a:t>Хорошие системы сборки пытаются компилировать как можно меньше файлов и использовать как можно больше готовых объектных файлов</a:t>
+            </a:r>
+          </a:p>
+          <a:p>
+            <a:pPr lvl="1"/>
+            <a:endParaRPr lang="ru-RU" sz="2400" dirty="0"/>
+          </a:p>
+          <a:p>
+            <a:r>
+              <a:rPr lang="ru-RU" sz="2800" dirty="0"/>
+              <a:t>Если изменения в файле Ф1 нарушают логику работы кода в файле Ф2, то Ф2 </a:t>
+            </a:r>
+            <a:r>
+              <a:rPr lang="ru-RU" sz="2800" i="1" dirty="0"/>
+              <a:t>зависит</a:t>
+            </a:r>
+            <a:r>
+              <a:rPr lang="ru-RU" sz="2800" dirty="0"/>
+              <a:t> от Ф1</a:t>
+            </a:r>
+          </a:p>
+          <a:p>
+            <a:endParaRPr lang="ru-RU" sz="2800" dirty="0"/>
+          </a:p>
+        </p:txBody>
+      </p:sp>
+      <p:sp>
+        <p:nvSpPr>
+          <p:cNvPr id="4" name="Content Placeholder 3"/>
+          <p:cNvSpPr>
+            <a:spLocks noGrp="1"/>
+          </p:cNvSpPr>
+          <p:nvPr>
+            <p:ph sz="half" idx="2"/>
+          </p:nvPr>
+        </p:nvSpPr>
+        <p:spPr/>
+        <p:txBody>
+          <a:bodyPr>
+            <a:normAutofit fontScale="92500" lnSpcReduction="10000"/>
+          </a:bodyPr>
+          <a:lstStyle/>
+          <a:p>
+            <a:r>
+              <a:rPr lang="ru-RU" dirty="0">
+                <a:solidFill>
+                  <a:schemeClr val="bg1"/>
+                </a:solidFill>
+              </a:rPr>
+              <a:t>Вход</a:t>
+            </a:r>
+          </a:p>
+          <a:p>
+            <a:pPr lvl="1"/>
+            <a:r>
+              <a:rPr lang="ru-RU" dirty="0">
+                <a:solidFill>
+                  <a:schemeClr val="bg1"/>
+                </a:solidFill>
+              </a:rPr>
+              <a:t>описание зависимостей между файлами с исходным кодом</a:t>
+            </a:r>
+          </a:p>
+          <a:p>
+            <a:pPr lvl="1"/>
+            <a:r>
+              <a:rPr lang="ru-RU" dirty="0">
+                <a:solidFill>
+                  <a:schemeClr val="bg1"/>
+                </a:solidFill>
+              </a:rPr>
+              <a:t>файлы с объектным кодом до изменений</a:t>
+            </a:r>
+          </a:p>
+          <a:p>
+            <a:pPr lvl="1"/>
+            <a:r>
+              <a:rPr lang="ru-RU" dirty="0">
+                <a:solidFill>
+                  <a:schemeClr val="bg1"/>
+                </a:solidFill>
+              </a:rPr>
+              <a:t>исходный код после изменений</a:t>
+            </a:r>
+          </a:p>
+          <a:p>
+            <a:r>
+              <a:rPr lang="ru-RU" dirty="0">
+                <a:solidFill>
+                  <a:schemeClr val="bg1"/>
+                </a:solidFill>
+              </a:rPr>
+              <a:t>Выход</a:t>
+            </a:r>
+          </a:p>
+          <a:p>
+            <a:pPr lvl="1"/>
+            <a:r>
+              <a:rPr lang="ru-RU" dirty="0">
+                <a:solidFill>
+                  <a:schemeClr val="bg1"/>
+                </a:solidFill>
+              </a:rPr>
+              <a:t>файлы с объектным кодом после изменений</a:t>
+            </a:r>
+          </a:p>
+          <a:p>
+            <a:pPr lvl="1"/>
+            <a:r>
+              <a:rPr lang="ru-RU" dirty="0">
+                <a:solidFill>
+                  <a:schemeClr val="bg1"/>
+                </a:solidFill>
+              </a:rPr>
+              <a:t>библиотека или исполняемый файл, построенная из исходного кода после изменений</a:t>
+            </a:r>
+          </a:p>
+          <a:p>
+            <a:endParaRPr lang="ru-RU" dirty="0">
+              <a:solidFill>
+                <a:schemeClr val="bg1"/>
+              </a:solidFill>
+            </a:endParaRPr>
+          </a:p>
+          <a:p>
+            <a:endParaRPr lang="ru-RU" dirty="0">
+              <a:solidFill>
+                <a:schemeClr val="bg1"/>
+              </a:solidFill>
+            </a:endParaRPr>
+          </a:p>
+        </p:txBody>
+      </p:sp>
+    </p:spTree>
+    <p:extLst>
+      <p:ext uri="{BB962C8B-B14F-4D97-AF65-F5344CB8AC3E}">
+        <p14:creationId xmlns:p14="http://schemas.microsoft.com/office/powerpoint/2010/main" val="2901186400"/>
+      </p:ext>
+    </p:extLst>
+  </p:cSld>
+  <p:clrMapOvr>
+    <a:masterClrMapping/>
+  </p:clrMapOvr>
+</p:sld>
+</file>
+
+<file path=ppt/slides/slide61.xml><?xml version="1.0" encoding="utf-8"?>
+<p:sld xmlns:a="http://schemas.openxmlformats.org/drawingml/2006/main" xmlns:r="http://schemas.openxmlformats.org/officeDocument/2006/relationships" xmlns:p="http://schemas.openxmlformats.org/presentationml/2006/main">
+  <p:cSld>
+    <p:spTree>
+      <p:nvGrpSpPr>
+        <p:cNvPr id="1" name=""/>
+        <p:cNvGrpSpPr/>
+        <p:nvPr/>
+      </p:nvGrpSpPr>
+      <p:grpSpPr>
+        <a:xfrm>
+          <a:off x="0" y="0"/>
+          <a:ext cx="0" cy="0"/>
+          <a:chOff x="0" y="0"/>
+          <a:chExt cx="0" cy="0"/>
+        </a:xfrm>
+      </p:grpSpPr>
+      <p:sp>
+        <p:nvSpPr>
+          <p:cNvPr id="2" name="Title 1"/>
+          <p:cNvSpPr>
+            <a:spLocks noGrp="1"/>
+          </p:cNvSpPr>
+          <p:nvPr>
+            <p:ph type="title"/>
+          </p:nvPr>
+        </p:nvSpPr>
+        <p:spPr/>
+        <p:txBody>
+          <a:bodyPr/>
+          <a:lstStyle/>
+          <a:p>
+            <a:r>
+              <a:rPr lang="ru-RU" dirty="0"/>
+              <a:t>Инструменты разработки: система сборки</a:t>
+            </a:r>
+          </a:p>
+        </p:txBody>
+      </p:sp>
+      <p:sp>
+        <p:nvSpPr>
+          <p:cNvPr id="3" name="Content Placeholder 2"/>
+          <p:cNvSpPr>
+            <a:spLocks noGrp="1"/>
+          </p:cNvSpPr>
+          <p:nvPr>
+            <p:ph sz="half" idx="1"/>
+          </p:nvPr>
+        </p:nvSpPr>
+        <p:spPr/>
+        <p:txBody>
+          <a:bodyPr>
+            <a:normAutofit fontScale="92500" lnSpcReduction="10000"/>
+          </a:bodyPr>
+          <a:lstStyle/>
+          <a:p>
+            <a:r>
+              <a:rPr lang="ru-RU" sz="2800" dirty="0"/>
+              <a:t>Система сборки – это программа, которая строит библиотеку или исполняемый файл после изменений в исходном коде</a:t>
+            </a:r>
+          </a:p>
+          <a:p>
+            <a:pPr lvl="1"/>
+            <a:r>
+              <a:rPr lang="ru-RU" sz="2400" dirty="0"/>
+              <a:t>Хорошие системы сборки пытаются компилировать как можно меньше файлов и использовать как можно больше готовых объектных файлов</a:t>
+            </a:r>
+          </a:p>
+          <a:p>
+            <a:pPr lvl="1"/>
+            <a:endParaRPr lang="ru-RU" sz="2400" dirty="0"/>
+          </a:p>
+          <a:p>
+            <a:r>
+              <a:rPr lang="ru-RU" sz="2800" dirty="0"/>
+              <a:t>Если изменения в файле Ф1 нарушают логику работы кода в файле Ф2, то Ф2 </a:t>
+            </a:r>
+            <a:r>
+              <a:rPr lang="ru-RU" sz="2800" i="1" dirty="0"/>
+              <a:t>зависит</a:t>
+            </a:r>
+            <a:r>
+              <a:rPr lang="ru-RU" sz="2800" dirty="0"/>
+              <a:t> от Ф1</a:t>
+            </a:r>
+          </a:p>
+          <a:p>
+            <a:endParaRPr lang="ru-RU" sz="2800" dirty="0"/>
+          </a:p>
+        </p:txBody>
+      </p:sp>
+      <p:sp>
+        <p:nvSpPr>
+          <p:cNvPr id="4" name="Content Placeholder 3"/>
+          <p:cNvSpPr>
+            <a:spLocks noGrp="1"/>
+          </p:cNvSpPr>
+          <p:nvPr>
+            <p:ph sz="half" idx="2"/>
+          </p:nvPr>
+        </p:nvSpPr>
+        <p:spPr/>
+        <p:txBody>
+          <a:bodyPr>
+            <a:normAutofit fontScale="92500" lnSpcReduction="10000"/>
+          </a:bodyPr>
+          <a:lstStyle/>
+          <a:p>
+            <a:r>
+              <a:rPr lang="ru-RU" dirty="0"/>
+              <a:t>Вход</a:t>
+            </a:r>
+          </a:p>
+          <a:p>
+            <a:pPr lvl="1"/>
+            <a:r>
+              <a:rPr lang="ru-RU" dirty="0"/>
+              <a:t>описание зависимостей между файлами с исходным кодом</a:t>
+            </a:r>
+          </a:p>
+          <a:p>
+            <a:pPr lvl="1"/>
+            <a:r>
+              <a:rPr lang="ru-RU" dirty="0"/>
+              <a:t>файлы с объектным кодом </a:t>
+            </a:r>
+            <a:r>
+              <a:rPr lang="ru-RU" i="1" dirty="0"/>
+              <a:t>до</a:t>
+            </a:r>
+            <a:r>
+              <a:rPr lang="ru-RU" dirty="0"/>
+              <a:t> изменений</a:t>
+            </a:r>
+          </a:p>
+          <a:p>
+            <a:pPr lvl="1"/>
+            <a:r>
+              <a:rPr lang="ru-RU" dirty="0"/>
+              <a:t>исходный код </a:t>
+            </a:r>
+            <a:r>
+              <a:rPr lang="ru-RU" i="1" dirty="0"/>
+              <a:t>после</a:t>
+            </a:r>
+            <a:r>
+              <a:rPr lang="ru-RU" dirty="0"/>
+              <a:t> изменений</a:t>
+            </a:r>
+          </a:p>
+          <a:p>
+            <a:r>
+              <a:rPr lang="ru-RU" dirty="0">
+                <a:solidFill>
+                  <a:schemeClr val="bg1"/>
+                </a:solidFill>
+              </a:rPr>
+              <a:t>Выход</a:t>
+            </a:r>
+          </a:p>
+          <a:p>
+            <a:pPr lvl="1"/>
+            <a:r>
+              <a:rPr lang="ru-RU" dirty="0">
+                <a:solidFill>
+                  <a:schemeClr val="bg1"/>
+                </a:solidFill>
+              </a:rPr>
+              <a:t>файлы с объектным кодом после изменений</a:t>
+            </a:r>
+          </a:p>
+          <a:p>
+            <a:pPr lvl="1"/>
+            <a:r>
+              <a:rPr lang="ru-RU" dirty="0">
+                <a:solidFill>
+                  <a:schemeClr val="bg1"/>
+                </a:solidFill>
+              </a:rPr>
+              <a:t>библиотека или исполняемый файл, построенная из исходного кода после изменений</a:t>
+            </a:r>
+          </a:p>
+          <a:p>
+            <a:endParaRPr lang="ru-RU" dirty="0">
+              <a:solidFill>
+                <a:schemeClr val="bg1"/>
+              </a:solidFill>
+            </a:endParaRPr>
+          </a:p>
+          <a:p>
+            <a:endParaRPr lang="ru-RU" dirty="0"/>
+          </a:p>
+        </p:txBody>
+      </p:sp>
+    </p:spTree>
+    <p:extLst>
+      <p:ext uri="{BB962C8B-B14F-4D97-AF65-F5344CB8AC3E}">
+        <p14:creationId xmlns:p14="http://schemas.microsoft.com/office/powerpoint/2010/main" val="1071046435"/>
+      </p:ext>
+    </p:extLst>
+  </p:cSld>
+  <p:clrMapOvr>
+    <a:masterClrMapping/>
+  </p:clrMapOvr>
+</p:sld>
+</file>
+
+<file path=ppt/slides/slide62.xml><?xml version="1.0" encoding="utf-8"?>
+<p:sld xmlns:a="http://schemas.openxmlformats.org/drawingml/2006/main" xmlns:r="http://schemas.openxmlformats.org/officeDocument/2006/relationships" xmlns:p="http://schemas.openxmlformats.org/presentationml/2006/main">
+  <p:cSld>
+    <p:spTree>
+      <p:nvGrpSpPr>
+        <p:cNvPr id="1" name=""/>
+        <p:cNvGrpSpPr/>
+        <p:nvPr/>
+      </p:nvGrpSpPr>
+      <p:grpSpPr>
+        <a:xfrm>
+          <a:off x="0" y="0"/>
+          <a:ext cx="0" cy="0"/>
+          <a:chOff x="0" y="0"/>
+          <a:chExt cx="0" cy="0"/>
+        </a:xfrm>
+      </p:grpSpPr>
+      <p:sp>
+        <p:nvSpPr>
+          <p:cNvPr id="2" name="Title 1"/>
+          <p:cNvSpPr>
+            <a:spLocks noGrp="1"/>
+          </p:cNvSpPr>
+          <p:nvPr>
+            <p:ph type="title"/>
+          </p:nvPr>
+        </p:nvSpPr>
+        <p:spPr/>
+        <p:txBody>
+          <a:bodyPr/>
+          <a:lstStyle/>
+          <a:p>
+            <a:r>
+              <a:rPr lang="ru-RU" dirty="0"/>
+              <a:t>Инструменты разработки: система сборки</a:t>
+            </a:r>
+          </a:p>
+        </p:txBody>
+      </p:sp>
+      <p:sp>
+        <p:nvSpPr>
+          <p:cNvPr id="3" name="Content Placeholder 2"/>
+          <p:cNvSpPr>
+            <a:spLocks noGrp="1"/>
+          </p:cNvSpPr>
+          <p:nvPr>
+            <p:ph sz="half" idx="1"/>
+          </p:nvPr>
+        </p:nvSpPr>
+        <p:spPr/>
+        <p:txBody>
+          <a:bodyPr>
+            <a:normAutofit fontScale="92500" lnSpcReduction="10000"/>
+          </a:bodyPr>
+          <a:lstStyle/>
+          <a:p>
+            <a:r>
+              <a:rPr lang="ru-RU" sz="2800" dirty="0"/>
+              <a:t>Система сборки – это программа, которая строит библиотеку или исполняемый файл после изменений в исходном коде</a:t>
+            </a:r>
+          </a:p>
+          <a:p>
+            <a:pPr lvl="1"/>
+            <a:r>
+              <a:rPr lang="ru-RU" sz="2400" dirty="0"/>
+              <a:t>Хорошие системы сборки пытаются компилировать как можно меньше файлов и использовать как можно больше готовых объектных файлов</a:t>
+            </a:r>
+          </a:p>
+          <a:p>
+            <a:pPr lvl="1"/>
+            <a:endParaRPr lang="ru-RU" sz="2400" dirty="0"/>
+          </a:p>
+          <a:p>
+            <a:r>
+              <a:rPr lang="ru-RU" sz="2800" dirty="0"/>
+              <a:t>Если изменения в файле Ф1 нарушают логику работы кода в файле Ф2, то Ф2 </a:t>
+            </a:r>
+            <a:r>
+              <a:rPr lang="ru-RU" sz="2800" i="1" dirty="0"/>
+              <a:t>зависит</a:t>
+            </a:r>
+            <a:r>
+              <a:rPr lang="ru-RU" sz="2800" dirty="0"/>
+              <a:t> от Ф1</a:t>
+            </a:r>
+          </a:p>
+          <a:p>
+            <a:endParaRPr lang="ru-RU" sz="2800" dirty="0"/>
+          </a:p>
+        </p:txBody>
+      </p:sp>
+      <p:sp>
+        <p:nvSpPr>
+          <p:cNvPr id="4" name="Content Placeholder 3"/>
+          <p:cNvSpPr>
+            <a:spLocks noGrp="1"/>
+          </p:cNvSpPr>
+          <p:nvPr>
+            <p:ph sz="half" idx="2"/>
+          </p:nvPr>
+        </p:nvSpPr>
+        <p:spPr/>
+        <p:txBody>
+          <a:bodyPr>
+            <a:normAutofit fontScale="92500" lnSpcReduction="10000"/>
+          </a:bodyPr>
+          <a:lstStyle/>
+          <a:p>
+            <a:r>
+              <a:rPr lang="ru-RU" dirty="0"/>
+              <a:t>Вход</a:t>
+            </a:r>
+          </a:p>
+          <a:p>
+            <a:pPr lvl="1"/>
+            <a:r>
+              <a:rPr lang="ru-RU" dirty="0"/>
+              <a:t>описание зависимостей между файлами с исходным кодом</a:t>
+            </a:r>
+          </a:p>
+          <a:p>
+            <a:pPr lvl="1"/>
+            <a:r>
+              <a:rPr lang="ru-RU" dirty="0"/>
+              <a:t>файлы с объектным кодом </a:t>
+            </a:r>
+            <a:r>
+              <a:rPr lang="ru-RU" i="1" dirty="0"/>
+              <a:t>до</a:t>
+            </a:r>
+            <a:r>
+              <a:rPr lang="ru-RU" dirty="0"/>
+              <a:t> изменений</a:t>
+            </a:r>
+          </a:p>
+          <a:p>
+            <a:pPr lvl="1"/>
+            <a:r>
+              <a:rPr lang="ru-RU" dirty="0"/>
+              <a:t>исходный код </a:t>
+            </a:r>
+            <a:r>
+              <a:rPr lang="ru-RU" i="1" dirty="0"/>
+              <a:t>после</a:t>
+            </a:r>
+            <a:r>
+              <a:rPr lang="ru-RU" dirty="0"/>
+              <a:t> изменений</a:t>
+            </a:r>
+          </a:p>
+          <a:p>
+            <a:r>
+              <a:rPr lang="ru-RU" dirty="0"/>
+              <a:t>Выход</a:t>
+            </a:r>
+          </a:p>
+          <a:p>
+            <a:pPr lvl="1"/>
+            <a:r>
+              <a:rPr lang="ru-RU" dirty="0"/>
+              <a:t>файлы с объектным кодом после изменений</a:t>
+            </a:r>
+          </a:p>
+          <a:p>
+            <a:pPr lvl="1"/>
+            <a:r>
+              <a:rPr lang="ru-RU" dirty="0"/>
+              <a:t>библиотека или исполняемый файл, построенная из исходного кода после изменений</a:t>
+            </a:r>
+          </a:p>
+          <a:p>
+            <a:endParaRPr lang="ru-RU" dirty="0"/>
+          </a:p>
+          <a:p>
+            <a:endParaRPr lang="ru-RU" dirty="0"/>
+          </a:p>
+        </p:txBody>
+      </p:sp>
+    </p:spTree>
+    <p:extLst>
+      <p:ext uri="{BB962C8B-B14F-4D97-AF65-F5344CB8AC3E}">
+        <p14:creationId xmlns:p14="http://schemas.microsoft.com/office/powerpoint/2010/main" val="2467320912"/>
+      </p:ext>
+    </p:extLst>
+  </p:cSld>
+  <p:clrMapOvr>
+    <a:masterClrMapping/>
+  </p:clrMapOvr>
+</p:sld>
+</file>
+
+<file path=ppt/slides/slide63.xml><?xml version="1.0" encoding="utf-8"?>
+<p:sld xmlns:a="http://schemas.openxmlformats.org/drawingml/2006/main" xmlns:r="http://schemas.openxmlformats.org/officeDocument/2006/relationships" xmlns:p="http://schemas.openxmlformats.org/presentationml/2006/main">
+  <p:cSld>
+    <p:spTree>
+      <p:nvGrpSpPr>
+        <p:cNvPr id="1" name=""/>
+        <p:cNvGrpSpPr/>
+        <p:nvPr/>
+      </p:nvGrpSpPr>
+      <p:grpSpPr>
+        <a:xfrm>
+          <a:off x="0" y="0"/>
+          <a:ext cx="0" cy="0"/>
+          <a:chOff x="0" y="0"/>
+          <a:chExt cx="0" cy="0"/>
+        </a:xfrm>
+      </p:grpSpPr>
+      <p:sp>
+        <p:nvSpPr>
+          <p:cNvPr id="2" name="Title 1"/>
+          <p:cNvSpPr>
+            <a:spLocks noGrp="1"/>
+          </p:cNvSpPr>
+          <p:nvPr>
+            <p:ph type="title"/>
+          </p:nvPr>
+        </p:nvSpPr>
+        <p:spPr/>
+        <p:txBody>
+          <a:bodyPr>
+            <a:noAutofit/>
+          </a:bodyPr>
+          <a:lstStyle/>
+          <a:p>
+            <a:r>
+              <a:rPr lang="ru-RU" sz="3600" dirty="0"/>
+              <a:t>Инструменты разработки: система контроля версий</a:t>
             </a:r>
           </a:p>
         </p:txBody>
@@ -12381,7 +14344,7 @@
 </p:sld>
 </file>
 
-<file path=ppt/slides/slide52.xml><?xml version="1.0" encoding="utf-8"?>
+<file path=ppt/slides/slide64.xml><?xml version="1.0" encoding="utf-8"?>
 <p:sld xmlns:a="http://schemas.openxmlformats.org/drawingml/2006/main" xmlns:r="http://schemas.openxmlformats.org/officeDocument/2006/relationships" xmlns:p="http://schemas.openxmlformats.org/presentationml/2006/main">
   <p:cSld>
     <p:spTree>
@@ -12410,12 +14373,14 @@
         </p:nvSpPr>
         <p:spPr/>
         <p:txBody>
-          <a:bodyPr/>
+          <a:bodyPr>
+            <a:noAutofit/>
+          </a:bodyPr>
           <a:lstStyle/>
           <a:p>
             <a:r>
-              <a:rPr lang="ru-RU" dirty="0"/>
-              <a:t>Что такое система контроля версий?</a:t>
+              <a:rPr lang="ru-RU" sz="3600" dirty="0"/>
+              <a:t>Инструменты разработки: система контроля версий</a:t>
             </a:r>
           </a:p>
         </p:txBody>
@@ -12925,7 +14890,7 @@
 </p:sld>
 </file>
 
-<file path=ppt/slides/slide53.xml><?xml version="1.0" encoding="utf-8"?>
+<file path=ppt/slides/slide65.xml><?xml version="1.0" encoding="utf-8"?>
 <p:sld xmlns:a="http://schemas.openxmlformats.org/drawingml/2006/main" xmlns:r="http://schemas.openxmlformats.org/officeDocument/2006/relationships" xmlns:p="http://schemas.openxmlformats.org/presentationml/2006/main">
   <p:cSld>
     <p:spTree>
@@ -12954,12 +14919,14 @@
         </p:nvSpPr>
         <p:spPr/>
         <p:txBody>
-          <a:bodyPr/>
+          <a:bodyPr>
+            <a:noAutofit/>
+          </a:bodyPr>
           <a:lstStyle/>
           <a:p>
             <a:r>
-              <a:rPr lang="ru-RU" dirty="0"/>
-              <a:t>Что такое система контроля версий?</a:t>
+              <a:rPr lang="ru-RU" sz="3600" dirty="0"/>
+              <a:t>Инструменты разработки: система контроля версий</a:t>
             </a:r>
           </a:p>
         </p:txBody>
@@ -13461,7 +15428,7 @@
 </p:sld>
 </file>
 
-<file path=ppt/slides/slide54.xml><?xml version="1.0" encoding="utf-8"?>
+<file path=ppt/slides/slide66.xml><?xml version="1.0" encoding="utf-8"?>
 <p:sld xmlns:a="http://schemas.openxmlformats.org/drawingml/2006/main" xmlns:r="http://schemas.openxmlformats.org/officeDocument/2006/relationships" xmlns:p="http://schemas.openxmlformats.org/presentationml/2006/main">
   <p:cSld>
     <p:spTree>
@@ -13490,12 +15457,14 @@
         </p:nvSpPr>
         <p:spPr/>
         <p:txBody>
-          <a:bodyPr/>
+          <a:bodyPr>
+            <a:noAutofit/>
+          </a:bodyPr>
           <a:lstStyle/>
           <a:p>
             <a:r>
-              <a:rPr lang="ru-RU" dirty="0"/>
-              <a:t>Что такое система контроля версий?</a:t>
+              <a:rPr lang="ru-RU" sz="3600" dirty="0"/>
+              <a:t>Инструменты разработки: система контроля версий</a:t>
             </a:r>
           </a:p>
         </p:txBody>
@@ -13689,7 +15658,7 @@
 </p:sld>
 </file>
 
-<file path=ppt/slides/slide55.xml><?xml version="1.0" encoding="utf-8"?>
+<file path=ppt/slides/slide67.xml><?xml version="1.0" encoding="utf-8"?>
 <p:sld xmlns:a="http://schemas.openxmlformats.org/drawingml/2006/main" xmlns:r="http://schemas.openxmlformats.org/officeDocument/2006/relationships" xmlns:p="http://schemas.openxmlformats.org/presentationml/2006/main">
   <p:cSld>
     <p:spTree>
@@ -13718,12 +15687,14 @@
         </p:nvSpPr>
         <p:spPr/>
         <p:txBody>
-          <a:bodyPr/>
+          <a:bodyPr>
+            <a:noAutofit/>
+          </a:bodyPr>
           <a:lstStyle/>
           <a:p>
             <a:r>
-              <a:rPr lang="ru-RU" dirty="0"/>
-              <a:t>Что такое система контроля версий?</a:t>
+              <a:rPr lang="ru-RU" sz="3600" dirty="0"/>
+              <a:t>Инструменты разработки: система контроля версий</a:t>
             </a:r>
           </a:p>
         </p:txBody>
@@ -14028,7 +15999,7 @@
 </p:sld>
 </file>
 
-<file path=ppt/slides/slide56.xml><?xml version="1.0" encoding="utf-8"?>
+<file path=ppt/slides/slide68.xml><?xml version="1.0" encoding="utf-8"?>
 <p:sld xmlns:a="http://schemas.openxmlformats.org/drawingml/2006/main" xmlns:r="http://schemas.openxmlformats.org/officeDocument/2006/relationships" xmlns:p="http://schemas.openxmlformats.org/presentationml/2006/main">
   <p:cSld>
     <p:spTree>
@@ -14057,12 +16028,14 @@
         </p:nvSpPr>
         <p:spPr/>
         <p:txBody>
-          <a:bodyPr/>
+          <a:bodyPr>
+            <a:noAutofit/>
+          </a:bodyPr>
           <a:lstStyle/>
           <a:p>
             <a:r>
-              <a:rPr lang="ru-RU" dirty="0"/>
-              <a:t>Что такое система контроля версий?</a:t>
+              <a:rPr lang="ru-RU" sz="3600" dirty="0"/>
+              <a:t>Инструменты разработки: система контроля версий</a:t>
             </a:r>
           </a:p>
         </p:txBody>
@@ -14516,2056 +16489,6 @@
 </p:sld>
 </file>
 
-<file path=ppt/slides/slide57.xml><?xml version="1.0" encoding="utf-8"?>
-<p:sld xmlns:a="http://schemas.openxmlformats.org/drawingml/2006/main" xmlns:r="http://schemas.openxmlformats.org/officeDocument/2006/relationships" xmlns:p="http://schemas.openxmlformats.org/presentationml/2006/main">
-  <p:cSld>
-    <p:spTree>
-      <p:nvGrpSpPr>
-        <p:cNvPr id="1" name=""/>
-        <p:cNvGrpSpPr/>
-        <p:nvPr/>
-      </p:nvGrpSpPr>
-      <p:grpSpPr>
-        <a:xfrm>
-          <a:off x="0" y="0"/>
-          <a:ext cx="0" cy="0"/>
-          <a:chOff x="0" y="0"/>
-          <a:chExt cx="0" cy="0"/>
-        </a:xfrm>
-      </p:grpSpPr>
-      <p:sp>
-        <p:nvSpPr>
-          <p:cNvPr id="2" name="Title 1"/>
-          <p:cNvSpPr>
-            <a:spLocks noGrp="1"/>
-          </p:cNvSpPr>
-          <p:nvPr>
-            <p:ph type="title"/>
-          </p:nvPr>
-        </p:nvSpPr>
-        <p:spPr/>
-        <p:txBody>
-          <a:bodyPr/>
-          <a:lstStyle/>
-          <a:p>
-            <a:r>
-              <a:rPr lang="ru-RU" dirty="0"/>
-              <a:t>Отладка</a:t>
-            </a:r>
-          </a:p>
-        </p:txBody>
-      </p:sp>
-      <p:sp>
-        <p:nvSpPr>
-          <p:cNvPr id="3" name="Content Placeholder 2"/>
-          <p:cNvSpPr>
-            <a:spLocks noGrp="1"/>
-          </p:cNvSpPr>
-          <p:nvPr>
-            <p:ph idx="1"/>
-          </p:nvPr>
-        </p:nvSpPr>
-        <p:spPr/>
-        <p:txBody>
-          <a:bodyPr>
-            <a:normAutofit fontScale="92500" lnSpcReduction="10000"/>
-          </a:bodyPr>
-          <a:lstStyle/>
-          <a:p>
-            <a:r>
-              <a:rPr lang="ru-RU" dirty="0">
-                <a:solidFill>
-                  <a:schemeClr val="bg1"/>
-                </a:solidFill>
-              </a:rPr>
-              <a:t>Отладка – это достижение работоспособности программы, устранение грубых ошибок</a:t>
-            </a:r>
-          </a:p>
-          <a:p>
-            <a:endParaRPr lang="ru-RU" dirty="0">
-              <a:solidFill>
-                <a:schemeClr val="bg1"/>
-              </a:solidFill>
-            </a:endParaRPr>
-          </a:p>
-          <a:p>
-            <a:r>
-              <a:rPr lang="ru-RU" dirty="0">
-                <a:solidFill>
-                  <a:schemeClr val="bg1"/>
-                </a:solidFill>
-              </a:rPr>
-              <a:t>Методы отладки</a:t>
-            </a:r>
-          </a:p>
-          <a:p>
-            <a:pPr lvl="1"/>
-            <a:r>
-              <a:rPr lang="ru-RU" dirty="0">
-                <a:solidFill>
-                  <a:schemeClr val="bg1"/>
-                </a:solidFill>
-              </a:rPr>
-              <a:t>Имитация пошагового исполнения с помощью «карандаша и бумаги» для простых случаев</a:t>
-            </a:r>
-          </a:p>
-          <a:p>
-            <a:pPr lvl="1"/>
-            <a:r>
-              <a:rPr lang="ru-RU" dirty="0">
-                <a:solidFill>
-                  <a:schemeClr val="bg1"/>
-                </a:solidFill>
-              </a:rPr>
-              <a:t>Трассировка работы программы с помощью отладочной печати</a:t>
-            </a:r>
-          </a:p>
-          <a:p>
-            <a:pPr lvl="1"/>
-            <a:r>
-              <a:rPr lang="ru-RU" dirty="0">
-                <a:solidFill>
-                  <a:schemeClr val="bg1"/>
-                </a:solidFill>
-              </a:rPr>
-              <a:t>Проверка необходимых условий корректности в ходе работы программы</a:t>
-            </a:r>
-          </a:p>
-          <a:p>
-            <a:pPr lvl="1"/>
-            <a:r>
-              <a:rPr lang="ru-RU" dirty="0">
-                <a:solidFill>
-                  <a:schemeClr val="bg1"/>
-                </a:solidFill>
-              </a:rPr>
-              <a:t>Пошаговое исполнение программы с помощью отладчика</a:t>
-            </a:r>
-          </a:p>
-        </p:txBody>
-      </p:sp>
-    </p:spTree>
-    <p:extLst>
-      <p:ext uri="{BB962C8B-B14F-4D97-AF65-F5344CB8AC3E}">
-        <p14:creationId xmlns:p14="http://schemas.microsoft.com/office/powerpoint/2010/main" val="662558787"/>
-      </p:ext>
-    </p:extLst>
-  </p:cSld>
-  <p:clrMapOvr>
-    <a:masterClrMapping/>
-  </p:clrMapOvr>
-</p:sld>
-</file>
-
-<file path=ppt/slides/slide58.xml><?xml version="1.0" encoding="utf-8"?>
-<p:sld xmlns:a="http://schemas.openxmlformats.org/drawingml/2006/main" xmlns:r="http://schemas.openxmlformats.org/officeDocument/2006/relationships" xmlns:p="http://schemas.openxmlformats.org/presentationml/2006/main">
-  <p:cSld>
-    <p:spTree>
-      <p:nvGrpSpPr>
-        <p:cNvPr id="1" name=""/>
-        <p:cNvGrpSpPr/>
-        <p:nvPr/>
-      </p:nvGrpSpPr>
-      <p:grpSpPr>
-        <a:xfrm>
-          <a:off x="0" y="0"/>
-          <a:ext cx="0" cy="0"/>
-          <a:chOff x="0" y="0"/>
-          <a:chExt cx="0" cy="0"/>
-        </a:xfrm>
-      </p:grpSpPr>
-      <p:sp>
-        <p:nvSpPr>
-          <p:cNvPr id="2" name="Title 1"/>
-          <p:cNvSpPr>
-            <a:spLocks noGrp="1"/>
-          </p:cNvSpPr>
-          <p:nvPr>
-            <p:ph type="title"/>
-          </p:nvPr>
-        </p:nvSpPr>
-        <p:spPr/>
-        <p:txBody>
-          <a:bodyPr/>
-          <a:lstStyle/>
-          <a:p>
-            <a:r>
-              <a:rPr lang="ru-RU" dirty="0"/>
-              <a:t>Отладка</a:t>
-            </a:r>
-          </a:p>
-        </p:txBody>
-      </p:sp>
-      <p:sp>
-        <p:nvSpPr>
-          <p:cNvPr id="3" name="Content Placeholder 2"/>
-          <p:cNvSpPr>
-            <a:spLocks noGrp="1"/>
-          </p:cNvSpPr>
-          <p:nvPr>
-            <p:ph idx="1"/>
-          </p:nvPr>
-        </p:nvSpPr>
-        <p:spPr/>
-        <p:txBody>
-          <a:bodyPr>
-            <a:normAutofit fontScale="92500" lnSpcReduction="10000"/>
-          </a:bodyPr>
-          <a:lstStyle/>
-          <a:p>
-            <a:r>
-              <a:rPr lang="ru-RU" dirty="0"/>
-              <a:t>Отладка – это достижение работоспособности программы, устранение грубых ошибок</a:t>
-            </a:r>
-          </a:p>
-          <a:p>
-            <a:endParaRPr lang="ru-RU" dirty="0"/>
-          </a:p>
-          <a:p>
-            <a:r>
-              <a:rPr lang="ru-RU" dirty="0">
-                <a:solidFill>
-                  <a:schemeClr val="bg1"/>
-                </a:solidFill>
-              </a:rPr>
-              <a:t>Методы отладки</a:t>
-            </a:r>
-          </a:p>
-          <a:p>
-            <a:pPr lvl="1"/>
-            <a:r>
-              <a:rPr lang="ru-RU" dirty="0">
-                <a:solidFill>
-                  <a:schemeClr val="bg1"/>
-                </a:solidFill>
-              </a:rPr>
-              <a:t>Имитация пошагового исполнения с помощью «карандаша и бумаги» для простых случаев</a:t>
-            </a:r>
-          </a:p>
-          <a:p>
-            <a:pPr lvl="1"/>
-            <a:r>
-              <a:rPr lang="ru-RU" dirty="0">
-                <a:solidFill>
-                  <a:schemeClr val="bg1"/>
-                </a:solidFill>
-              </a:rPr>
-              <a:t>Трассировка работы программы с помощью отладочной печати</a:t>
-            </a:r>
-          </a:p>
-          <a:p>
-            <a:pPr lvl="1"/>
-            <a:r>
-              <a:rPr lang="ru-RU" dirty="0">
-                <a:solidFill>
-                  <a:schemeClr val="bg1"/>
-                </a:solidFill>
-              </a:rPr>
-              <a:t>Проверка необходимых условий корректности в ходе работы программы</a:t>
-            </a:r>
-          </a:p>
-          <a:p>
-            <a:pPr lvl="1"/>
-            <a:r>
-              <a:rPr lang="ru-RU" dirty="0">
-                <a:solidFill>
-                  <a:schemeClr val="bg1"/>
-                </a:solidFill>
-              </a:rPr>
-              <a:t>Пошаговое исполнение программы с помощью отладчика</a:t>
-            </a:r>
-          </a:p>
-        </p:txBody>
-      </p:sp>
-    </p:spTree>
-    <p:extLst>
-      <p:ext uri="{BB962C8B-B14F-4D97-AF65-F5344CB8AC3E}">
-        <p14:creationId xmlns:p14="http://schemas.microsoft.com/office/powerpoint/2010/main" val="2453568680"/>
-      </p:ext>
-    </p:extLst>
-  </p:cSld>
-  <p:clrMapOvr>
-    <a:masterClrMapping/>
-  </p:clrMapOvr>
-</p:sld>
-</file>
-
-<file path=ppt/slides/slide59.xml><?xml version="1.0" encoding="utf-8"?>
-<p:sld xmlns:a="http://schemas.openxmlformats.org/drawingml/2006/main" xmlns:r="http://schemas.openxmlformats.org/officeDocument/2006/relationships" xmlns:p="http://schemas.openxmlformats.org/presentationml/2006/main">
-  <p:cSld>
-    <p:spTree>
-      <p:nvGrpSpPr>
-        <p:cNvPr id="1" name=""/>
-        <p:cNvGrpSpPr/>
-        <p:nvPr/>
-      </p:nvGrpSpPr>
-      <p:grpSpPr>
-        <a:xfrm>
-          <a:off x="0" y="0"/>
-          <a:ext cx="0" cy="0"/>
-          <a:chOff x="0" y="0"/>
-          <a:chExt cx="0" cy="0"/>
-        </a:xfrm>
-      </p:grpSpPr>
-      <p:sp>
-        <p:nvSpPr>
-          <p:cNvPr id="2" name="Title 1"/>
-          <p:cNvSpPr>
-            <a:spLocks noGrp="1"/>
-          </p:cNvSpPr>
-          <p:nvPr>
-            <p:ph type="title"/>
-          </p:nvPr>
-        </p:nvSpPr>
-        <p:spPr/>
-        <p:txBody>
-          <a:bodyPr/>
-          <a:lstStyle/>
-          <a:p>
-            <a:r>
-              <a:rPr lang="ru-RU" dirty="0"/>
-              <a:t>Отладка</a:t>
-            </a:r>
-          </a:p>
-        </p:txBody>
-      </p:sp>
-      <p:sp>
-        <p:nvSpPr>
-          <p:cNvPr id="3" name="Content Placeholder 2"/>
-          <p:cNvSpPr>
-            <a:spLocks noGrp="1"/>
-          </p:cNvSpPr>
-          <p:nvPr>
-            <p:ph idx="1"/>
-          </p:nvPr>
-        </p:nvSpPr>
-        <p:spPr/>
-        <p:txBody>
-          <a:bodyPr>
-            <a:normAutofit fontScale="92500" lnSpcReduction="10000"/>
-          </a:bodyPr>
-          <a:lstStyle/>
-          <a:p>
-            <a:r>
-              <a:rPr lang="ru-RU" dirty="0"/>
-              <a:t>Отладка – это достижение работоспособности программы, устранение грубых ошибок</a:t>
-            </a:r>
-          </a:p>
-          <a:p>
-            <a:endParaRPr lang="ru-RU" dirty="0"/>
-          </a:p>
-          <a:p>
-            <a:r>
-              <a:rPr lang="ru-RU" dirty="0"/>
-              <a:t>Методы отладки</a:t>
-            </a:r>
-          </a:p>
-          <a:p>
-            <a:pPr lvl="1"/>
-            <a:r>
-              <a:rPr lang="ru-RU" dirty="0">
-                <a:solidFill>
-                  <a:schemeClr val="bg1"/>
-                </a:solidFill>
-              </a:rPr>
-              <a:t>Имитация пошагового исполнения с помощью «карандаша и бумаги» для простых случаев</a:t>
-            </a:r>
-          </a:p>
-          <a:p>
-            <a:pPr lvl="1"/>
-            <a:r>
-              <a:rPr lang="ru-RU" dirty="0">
-                <a:solidFill>
-                  <a:schemeClr val="bg1"/>
-                </a:solidFill>
-              </a:rPr>
-              <a:t>Трассировка работы программы с помощью отладочной печати</a:t>
-            </a:r>
-          </a:p>
-          <a:p>
-            <a:pPr lvl="1"/>
-            <a:r>
-              <a:rPr lang="ru-RU" dirty="0">
-                <a:solidFill>
-                  <a:schemeClr val="bg1"/>
-                </a:solidFill>
-              </a:rPr>
-              <a:t>Проверка необходимых условий корректности в ходе работы программы</a:t>
-            </a:r>
-          </a:p>
-          <a:p>
-            <a:pPr lvl="1"/>
-            <a:r>
-              <a:rPr lang="ru-RU" dirty="0">
-                <a:solidFill>
-                  <a:schemeClr val="bg1"/>
-                </a:solidFill>
-              </a:rPr>
-              <a:t>Пошаговое исполнение программы с помощью отладчика</a:t>
-            </a:r>
-          </a:p>
-        </p:txBody>
-      </p:sp>
-    </p:spTree>
-    <p:extLst>
-      <p:ext uri="{BB962C8B-B14F-4D97-AF65-F5344CB8AC3E}">
-        <p14:creationId xmlns:p14="http://schemas.microsoft.com/office/powerpoint/2010/main" val="3007804739"/>
-      </p:ext>
-    </p:extLst>
-  </p:cSld>
-  <p:clrMapOvr>
-    <a:masterClrMapping/>
-  </p:clrMapOvr>
-</p:sld>
-</file>
-
-<file path=ppt/slides/slide6.xml><?xml version="1.0" encoding="utf-8"?>
-<p:sld xmlns:a="http://schemas.openxmlformats.org/drawingml/2006/main" xmlns:r="http://schemas.openxmlformats.org/officeDocument/2006/relationships" xmlns:p="http://schemas.openxmlformats.org/presentationml/2006/main">
-  <p:cSld>
-    <p:spTree>
-      <p:nvGrpSpPr>
-        <p:cNvPr id="1" name=""/>
-        <p:cNvGrpSpPr/>
-        <p:nvPr/>
-      </p:nvGrpSpPr>
-      <p:grpSpPr>
-        <a:xfrm>
-          <a:off x="0" y="0"/>
-          <a:ext cx="0" cy="0"/>
-          <a:chOff x="0" y="0"/>
-          <a:chExt cx="0" cy="0"/>
-        </a:xfrm>
-      </p:grpSpPr>
-      <p:sp>
-        <p:nvSpPr>
-          <p:cNvPr id="2" name="Заголовок 1"/>
-          <p:cNvSpPr>
-            <a:spLocks noGrp="1"/>
-          </p:cNvSpPr>
-          <p:nvPr>
-            <p:ph type="title"/>
-          </p:nvPr>
-        </p:nvSpPr>
-        <p:spPr/>
-        <p:txBody>
-          <a:bodyPr/>
-          <a:lstStyle/>
-          <a:p>
-            <a:r>
-              <a:rPr lang="ru-RU" dirty="0"/>
-              <a:t>Информация об этом курсе</a:t>
-            </a:r>
-          </a:p>
-        </p:txBody>
-      </p:sp>
-      <p:sp>
-        <p:nvSpPr>
-          <p:cNvPr id="3" name="Содержимое 2"/>
-          <p:cNvSpPr>
-            <a:spLocks noGrp="1"/>
-          </p:cNvSpPr>
-          <p:nvPr>
-            <p:ph sz="half" idx="1"/>
-          </p:nvPr>
-        </p:nvSpPr>
-        <p:spPr/>
-        <p:txBody>
-          <a:bodyPr>
-            <a:normAutofit/>
-          </a:bodyPr>
-          <a:lstStyle/>
-          <a:p>
-            <a:r>
-              <a:rPr lang="ru-RU" sz="2400" dirty="0"/>
-              <a:t>Петров Евгений Сергеевич</a:t>
-            </a:r>
-            <a:endParaRPr lang="en-US" sz="2400" dirty="0"/>
-          </a:p>
-          <a:p>
-            <a:endParaRPr lang="en-US" sz="2400" dirty="0"/>
-          </a:p>
-          <a:p>
-            <a:r>
-              <a:rPr lang="ru-RU" sz="2400" dirty="0"/>
-              <a:t>Программа курса</a:t>
-            </a:r>
-            <a:endParaRPr lang="en-US" sz="2400" dirty="0"/>
-          </a:p>
-          <a:p>
-            <a:pPr lvl="1"/>
-            <a:r>
-              <a:rPr lang="en-US" sz="2000" dirty="0"/>
-              <a:t>https://www.nsu.ru/n/information-technologies-department/education_fit/programs/OOP/09-03-01/piikn/rabochie-programmy/09.03.01_PIiKN_B1.B.4.pdf</a:t>
-            </a:r>
-            <a:endParaRPr lang="ru-RU" sz="2000" dirty="0"/>
-          </a:p>
-          <a:p>
-            <a:endParaRPr lang="en-US" sz="2400" dirty="0"/>
-          </a:p>
-          <a:p>
-            <a:r>
-              <a:rPr lang="ru-RU" sz="2400" dirty="0"/>
-              <a:t>Лекция + семинар + практика каждую учебную неделю</a:t>
-            </a:r>
-          </a:p>
-          <a:p>
-            <a:endParaRPr lang="ru-RU" sz="2400" dirty="0"/>
-          </a:p>
-        </p:txBody>
-      </p:sp>
-      <p:sp>
-        <p:nvSpPr>
-          <p:cNvPr id="4" name="Объект 3"/>
-          <p:cNvSpPr>
-            <a:spLocks noGrp="1"/>
-          </p:cNvSpPr>
-          <p:nvPr>
-            <p:ph sz="half" idx="2"/>
-          </p:nvPr>
-        </p:nvSpPr>
-        <p:spPr/>
-        <p:txBody>
-          <a:bodyPr>
-            <a:normAutofit/>
-          </a:bodyPr>
-          <a:lstStyle/>
-          <a:p>
-            <a:endParaRPr lang="ru-RU" dirty="0"/>
-          </a:p>
-        </p:txBody>
-      </p:sp>
-    </p:spTree>
-    <p:extLst>
-      <p:ext uri="{BB962C8B-B14F-4D97-AF65-F5344CB8AC3E}">
-        <p14:creationId xmlns:p14="http://schemas.microsoft.com/office/powerpoint/2010/main" val="3056092667"/>
-      </p:ext>
-    </p:extLst>
-  </p:cSld>
-  <p:clrMapOvr>
-    <a:masterClrMapping/>
-  </p:clrMapOvr>
-</p:sld>
-</file>
-
-<file path=ppt/slides/slide60.xml><?xml version="1.0" encoding="utf-8"?>
-<p:sld xmlns:a="http://schemas.openxmlformats.org/drawingml/2006/main" xmlns:r="http://schemas.openxmlformats.org/officeDocument/2006/relationships" xmlns:p="http://schemas.openxmlformats.org/presentationml/2006/main">
-  <p:cSld>
-    <p:spTree>
-      <p:nvGrpSpPr>
-        <p:cNvPr id="1" name=""/>
-        <p:cNvGrpSpPr/>
-        <p:nvPr/>
-      </p:nvGrpSpPr>
-      <p:grpSpPr>
-        <a:xfrm>
-          <a:off x="0" y="0"/>
-          <a:ext cx="0" cy="0"/>
-          <a:chOff x="0" y="0"/>
-          <a:chExt cx="0" cy="0"/>
-        </a:xfrm>
-      </p:grpSpPr>
-      <p:sp>
-        <p:nvSpPr>
-          <p:cNvPr id="2" name="Title 1"/>
-          <p:cNvSpPr>
-            <a:spLocks noGrp="1"/>
-          </p:cNvSpPr>
-          <p:nvPr>
-            <p:ph type="title"/>
-          </p:nvPr>
-        </p:nvSpPr>
-        <p:spPr/>
-        <p:txBody>
-          <a:bodyPr/>
-          <a:lstStyle/>
-          <a:p>
-            <a:r>
-              <a:rPr lang="ru-RU" dirty="0"/>
-              <a:t>Отладка</a:t>
-            </a:r>
-          </a:p>
-        </p:txBody>
-      </p:sp>
-      <p:sp>
-        <p:nvSpPr>
-          <p:cNvPr id="3" name="Content Placeholder 2"/>
-          <p:cNvSpPr>
-            <a:spLocks noGrp="1"/>
-          </p:cNvSpPr>
-          <p:nvPr>
-            <p:ph idx="1"/>
-          </p:nvPr>
-        </p:nvSpPr>
-        <p:spPr/>
-        <p:txBody>
-          <a:bodyPr>
-            <a:normAutofit fontScale="92500" lnSpcReduction="10000"/>
-          </a:bodyPr>
-          <a:lstStyle/>
-          <a:p>
-            <a:r>
-              <a:rPr lang="ru-RU" dirty="0"/>
-              <a:t>Отладка – это достижение работоспособности программы, устранение грубых ошибок</a:t>
-            </a:r>
-          </a:p>
-          <a:p>
-            <a:endParaRPr lang="ru-RU" dirty="0"/>
-          </a:p>
-          <a:p>
-            <a:r>
-              <a:rPr lang="ru-RU" dirty="0"/>
-              <a:t>Методы отладки</a:t>
-            </a:r>
-          </a:p>
-          <a:p>
-            <a:pPr lvl="1"/>
-            <a:r>
-              <a:rPr lang="ru-RU" dirty="0"/>
-              <a:t>Имитация пошагового исполнения с помощью «карандаша и бумаги» для простых случаев</a:t>
-            </a:r>
-          </a:p>
-          <a:p>
-            <a:pPr lvl="1"/>
-            <a:r>
-              <a:rPr lang="ru-RU" dirty="0"/>
-              <a:t>Трассировка работы программы с помощью отладочной печати</a:t>
-            </a:r>
-          </a:p>
-          <a:p>
-            <a:pPr lvl="1"/>
-            <a:r>
-              <a:rPr lang="ru-RU" dirty="0"/>
-              <a:t>Проверка необходимых условий корректности в ходе работы программы</a:t>
-            </a:r>
-          </a:p>
-          <a:p>
-            <a:pPr lvl="1"/>
-            <a:r>
-              <a:rPr lang="ru-RU" dirty="0"/>
-              <a:t>Пошаговое исполнение программы с помощью отладчика</a:t>
-            </a:r>
-          </a:p>
-        </p:txBody>
-      </p:sp>
-    </p:spTree>
-    <p:extLst>
-      <p:ext uri="{BB962C8B-B14F-4D97-AF65-F5344CB8AC3E}">
-        <p14:creationId xmlns:p14="http://schemas.microsoft.com/office/powerpoint/2010/main" val="2722614794"/>
-      </p:ext>
-    </p:extLst>
-  </p:cSld>
-  <p:clrMapOvr>
-    <a:masterClrMapping/>
-  </p:clrMapOvr>
-</p:sld>
-</file>
-
-<file path=ppt/slides/slide61.xml><?xml version="1.0" encoding="utf-8"?>
-<p:sld xmlns:a="http://schemas.openxmlformats.org/drawingml/2006/main" xmlns:r="http://schemas.openxmlformats.org/officeDocument/2006/relationships" xmlns:p="http://schemas.openxmlformats.org/presentationml/2006/main">
-  <p:cSld>
-    <p:spTree>
-      <p:nvGrpSpPr>
-        <p:cNvPr id="1" name=""/>
-        <p:cNvGrpSpPr/>
-        <p:nvPr/>
-      </p:nvGrpSpPr>
-      <p:grpSpPr>
-        <a:xfrm>
-          <a:off x="0" y="0"/>
-          <a:ext cx="0" cy="0"/>
-          <a:chOff x="0" y="0"/>
-          <a:chExt cx="0" cy="0"/>
-        </a:xfrm>
-      </p:grpSpPr>
-      <p:sp>
-        <p:nvSpPr>
-          <p:cNvPr id="2" name="Title 1"/>
-          <p:cNvSpPr>
-            <a:spLocks noGrp="1"/>
-          </p:cNvSpPr>
-          <p:nvPr>
-            <p:ph type="title"/>
-          </p:nvPr>
-        </p:nvSpPr>
-        <p:spPr/>
-        <p:txBody>
-          <a:bodyPr/>
-          <a:lstStyle/>
-          <a:p>
-            <a:r>
-              <a:rPr lang="ru-RU" dirty="0"/>
-              <a:t>Оптимизация</a:t>
-            </a:r>
-          </a:p>
-        </p:txBody>
-      </p:sp>
-      <p:sp>
-        <p:nvSpPr>
-          <p:cNvPr id="3" name="Content Placeholder 2"/>
-          <p:cNvSpPr>
-            <a:spLocks noGrp="1"/>
-          </p:cNvSpPr>
-          <p:nvPr>
-            <p:ph sz="half" idx="1"/>
-          </p:nvPr>
-        </p:nvSpPr>
-        <p:spPr/>
-        <p:txBody>
-          <a:bodyPr>
-            <a:normAutofit/>
-          </a:bodyPr>
-          <a:lstStyle/>
-          <a:p>
-            <a:r>
-              <a:rPr lang="ru-RU" dirty="0">
-                <a:solidFill>
-                  <a:schemeClr val="bg1"/>
-                </a:solidFill>
-              </a:rPr>
-              <a:t>Оптимизация – это улучшение количественных характеристик программы</a:t>
-            </a:r>
-          </a:p>
-          <a:p>
-            <a:pPr lvl="1"/>
-            <a:r>
-              <a:rPr lang="ru-RU" dirty="0">
-                <a:solidFill>
-                  <a:schemeClr val="bg1"/>
-                </a:solidFill>
-              </a:rPr>
-              <a:t>Время компиляции</a:t>
-            </a:r>
-          </a:p>
-          <a:p>
-            <a:pPr lvl="1"/>
-            <a:r>
-              <a:rPr lang="ru-RU" dirty="0">
-                <a:solidFill>
-                  <a:schemeClr val="bg1"/>
-                </a:solidFill>
-              </a:rPr>
-              <a:t>Время загрузки</a:t>
-            </a:r>
-          </a:p>
-          <a:p>
-            <a:pPr lvl="1"/>
-            <a:r>
-              <a:rPr lang="ru-RU" dirty="0">
-                <a:solidFill>
-                  <a:schemeClr val="bg1"/>
-                </a:solidFill>
-              </a:rPr>
-              <a:t>Время работы</a:t>
-            </a:r>
-          </a:p>
-          <a:p>
-            <a:pPr lvl="1"/>
-            <a:r>
-              <a:rPr lang="ru-RU" dirty="0">
-                <a:solidFill>
-                  <a:schemeClr val="bg1"/>
-                </a:solidFill>
-              </a:rPr>
-              <a:t>Размер используемой памяти (данных на диске)</a:t>
-            </a:r>
-          </a:p>
-          <a:p>
-            <a:pPr lvl="1"/>
-            <a:r>
-              <a:rPr lang="ru-RU" dirty="0">
-                <a:solidFill>
-                  <a:schemeClr val="bg1"/>
-                </a:solidFill>
-              </a:rPr>
-              <a:t>Размер исходного кода</a:t>
-            </a:r>
-          </a:p>
-          <a:p>
-            <a:pPr lvl="1"/>
-            <a:r>
-              <a:rPr lang="ru-RU" dirty="0">
-                <a:solidFill>
-                  <a:schemeClr val="bg1"/>
-                </a:solidFill>
-              </a:rPr>
-              <a:t>Размер исполняемого кода</a:t>
-            </a:r>
-          </a:p>
-          <a:p>
-            <a:endParaRPr lang="ru-RU" dirty="0">
-              <a:solidFill>
-                <a:schemeClr val="bg1"/>
-              </a:solidFill>
-            </a:endParaRPr>
-          </a:p>
-        </p:txBody>
-      </p:sp>
-      <p:sp>
-        <p:nvSpPr>
-          <p:cNvPr id="4" name="Объект 3"/>
-          <p:cNvSpPr>
-            <a:spLocks noGrp="1"/>
-          </p:cNvSpPr>
-          <p:nvPr>
-            <p:ph sz="half" idx="2"/>
-          </p:nvPr>
-        </p:nvSpPr>
-        <p:spPr/>
-        <p:txBody>
-          <a:bodyPr>
-            <a:normAutofit/>
-          </a:bodyPr>
-          <a:lstStyle/>
-          <a:p>
-            <a:r>
-              <a:rPr lang="ru-RU" dirty="0">
-                <a:solidFill>
-                  <a:schemeClr val="bg1"/>
-                </a:solidFill>
-              </a:rPr>
-              <a:t>Компилятор и линкер умеют «оптимизировать» программы</a:t>
-            </a:r>
-          </a:p>
-          <a:p>
-            <a:pPr lvl="1"/>
-            <a:r>
-              <a:rPr lang="ru-RU" dirty="0">
-                <a:solidFill>
-                  <a:schemeClr val="bg1"/>
-                </a:solidFill>
-              </a:rPr>
-              <a:t>Сохраняют корректность </a:t>
-            </a:r>
-          </a:p>
-          <a:p>
-            <a:pPr lvl="1"/>
-            <a:r>
-              <a:rPr lang="ru-RU" dirty="0">
-                <a:solidFill>
-                  <a:schemeClr val="bg1"/>
-                </a:solidFill>
-              </a:rPr>
-              <a:t>Могут менять некорректную программу неожиданным образом</a:t>
-            </a:r>
-          </a:p>
-          <a:p>
-            <a:pPr lvl="1"/>
-            <a:r>
-              <a:rPr lang="ru-RU" dirty="0">
-                <a:solidFill>
-                  <a:schemeClr val="bg1"/>
-                </a:solidFill>
-              </a:rPr>
-              <a:t>Могут </a:t>
-            </a:r>
-            <a:r>
-              <a:rPr lang="ru-RU" i="1" dirty="0">
-                <a:solidFill>
-                  <a:schemeClr val="bg1"/>
-                </a:solidFill>
-              </a:rPr>
-              <a:t>ухудшать </a:t>
-            </a:r>
-            <a:r>
-              <a:rPr lang="ru-RU" dirty="0">
-                <a:solidFill>
-                  <a:schemeClr val="bg1"/>
-                </a:solidFill>
-              </a:rPr>
-              <a:t>количественные характеристики программы</a:t>
-            </a:r>
-          </a:p>
-          <a:p>
-            <a:endParaRPr lang="ru-RU" dirty="0">
-              <a:solidFill>
-                <a:schemeClr val="bg1"/>
-              </a:solidFill>
-            </a:endParaRPr>
-          </a:p>
-        </p:txBody>
-      </p:sp>
-    </p:spTree>
-    <p:extLst>
-      <p:ext uri="{BB962C8B-B14F-4D97-AF65-F5344CB8AC3E}">
-        <p14:creationId xmlns:p14="http://schemas.microsoft.com/office/powerpoint/2010/main" val="1216889432"/>
-      </p:ext>
-    </p:extLst>
-  </p:cSld>
-  <p:clrMapOvr>
-    <a:masterClrMapping/>
-  </p:clrMapOvr>
-</p:sld>
-</file>
-
-<file path=ppt/slides/slide62.xml><?xml version="1.0" encoding="utf-8"?>
-<p:sld xmlns:a="http://schemas.openxmlformats.org/drawingml/2006/main" xmlns:r="http://schemas.openxmlformats.org/officeDocument/2006/relationships" xmlns:p="http://schemas.openxmlformats.org/presentationml/2006/main">
-  <p:cSld>
-    <p:spTree>
-      <p:nvGrpSpPr>
-        <p:cNvPr id="1" name=""/>
-        <p:cNvGrpSpPr/>
-        <p:nvPr/>
-      </p:nvGrpSpPr>
-      <p:grpSpPr>
-        <a:xfrm>
-          <a:off x="0" y="0"/>
-          <a:ext cx="0" cy="0"/>
-          <a:chOff x="0" y="0"/>
-          <a:chExt cx="0" cy="0"/>
-        </a:xfrm>
-      </p:grpSpPr>
-      <p:sp>
-        <p:nvSpPr>
-          <p:cNvPr id="2" name="Title 1"/>
-          <p:cNvSpPr>
-            <a:spLocks noGrp="1"/>
-          </p:cNvSpPr>
-          <p:nvPr>
-            <p:ph type="title"/>
-          </p:nvPr>
-        </p:nvSpPr>
-        <p:spPr/>
-        <p:txBody>
-          <a:bodyPr/>
-          <a:lstStyle/>
-          <a:p>
-            <a:r>
-              <a:rPr lang="ru-RU" dirty="0"/>
-              <a:t>Оптимизация</a:t>
-            </a:r>
-          </a:p>
-        </p:txBody>
-      </p:sp>
-      <p:sp>
-        <p:nvSpPr>
-          <p:cNvPr id="3" name="Content Placeholder 2"/>
-          <p:cNvSpPr>
-            <a:spLocks noGrp="1"/>
-          </p:cNvSpPr>
-          <p:nvPr>
-            <p:ph sz="half" idx="1"/>
-          </p:nvPr>
-        </p:nvSpPr>
-        <p:spPr/>
-        <p:txBody>
-          <a:bodyPr>
-            <a:normAutofit/>
-          </a:bodyPr>
-          <a:lstStyle/>
-          <a:p>
-            <a:r>
-              <a:rPr lang="ru-RU" dirty="0"/>
-              <a:t>Оптимизация – это улучшение количественных характеристик программы</a:t>
-            </a:r>
-          </a:p>
-          <a:p>
-            <a:pPr lvl="1"/>
-            <a:r>
-              <a:rPr lang="ru-RU" dirty="0">
-                <a:solidFill>
-                  <a:schemeClr val="bg1"/>
-                </a:solidFill>
-              </a:rPr>
-              <a:t>Время компиляции</a:t>
-            </a:r>
-          </a:p>
-          <a:p>
-            <a:pPr lvl="1"/>
-            <a:r>
-              <a:rPr lang="ru-RU" dirty="0">
-                <a:solidFill>
-                  <a:schemeClr val="bg1"/>
-                </a:solidFill>
-              </a:rPr>
-              <a:t>Время загрузки</a:t>
-            </a:r>
-          </a:p>
-          <a:p>
-            <a:pPr lvl="1"/>
-            <a:r>
-              <a:rPr lang="ru-RU" dirty="0">
-                <a:solidFill>
-                  <a:schemeClr val="bg1"/>
-                </a:solidFill>
-              </a:rPr>
-              <a:t>Время работы</a:t>
-            </a:r>
-          </a:p>
-          <a:p>
-            <a:pPr lvl="1"/>
-            <a:r>
-              <a:rPr lang="ru-RU" dirty="0">
-                <a:solidFill>
-                  <a:schemeClr val="bg1"/>
-                </a:solidFill>
-              </a:rPr>
-              <a:t>Размер используемой памяти (данных на диске)</a:t>
-            </a:r>
-          </a:p>
-          <a:p>
-            <a:pPr lvl="1"/>
-            <a:r>
-              <a:rPr lang="ru-RU" dirty="0">
-                <a:solidFill>
-                  <a:schemeClr val="bg1"/>
-                </a:solidFill>
-              </a:rPr>
-              <a:t>Размер исходного кода</a:t>
-            </a:r>
-          </a:p>
-          <a:p>
-            <a:pPr lvl="1"/>
-            <a:r>
-              <a:rPr lang="ru-RU" dirty="0">
-                <a:solidFill>
-                  <a:schemeClr val="bg1"/>
-                </a:solidFill>
-              </a:rPr>
-              <a:t>Размер исполняемого кода</a:t>
-            </a:r>
-          </a:p>
-          <a:p>
-            <a:endParaRPr lang="ru-RU" dirty="0"/>
-          </a:p>
-        </p:txBody>
-      </p:sp>
-      <p:sp>
-        <p:nvSpPr>
-          <p:cNvPr id="4" name="Объект 3"/>
-          <p:cNvSpPr>
-            <a:spLocks noGrp="1"/>
-          </p:cNvSpPr>
-          <p:nvPr>
-            <p:ph sz="half" idx="2"/>
-          </p:nvPr>
-        </p:nvSpPr>
-        <p:spPr/>
-        <p:txBody>
-          <a:bodyPr>
-            <a:normAutofit/>
-          </a:bodyPr>
-          <a:lstStyle/>
-          <a:p>
-            <a:r>
-              <a:rPr lang="ru-RU" dirty="0">
-                <a:solidFill>
-                  <a:schemeClr val="bg1"/>
-                </a:solidFill>
-              </a:rPr>
-              <a:t>Компилятор и линкер умеют «оптимизировать» программы</a:t>
-            </a:r>
-          </a:p>
-          <a:p>
-            <a:pPr lvl="1"/>
-            <a:r>
-              <a:rPr lang="ru-RU" dirty="0">
-                <a:solidFill>
-                  <a:schemeClr val="bg1"/>
-                </a:solidFill>
-              </a:rPr>
-              <a:t>Сохраняют корректность </a:t>
-            </a:r>
-          </a:p>
-          <a:p>
-            <a:pPr lvl="1"/>
-            <a:r>
-              <a:rPr lang="ru-RU" dirty="0">
-                <a:solidFill>
-                  <a:schemeClr val="bg1"/>
-                </a:solidFill>
-              </a:rPr>
-              <a:t>Могут менять некорректную программу неожиданным образом</a:t>
-            </a:r>
-          </a:p>
-          <a:p>
-            <a:pPr lvl="1"/>
-            <a:r>
-              <a:rPr lang="ru-RU" dirty="0">
-                <a:solidFill>
-                  <a:schemeClr val="bg1"/>
-                </a:solidFill>
-              </a:rPr>
-              <a:t>Могут </a:t>
-            </a:r>
-            <a:r>
-              <a:rPr lang="ru-RU" i="1" dirty="0">
-                <a:solidFill>
-                  <a:schemeClr val="bg1"/>
-                </a:solidFill>
-              </a:rPr>
-              <a:t>ухудшать </a:t>
-            </a:r>
-            <a:r>
-              <a:rPr lang="ru-RU" dirty="0">
-                <a:solidFill>
-                  <a:schemeClr val="bg1"/>
-                </a:solidFill>
-              </a:rPr>
-              <a:t>количественные характеристики программы</a:t>
-            </a:r>
-          </a:p>
-          <a:p>
-            <a:endParaRPr lang="ru-RU" dirty="0">
-              <a:solidFill>
-                <a:schemeClr val="bg1"/>
-              </a:solidFill>
-            </a:endParaRPr>
-          </a:p>
-        </p:txBody>
-      </p:sp>
-    </p:spTree>
-    <p:extLst>
-      <p:ext uri="{BB962C8B-B14F-4D97-AF65-F5344CB8AC3E}">
-        <p14:creationId xmlns:p14="http://schemas.microsoft.com/office/powerpoint/2010/main" val="1843727217"/>
-      </p:ext>
-    </p:extLst>
-  </p:cSld>
-  <p:clrMapOvr>
-    <a:masterClrMapping/>
-  </p:clrMapOvr>
-</p:sld>
-</file>
-
-<file path=ppt/slides/slide63.xml><?xml version="1.0" encoding="utf-8"?>
-<p:sld xmlns:a="http://schemas.openxmlformats.org/drawingml/2006/main" xmlns:r="http://schemas.openxmlformats.org/officeDocument/2006/relationships" xmlns:p="http://schemas.openxmlformats.org/presentationml/2006/main">
-  <p:cSld>
-    <p:spTree>
-      <p:nvGrpSpPr>
-        <p:cNvPr id="1" name=""/>
-        <p:cNvGrpSpPr/>
-        <p:nvPr/>
-      </p:nvGrpSpPr>
-      <p:grpSpPr>
-        <a:xfrm>
-          <a:off x="0" y="0"/>
-          <a:ext cx="0" cy="0"/>
-          <a:chOff x="0" y="0"/>
-          <a:chExt cx="0" cy="0"/>
-        </a:xfrm>
-      </p:grpSpPr>
-      <p:sp>
-        <p:nvSpPr>
-          <p:cNvPr id="2" name="Title 1"/>
-          <p:cNvSpPr>
-            <a:spLocks noGrp="1"/>
-          </p:cNvSpPr>
-          <p:nvPr>
-            <p:ph type="title"/>
-          </p:nvPr>
-        </p:nvSpPr>
-        <p:spPr/>
-        <p:txBody>
-          <a:bodyPr/>
-          <a:lstStyle/>
-          <a:p>
-            <a:r>
-              <a:rPr lang="ru-RU" dirty="0"/>
-              <a:t>Оптимизация</a:t>
-            </a:r>
-          </a:p>
-        </p:txBody>
-      </p:sp>
-      <p:sp>
-        <p:nvSpPr>
-          <p:cNvPr id="3" name="Content Placeholder 2"/>
-          <p:cNvSpPr>
-            <a:spLocks noGrp="1"/>
-          </p:cNvSpPr>
-          <p:nvPr>
-            <p:ph sz="half" idx="1"/>
-          </p:nvPr>
-        </p:nvSpPr>
-        <p:spPr/>
-        <p:txBody>
-          <a:bodyPr>
-            <a:normAutofit/>
-          </a:bodyPr>
-          <a:lstStyle/>
-          <a:p>
-            <a:r>
-              <a:rPr lang="ru-RU" dirty="0"/>
-              <a:t>Оптимизация – это улучшение количественных характеристик программы</a:t>
-            </a:r>
-          </a:p>
-          <a:p>
-            <a:pPr lvl="1"/>
-            <a:r>
-              <a:rPr lang="ru-RU" dirty="0"/>
-              <a:t>Время компиляции</a:t>
-            </a:r>
-          </a:p>
-          <a:p>
-            <a:pPr lvl="1"/>
-            <a:r>
-              <a:rPr lang="ru-RU" dirty="0"/>
-              <a:t>Время загрузки</a:t>
-            </a:r>
-          </a:p>
-          <a:p>
-            <a:pPr lvl="1"/>
-            <a:r>
-              <a:rPr lang="ru-RU" dirty="0"/>
-              <a:t>Время работы</a:t>
-            </a:r>
-          </a:p>
-          <a:p>
-            <a:pPr lvl="1"/>
-            <a:r>
-              <a:rPr lang="ru-RU" dirty="0"/>
-              <a:t>Размер используемой памяти (данных на диске)</a:t>
-            </a:r>
-          </a:p>
-          <a:p>
-            <a:pPr lvl="1"/>
-            <a:r>
-              <a:rPr lang="ru-RU" dirty="0"/>
-              <a:t>Размер исходного кода</a:t>
-            </a:r>
-          </a:p>
-          <a:p>
-            <a:pPr lvl="1"/>
-            <a:r>
-              <a:rPr lang="ru-RU" dirty="0"/>
-              <a:t>Размер исполняемого кода</a:t>
-            </a:r>
-          </a:p>
-          <a:p>
-            <a:endParaRPr lang="ru-RU" dirty="0"/>
-          </a:p>
-        </p:txBody>
-      </p:sp>
-      <p:sp>
-        <p:nvSpPr>
-          <p:cNvPr id="4" name="Объект 3"/>
-          <p:cNvSpPr>
-            <a:spLocks noGrp="1"/>
-          </p:cNvSpPr>
-          <p:nvPr>
-            <p:ph sz="half" idx="2"/>
-          </p:nvPr>
-        </p:nvSpPr>
-        <p:spPr/>
-        <p:txBody>
-          <a:bodyPr>
-            <a:normAutofit/>
-          </a:bodyPr>
-          <a:lstStyle/>
-          <a:p>
-            <a:r>
-              <a:rPr lang="ru-RU" dirty="0">
-                <a:solidFill>
-                  <a:schemeClr val="bg1"/>
-                </a:solidFill>
-              </a:rPr>
-              <a:t>Компилятор и линкер умеют «оптимизировать» программы</a:t>
-            </a:r>
-          </a:p>
-          <a:p>
-            <a:pPr lvl="1"/>
-            <a:r>
-              <a:rPr lang="ru-RU" dirty="0">
-                <a:solidFill>
-                  <a:schemeClr val="bg1"/>
-                </a:solidFill>
-              </a:rPr>
-              <a:t>Сохраняют корректность </a:t>
-            </a:r>
-          </a:p>
-          <a:p>
-            <a:pPr lvl="1"/>
-            <a:r>
-              <a:rPr lang="ru-RU" dirty="0">
-                <a:solidFill>
-                  <a:schemeClr val="bg1"/>
-                </a:solidFill>
-              </a:rPr>
-              <a:t>Могут менять некорректную программу неожиданным образом</a:t>
-            </a:r>
-          </a:p>
-          <a:p>
-            <a:pPr lvl="1"/>
-            <a:r>
-              <a:rPr lang="ru-RU" dirty="0">
-                <a:solidFill>
-                  <a:schemeClr val="bg1"/>
-                </a:solidFill>
-              </a:rPr>
-              <a:t>Могут </a:t>
-            </a:r>
-            <a:r>
-              <a:rPr lang="ru-RU" i="1" dirty="0">
-                <a:solidFill>
-                  <a:schemeClr val="bg1"/>
-                </a:solidFill>
-              </a:rPr>
-              <a:t>ухудшать </a:t>
-            </a:r>
-            <a:r>
-              <a:rPr lang="ru-RU" dirty="0">
-                <a:solidFill>
-                  <a:schemeClr val="bg1"/>
-                </a:solidFill>
-              </a:rPr>
-              <a:t>количественные характеристики программы</a:t>
-            </a:r>
-          </a:p>
-          <a:p>
-            <a:endParaRPr lang="ru-RU" dirty="0">
-              <a:solidFill>
-                <a:schemeClr val="bg1"/>
-              </a:solidFill>
-            </a:endParaRPr>
-          </a:p>
-        </p:txBody>
-      </p:sp>
-    </p:spTree>
-    <p:extLst>
-      <p:ext uri="{BB962C8B-B14F-4D97-AF65-F5344CB8AC3E}">
-        <p14:creationId xmlns:p14="http://schemas.microsoft.com/office/powerpoint/2010/main" val="2244281674"/>
-      </p:ext>
-    </p:extLst>
-  </p:cSld>
-  <p:clrMapOvr>
-    <a:masterClrMapping/>
-  </p:clrMapOvr>
-</p:sld>
-</file>
-
-<file path=ppt/slides/slide64.xml><?xml version="1.0" encoding="utf-8"?>
-<p:sld xmlns:a="http://schemas.openxmlformats.org/drawingml/2006/main" xmlns:r="http://schemas.openxmlformats.org/officeDocument/2006/relationships" xmlns:p="http://schemas.openxmlformats.org/presentationml/2006/main">
-  <p:cSld>
-    <p:spTree>
-      <p:nvGrpSpPr>
-        <p:cNvPr id="1" name=""/>
-        <p:cNvGrpSpPr/>
-        <p:nvPr/>
-      </p:nvGrpSpPr>
-      <p:grpSpPr>
-        <a:xfrm>
-          <a:off x="0" y="0"/>
-          <a:ext cx="0" cy="0"/>
-          <a:chOff x="0" y="0"/>
-          <a:chExt cx="0" cy="0"/>
-        </a:xfrm>
-      </p:grpSpPr>
-      <p:sp>
-        <p:nvSpPr>
-          <p:cNvPr id="2" name="Title 1"/>
-          <p:cNvSpPr>
-            <a:spLocks noGrp="1"/>
-          </p:cNvSpPr>
-          <p:nvPr>
-            <p:ph type="title"/>
-          </p:nvPr>
-        </p:nvSpPr>
-        <p:spPr/>
-        <p:txBody>
-          <a:bodyPr/>
-          <a:lstStyle/>
-          <a:p>
-            <a:r>
-              <a:rPr lang="ru-RU" dirty="0"/>
-              <a:t>Оптимизация</a:t>
-            </a:r>
-          </a:p>
-        </p:txBody>
-      </p:sp>
-      <p:sp>
-        <p:nvSpPr>
-          <p:cNvPr id="3" name="Content Placeholder 2"/>
-          <p:cNvSpPr>
-            <a:spLocks noGrp="1"/>
-          </p:cNvSpPr>
-          <p:nvPr>
-            <p:ph sz="half" idx="1"/>
-          </p:nvPr>
-        </p:nvSpPr>
-        <p:spPr/>
-        <p:txBody>
-          <a:bodyPr>
-            <a:normAutofit/>
-          </a:bodyPr>
-          <a:lstStyle/>
-          <a:p>
-            <a:r>
-              <a:rPr lang="ru-RU" dirty="0"/>
-              <a:t>Оптимизация – это улучшение количественных характеристик программы</a:t>
-            </a:r>
-          </a:p>
-          <a:p>
-            <a:pPr lvl="1"/>
-            <a:r>
-              <a:rPr lang="ru-RU" dirty="0"/>
-              <a:t>Время компиляции</a:t>
-            </a:r>
-          </a:p>
-          <a:p>
-            <a:pPr lvl="1"/>
-            <a:r>
-              <a:rPr lang="ru-RU" dirty="0"/>
-              <a:t>Время загрузки</a:t>
-            </a:r>
-          </a:p>
-          <a:p>
-            <a:pPr lvl="1"/>
-            <a:r>
-              <a:rPr lang="ru-RU" dirty="0"/>
-              <a:t>Время работы</a:t>
-            </a:r>
-          </a:p>
-          <a:p>
-            <a:pPr lvl="1"/>
-            <a:r>
-              <a:rPr lang="ru-RU" dirty="0"/>
-              <a:t>Размер используемой памяти (данных на диске)</a:t>
-            </a:r>
-          </a:p>
-          <a:p>
-            <a:pPr lvl="1"/>
-            <a:r>
-              <a:rPr lang="ru-RU" dirty="0"/>
-              <a:t>Размер исходного кода</a:t>
-            </a:r>
-          </a:p>
-          <a:p>
-            <a:pPr lvl="1"/>
-            <a:r>
-              <a:rPr lang="ru-RU" dirty="0"/>
-              <a:t>Размер исполняемого кода</a:t>
-            </a:r>
-          </a:p>
-          <a:p>
-            <a:endParaRPr lang="ru-RU" dirty="0"/>
-          </a:p>
-        </p:txBody>
-      </p:sp>
-      <p:sp>
-        <p:nvSpPr>
-          <p:cNvPr id="4" name="Объект 3"/>
-          <p:cNvSpPr>
-            <a:spLocks noGrp="1"/>
-          </p:cNvSpPr>
-          <p:nvPr>
-            <p:ph sz="half" idx="2"/>
-          </p:nvPr>
-        </p:nvSpPr>
-        <p:spPr/>
-        <p:txBody>
-          <a:bodyPr>
-            <a:normAutofit/>
-          </a:bodyPr>
-          <a:lstStyle/>
-          <a:p>
-            <a:r>
-              <a:rPr lang="ru-RU" dirty="0"/>
-              <a:t>Компилятор и линкер умеют «оптимизировать» программы</a:t>
-            </a:r>
-          </a:p>
-          <a:p>
-            <a:pPr lvl="1"/>
-            <a:r>
-              <a:rPr lang="ru-RU" dirty="0">
-                <a:solidFill>
-                  <a:schemeClr val="bg1"/>
-                </a:solidFill>
-              </a:rPr>
-              <a:t>Сохраняют корректность </a:t>
-            </a:r>
-          </a:p>
-          <a:p>
-            <a:pPr lvl="1"/>
-            <a:r>
-              <a:rPr lang="ru-RU" dirty="0">
-                <a:solidFill>
-                  <a:schemeClr val="bg1"/>
-                </a:solidFill>
-              </a:rPr>
-              <a:t>Могут менять некорректную программу неожиданным образом</a:t>
-            </a:r>
-          </a:p>
-          <a:p>
-            <a:pPr lvl="1"/>
-            <a:r>
-              <a:rPr lang="ru-RU" dirty="0">
-                <a:solidFill>
-                  <a:schemeClr val="bg1"/>
-                </a:solidFill>
-              </a:rPr>
-              <a:t>Могут </a:t>
-            </a:r>
-            <a:r>
-              <a:rPr lang="ru-RU" i="1" dirty="0">
-                <a:solidFill>
-                  <a:schemeClr val="bg1"/>
-                </a:solidFill>
-              </a:rPr>
-              <a:t>ухудшать </a:t>
-            </a:r>
-            <a:r>
-              <a:rPr lang="ru-RU" dirty="0">
-                <a:solidFill>
-                  <a:schemeClr val="bg1"/>
-                </a:solidFill>
-              </a:rPr>
-              <a:t>количественные характеристики программы</a:t>
-            </a:r>
-          </a:p>
-          <a:p>
-            <a:endParaRPr lang="ru-RU" dirty="0"/>
-          </a:p>
-        </p:txBody>
-      </p:sp>
-    </p:spTree>
-    <p:extLst>
-      <p:ext uri="{BB962C8B-B14F-4D97-AF65-F5344CB8AC3E}">
-        <p14:creationId xmlns:p14="http://schemas.microsoft.com/office/powerpoint/2010/main" val="1143527354"/>
-      </p:ext>
-    </p:extLst>
-  </p:cSld>
-  <p:clrMapOvr>
-    <a:masterClrMapping/>
-  </p:clrMapOvr>
-</p:sld>
-</file>
-
-<file path=ppt/slides/slide65.xml><?xml version="1.0" encoding="utf-8"?>
-<p:sld xmlns:a="http://schemas.openxmlformats.org/drawingml/2006/main" xmlns:r="http://schemas.openxmlformats.org/officeDocument/2006/relationships" xmlns:p="http://schemas.openxmlformats.org/presentationml/2006/main">
-  <p:cSld>
-    <p:spTree>
-      <p:nvGrpSpPr>
-        <p:cNvPr id="1" name=""/>
-        <p:cNvGrpSpPr/>
-        <p:nvPr/>
-      </p:nvGrpSpPr>
-      <p:grpSpPr>
-        <a:xfrm>
-          <a:off x="0" y="0"/>
-          <a:ext cx="0" cy="0"/>
-          <a:chOff x="0" y="0"/>
-          <a:chExt cx="0" cy="0"/>
-        </a:xfrm>
-      </p:grpSpPr>
-      <p:sp>
-        <p:nvSpPr>
-          <p:cNvPr id="2" name="Title 1"/>
-          <p:cNvSpPr>
-            <a:spLocks noGrp="1"/>
-          </p:cNvSpPr>
-          <p:nvPr>
-            <p:ph type="title"/>
-          </p:nvPr>
-        </p:nvSpPr>
-        <p:spPr/>
-        <p:txBody>
-          <a:bodyPr/>
-          <a:lstStyle/>
-          <a:p>
-            <a:r>
-              <a:rPr lang="ru-RU" dirty="0"/>
-              <a:t>Оптимизация</a:t>
-            </a:r>
-          </a:p>
-        </p:txBody>
-      </p:sp>
-      <p:sp>
-        <p:nvSpPr>
-          <p:cNvPr id="3" name="Content Placeholder 2"/>
-          <p:cNvSpPr>
-            <a:spLocks noGrp="1"/>
-          </p:cNvSpPr>
-          <p:nvPr>
-            <p:ph sz="half" idx="1"/>
-          </p:nvPr>
-        </p:nvSpPr>
-        <p:spPr/>
-        <p:txBody>
-          <a:bodyPr>
-            <a:normAutofit/>
-          </a:bodyPr>
-          <a:lstStyle/>
-          <a:p>
-            <a:r>
-              <a:rPr lang="ru-RU" dirty="0"/>
-              <a:t>Оптимизация – это улучшение количественных характеристик программы</a:t>
-            </a:r>
-          </a:p>
-          <a:p>
-            <a:pPr lvl="1"/>
-            <a:r>
-              <a:rPr lang="ru-RU" dirty="0"/>
-              <a:t>Время компиляции</a:t>
-            </a:r>
-          </a:p>
-          <a:p>
-            <a:pPr lvl="1"/>
-            <a:r>
-              <a:rPr lang="ru-RU" dirty="0"/>
-              <a:t>Время загрузки</a:t>
-            </a:r>
-          </a:p>
-          <a:p>
-            <a:pPr lvl="1"/>
-            <a:r>
-              <a:rPr lang="ru-RU" dirty="0"/>
-              <a:t>Время работы</a:t>
-            </a:r>
-          </a:p>
-          <a:p>
-            <a:pPr lvl="1"/>
-            <a:r>
-              <a:rPr lang="ru-RU" dirty="0"/>
-              <a:t>Размер используемой памяти (данных на диске)</a:t>
-            </a:r>
-          </a:p>
-          <a:p>
-            <a:pPr lvl="1"/>
-            <a:r>
-              <a:rPr lang="ru-RU" dirty="0"/>
-              <a:t>Размер исходного кода</a:t>
-            </a:r>
-          </a:p>
-          <a:p>
-            <a:pPr lvl="1"/>
-            <a:r>
-              <a:rPr lang="ru-RU" dirty="0"/>
-              <a:t>Размер исполняемого кода</a:t>
-            </a:r>
-          </a:p>
-          <a:p>
-            <a:endParaRPr lang="ru-RU" dirty="0"/>
-          </a:p>
-        </p:txBody>
-      </p:sp>
-      <p:sp>
-        <p:nvSpPr>
-          <p:cNvPr id="4" name="Объект 3"/>
-          <p:cNvSpPr>
-            <a:spLocks noGrp="1"/>
-          </p:cNvSpPr>
-          <p:nvPr>
-            <p:ph sz="half" idx="2"/>
-          </p:nvPr>
-        </p:nvSpPr>
-        <p:spPr/>
-        <p:txBody>
-          <a:bodyPr>
-            <a:normAutofit/>
-          </a:bodyPr>
-          <a:lstStyle/>
-          <a:p>
-            <a:r>
-              <a:rPr lang="ru-RU" dirty="0"/>
-              <a:t>Компилятор и линкер умеют «оптимизировать» программы</a:t>
-            </a:r>
-          </a:p>
-          <a:p>
-            <a:pPr lvl="1"/>
-            <a:r>
-              <a:rPr lang="ru-RU" dirty="0"/>
-              <a:t>Сохраняют корректность </a:t>
-            </a:r>
-          </a:p>
-          <a:p>
-            <a:pPr lvl="1"/>
-            <a:r>
-              <a:rPr lang="ru-RU" dirty="0"/>
-              <a:t>Могут менять некорректную программу неожиданным образом</a:t>
-            </a:r>
-          </a:p>
-          <a:p>
-            <a:pPr lvl="1"/>
-            <a:r>
-              <a:rPr lang="ru-RU" dirty="0"/>
-              <a:t>Могут </a:t>
-            </a:r>
-            <a:r>
-              <a:rPr lang="ru-RU" i="1" dirty="0"/>
-              <a:t>ухудшать </a:t>
-            </a:r>
-            <a:r>
-              <a:rPr lang="ru-RU" dirty="0"/>
-              <a:t>количественные характеристики программы</a:t>
-            </a:r>
-          </a:p>
-          <a:p>
-            <a:endParaRPr lang="ru-RU" dirty="0"/>
-          </a:p>
-        </p:txBody>
-      </p:sp>
-    </p:spTree>
-    <p:extLst>
-      <p:ext uri="{BB962C8B-B14F-4D97-AF65-F5344CB8AC3E}">
-        <p14:creationId xmlns:p14="http://schemas.microsoft.com/office/powerpoint/2010/main" val="1195290297"/>
-      </p:ext>
-    </p:extLst>
-  </p:cSld>
-  <p:clrMapOvr>
-    <a:masterClrMapping/>
-  </p:clrMapOvr>
-</p:sld>
-</file>
-
-<file path=ppt/slides/slide66.xml><?xml version="1.0" encoding="utf-8"?>
-<p:sld xmlns:a="http://schemas.openxmlformats.org/drawingml/2006/main" xmlns:r="http://schemas.openxmlformats.org/officeDocument/2006/relationships" xmlns:p="http://schemas.openxmlformats.org/presentationml/2006/main">
-  <p:cSld>
-    <p:spTree>
-      <p:nvGrpSpPr>
-        <p:cNvPr id="1" name=""/>
-        <p:cNvGrpSpPr/>
-        <p:nvPr/>
-      </p:nvGrpSpPr>
-      <p:grpSpPr>
-        <a:xfrm>
-          <a:off x="0" y="0"/>
-          <a:ext cx="0" cy="0"/>
-          <a:chOff x="0" y="0"/>
-          <a:chExt cx="0" cy="0"/>
-        </a:xfrm>
-      </p:grpSpPr>
-      <p:sp>
-        <p:nvSpPr>
-          <p:cNvPr id="2" name="Title 1"/>
-          <p:cNvSpPr>
-            <a:spLocks noGrp="1"/>
-          </p:cNvSpPr>
-          <p:nvPr>
-            <p:ph type="title"/>
-          </p:nvPr>
-        </p:nvSpPr>
-        <p:spPr/>
-        <p:txBody>
-          <a:bodyPr/>
-          <a:lstStyle/>
-          <a:p>
-            <a:r>
-              <a:rPr lang="ru-RU" dirty="0"/>
-              <a:t>Тестирование</a:t>
-            </a:r>
-          </a:p>
-        </p:txBody>
-      </p:sp>
-      <p:sp>
-        <p:nvSpPr>
-          <p:cNvPr id="3" name="Content Placeholder 2"/>
-          <p:cNvSpPr>
-            <a:spLocks noGrp="1"/>
-          </p:cNvSpPr>
-          <p:nvPr>
-            <p:ph idx="1"/>
-          </p:nvPr>
-        </p:nvSpPr>
-        <p:spPr/>
-        <p:txBody>
-          <a:bodyPr>
-            <a:normAutofit/>
-          </a:bodyPr>
-          <a:lstStyle/>
-          <a:p>
-            <a:r>
-              <a:rPr lang="ru-RU" dirty="0">
-                <a:solidFill>
-                  <a:schemeClr val="bg1"/>
-                </a:solidFill>
-              </a:rPr>
-              <a:t>Тестирование – это обнаружение ошибок, вносимых в программу в процессе изменений</a:t>
-            </a:r>
-          </a:p>
-          <a:p>
-            <a:pPr lvl="1"/>
-            <a:r>
-              <a:rPr lang="ru-RU" dirty="0">
-                <a:solidFill>
-                  <a:schemeClr val="bg1"/>
-                </a:solidFill>
-              </a:rPr>
-              <a:t>Юнит</a:t>
-            </a:r>
-          </a:p>
-          <a:p>
-            <a:pPr lvl="1"/>
-            <a:r>
-              <a:rPr lang="ru-RU" dirty="0">
-                <a:solidFill>
-                  <a:schemeClr val="bg1"/>
-                </a:solidFill>
-              </a:rPr>
-              <a:t>Интеграционное</a:t>
-            </a:r>
-          </a:p>
-          <a:p>
-            <a:pPr lvl="1"/>
-            <a:r>
-              <a:rPr lang="ru-RU" dirty="0">
-                <a:solidFill>
-                  <a:schemeClr val="bg1"/>
-                </a:solidFill>
-              </a:rPr>
-              <a:t>Нагрузочное</a:t>
-            </a:r>
-          </a:p>
-          <a:p>
-            <a:pPr lvl="1"/>
-            <a:r>
-              <a:rPr lang="ru-RU" dirty="0">
-                <a:solidFill>
-                  <a:schemeClr val="bg1"/>
-                </a:solidFill>
-              </a:rPr>
-              <a:t>Производительности</a:t>
-            </a:r>
-          </a:p>
-          <a:p>
-            <a:endParaRPr lang="ru-RU" dirty="0">
-              <a:solidFill>
-                <a:schemeClr val="bg1"/>
-              </a:solidFill>
-            </a:endParaRPr>
-          </a:p>
-        </p:txBody>
-      </p:sp>
-    </p:spTree>
-    <p:extLst>
-      <p:ext uri="{BB962C8B-B14F-4D97-AF65-F5344CB8AC3E}">
-        <p14:creationId xmlns:p14="http://schemas.microsoft.com/office/powerpoint/2010/main" val="2570084809"/>
-      </p:ext>
-    </p:extLst>
-  </p:cSld>
-  <p:clrMapOvr>
-    <a:masterClrMapping/>
-  </p:clrMapOvr>
-</p:sld>
-</file>
-
-<file path=ppt/slides/slide67.xml><?xml version="1.0" encoding="utf-8"?>
-<p:sld xmlns:a="http://schemas.openxmlformats.org/drawingml/2006/main" xmlns:r="http://schemas.openxmlformats.org/officeDocument/2006/relationships" xmlns:p="http://schemas.openxmlformats.org/presentationml/2006/main">
-  <p:cSld>
-    <p:spTree>
-      <p:nvGrpSpPr>
-        <p:cNvPr id="1" name=""/>
-        <p:cNvGrpSpPr/>
-        <p:nvPr/>
-      </p:nvGrpSpPr>
-      <p:grpSpPr>
-        <a:xfrm>
-          <a:off x="0" y="0"/>
-          <a:ext cx="0" cy="0"/>
-          <a:chOff x="0" y="0"/>
-          <a:chExt cx="0" cy="0"/>
-        </a:xfrm>
-      </p:grpSpPr>
-      <p:sp>
-        <p:nvSpPr>
-          <p:cNvPr id="2" name="Title 1"/>
-          <p:cNvSpPr>
-            <a:spLocks noGrp="1"/>
-          </p:cNvSpPr>
-          <p:nvPr>
-            <p:ph type="title"/>
-          </p:nvPr>
-        </p:nvSpPr>
-        <p:spPr/>
-        <p:txBody>
-          <a:bodyPr/>
-          <a:lstStyle/>
-          <a:p>
-            <a:r>
-              <a:rPr lang="ru-RU" dirty="0"/>
-              <a:t>Тестирование</a:t>
-            </a:r>
-          </a:p>
-        </p:txBody>
-      </p:sp>
-      <p:sp>
-        <p:nvSpPr>
-          <p:cNvPr id="3" name="Content Placeholder 2"/>
-          <p:cNvSpPr>
-            <a:spLocks noGrp="1"/>
-          </p:cNvSpPr>
-          <p:nvPr>
-            <p:ph idx="1"/>
-          </p:nvPr>
-        </p:nvSpPr>
-        <p:spPr/>
-        <p:txBody>
-          <a:bodyPr>
-            <a:normAutofit/>
-          </a:bodyPr>
-          <a:lstStyle/>
-          <a:p>
-            <a:r>
-              <a:rPr lang="ru-RU" dirty="0"/>
-              <a:t>Тестирование – это обнаружение ошибок, вносимых в программу в процессе изменений</a:t>
-            </a:r>
-          </a:p>
-          <a:p>
-            <a:pPr lvl="1"/>
-            <a:r>
-              <a:rPr lang="ru-RU" dirty="0">
-                <a:solidFill>
-                  <a:schemeClr val="bg1"/>
-                </a:solidFill>
-              </a:rPr>
-              <a:t>Юнит</a:t>
-            </a:r>
-          </a:p>
-          <a:p>
-            <a:pPr lvl="1"/>
-            <a:r>
-              <a:rPr lang="ru-RU" dirty="0">
-                <a:solidFill>
-                  <a:schemeClr val="bg1"/>
-                </a:solidFill>
-              </a:rPr>
-              <a:t>Интеграционное</a:t>
-            </a:r>
-          </a:p>
-          <a:p>
-            <a:pPr lvl="1"/>
-            <a:r>
-              <a:rPr lang="ru-RU" dirty="0">
-                <a:solidFill>
-                  <a:schemeClr val="bg1"/>
-                </a:solidFill>
-              </a:rPr>
-              <a:t>Нагрузочное</a:t>
-            </a:r>
-          </a:p>
-          <a:p>
-            <a:pPr lvl="1"/>
-            <a:r>
-              <a:rPr lang="ru-RU" dirty="0">
-                <a:solidFill>
-                  <a:schemeClr val="bg1"/>
-                </a:solidFill>
-              </a:rPr>
-              <a:t>Производительности</a:t>
-            </a:r>
-          </a:p>
-          <a:p>
-            <a:endParaRPr lang="ru-RU" dirty="0"/>
-          </a:p>
-        </p:txBody>
-      </p:sp>
-    </p:spTree>
-    <p:extLst>
-      <p:ext uri="{BB962C8B-B14F-4D97-AF65-F5344CB8AC3E}">
-        <p14:creationId xmlns:p14="http://schemas.microsoft.com/office/powerpoint/2010/main" val="1302378609"/>
-      </p:ext>
-    </p:extLst>
-  </p:cSld>
-  <p:clrMapOvr>
-    <a:masterClrMapping/>
-  </p:clrMapOvr>
-</p:sld>
-</file>
-
-<file path=ppt/slides/slide68.xml><?xml version="1.0" encoding="utf-8"?>
-<p:sld xmlns:a="http://schemas.openxmlformats.org/drawingml/2006/main" xmlns:r="http://schemas.openxmlformats.org/officeDocument/2006/relationships" xmlns:p="http://schemas.openxmlformats.org/presentationml/2006/main">
-  <p:cSld>
-    <p:spTree>
-      <p:nvGrpSpPr>
-        <p:cNvPr id="1" name=""/>
-        <p:cNvGrpSpPr/>
-        <p:nvPr/>
-      </p:nvGrpSpPr>
-      <p:grpSpPr>
-        <a:xfrm>
-          <a:off x="0" y="0"/>
-          <a:ext cx="0" cy="0"/>
-          <a:chOff x="0" y="0"/>
-          <a:chExt cx="0" cy="0"/>
-        </a:xfrm>
-      </p:grpSpPr>
-      <p:sp>
-        <p:nvSpPr>
-          <p:cNvPr id="2" name="Title 1"/>
-          <p:cNvSpPr>
-            <a:spLocks noGrp="1"/>
-          </p:cNvSpPr>
-          <p:nvPr>
-            <p:ph type="title"/>
-          </p:nvPr>
-        </p:nvSpPr>
-        <p:spPr/>
-        <p:txBody>
-          <a:bodyPr/>
-          <a:lstStyle/>
-          <a:p>
-            <a:r>
-              <a:rPr lang="ru-RU" dirty="0"/>
-              <a:t>Тестирование</a:t>
-            </a:r>
-          </a:p>
-        </p:txBody>
-      </p:sp>
-      <p:sp>
-        <p:nvSpPr>
-          <p:cNvPr id="3" name="Content Placeholder 2"/>
-          <p:cNvSpPr>
-            <a:spLocks noGrp="1"/>
-          </p:cNvSpPr>
-          <p:nvPr>
-            <p:ph idx="1"/>
-          </p:nvPr>
-        </p:nvSpPr>
-        <p:spPr/>
-        <p:txBody>
-          <a:bodyPr>
-            <a:normAutofit/>
-          </a:bodyPr>
-          <a:lstStyle/>
-          <a:p>
-            <a:r>
-              <a:rPr lang="ru-RU" dirty="0"/>
-              <a:t>Тестирование – это обнаружение ошибок, вносимых в программу в процессе изменений</a:t>
-            </a:r>
-          </a:p>
-          <a:p>
-            <a:pPr lvl="1"/>
-            <a:r>
-              <a:rPr lang="ru-RU" dirty="0"/>
-              <a:t>Юнит</a:t>
-            </a:r>
-          </a:p>
-          <a:p>
-            <a:pPr lvl="1"/>
-            <a:r>
-              <a:rPr lang="ru-RU" dirty="0"/>
-              <a:t>Интеграционное</a:t>
-            </a:r>
-          </a:p>
-          <a:p>
-            <a:pPr lvl="1"/>
-            <a:r>
-              <a:rPr lang="ru-RU" dirty="0"/>
-              <a:t>Нагрузочное</a:t>
-            </a:r>
-          </a:p>
-          <a:p>
-            <a:pPr lvl="1"/>
-            <a:r>
-              <a:rPr lang="ru-RU" dirty="0"/>
-              <a:t>Производительности</a:t>
-            </a:r>
-          </a:p>
-          <a:p>
-            <a:endParaRPr lang="ru-RU" dirty="0"/>
-          </a:p>
-        </p:txBody>
-      </p:sp>
-    </p:spTree>
-    <p:extLst>
-      <p:ext uri="{BB962C8B-B14F-4D97-AF65-F5344CB8AC3E}">
-        <p14:creationId xmlns:p14="http://schemas.microsoft.com/office/powerpoint/2010/main" val="1605230997"/>
-      </p:ext>
-    </p:extLst>
-  </p:cSld>
-  <p:clrMapOvr>
-    <a:masterClrMapping/>
-  </p:clrMapOvr>
-</p:sld>
-</file>
-
 <file path=ppt/slides/slide69.xml><?xml version="1.0" encoding="utf-8"?>
 <p:sld xmlns:a="http://schemas.openxmlformats.org/drawingml/2006/main" xmlns:r="http://schemas.openxmlformats.org/officeDocument/2006/relationships" xmlns:p="http://schemas.openxmlformats.org/presentationml/2006/main">
   <p:cSld>
@@ -17654,21 +17577,6 @@
               <a:t>16 учебных недель</a:t>
             </a:r>
             <a:endParaRPr lang="en-US" dirty="0"/>
-          </a:p>
-          <a:p>
-            <a:pPr lvl="1"/>
-            <a:r>
-              <a:rPr lang="ru-RU" dirty="0"/>
-              <a:t>1</a:t>
-            </a:r>
-            <a:r>
-              <a:rPr lang="en-US" dirty="0"/>
-              <a:t> </a:t>
-            </a:r>
-            <a:r>
-              <a:rPr lang="ru-RU" dirty="0"/>
-              <a:t>потоковая контрольная работа</a:t>
-            </a:r>
           </a:p>
           <a:p>
             <a:pPr lvl="1"/>
@@ -19596,7 +19504,7 @@
         <p:spPr/>
         <p:txBody>
           <a:bodyPr>
-            <a:normAutofit fontScale="92500" lnSpcReduction="10000"/>
+            <a:normAutofit/>
           </a:bodyPr>
           <a:lstStyle/>
           <a:p>
@@ -19618,47 +19526,25 @@
             </a:r>
           </a:p>
           <a:p>
-            <a:pPr lvl="2"/>
+            <a:pPr lvl="1"/>
             <a:r>
               <a:rPr lang="ru-RU" dirty="0"/>
-              <a:t>Написание исходного кода</a:t>
-            </a:r>
-          </a:p>
-          <a:p>
-            <a:pPr lvl="2"/>
+              <a:t>Написание исходного кода, компиляция, сборка, отладка, оптимизация, тестирование</a:t>
+            </a:r>
+            <a:endParaRPr lang="en-US" dirty="0"/>
+          </a:p>
+          <a:p>
             <a:r>
               <a:rPr lang="ru-RU" dirty="0"/>
-              <a:t>Компиляция исходного кода</a:t>
-            </a:r>
-          </a:p>
-          <a:p>
-            <a:pPr lvl="2"/>
+              <a:t>Инструменты разработки</a:t>
+            </a:r>
+          </a:p>
+          <a:p>
+            <a:pPr lvl="1"/>
             <a:r>
               <a:rPr lang="ru-RU" dirty="0"/>
-              <a:t>Сборка</a:t>
-            </a:r>
-          </a:p>
-          <a:p>
-            <a:pPr lvl="2"/>
-            <a:r>
-              <a:rPr lang="ru-RU" dirty="0"/>
-              <a:t>Отладка</a:t>
-            </a:r>
-          </a:p>
-          <a:p>
-            <a:pPr lvl="2"/>
-            <a:r>
-              <a:rPr lang="ru-RU" dirty="0"/>
-              <a:t>Оптимизация</a:t>
-            </a:r>
-          </a:p>
-          <a:p>
-            <a:pPr lvl="2"/>
-            <a:r>
-              <a:rPr lang="ru-RU" dirty="0"/>
-              <a:t>Тестирование</a:t>
-            </a:r>
-            <a:endParaRPr lang="en-US" dirty="0"/>
+              <a:t>Компилятор, линкер, система сборки, система контроля версий</a:t>
+            </a:r>
           </a:p>
           <a:p>
             <a:r>
@@ -30236,21 +30122,6 @@
             <a:pPr lvl="1"/>
             <a:r>
               <a:rPr lang="ru-RU" dirty="0"/>
-              <a:t>1</a:t>
-            </a:r>
-            <a:r>
-              <a:rPr lang="en-US" dirty="0"/>
-              <a:t> </a:t>
-            </a:r>
-            <a:r>
-              <a:rPr lang="ru-RU" dirty="0"/>
-              <a:t>потоковая контрольная работа</a:t>
-            </a:r>
-          </a:p>
-          <a:p>
-            <a:pPr lvl="1"/>
-            <a:r>
-              <a:rPr lang="ru-RU" dirty="0"/>
               <a:t>Дифференцированный зачёт</a:t>
             </a:r>
           </a:p>
@@ -30268,21 +30139,6 @@
             <a:r>
               <a:rPr lang="ru-RU" dirty="0"/>
               <a:t>16 учебных недель</a:t>
-            </a:r>
-          </a:p>
-          <a:p>
-            <a:pPr lvl="1"/>
-            <a:r>
-              <a:rPr lang="ru-RU" dirty="0"/>
-              <a:t>1</a:t>
-            </a:r>
-            <a:r>
-              <a:rPr lang="en-US" dirty="0"/>
-              <a:t> </a:t>
-            </a:r>
-            <a:r>
-              <a:rPr lang="ru-RU" dirty="0"/>
-              <a:t>потоковая контрольная работа</a:t>
             </a:r>
           </a:p>
           <a:p>

--- a/01 Понятие программы.pptx
+++ b/01 Понятие программы.pptx
@@ -387,7 +387,7 @@
             <a:fld id="{0B58CFEA-3D72-4A90-A9B2-D2B1EEAECCD8}" type="datetimeFigureOut">
               <a:rPr lang="ru-RU" smtClean="0"/>
               <a:pPr/>
-              <a:t>03.09.2022</a:t>
+              <a:t>12.02.2024</a:t>
             </a:fld>
             <a:endParaRPr lang="ru-RU"/>
           </a:p>
@@ -559,7 +559,7 @@
             <a:fld id="{0B58CFEA-3D72-4A90-A9B2-D2B1EEAECCD8}" type="datetimeFigureOut">
               <a:rPr lang="ru-RU" smtClean="0"/>
               <a:pPr/>
-              <a:t>03.09.2022</a:t>
+              <a:t>12.02.2024</a:t>
             </a:fld>
             <a:endParaRPr lang="ru-RU"/>
           </a:p>
@@ -741,7 +741,7 @@
             <a:fld id="{0B58CFEA-3D72-4A90-A9B2-D2B1EEAECCD8}" type="datetimeFigureOut">
               <a:rPr lang="ru-RU" smtClean="0"/>
               <a:pPr/>
-              <a:t>03.09.2022</a:t>
+              <a:t>12.02.2024</a:t>
             </a:fld>
             <a:endParaRPr lang="ru-RU"/>
           </a:p>
@@ -913,7 +913,7 @@
             <a:fld id="{0B58CFEA-3D72-4A90-A9B2-D2B1EEAECCD8}" type="datetimeFigureOut">
               <a:rPr lang="ru-RU" smtClean="0"/>
               <a:pPr/>
-              <a:t>03.09.2022</a:t>
+              <a:t>12.02.2024</a:t>
             </a:fld>
             <a:endParaRPr lang="ru-RU"/>
           </a:p>
@@ -1161,7 +1161,7 @@
             <a:fld id="{0B58CFEA-3D72-4A90-A9B2-D2B1EEAECCD8}" type="datetimeFigureOut">
               <a:rPr lang="ru-RU" smtClean="0"/>
               <a:pPr/>
-              <a:t>03.09.2022</a:t>
+              <a:t>12.02.2024</a:t>
             </a:fld>
             <a:endParaRPr lang="ru-RU"/>
           </a:p>
@@ -1451,7 +1451,7 @@
             <a:fld id="{0B58CFEA-3D72-4A90-A9B2-D2B1EEAECCD8}" type="datetimeFigureOut">
               <a:rPr lang="ru-RU" smtClean="0"/>
               <a:pPr/>
-              <a:t>03.09.2022</a:t>
+              <a:t>12.02.2024</a:t>
             </a:fld>
             <a:endParaRPr lang="ru-RU"/>
           </a:p>
@@ -1875,7 +1875,7 @@
             <a:fld id="{0B58CFEA-3D72-4A90-A9B2-D2B1EEAECCD8}" type="datetimeFigureOut">
               <a:rPr lang="ru-RU" smtClean="0"/>
               <a:pPr/>
-              <a:t>03.09.2022</a:t>
+              <a:t>12.02.2024</a:t>
             </a:fld>
             <a:endParaRPr lang="ru-RU"/>
           </a:p>
@@ -1995,7 +1995,7 @@
             <a:fld id="{0B58CFEA-3D72-4A90-A9B2-D2B1EEAECCD8}" type="datetimeFigureOut">
               <a:rPr lang="ru-RU" smtClean="0"/>
               <a:pPr/>
-              <a:t>03.09.2022</a:t>
+              <a:t>12.02.2024</a:t>
             </a:fld>
             <a:endParaRPr lang="ru-RU"/>
           </a:p>
@@ -2092,7 +2092,7 @@
             <a:fld id="{0B58CFEA-3D72-4A90-A9B2-D2B1EEAECCD8}" type="datetimeFigureOut">
               <a:rPr lang="ru-RU" smtClean="0"/>
               <a:pPr/>
-              <a:t>03.09.2022</a:t>
+              <a:t>12.02.2024</a:t>
             </a:fld>
             <a:endParaRPr lang="ru-RU"/>
           </a:p>
@@ -2371,7 +2371,7 @@
             <a:fld id="{0B58CFEA-3D72-4A90-A9B2-D2B1EEAECCD8}" type="datetimeFigureOut">
               <a:rPr lang="ru-RU" smtClean="0"/>
               <a:pPr/>
-              <a:t>03.09.2022</a:t>
+              <a:t>12.02.2024</a:t>
             </a:fld>
             <a:endParaRPr lang="ru-RU"/>
           </a:p>
@@ -2626,7 +2626,7 @@
             <a:fld id="{0B58CFEA-3D72-4A90-A9B2-D2B1EEAECCD8}" type="datetimeFigureOut">
               <a:rPr lang="ru-RU" smtClean="0"/>
               <a:pPr/>
-              <a:t>03.09.2022</a:t>
+              <a:t>12.02.2024</a:t>
             </a:fld>
             <a:endParaRPr lang="ru-RU"/>
           </a:p>
@@ -2841,7 +2841,7 @@
             <a:fld id="{0B58CFEA-3D72-4A90-A9B2-D2B1EEAECCD8}" type="datetimeFigureOut">
               <a:rPr lang="ru-RU" smtClean="0"/>
               <a:pPr/>
-              <a:t>03.09.2022</a:t>
+              <a:t>12.02.2024</a:t>
             </a:fld>
             <a:endParaRPr lang="ru-RU"/>
           </a:p>

--- a/01 Понятие программы.pptx
+++ b/01 Понятие программы.pptx
@@ -73,21 +73,26 @@
     <p:sldId id="337" r:id="rId67"/>
     <p:sldId id="338" r:id="rId68"/>
     <p:sldId id="339" r:id="rId69"/>
-    <p:sldId id="341" r:id="rId70"/>
-    <p:sldId id="342" r:id="rId71"/>
-    <p:sldId id="343" r:id="rId72"/>
-    <p:sldId id="344" r:id="rId73"/>
-    <p:sldId id="345" r:id="rId74"/>
-    <p:sldId id="278" r:id="rId75"/>
-    <p:sldId id="270" r:id="rId76"/>
-    <p:sldId id="280" r:id="rId77"/>
-    <p:sldId id="281" r:id="rId78"/>
-    <p:sldId id="282" r:id="rId79"/>
-    <p:sldId id="285" r:id="rId80"/>
-    <p:sldId id="264" r:id="rId81"/>
-    <p:sldId id="265" r:id="rId82"/>
-    <p:sldId id="266" r:id="rId83"/>
-    <p:sldId id="267" r:id="rId84"/>
+    <p:sldId id="347" r:id="rId70"/>
+    <p:sldId id="349" r:id="rId71"/>
+    <p:sldId id="350" r:id="rId72"/>
+    <p:sldId id="351" r:id="rId73"/>
+    <p:sldId id="352" r:id="rId74"/>
+    <p:sldId id="341" r:id="rId75"/>
+    <p:sldId id="342" r:id="rId76"/>
+    <p:sldId id="343" r:id="rId77"/>
+    <p:sldId id="344" r:id="rId78"/>
+    <p:sldId id="345" r:id="rId79"/>
+    <p:sldId id="278" r:id="rId80"/>
+    <p:sldId id="270" r:id="rId81"/>
+    <p:sldId id="280" r:id="rId82"/>
+    <p:sldId id="281" r:id="rId83"/>
+    <p:sldId id="282" r:id="rId84"/>
+    <p:sldId id="285" r:id="rId85"/>
+    <p:sldId id="264" r:id="rId86"/>
+    <p:sldId id="265" r:id="rId87"/>
+    <p:sldId id="266" r:id="rId88"/>
+    <p:sldId id="267" r:id="rId89"/>
   </p:sldIdLst>
   <p:sldSz cx="12192000" cy="6858000"/>
   <p:notesSz cx="6858000" cy="9144000"/>
@@ -387,7 +392,7 @@
             <a:fld id="{0B58CFEA-3D72-4A90-A9B2-D2B1EEAECCD8}" type="datetimeFigureOut">
               <a:rPr lang="ru-RU" smtClean="0"/>
               <a:pPr/>
-              <a:t>12.02.2024</a:t>
+              <a:t>29.08.2024</a:t>
             </a:fld>
             <a:endParaRPr lang="ru-RU"/>
           </a:p>
@@ -559,7 +564,7 @@
             <a:fld id="{0B58CFEA-3D72-4A90-A9B2-D2B1EEAECCD8}" type="datetimeFigureOut">
               <a:rPr lang="ru-RU" smtClean="0"/>
               <a:pPr/>
-              <a:t>12.02.2024</a:t>
+              <a:t>29.08.2024</a:t>
             </a:fld>
             <a:endParaRPr lang="ru-RU"/>
           </a:p>
@@ -741,7 +746,7 @@
             <a:fld id="{0B58CFEA-3D72-4A90-A9B2-D2B1EEAECCD8}" type="datetimeFigureOut">
               <a:rPr lang="ru-RU" smtClean="0"/>
               <a:pPr/>
-              <a:t>12.02.2024</a:t>
+              <a:t>29.08.2024</a:t>
             </a:fld>
             <a:endParaRPr lang="ru-RU"/>
           </a:p>
@@ -913,7 +918,7 @@
             <a:fld id="{0B58CFEA-3D72-4A90-A9B2-D2B1EEAECCD8}" type="datetimeFigureOut">
               <a:rPr lang="ru-RU" smtClean="0"/>
               <a:pPr/>
-              <a:t>12.02.2024</a:t>
+              <a:t>29.08.2024</a:t>
             </a:fld>
             <a:endParaRPr lang="ru-RU"/>
           </a:p>
@@ -1161,7 +1166,7 @@
             <a:fld id="{0B58CFEA-3D72-4A90-A9B2-D2B1EEAECCD8}" type="datetimeFigureOut">
               <a:rPr lang="ru-RU" smtClean="0"/>
               <a:pPr/>
-              <a:t>12.02.2024</a:t>
+              <a:t>29.08.2024</a:t>
             </a:fld>
             <a:endParaRPr lang="ru-RU"/>
           </a:p>
@@ -1451,7 +1456,7 @@
             <a:fld id="{0B58CFEA-3D72-4A90-A9B2-D2B1EEAECCD8}" type="datetimeFigureOut">
               <a:rPr lang="ru-RU" smtClean="0"/>
               <a:pPr/>
-              <a:t>12.02.2024</a:t>
+              <a:t>29.08.2024</a:t>
             </a:fld>
             <a:endParaRPr lang="ru-RU"/>
           </a:p>
@@ -1875,7 +1880,7 @@
             <a:fld id="{0B58CFEA-3D72-4A90-A9B2-D2B1EEAECCD8}" type="datetimeFigureOut">
               <a:rPr lang="ru-RU" smtClean="0"/>
               <a:pPr/>
-              <a:t>12.02.2024</a:t>
+              <a:t>29.08.2024</a:t>
             </a:fld>
             <a:endParaRPr lang="ru-RU"/>
           </a:p>
@@ -1995,7 +2000,7 @@
             <a:fld id="{0B58CFEA-3D72-4A90-A9B2-D2B1EEAECCD8}" type="datetimeFigureOut">
               <a:rPr lang="ru-RU" smtClean="0"/>
               <a:pPr/>
-              <a:t>12.02.2024</a:t>
+              <a:t>29.08.2024</a:t>
             </a:fld>
             <a:endParaRPr lang="ru-RU"/>
           </a:p>
@@ -2092,7 +2097,7 @@
             <a:fld id="{0B58CFEA-3D72-4A90-A9B2-D2B1EEAECCD8}" type="datetimeFigureOut">
               <a:rPr lang="ru-RU" smtClean="0"/>
               <a:pPr/>
-              <a:t>12.02.2024</a:t>
+              <a:t>29.08.2024</a:t>
             </a:fld>
             <a:endParaRPr lang="ru-RU"/>
           </a:p>
@@ -2371,7 +2376,7 @@
             <a:fld id="{0B58CFEA-3D72-4A90-A9B2-D2B1EEAECCD8}" type="datetimeFigureOut">
               <a:rPr lang="ru-RU" smtClean="0"/>
               <a:pPr/>
-              <a:t>12.02.2024</a:t>
+              <a:t>29.08.2024</a:t>
             </a:fld>
             <a:endParaRPr lang="ru-RU"/>
           </a:p>
@@ -2626,7 +2631,7 @@
             <a:fld id="{0B58CFEA-3D72-4A90-A9B2-D2B1EEAECCD8}" type="datetimeFigureOut">
               <a:rPr lang="ru-RU" smtClean="0"/>
               <a:pPr/>
-              <a:t>12.02.2024</a:t>
+              <a:t>29.08.2024</a:t>
             </a:fld>
             <a:endParaRPr lang="ru-RU"/>
           </a:p>
@@ -2841,7 +2846,7 @@
             <a:fld id="{0B58CFEA-3D72-4A90-A9B2-D2B1EEAECCD8}" type="datetimeFigureOut">
               <a:rPr lang="ru-RU" smtClean="0"/>
               <a:pPr/>
-              <a:t>12.02.2024</a:t>
+              <a:t>29.08.2024</a:t>
             </a:fld>
             <a:endParaRPr lang="ru-RU"/>
           </a:p>
@@ -6973,41 +6978,6 @@
           </a:p>
         </p:txBody>
       </p:sp>
-      <p:pic>
-        <p:nvPicPr>
-          <p:cNvPr id="6" name="Content Placeholder 5" descr="A picture containing text, mammal, primate, monkey&#10;&#10;Description automatically generated">
-            <a:extLst>
-              <a:ext uri="{FF2B5EF4-FFF2-40B4-BE49-F238E27FC236}">
-                <a16:creationId xmlns:a16="http://schemas.microsoft.com/office/drawing/2014/main" id="{0B911A27-596B-437B-80A7-E3894050B145}"/>
-              </a:ext>
-            </a:extLst>
-          </p:cNvPr>
-          <p:cNvPicPr>
-            <a:picLocks noGrp="1" noChangeAspect="1"/>
-          </p:cNvPicPr>
-          <p:nvPr>
-            <p:ph sz="half" idx="1"/>
-          </p:nvPr>
-        </p:nvPicPr>
-        <p:blipFill>
-          <a:blip r:embed="rId2">
-            <a:extLst>
-              <a:ext uri="{28A0092B-C50C-407E-A947-70E740481C1C}">
-                <a14:useLocalDpi xmlns:a14="http://schemas.microsoft.com/office/drawing/2010/main" val="0"/>
-              </a:ext>
-            </a:extLst>
-          </a:blip>
-          <a:stretch>
-            <a:fillRect/>
-          </a:stretch>
-        </p:blipFill>
-        <p:spPr>
-          <a:xfrm>
-            <a:off x="609600" y="1978501"/>
-            <a:ext cx="5384800" cy="3769360"/>
-          </a:xfrm>
-        </p:spPr>
-      </p:pic>
       <p:sp>
         <p:nvSpPr>
           <p:cNvPr id="4" name="Объект 3"/>
@@ -7029,6 +6999,45 @@
           </a:p>
         </p:txBody>
       </p:sp>
+      <p:pic>
+        <p:nvPicPr>
+          <p:cNvPr id="8" name="Content Placeholder 7" descr="Two men sitting in chairs&#10;&#10;Description automatically generated">
+            <a:extLst>
+              <a:ext uri="{FF2B5EF4-FFF2-40B4-BE49-F238E27FC236}">
+                <a16:creationId xmlns:a16="http://schemas.microsoft.com/office/drawing/2014/main" id="{DA2CD5C0-1A5F-577A-99B3-A6D2747DEE2E}"/>
+              </a:ext>
+            </a:extLst>
+          </p:cNvPr>
+          <p:cNvPicPr>
+            <a:picLocks noGrp="1" noChangeAspect="1"/>
+          </p:cNvPicPr>
+          <p:nvPr>
+            <p:ph sz="half" idx="1"/>
+          </p:nvPr>
+        </p:nvPicPr>
+        <p:blipFill rotWithShape="1">
+          <a:blip r:embed="rId2">
+            <a:extLst>
+              <a:ext uri="{28A0092B-C50C-407E-A947-70E740481C1C}">
+                <a14:useLocalDpi xmlns:a14="http://schemas.microsoft.com/office/drawing/2010/main" val="0"/>
+              </a:ext>
+            </a:extLst>
+          </a:blip>
+          <a:srcRect l="21652" r="22183"/>
+          <a:stretch/>
+        </p:blipFill>
+        <p:spPr>
+          <a:xfrm>
+            <a:off x="1055439" y="1600201"/>
+            <a:ext cx="4520525" cy="4525963"/>
+          </a:xfrm>
+          <a:ln>
+            <a:solidFill>
+              <a:schemeClr val="accent1"/>
+            </a:solidFill>
+          </a:ln>
+        </p:spPr>
+      </p:pic>
     </p:spTree>
   </p:cSld>
   <p:clrMapOvr>
@@ -8838,7 +8847,13 @@
       </p:sp>
       <p:sp>
         <p:nvSpPr>
-          <p:cNvPr id="4" name="Объект 3"/>
+          <p:cNvPr id="9" name="Content Placeholder 8">
+            <a:extLst>
+              <a:ext uri="{FF2B5EF4-FFF2-40B4-BE49-F238E27FC236}">
+                <a16:creationId xmlns:a16="http://schemas.microsoft.com/office/drawing/2014/main" id="{56383B3D-6268-E665-A588-300021D5E930}"/>
+              </a:ext>
+            </a:extLst>
+          </p:cNvPr>
           <p:cNvSpPr>
             <a:spLocks noGrp="1"/>
           </p:cNvSpPr>
@@ -8848,15 +8863,43 @@
         </p:nvSpPr>
         <p:spPr/>
         <p:txBody>
-          <a:bodyPr>
-            <a:normAutofit/>
-          </a:bodyPr>
+          <a:bodyPr/>
           <a:lstStyle/>
           <a:p>
-            <a:endParaRPr lang="ru-RU" dirty="0"/>
+            <a:endParaRPr lang="ru-RU"/>
           </a:p>
         </p:txBody>
       </p:sp>
+      <p:pic>
+        <p:nvPicPr>
+          <p:cNvPr id="11" name="Picture 10">
+            <a:extLst>
+              <a:ext uri="{FF2B5EF4-FFF2-40B4-BE49-F238E27FC236}">
+                <a16:creationId xmlns:a16="http://schemas.microsoft.com/office/drawing/2014/main" id="{4C0EBB20-50EC-7702-8ED0-A23E3F393163}"/>
+              </a:ext>
+            </a:extLst>
+          </p:cNvPr>
+          <p:cNvPicPr>
+            <a:picLocks noChangeAspect="1"/>
+          </p:cNvPicPr>
+          <p:nvPr/>
+        </p:nvPicPr>
+        <p:blipFill>
+          <a:blip r:embed="rId2"/>
+          <a:stretch>
+            <a:fillRect/>
+          </a:stretch>
+        </p:blipFill>
+        <p:spPr>
+          <a:xfrm>
+            <a:off x="1611312" y="1954214"/>
+            <a:ext cx="9172575" cy="4171950"/>
+          </a:xfrm>
+          <a:prstGeom prst="rect">
+            <a:avLst/>
+          </a:prstGeom>
+        </p:spPr>
+      </p:pic>
     </p:spTree>
     <p:extLst>
       <p:ext uri="{BB962C8B-B14F-4D97-AF65-F5344CB8AC3E}">
@@ -10625,6 +10668,42 @@
           </a:p>
         </p:txBody>
       </p:sp>
+      <p:pic>
+        <p:nvPicPr>
+          <p:cNvPr id="5" name="Picture 4" descr="A qr code on a white background&#10;&#10;Description automatically generated">
+            <a:extLst>
+              <a:ext uri="{FF2B5EF4-FFF2-40B4-BE49-F238E27FC236}">
+                <a16:creationId xmlns:a16="http://schemas.microsoft.com/office/drawing/2014/main" id="{26131E0F-15DE-B1A9-17A5-CE30CC065F27}"/>
+              </a:ext>
+            </a:extLst>
+          </p:cNvPr>
+          <p:cNvPicPr>
+            <a:picLocks noChangeAspect="1"/>
+          </p:cNvPicPr>
+          <p:nvPr/>
+        </p:nvPicPr>
+        <p:blipFill>
+          <a:blip r:embed="rId2">
+            <a:extLst>
+              <a:ext uri="{28A0092B-C50C-407E-A947-70E740481C1C}">
+                <a14:useLocalDpi xmlns:a14="http://schemas.microsoft.com/office/drawing/2010/main" val="0"/>
+              </a:ext>
+            </a:extLst>
+          </a:blip>
+          <a:stretch>
+            <a:fillRect/>
+          </a:stretch>
+        </p:blipFill>
+        <p:spPr>
+          <a:xfrm>
+            <a:off x="9696400" y="116632"/>
+            <a:ext cx="2376264" cy="2376264"/>
+          </a:xfrm>
+          <a:prstGeom prst="rect">
+            <a:avLst/>
+          </a:prstGeom>
+        </p:spPr>
+      </p:pic>
     </p:spTree>
     <p:extLst>
       <p:ext uri="{BB962C8B-B14F-4D97-AF65-F5344CB8AC3E}">
@@ -13172,6 +13251,42 @@
           </a:p>
         </p:txBody>
       </p:sp>
+      <p:pic>
+        <p:nvPicPr>
+          <p:cNvPr id="5" name="Picture 4" descr="A qr code on a white background&#10;&#10;Description automatically generated">
+            <a:extLst>
+              <a:ext uri="{FF2B5EF4-FFF2-40B4-BE49-F238E27FC236}">
+                <a16:creationId xmlns:a16="http://schemas.microsoft.com/office/drawing/2014/main" id="{E3583370-58A8-7FE0-59A3-DC4F03543108}"/>
+              </a:ext>
+            </a:extLst>
+          </p:cNvPr>
+          <p:cNvPicPr>
+            <a:picLocks noChangeAspect="1"/>
+          </p:cNvPicPr>
+          <p:nvPr/>
+        </p:nvPicPr>
+        <p:blipFill>
+          <a:blip r:embed="rId2">
+            <a:extLst>
+              <a:ext uri="{28A0092B-C50C-407E-A947-70E740481C1C}">
+                <a14:useLocalDpi xmlns:a14="http://schemas.microsoft.com/office/drawing/2010/main" val="0"/>
+              </a:ext>
+            </a:extLst>
+          </a:blip>
+          <a:stretch>
+            <a:fillRect/>
+          </a:stretch>
+        </p:blipFill>
+        <p:spPr>
+          <a:xfrm>
+            <a:off x="9696400" y="116632"/>
+            <a:ext cx="2376264" cy="2376264"/>
+          </a:xfrm>
+          <a:prstGeom prst="rect">
+            <a:avLst/>
+          </a:prstGeom>
+        </p:spPr>
+      </p:pic>
     </p:spTree>
     <p:extLst>
       <p:ext uri="{BB962C8B-B14F-4D97-AF65-F5344CB8AC3E}">
@@ -16506,6 +16621,858 @@
           <a:chExt cx="0" cy="0"/>
         </a:xfrm>
       </p:grpSpPr>
+      <p:pic>
+        <p:nvPicPr>
+          <p:cNvPr id="6" name="Picture 5">
+            <a:extLst>
+              <a:ext uri="{FF2B5EF4-FFF2-40B4-BE49-F238E27FC236}">
+                <a16:creationId xmlns:a16="http://schemas.microsoft.com/office/drawing/2014/main" id="{19ACAD83-EC9F-BA64-C9A5-029944997850}"/>
+              </a:ext>
+            </a:extLst>
+          </p:cNvPr>
+          <p:cNvPicPr>
+            <a:picLocks noChangeAspect="1"/>
+          </p:cNvPicPr>
+          <p:nvPr/>
+        </p:nvPicPr>
+        <p:blipFill>
+          <a:blip r:embed="rId2"/>
+          <a:stretch>
+            <a:fillRect/>
+          </a:stretch>
+        </p:blipFill>
+        <p:spPr>
+          <a:xfrm>
+            <a:off x="1067780" y="1600201"/>
+            <a:ext cx="10056440" cy="4524635"/>
+          </a:xfrm>
+          <a:prstGeom prst="rect">
+            <a:avLst/>
+          </a:prstGeom>
+        </p:spPr>
+      </p:pic>
+      <p:sp>
+        <p:nvSpPr>
+          <p:cNvPr id="2" name="Title 1">
+            <a:extLst>
+              <a:ext uri="{FF2B5EF4-FFF2-40B4-BE49-F238E27FC236}">
+                <a16:creationId xmlns:a16="http://schemas.microsoft.com/office/drawing/2014/main" id="{42795EE7-DFB1-2982-89FF-B793D0252B39}"/>
+              </a:ext>
+            </a:extLst>
+          </p:cNvPr>
+          <p:cNvSpPr>
+            <a:spLocks noGrp="1"/>
+          </p:cNvSpPr>
+          <p:nvPr>
+            <p:ph type="title"/>
+          </p:nvPr>
+        </p:nvSpPr>
+        <p:spPr/>
+        <p:txBody>
+          <a:bodyPr/>
+          <a:lstStyle/>
+          <a:p>
+            <a:r>
+              <a:rPr lang="ru-RU" dirty="0"/>
+              <a:t>Процесс работы с </a:t>
+            </a:r>
+            <a:r>
+              <a:rPr lang="en-US" dirty="0"/>
+              <a:t>gitlab.ccfit.nsu.ru</a:t>
+            </a:r>
+            <a:endParaRPr lang="ru-RU" dirty="0"/>
+          </a:p>
+        </p:txBody>
+      </p:sp>
+      <p:pic>
+        <p:nvPicPr>
+          <p:cNvPr id="10" name="Content Placeholder 9" descr="A qr code on a white background&#10;&#10;Description automatically generated">
+            <a:extLst>
+              <a:ext uri="{FF2B5EF4-FFF2-40B4-BE49-F238E27FC236}">
+                <a16:creationId xmlns:a16="http://schemas.microsoft.com/office/drawing/2014/main" id="{D8A00FA6-6AFD-F1DE-E340-E6DD3C711F64}"/>
+              </a:ext>
+            </a:extLst>
+          </p:cNvPr>
+          <p:cNvPicPr>
+            <a:picLocks noGrp="1" noChangeAspect="1"/>
+          </p:cNvPicPr>
+          <p:nvPr>
+            <p:ph sz="half" idx="1"/>
+          </p:nvPr>
+        </p:nvPicPr>
+        <p:blipFill>
+          <a:blip r:embed="rId3">
+            <a:extLst>
+              <a:ext uri="{28A0092B-C50C-407E-A947-70E740481C1C}">
+                <a14:useLocalDpi xmlns:a14="http://schemas.microsoft.com/office/drawing/2010/main" val="0"/>
+              </a:ext>
+            </a:extLst>
+          </a:blip>
+          <a:stretch>
+            <a:fillRect/>
+          </a:stretch>
+        </p:blipFill>
+        <p:spPr>
+          <a:xfrm>
+            <a:off x="1067780" y="4362711"/>
+            <a:ext cx="1762125" cy="1762125"/>
+          </a:xfrm>
+        </p:spPr>
+      </p:pic>
+      <p:sp>
+        <p:nvSpPr>
+          <p:cNvPr id="4" name="Content Placeholder 3">
+            <a:extLst>
+              <a:ext uri="{FF2B5EF4-FFF2-40B4-BE49-F238E27FC236}">
+                <a16:creationId xmlns:a16="http://schemas.microsoft.com/office/drawing/2014/main" id="{2DD5A641-8567-DC88-8CCB-EDA6925001AB}"/>
+              </a:ext>
+            </a:extLst>
+          </p:cNvPr>
+          <p:cNvSpPr>
+            <a:spLocks noGrp="1"/>
+          </p:cNvSpPr>
+          <p:nvPr>
+            <p:ph sz="half" idx="2"/>
+          </p:nvPr>
+        </p:nvSpPr>
+        <p:spPr/>
+        <p:txBody>
+          <a:bodyPr/>
+          <a:lstStyle/>
+          <a:p>
+            <a:endParaRPr lang="ru-RU"/>
+          </a:p>
+        </p:txBody>
+      </p:sp>
+    </p:spTree>
+    <p:extLst>
+      <p:ext uri="{BB962C8B-B14F-4D97-AF65-F5344CB8AC3E}">
+        <p14:creationId xmlns:p14="http://schemas.microsoft.com/office/powerpoint/2010/main" val="835722925"/>
+      </p:ext>
+    </p:extLst>
+  </p:cSld>
+  <p:clrMapOvr>
+    <a:masterClrMapping/>
+  </p:clrMapOvr>
+</p:sld>
+</file>
+
+<file path=ppt/slides/slide7.xml><?xml version="1.0" encoding="utf-8"?>
+<p:sld xmlns:a="http://schemas.openxmlformats.org/drawingml/2006/main" xmlns:r="http://schemas.openxmlformats.org/officeDocument/2006/relationships" xmlns:p="http://schemas.openxmlformats.org/presentationml/2006/main">
+  <p:cSld>
+    <p:spTree>
+      <p:nvGrpSpPr>
+        <p:cNvPr id="1" name=""/>
+        <p:cNvGrpSpPr/>
+        <p:nvPr/>
+      </p:nvGrpSpPr>
+      <p:grpSpPr>
+        <a:xfrm>
+          <a:off x="0" y="0"/>
+          <a:ext cx="0" cy="0"/>
+          <a:chOff x="0" y="0"/>
+          <a:chExt cx="0" cy="0"/>
+        </a:xfrm>
+      </p:grpSpPr>
+      <p:sp>
+        <p:nvSpPr>
+          <p:cNvPr id="2" name="Заголовок 1"/>
+          <p:cNvSpPr>
+            <a:spLocks noGrp="1"/>
+          </p:cNvSpPr>
+          <p:nvPr>
+            <p:ph type="title"/>
+          </p:nvPr>
+        </p:nvSpPr>
+        <p:spPr/>
+        <p:txBody>
+          <a:bodyPr/>
+          <a:lstStyle/>
+          <a:p>
+            <a:r>
+              <a:rPr lang="ru-RU" dirty="0"/>
+              <a:t>Информация об этом курсе</a:t>
+            </a:r>
+          </a:p>
+        </p:txBody>
+      </p:sp>
+      <p:sp>
+        <p:nvSpPr>
+          <p:cNvPr id="3" name="Содержимое 2"/>
+          <p:cNvSpPr>
+            <a:spLocks noGrp="1"/>
+          </p:cNvSpPr>
+          <p:nvPr>
+            <p:ph sz="half" idx="1"/>
+          </p:nvPr>
+        </p:nvSpPr>
+        <p:spPr/>
+        <p:txBody>
+          <a:bodyPr>
+            <a:normAutofit/>
+          </a:bodyPr>
+          <a:lstStyle/>
+          <a:p>
+            <a:r>
+              <a:rPr lang="ru-RU" sz="2400" dirty="0"/>
+              <a:t>Петров Евгений Сергеевич</a:t>
+            </a:r>
+            <a:endParaRPr lang="en-US" sz="2400" dirty="0"/>
+          </a:p>
+          <a:p>
+            <a:endParaRPr lang="en-US" sz="2400" dirty="0"/>
+          </a:p>
+          <a:p>
+            <a:r>
+              <a:rPr lang="ru-RU" sz="2400" dirty="0"/>
+              <a:t>Программа курса</a:t>
+            </a:r>
+            <a:endParaRPr lang="en-US" sz="2400" dirty="0"/>
+          </a:p>
+          <a:p>
+            <a:pPr lvl="1"/>
+            <a:r>
+              <a:rPr lang="en-US" sz="2000" dirty="0"/>
+              <a:t>https://www.nsu.ru/n/information-technologies-department/education_fit/programs/OOP/09-03-01/piikn/rabochie-programmy/09.03.01_PIiKN_B1.B.4.pdf</a:t>
+            </a:r>
+            <a:endParaRPr lang="ru-RU" sz="2000" dirty="0"/>
+          </a:p>
+          <a:p>
+            <a:endParaRPr lang="en-US" sz="2400" dirty="0"/>
+          </a:p>
+          <a:p>
+            <a:r>
+              <a:rPr lang="ru-RU" sz="2400" dirty="0"/>
+              <a:t>Лекция + семинар + практика каждую учебную неделю</a:t>
+            </a:r>
+          </a:p>
+          <a:p>
+            <a:endParaRPr lang="ru-RU" sz="2400" dirty="0"/>
+          </a:p>
+        </p:txBody>
+      </p:sp>
+      <p:sp>
+        <p:nvSpPr>
+          <p:cNvPr id="4" name="Объект 3"/>
+          <p:cNvSpPr>
+            <a:spLocks noGrp="1"/>
+          </p:cNvSpPr>
+          <p:nvPr>
+            <p:ph sz="half" idx="2"/>
+          </p:nvPr>
+        </p:nvSpPr>
+        <p:spPr/>
+        <p:txBody>
+          <a:bodyPr>
+            <a:normAutofit/>
+          </a:bodyPr>
+          <a:lstStyle/>
+          <a:p>
+            <a:r>
+              <a:rPr lang="ru-RU" dirty="0"/>
+              <a:t>1й семестр</a:t>
+            </a:r>
+          </a:p>
+          <a:p>
+            <a:pPr lvl="1"/>
+            <a:r>
+              <a:rPr lang="ru-RU" dirty="0"/>
+              <a:t>16 учебных недель</a:t>
+            </a:r>
+            <a:endParaRPr lang="en-US" dirty="0"/>
+          </a:p>
+          <a:p>
+            <a:pPr lvl="1"/>
+            <a:r>
+              <a:rPr lang="ru-RU" dirty="0"/>
+              <a:t>Дифференцированный зачёт</a:t>
+            </a:r>
+          </a:p>
+          <a:p>
+            <a:endParaRPr lang="ru-RU" dirty="0"/>
+          </a:p>
+        </p:txBody>
+      </p:sp>
+      <p:pic>
+        <p:nvPicPr>
+          <p:cNvPr id="5" name="Picture 4" descr="A qr code on a white background&#10;&#10;Description automatically generated">
+            <a:extLst>
+              <a:ext uri="{FF2B5EF4-FFF2-40B4-BE49-F238E27FC236}">
+                <a16:creationId xmlns:a16="http://schemas.microsoft.com/office/drawing/2014/main" id="{D21C6CD5-44BC-C224-DA6D-4DFB84777F48}"/>
+              </a:ext>
+            </a:extLst>
+          </p:cNvPr>
+          <p:cNvPicPr>
+            <a:picLocks noChangeAspect="1"/>
+          </p:cNvPicPr>
+          <p:nvPr/>
+        </p:nvPicPr>
+        <p:blipFill>
+          <a:blip r:embed="rId2">
+            <a:extLst>
+              <a:ext uri="{28A0092B-C50C-407E-A947-70E740481C1C}">
+                <a14:useLocalDpi xmlns:a14="http://schemas.microsoft.com/office/drawing/2010/main" val="0"/>
+              </a:ext>
+            </a:extLst>
+          </a:blip>
+          <a:stretch>
+            <a:fillRect/>
+          </a:stretch>
+        </p:blipFill>
+        <p:spPr>
+          <a:xfrm>
+            <a:off x="9696400" y="116632"/>
+            <a:ext cx="2376264" cy="2376264"/>
+          </a:xfrm>
+          <a:prstGeom prst="rect">
+            <a:avLst/>
+          </a:prstGeom>
+        </p:spPr>
+      </p:pic>
+    </p:spTree>
+    <p:extLst>
+      <p:ext uri="{BB962C8B-B14F-4D97-AF65-F5344CB8AC3E}">
+        <p14:creationId xmlns:p14="http://schemas.microsoft.com/office/powerpoint/2010/main" val="1023035837"/>
+      </p:ext>
+    </p:extLst>
+  </p:cSld>
+  <p:clrMapOvr>
+    <a:masterClrMapping/>
+  </p:clrMapOvr>
+</p:sld>
+</file>
+
+<file path=ppt/slides/slide70.xml><?xml version="1.0" encoding="utf-8"?>
+<p:sld xmlns:a="http://schemas.openxmlformats.org/drawingml/2006/main" xmlns:r="http://schemas.openxmlformats.org/officeDocument/2006/relationships" xmlns:p="http://schemas.openxmlformats.org/presentationml/2006/main">
+  <p:cSld>
+    <p:spTree>
+      <p:nvGrpSpPr>
+        <p:cNvPr id="1" name=""/>
+        <p:cNvGrpSpPr/>
+        <p:nvPr/>
+      </p:nvGrpSpPr>
+      <p:grpSpPr>
+        <a:xfrm>
+          <a:off x="0" y="0"/>
+          <a:ext cx="0" cy="0"/>
+          <a:chOff x="0" y="0"/>
+          <a:chExt cx="0" cy="0"/>
+        </a:xfrm>
+      </p:grpSpPr>
+      <p:sp>
+        <p:nvSpPr>
+          <p:cNvPr id="2" name="Title 1">
+            <a:extLst>
+              <a:ext uri="{FF2B5EF4-FFF2-40B4-BE49-F238E27FC236}">
+                <a16:creationId xmlns:a16="http://schemas.microsoft.com/office/drawing/2014/main" id="{AFB7728B-C80F-322C-9124-C34938329800}"/>
+              </a:ext>
+            </a:extLst>
+          </p:cNvPr>
+          <p:cNvSpPr>
+            <a:spLocks noGrp="1"/>
+          </p:cNvSpPr>
+          <p:nvPr>
+            <p:ph type="title"/>
+          </p:nvPr>
+        </p:nvSpPr>
+        <p:spPr/>
+        <p:txBody>
+          <a:bodyPr/>
+          <a:lstStyle/>
+          <a:p>
+            <a:endParaRPr lang="ru-RU"/>
+          </a:p>
+        </p:txBody>
+      </p:sp>
+      <p:sp>
+        <p:nvSpPr>
+          <p:cNvPr id="3" name="Content Placeholder 2">
+            <a:extLst>
+              <a:ext uri="{FF2B5EF4-FFF2-40B4-BE49-F238E27FC236}">
+                <a16:creationId xmlns:a16="http://schemas.microsoft.com/office/drawing/2014/main" id="{392A3124-6638-91A6-52A8-2C0F42E56481}"/>
+              </a:ext>
+            </a:extLst>
+          </p:cNvPr>
+          <p:cNvSpPr>
+            <a:spLocks noGrp="1"/>
+          </p:cNvSpPr>
+          <p:nvPr>
+            <p:ph idx="1"/>
+          </p:nvPr>
+        </p:nvSpPr>
+        <p:spPr/>
+        <p:txBody>
+          <a:bodyPr/>
+          <a:lstStyle/>
+          <a:p>
+            <a:endParaRPr lang="ru-RU"/>
+          </a:p>
+        </p:txBody>
+      </p:sp>
+      <p:pic>
+        <p:nvPicPr>
+          <p:cNvPr id="5" name="Picture 4">
+            <a:extLst>
+              <a:ext uri="{FF2B5EF4-FFF2-40B4-BE49-F238E27FC236}">
+                <a16:creationId xmlns:a16="http://schemas.microsoft.com/office/drawing/2014/main" id="{20E49EEF-E6D9-8E82-49AA-C53CEE8C4ED9}"/>
+              </a:ext>
+            </a:extLst>
+          </p:cNvPr>
+          <p:cNvPicPr>
+            <a:picLocks noChangeAspect="1"/>
+          </p:cNvPicPr>
+          <p:nvPr/>
+        </p:nvPicPr>
+        <p:blipFill>
+          <a:blip r:embed="rId2"/>
+          <a:stretch>
+            <a:fillRect/>
+          </a:stretch>
+        </p:blipFill>
+        <p:spPr>
+          <a:xfrm>
+            <a:off x="0" y="228418"/>
+            <a:ext cx="12192000" cy="6401163"/>
+          </a:xfrm>
+          <a:prstGeom prst="rect">
+            <a:avLst/>
+          </a:prstGeom>
+        </p:spPr>
+      </p:pic>
+    </p:spTree>
+    <p:extLst>
+      <p:ext uri="{BB962C8B-B14F-4D97-AF65-F5344CB8AC3E}">
+        <p14:creationId xmlns:p14="http://schemas.microsoft.com/office/powerpoint/2010/main" val="2214129130"/>
+      </p:ext>
+    </p:extLst>
+  </p:cSld>
+  <p:clrMapOvr>
+    <a:masterClrMapping/>
+  </p:clrMapOvr>
+</p:sld>
+</file>
+
+<file path=ppt/slides/slide71.xml><?xml version="1.0" encoding="utf-8"?>
+<p:sld xmlns:a="http://schemas.openxmlformats.org/drawingml/2006/main" xmlns:r="http://schemas.openxmlformats.org/officeDocument/2006/relationships" xmlns:p="http://schemas.openxmlformats.org/presentationml/2006/main">
+  <p:cSld>
+    <p:spTree>
+      <p:nvGrpSpPr>
+        <p:cNvPr id="1" name=""/>
+        <p:cNvGrpSpPr/>
+        <p:nvPr/>
+      </p:nvGrpSpPr>
+      <p:grpSpPr>
+        <a:xfrm>
+          <a:off x="0" y="0"/>
+          <a:ext cx="0" cy="0"/>
+          <a:chOff x="0" y="0"/>
+          <a:chExt cx="0" cy="0"/>
+        </a:xfrm>
+      </p:grpSpPr>
+      <p:sp>
+        <p:nvSpPr>
+          <p:cNvPr id="2" name="Title 1">
+            <a:extLst>
+              <a:ext uri="{FF2B5EF4-FFF2-40B4-BE49-F238E27FC236}">
+                <a16:creationId xmlns:a16="http://schemas.microsoft.com/office/drawing/2014/main" id="{7D7761E7-F777-16F4-FF29-B4FD5455B806}"/>
+              </a:ext>
+            </a:extLst>
+          </p:cNvPr>
+          <p:cNvSpPr>
+            <a:spLocks noGrp="1"/>
+          </p:cNvSpPr>
+          <p:nvPr>
+            <p:ph type="title"/>
+          </p:nvPr>
+        </p:nvSpPr>
+        <p:spPr/>
+        <p:txBody>
+          <a:bodyPr/>
+          <a:lstStyle/>
+          <a:p>
+            <a:endParaRPr lang="ru-RU"/>
+          </a:p>
+        </p:txBody>
+      </p:sp>
+      <p:sp>
+        <p:nvSpPr>
+          <p:cNvPr id="3" name="Content Placeholder 2">
+            <a:extLst>
+              <a:ext uri="{FF2B5EF4-FFF2-40B4-BE49-F238E27FC236}">
+                <a16:creationId xmlns:a16="http://schemas.microsoft.com/office/drawing/2014/main" id="{87B0FB53-AACE-A655-CBC2-5953BCF009B6}"/>
+              </a:ext>
+            </a:extLst>
+          </p:cNvPr>
+          <p:cNvSpPr>
+            <a:spLocks noGrp="1"/>
+          </p:cNvSpPr>
+          <p:nvPr>
+            <p:ph idx="1"/>
+          </p:nvPr>
+        </p:nvSpPr>
+        <p:spPr/>
+        <p:txBody>
+          <a:bodyPr/>
+          <a:lstStyle/>
+          <a:p>
+            <a:endParaRPr lang="ru-RU"/>
+          </a:p>
+        </p:txBody>
+      </p:sp>
+      <p:pic>
+        <p:nvPicPr>
+          <p:cNvPr id="7" name="Picture 6">
+            <a:extLst>
+              <a:ext uri="{FF2B5EF4-FFF2-40B4-BE49-F238E27FC236}">
+                <a16:creationId xmlns:a16="http://schemas.microsoft.com/office/drawing/2014/main" id="{836FE92C-D509-BC08-DFAC-0C9EF02826B1}"/>
+              </a:ext>
+            </a:extLst>
+          </p:cNvPr>
+          <p:cNvPicPr>
+            <a:picLocks noChangeAspect="1"/>
+          </p:cNvPicPr>
+          <p:nvPr/>
+        </p:nvPicPr>
+        <p:blipFill>
+          <a:blip r:embed="rId2"/>
+          <a:stretch>
+            <a:fillRect/>
+          </a:stretch>
+        </p:blipFill>
+        <p:spPr>
+          <a:xfrm>
+            <a:off x="0" y="94683"/>
+            <a:ext cx="12192000" cy="6668633"/>
+          </a:xfrm>
+          <a:prstGeom prst="rect">
+            <a:avLst/>
+          </a:prstGeom>
+        </p:spPr>
+      </p:pic>
+    </p:spTree>
+    <p:extLst>
+      <p:ext uri="{BB962C8B-B14F-4D97-AF65-F5344CB8AC3E}">
+        <p14:creationId xmlns:p14="http://schemas.microsoft.com/office/powerpoint/2010/main" val="589837757"/>
+      </p:ext>
+    </p:extLst>
+  </p:cSld>
+  <p:clrMapOvr>
+    <a:masterClrMapping/>
+  </p:clrMapOvr>
+</p:sld>
+</file>
+
+<file path=ppt/slides/slide72.xml><?xml version="1.0" encoding="utf-8"?>
+<p:sld xmlns:a="http://schemas.openxmlformats.org/drawingml/2006/main" xmlns:r="http://schemas.openxmlformats.org/officeDocument/2006/relationships" xmlns:p="http://schemas.openxmlformats.org/presentationml/2006/main">
+  <p:cSld>
+    <p:spTree>
+      <p:nvGrpSpPr>
+        <p:cNvPr id="1" name=""/>
+        <p:cNvGrpSpPr/>
+        <p:nvPr/>
+      </p:nvGrpSpPr>
+      <p:grpSpPr>
+        <a:xfrm>
+          <a:off x="0" y="0"/>
+          <a:ext cx="0" cy="0"/>
+          <a:chOff x="0" y="0"/>
+          <a:chExt cx="0" cy="0"/>
+        </a:xfrm>
+      </p:grpSpPr>
+      <p:sp>
+        <p:nvSpPr>
+          <p:cNvPr id="2" name="Title 1">
+            <a:extLst>
+              <a:ext uri="{FF2B5EF4-FFF2-40B4-BE49-F238E27FC236}">
+                <a16:creationId xmlns:a16="http://schemas.microsoft.com/office/drawing/2014/main" id="{0A89C5E4-A109-CFFC-A588-E45666DE76B3}"/>
+              </a:ext>
+            </a:extLst>
+          </p:cNvPr>
+          <p:cNvSpPr>
+            <a:spLocks noGrp="1"/>
+          </p:cNvSpPr>
+          <p:nvPr>
+            <p:ph type="title"/>
+          </p:nvPr>
+        </p:nvSpPr>
+        <p:spPr/>
+        <p:txBody>
+          <a:bodyPr/>
+          <a:lstStyle/>
+          <a:p>
+            <a:endParaRPr lang="ru-RU"/>
+          </a:p>
+        </p:txBody>
+      </p:sp>
+      <p:sp>
+        <p:nvSpPr>
+          <p:cNvPr id="3" name="Content Placeholder 2">
+            <a:extLst>
+              <a:ext uri="{FF2B5EF4-FFF2-40B4-BE49-F238E27FC236}">
+                <a16:creationId xmlns:a16="http://schemas.microsoft.com/office/drawing/2014/main" id="{D97EA014-BF9D-A154-F96F-AC1C95046F89}"/>
+              </a:ext>
+            </a:extLst>
+          </p:cNvPr>
+          <p:cNvSpPr>
+            <a:spLocks noGrp="1"/>
+          </p:cNvSpPr>
+          <p:nvPr>
+            <p:ph idx="1"/>
+          </p:nvPr>
+        </p:nvSpPr>
+        <p:spPr/>
+        <p:txBody>
+          <a:bodyPr/>
+          <a:lstStyle/>
+          <a:p>
+            <a:endParaRPr lang="ru-RU"/>
+          </a:p>
+        </p:txBody>
+      </p:sp>
+      <p:pic>
+        <p:nvPicPr>
+          <p:cNvPr id="5" name="Picture 4">
+            <a:extLst>
+              <a:ext uri="{FF2B5EF4-FFF2-40B4-BE49-F238E27FC236}">
+                <a16:creationId xmlns:a16="http://schemas.microsoft.com/office/drawing/2014/main" id="{CCF68E09-5EBA-FA87-9F2D-0EBB3D3563A6}"/>
+              </a:ext>
+            </a:extLst>
+          </p:cNvPr>
+          <p:cNvPicPr>
+            <a:picLocks noChangeAspect="1"/>
+          </p:cNvPicPr>
+          <p:nvPr/>
+        </p:nvPicPr>
+        <p:blipFill>
+          <a:blip r:embed="rId2"/>
+          <a:stretch>
+            <a:fillRect/>
+          </a:stretch>
+        </p:blipFill>
+        <p:spPr>
+          <a:xfrm>
+            <a:off x="0" y="19271"/>
+            <a:ext cx="12179356" cy="3216545"/>
+          </a:xfrm>
+          <a:prstGeom prst="rect">
+            <a:avLst/>
+          </a:prstGeom>
+        </p:spPr>
+      </p:pic>
+      <p:pic>
+        <p:nvPicPr>
+          <p:cNvPr id="7" name="Picture 6">
+            <a:extLst>
+              <a:ext uri="{FF2B5EF4-FFF2-40B4-BE49-F238E27FC236}">
+                <a16:creationId xmlns:a16="http://schemas.microsoft.com/office/drawing/2014/main" id="{7971C42B-6759-F0A8-D666-C37AA8E22650}"/>
+              </a:ext>
+            </a:extLst>
+          </p:cNvPr>
+          <p:cNvPicPr>
+            <a:picLocks noChangeAspect="1"/>
+          </p:cNvPicPr>
+          <p:nvPr/>
+        </p:nvPicPr>
+        <p:blipFill>
+          <a:blip r:embed="rId3"/>
+          <a:stretch>
+            <a:fillRect/>
+          </a:stretch>
+        </p:blipFill>
+        <p:spPr>
+          <a:xfrm>
+            <a:off x="0" y="3356015"/>
+            <a:ext cx="12179356" cy="3477202"/>
+          </a:xfrm>
+          <a:prstGeom prst="rect">
+            <a:avLst/>
+          </a:prstGeom>
+        </p:spPr>
+      </p:pic>
+    </p:spTree>
+    <p:extLst>
+      <p:ext uri="{BB962C8B-B14F-4D97-AF65-F5344CB8AC3E}">
+        <p14:creationId xmlns:p14="http://schemas.microsoft.com/office/powerpoint/2010/main" val="558879587"/>
+      </p:ext>
+    </p:extLst>
+  </p:cSld>
+  <p:clrMapOvr>
+    <a:masterClrMapping/>
+  </p:clrMapOvr>
+</p:sld>
+</file>
+
+<file path=ppt/slides/slide73.xml><?xml version="1.0" encoding="utf-8"?>
+<p:sld xmlns:a="http://schemas.openxmlformats.org/drawingml/2006/main" xmlns:r="http://schemas.openxmlformats.org/officeDocument/2006/relationships" xmlns:p="http://schemas.openxmlformats.org/presentationml/2006/main">
+  <p:cSld>
+    <p:spTree>
+      <p:nvGrpSpPr>
+        <p:cNvPr id="1" name=""/>
+        <p:cNvGrpSpPr/>
+        <p:nvPr/>
+      </p:nvGrpSpPr>
+      <p:grpSpPr>
+        <a:xfrm>
+          <a:off x="0" y="0"/>
+          <a:ext cx="0" cy="0"/>
+          <a:chOff x="0" y="0"/>
+          <a:chExt cx="0" cy="0"/>
+        </a:xfrm>
+      </p:grpSpPr>
+      <p:sp>
+        <p:nvSpPr>
+          <p:cNvPr id="2" name="Title 1">
+            <a:extLst>
+              <a:ext uri="{FF2B5EF4-FFF2-40B4-BE49-F238E27FC236}">
+                <a16:creationId xmlns:a16="http://schemas.microsoft.com/office/drawing/2014/main" id="{4845D98B-B9DD-65A5-B88C-2C8163077606}"/>
+              </a:ext>
+            </a:extLst>
+          </p:cNvPr>
+          <p:cNvSpPr>
+            <a:spLocks noGrp="1"/>
+          </p:cNvSpPr>
+          <p:nvPr>
+            <p:ph type="title"/>
+          </p:nvPr>
+        </p:nvSpPr>
+        <p:spPr/>
+        <p:txBody>
+          <a:bodyPr/>
+          <a:lstStyle/>
+          <a:p>
+            <a:endParaRPr lang="ru-RU"/>
+          </a:p>
+        </p:txBody>
+      </p:sp>
+      <p:sp>
+        <p:nvSpPr>
+          <p:cNvPr id="3" name="Content Placeholder 2">
+            <a:extLst>
+              <a:ext uri="{FF2B5EF4-FFF2-40B4-BE49-F238E27FC236}">
+                <a16:creationId xmlns:a16="http://schemas.microsoft.com/office/drawing/2014/main" id="{7A8831BF-64A6-7968-6A10-101FE8FD5594}"/>
+              </a:ext>
+            </a:extLst>
+          </p:cNvPr>
+          <p:cNvSpPr>
+            <a:spLocks noGrp="1"/>
+          </p:cNvSpPr>
+          <p:nvPr>
+            <p:ph idx="1"/>
+          </p:nvPr>
+        </p:nvSpPr>
+        <p:spPr/>
+        <p:txBody>
+          <a:bodyPr/>
+          <a:lstStyle/>
+          <a:p>
+            <a:endParaRPr lang="ru-RU"/>
+          </a:p>
+        </p:txBody>
+      </p:sp>
+      <p:pic>
+        <p:nvPicPr>
+          <p:cNvPr id="5" name="Picture 4">
+            <a:extLst>
+              <a:ext uri="{FF2B5EF4-FFF2-40B4-BE49-F238E27FC236}">
+                <a16:creationId xmlns:a16="http://schemas.microsoft.com/office/drawing/2014/main" id="{9BF103FF-5959-FD8C-7772-9BC67A184492}"/>
+              </a:ext>
+            </a:extLst>
+          </p:cNvPr>
+          <p:cNvPicPr>
+            <a:picLocks noChangeAspect="1"/>
+          </p:cNvPicPr>
+          <p:nvPr/>
+        </p:nvPicPr>
+        <p:blipFill>
+          <a:blip r:embed="rId2"/>
+          <a:stretch>
+            <a:fillRect/>
+          </a:stretch>
+        </p:blipFill>
+        <p:spPr>
+          <a:xfrm>
+            <a:off x="167421" y="0"/>
+            <a:ext cx="11857158" cy="6858000"/>
+          </a:xfrm>
+          <a:prstGeom prst="rect">
+            <a:avLst/>
+          </a:prstGeom>
+        </p:spPr>
+      </p:pic>
+      <p:sp>
+        <p:nvSpPr>
+          <p:cNvPr id="6" name="TextBox 5">
+            <a:extLst>
+              <a:ext uri="{FF2B5EF4-FFF2-40B4-BE49-F238E27FC236}">
+                <a16:creationId xmlns:a16="http://schemas.microsoft.com/office/drawing/2014/main" id="{C107D25C-1652-23C0-A190-032CCFB665A9}"/>
+              </a:ext>
+            </a:extLst>
+          </p:cNvPr>
+          <p:cNvSpPr txBox="1"/>
+          <p:nvPr/>
+        </p:nvSpPr>
+        <p:spPr>
+          <a:xfrm>
+            <a:off x="5015880" y="1598890"/>
+            <a:ext cx="1192955" cy="369332"/>
+          </a:xfrm>
+          <a:prstGeom prst="rect">
+            <a:avLst/>
+          </a:prstGeom>
+          <a:noFill/>
+        </p:spPr>
+        <p:txBody>
+          <a:bodyPr wrap="none" rtlCol="0">
+            <a:spAutoFit/>
+          </a:bodyPr>
+          <a:lstStyle/>
+          <a:p>
+            <a:r>
+              <a:rPr lang="ru-RU" dirty="0" err="1">
+                <a:solidFill>
+                  <a:srgbClr val="FF0000"/>
+                </a:solidFill>
+              </a:rPr>
+              <a:t>Клац-клац</a:t>
+            </a:r>
+            <a:endParaRPr lang="ru-RU" dirty="0">
+              <a:solidFill>
+                <a:srgbClr val="FF0000"/>
+              </a:solidFill>
+            </a:endParaRPr>
+          </a:p>
+        </p:txBody>
+      </p:sp>
+    </p:spTree>
+    <p:extLst>
+      <p:ext uri="{BB962C8B-B14F-4D97-AF65-F5344CB8AC3E}">
+        <p14:creationId xmlns:p14="http://schemas.microsoft.com/office/powerpoint/2010/main" val="3973645052"/>
+      </p:ext>
+    </p:extLst>
+  </p:cSld>
+  <p:clrMapOvr>
+    <a:masterClrMapping/>
+  </p:clrMapOvr>
+</p:sld>
+</file>
+
+<file path=ppt/slides/slide74.xml><?xml version="1.0" encoding="utf-8"?>
+<p:sld xmlns:a="http://schemas.openxmlformats.org/drawingml/2006/main" xmlns:r="http://schemas.openxmlformats.org/officeDocument/2006/relationships" xmlns:p="http://schemas.openxmlformats.org/presentationml/2006/main">
+  <p:cSld>
+    <p:spTree>
+      <p:nvGrpSpPr>
+        <p:cNvPr id="1" name=""/>
+        <p:cNvGrpSpPr/>
+        <p:nvPr/>
+      </p:nvGrpSpPr>
+      <p:grpSpPr>
+        <a:xfrm>
+          <a:off x="0" y="0"/>
+          <a:ext cx="0" cy="0"/>
+          <a:chOff x="0" y="0"/>
+          <a:chExt cx="0" cy="0"/>
+        </a:xfrm>
+      </p:grpSpPr>
       <p:sp>
         <p:nvSpPr>
           <p:cNvPr id="2" name="Title 1">
@@ -17454,156 +18421,7 @@
 </p:sld>
 </file>
 
-<file path=ppt/slides/slide7.xml><?xml version="1.0" encoding="utf-8"?>
-<p:sld xmlns:a="http://schemas.openxmlformats.org/drawingml/2006/main" xmlns:r="http://schemas.openxmlformats.org/officeDocument/2006/relationships" xmlns:p="http://schemas.openxmlformats.org/presentationml/2006/main">
-  <p:cSld>
-    <p:spTree>
-      <p:nvGrpSpPr>
-        <p:cNvPr id="1" name=""/>
-        <p:cNvGrpSpPr/>
-        <p:nvPr/>
-      </p:nvGrpSpPr>
-      <p:grpSpPr>
-        <a:xfrm>
-          <a:off x="0" y="0"/>
-          <a:ext cx="0" cy="0"/>
-          <a:chOff x="0" y="0"/>
-          <a:chExt cx="0" cy="0"/>
-        </a:xfrm>
-      </p:grpSpPr>
-      <p:sp>
-        <p:nvSpPr>
-          <p:cNvPr id="2" name="Заголовок 1"/>
-          <p:cNvSpPr>
-            <a:spLocks noGrp="1"/>
-          </p:cNvSpPr>
-          <p:nvPr>
-            <p:ph type="title"/>
-          </p:nvPr>
-        </p:nvSpPr>
-        <p:spPr/>
-        <p:txBody>
-          <a:bodyPr/>
-          <a:lstStyle/>
-          <a:p>
-            <a:r>
-              <a:rPr lang="ru-RU" dirty="0"/>
-              <a:t>Информация об этом курсе</a:t>
-            </a:r>
-          </a:p>
-        </p:txBody>
-      </p:sp>
-      <p:sp>
-        <p:nvSpPr>
-          <p:cNvPr id="3" name="Содержимое 2"/>
-          <p:cNvSpPr>
-            <a:spLocks noGrp="1"/>
-          </p:cNvSpPr>
-          <p:nvPr>
-            <p:ph sz="half" idx="1"/>
-          </p:nvPr>
-        </p:nvSpPr>
-        <p:spPr/>
-        <p:txBody>
-          <a:bodyPr>
-            <a:normAutofit/>
-          </a:bodyPr>
-          <a:lstStyle/>
-          <a:p>
-            <a:r>
-              <a:rPr lang="ru-RU" sz="2400" dirty="0"/>
-              <a:t>Петров Евгений Сергеевич</a:t>
-            </a:r>
-            <a:endParaRPr lang="en-US" sz="2400" dirty="0"/>
-          </a:p>
-          <a:p>
-            <a:endParaRPr lang="en-US" sz="2400" dirty="0"/>
-          </a:p>
-          <a:p>
-            <a:r>
-              <a:rPr lang="ru-RU" sz="2400" dirty="0"/>
-              <a:t>Программа курса</a:t>
-            </a:r>
-            <a:endParaRPr lang="en-US" sz="2400" dirty="0"/>
-          </a:p>
-          <a:p>
-            <a:pPr lvl="1"/>
-            <a:r>
-              <a:rPr lang="en-US" sz="2000" dirty="0"/>
-              <a:t>https://www.nsu.ru/n/information-technologies-department/education_fit/programs/OOP/09-03-01/piikn/rabochie-programmy/09.03.01_PIiKN_B1.B.4.pdf</a:t>
-            </a:r>
-            <a:endParaRPr lang="ru-RU" sz="2000" dirty="0"/>
-          </a:p>
-          <a:p>
-            <a:endParaRPr lang="en-US" sz="2400" dirty="0"/>
-          </a:p>
-          <a:p>
-            <a:r>
-              <a:rPr lang="ru-RU" sz="2400" dirty="0"/>
-              <a:t>Лекция + семинар + практика каждую учебную неделю</a:t>
-            </a:r>
-          </a:p>
-          <a:p>
-            <a:endParaRPr lang="ru-RU" sz="2400" dirty="0"/>
-          </a:p>
-        </p:txBody>
-      </p:sp>
-      <p:sp>
-        <p:nvSpPr>
-          <p:cNvPr id="4" name="Объект 3"/>
-          <p:cNvSpPr>
-            <a:spLocks noGrp="1"/>
-          </p:cNvSpPr>
-          <p:nvPr>
-            <p:ph sz="half" idx="2"/>
-          </p:nvPr>
-        </p:nvSpPr>
-        <p:spPr/>
-        <p:txBody>
-          <a:bodyPr>
-            <a:normAutofit/>
-          </a:bodyPr>
-          <a:lstStyle/>
-          <a:p>
-            <a:r>
-              <a:rPr lang="ru-RU" dirty="0"/>
-              <a:t>1й семестр</a:t>
-            </a:r>
-          </a:p>
-          <a:p>
-            <a:pPr lvl="1"/>
-            <a:r>
-              <a:rPr lang="ru-RU" dirty="0"/>
-              <a:t>16 учебных недель</a:t>
-            </a:r>
-            <a:endParaRPr lang="en-US" dirty="0"/>
-          </a:p>
-          <a:p>
-            <a:pPr lvl="1"/>
-            <a:r>
-              <a:rPr lang="ru-RU" dirty="0"/>
-              <a:t>Дифференцированный зачёт</a:t>
-            </a:r>
-          </a:p>
-          <a:p>
-            <a:endParaRPr lang="ru-RU" dirty="0"/>
-          </a:p>
-        </p:txBody>
-      </p:sp>
-    </p:spTree>
-    <p:extLst>
-      <p:ext uri="{BB962C8B-B14F-4D97-AF65-F5344CB8AC3E}">
-        <p14:creationId xmlns:p14="http://schemas.microsoft.com/office/powerpoint/2010/main" val="1023035837"/>
-      </p:ext>
-    </p:extLst>
-  </p:cSld>
-  <p:clrMapOvr>
-    <a:masterClrMapping/>
-  </p:clrMapOvr>
-</p:sld>
-</file>
-
-<file path=ppt/slides/slide70.xml><?xml version="1.0" encoding="utf-8"?>
+<file path=ppt/slides/slide75.xml><?xml version="1.0" encoding="utf-8"?>
 <p:sld xmlns:a="http://schemas.openxmlformats.org/drawingml/2006/main" xmlns:r="http://schemas.openxmlformats.org/officeDocument/2006/relationships" xmlns:p="http://schemas.openxmlformats.org/presentationml/2006/main">
   <p:cSld>
     <p:spTree>
@@ -17855,7 +18673,7 @@
 </p:sld>
 </file>
 
-<file path=ppt/slides/slide71.xml><?xml version="1.0" encoding="utf-8"?>
+<file path=ppt/slides/slide76.xml><?xml version="1.0" encoding="utf-8"?>
 <p:sld xmlns:a="http://schemas.openxmlformats.org/drawingml/2006/main" xmlns:r="http://schemas.openxmlformats.org/officeDocument/2006/relationships" xmlns:p="http://schemas.openxmlformats.org/presentationml/2006/main">
   <p:cSld>
     <p:spTree>
@@ -18243,6 +19061,42 @@
           </a:p>
         </p:txBody>
       </p:sp>
+      <p:pic>
+        <p:nvPicPr>
+          <p:cNvPr id="5" name="Picture 4" descr="A qr code on a white background&#10;&#10;Description automatically generated">
+            <a:extLst>
+              <a:ext uri="{FF2B5EF4-FFF2-40B4-BE49-F238E27FC236}">
+                <a16:creationId xmlns:a16="http://schemas.microsoft.com/office/drawing/2014/main" id="{1D22533D-00D2-C13D-19B1-00C047BBB758}"/>
+              </a:ext>
+            </a:extLst>
+          </p:cNvPr>
+          <p:cNvPicPr>
+            <a:picLocks noChangeAspect="1"/>
+          </p:cNvPicPr>
+          <p:nvPr/>
+        </p:nvPicPr>
+        <p:blipFill>
+          <a:blip r:embed="rId5">
+            <a:extLst>
+              <a:ext uri="{28A0092B-C50C-407E-A947-70E740481C1C}">
+                <a14:useLocalDpi xmlns:a14="http://schemas.microsoft.com/office/drawing/2010/main" val="0"/>
+              </a:ext>
+            </a:extLst>
+          </a:blip>
+          <a:stretch>
+            <a:fillRect/>
+          </a:stretch>
+        </p:blipFill>
+        <p:spPr>
+          <a:xfrm>
+            <a:off x="10416480" y="19472"/>
+            <a:ext cx="1762125" cy="1762125"/>
+          </a:xfrm>
+          <a:prstGeom prst="rect">
+            <a:avLst/>
+          </a:prstGeom>
+        </p:spPr>
+      </p:pic>
     </p:spTree>
     <p:extLst>
       <p:ext uri="{BB962C8B-B14F-4D97-AF65-F5344CB8AC3E}">
@@ -18256,7 +19110,7 @@
 </p:sld>
 </file>
 
-<file path=ppt/slides/slide72.xml><?xml version="1.0" encoding="utf-8"?>
+<file path=ppt/slides/slide77.xml><?xml version="1.0" encoding="utf-8"?>
 <p:sld xmlns:a="http://schemas.openxmlformats.org/drawingml/2006/main" xmlns:r="http://schemas.openxmlformats.org/officeDocument/2006/relationships" xmlns:p="http://schemas.openxmlformats.org/presentationml/2006/main">
   <p:cSld>
     <p:spTree>
@@ -18652,6 +19506,42 @@
           </a:p>
         </p:txBody>
       </p:sp>
+      <p:pic>
+        <p:nvPicPr>
+          <p:cNvPr id="4" name="Picture 3" descr="A qr code on a white background&#10;&#10;Description automatically generated">
+            <a:extLst>
+              <a:ext uri="{FF2B5EF4-FFF2-40B4-BE49-F238E27FC236}">
+                <a16:creationId xmlns:a16="http://schemas.microsoft.com/office/drawing/2014/main" id="{83642608-D4EC-5EE0-A726-D5CE9C065B4F}"/>
+              </a:ext>
+            </a:extLst>
+          </p:cNvPr>
+          <p:cNvPicPr>
+            <a:picLocks noChangeAspect="1"/>
+          </p:cNvPicPr>
+          <p:nvPr/>
+        </p:nvPicPr>
+        <p:blipFill>
+          <a:blip r:embed="rId5">
+            <a:extLst>
+              <a:ext uri="{28A0092B-C50C-407E-A947-70E740481C1C}">
+                <a14:useLocalDpi xmlns:a14="http://schemas.microsoft.com/office/drawing/2010/main" val="0"/>
+              </a:ext>
+            </a:extLst>
+          </a:blip>
+          <a:stretch>
+            <a:fillRect/>
+          </a:stretch>
+        </p:blipFill>
+        <p:spPr>
+          <a:xfrm>
+            <a:off x="10416480" y="19472"/>
+            <a:ext cx="1762125" cy="1762125"/>
+          </a:xfrm>
+          <a:prstGeom prst="rect">
+            <a:avLst/>
+          </a:prstGeom>
+        </p:spPr>
+      </p:pic>
     </p:spTree>
     <p:extLst>
       <p:ext uri="{BB962C8B-B14F-4D97-AF65-F5344CB8AC3E}">
@@ -18665,7 +19555,7 @@
 </p:sld>
 </file>
 
-<file path=ppt/slides/slide73.xml><?xml version="1.0" encoding="utf-8"?>
+<file path=ppt/slides/slide78.xml><?xml version="1.0" encoding="utf-8"?>
 <p:sld xmlns:a="http://schemas.openxmlformats.org/drawingml/2006/main" xmlns:r="http://schemas.openxmlformats.org/officeDocument/2006/relationships" xmlns:p="http://schemas.openxmlformats.org/presentationml/2006/main">
   <p:cSld>
     <p:spTree>
@@ -19452,7 +20342,7 @@
 </p:sld>
 </file>
 
-<file path=ppt/slides/slide74.xml><?xml version="1.0" encoding="utf-8"?>
+<file path=ppt/slides/slide79.xml><?xml version="1.0" encoding="utf-8"?>
 <p:sld xmlns:a="http://schemas.openxmlformats.org/drawingml/2006/main" xmlns:r="http://schemas.openxmlformats.org/officeDocument/2006/relationships" xmlns:p="http://schemas.openxmlformats.org/presentationml/2006/main">
   <p:cSld>
     <p:spTree>
@@ -19579,7 +20469,215 @@
 </p:sld>
 </file>
 
-<file path=ppt/slides/slide75.xml><?xml version="1.0" encoding="utf-8"?>
+<file path=ppt/slides/slide8.xml><?xml version="1.0" encoding="utf-8"?>
+<p:sld xmlns:a="http://schemas.openxmlformats.org/drawingml/2006/main" xmlns:r="http://schemas.openxmlformats.org/officeDocument/2006/relationships" xmlns:p="http://schemas.openxmlformats.org/presentationml/2006/main">
+  <p:cSld>
+    <p:spTree>
+      <p:nvGrpSpPr>
+        <p:cNvPr id="1" name=""/>
+        <p:cNvGrpSpPr/>
+        <p:nvPr/>
+      </p:nvGrpSpPr>
+      <p:grpSpPr>
+        <a:xfrm>
+          <a:off x="0" y="0"/>
+          <a:ext cx="0" cy="0"/>
+          <a:chOff x="0" y="0"/>
+          <a:chExt cx="0" cy="0"/>
+        </a:xfrm>
+      </p:grpSpPr>
+      <p:sp>
+        <p:nvSpPr>
+          <p:cNvPr id="2" name="Заголовок 1"/>
+          <p:cNvSpPr>
+            <a:spLocks noGrp="1"/>
+          </p:cNvSpPr>
+          <p:nvPr>
+            <p:ph type="title"/>
+          </p:nvPr>
+        </p:nvSpPr>
+        <p:spPr/>
+        <p:txBody>
+          <a:bodyPr/>
+          <a:lstStyle/>
+          <a:p>
+            <a:r>
+              <a:rPr lang="ru-RU" dirty="0"/>
+              <a:t>Информация об этом курсе</a:t>
+            </a:r>
+          </a:p>
+        </p:txBody>
+      </p:sp>
+      <p:sp>
+        <p:nvSpPr>
+          <p:cNvPr id="3" name="Содержимое 2"/>
+          <p:cNvSpPr>
+            <a:spLocks noGrp="1"/>
+          </p:cNvSpPr>
+          <p:nvPr>
+            <p:ph sz="half" idx="1"/>
+          </p:nvPr>
+        </p:nvSpPr>
+        <p:spPr/>
+        <p:txBody>
+          <a:bodyPr>
+            <a:normAutofit/>
+          </a:bodyPr>
+          <a:lstStyle/>
+          <a:p>
+            <a:r>
+              <a:rPr lang="ru-RU" sz="2400" dirty="0"/>
+              <a:t>Петров Евгений Сергеевич</a:t>
+            </a:r>
+            <a:endParaRPr lang="en-US" sz="2400" dirty="0"/>
+          </a:p>
+          <a:p>
+            <a:endParaRPr lang="en-US" sz="2400" dirty="0"/>
+          </a:p>
+          <a:p>
+            <a:r>
+              <a:rPr lang="ru-RU" sz="2400" dirty="0"/>
+              <a:t>Программа курса</a:t>
+            </a:r>
+            <a:endParaRPr lang="en-US" sz="2400" dirty="0"/>
+          </a:p>
+          <a:p>
+            <a:pPr lvl="1"/>
+            <a:r>
+              <a:rPr lang="en-US" sz="2000" dirty="0"/>
+              <a:t>https://www.nsu.ru/n/information-technologies-department/education_fit/programs/OOP/09-03-01/piikn/rabochie-programmy/09.03.01_PIiKN_B1.B.4.pdf</a:t>
+            </a:r>
+            <a:endParaRPr lang="ru-RU" sz="2000" dirty="0"/>
+          </a:p>
+          <a:p>
+            <a:endParaRPr lang="en-US" sz="2400" dirty="0"/>
+          </a:p>
+          <a:p>
+            <a:r>
+              <a:rPr lang="ru-RU" sz="2400" dirty="0"/>
+              <a:t>Лекция + семинар + практика каждую учебную неделю</a:t>
+            </a:r>
+          </a:p>
+          <a:p>
+            <a:endParaRPr lang="ru-RU" sz="2400" dirty="0"/>
+          </a:p>
+        </p:txBody>
+      </p:sp>
+      <p:sp>
+        <p:nvSpPr>
+          <p:cNvPr id="4" name="Объект 3"/>
+          <p:cNvSpPr>
+            <a:spLocks noGrp="1"/>
+          </p:cNvSpPr>
+          <p:nvPr>
+            <p:ph sz="half" idx="2"/>
+          </p:nvPr>
+        </p:nvSpPr>
+        <p:spPr/>
+        <p:txBody>
+          <a:bodyPr>
+            <a:normAutofit/>
+          </a:bodyPr>
+          <a:lstStyle/>
+          <a:p>
+            <a:r>
+              <a:rPr lang="ru-RU" dirty="0"/>
+              <a:t>1й семестр</a:t>
+            </a:r>
+          </a:p>
+          <a:p>
+            <a:pPr lvl="1"/>
+            <a:r>
+              <a:rPr lang="ru-RU" dirty="0"/>
+              <a:t>16 учебных недель</a:t>
+            </a:r>
+            <a:endParaRPr lang="en-US" dirty="0"/>
+          </a:p>
+          <a:p>
+            <a:pPr lvl="1"/>
+            <a:r>
+              <a:rPr lang="ru-RU" dirty="0"/>
+              <a:t>Дифференцированный зачёт</a:t>
+            </a:r>
+          </a:p>
+          <a:p>
+            <a:endParaRPr lang="ru-RU" dirty="0"/>
+          </a:p>
+          <a:p>
+            <a:r>
+              <a:rPr lang="ru-RU" dirty="0"/>
+              <a:t>2й семестр</a:t>
+            </a:r>
+          </a:p>
+          <a:p>
+            <a:pPr lvl="1"/>
+            <a:r>
+              <a:rPr lang="ru-RU" dirty="0"/>
+              <a:t>16 учебных недель</a:t>
+            </a:r>
+          </a:p>
+          <a:p>
+            <a:pPr lvl="1"/>
+            <a:r>
+              <a:rPr lang="ru-RU" dirty="0"/>
+              <a:t>Экзамен</a:t>
+            </a:r>
+          </a:p>
+          <a:p>
+            <a:endParaRPr lang="ru-RU" dirty="0"/>
+          </a:p>
+        </p:txBody>
+      </p:sp>
+      <p:pic>
+        <p:nvPicPr>
+          <p:cNvPr id="8" name="Picture 7" descr="A qr code on a white background&#10;&#10;Description automatically generated">
+            <a:extLst>
+              <a:ext uri="{FF2B5EF4-FFF2-40B4-BE49-F238E27FC236}">
+                <a16:creationId xmlns:a16="http://schemas.microsoft.com/office/drawing/2014/main" id="{A21C1807-F6AD-ADCB-D378-4CCDD149750E}"/>
+              </a:ext>
+            </a:extLst>
+          </p:cNvPr>
+          <p:cNvPicPr>
+            <a:picLocks noChangeAspect="1"/>
+          </p:cNvPicPr>
+          <p:nvPr/>
+        </p:nvPicPr>
+        <p:blipFill>
+          <a:blip r:embed="rId2">
+            <a:extLst>
+              <a:ext uri="{28A0092B-C50C-407E-A947-70E740481C1C}">
+                <a14:useLocalDpi xmlns:a14="http://schemas.microsoft.com/office/drawing/2010/main" val="0"/>
+              </a:ext>
+            </a:extLst>
+          </a:blip>
+          <a:stretch>
+            <a:fillRect/>
+          </a:stretch>
+        </p:blipFill>
+        <p:spPr>
+          <a:xfrm>
+            <a:off x="9696400" y="116632"/>
+            <a:ext cx="2376264" cy="2376264"/>
+          </a:xfrm>
+          <a:prstGeom prst="rect">
+            <a:avLst/>
+          </a:prstGeom>
+        </p:spPr>
+      </p:pic>
+    </p:spTree>
+    <p:extLst>
+      <p:ext uri="{BB962C8B-B14F-4D97-AF65-F5344CB8AC3E}">
+        <p14:creationId xmlns:p14="http://schemas.microsoft.com/office/powerpoint/2010/main" val="3163583711"/>
+      </p:ext>
+    </p:extLst>
+  </p:cSld>
+  <p:clrMapOvr>
+    <a:masterClrMapping/>
+  </p:clrMapOvr>
+</p:sld>
+</file>
+
+<file path=ppt/slides/slide80.xml><?xml version="1.0" encoding="utf-8"?>
 <p:sld xmlns:a="http://schemas.openxmlformats.org/drawingml/2006/main" xmlns:r="http://schemas.openxmlformats.org/officeDocument/2006/relationships" xmlns:p="http://schemas.openxmlformats.org/presentationml/2006/main">
   <p:cSld>
     <p:spTree>
@@ -20042,7 +21140,7 @@
 </p:sld>
 </file>
 
-<file path=ppt/slides/slide76.xml><?xml version="1.0" encoding="utf-8"?>
+<file path=ppt/slides/slide81.xml><?xml version="1.0" encoding="utf-8"?>
 <p:sld xmlns:a="http://schemas.openxmlformats.org/drawingml/2006/main" xmlns:r="http://schemas.openxmlformats.org/officeDocument/2006/relationships" xmlns:p="http://schemas.openxmlformats.org/presentationml/2006/main">
   <p:cSld>
     <p:spTree>
@@ -22174,7 +23272,7 @@
 </p:sld>
 </file>
 
-<file path=ppt/slides/slide77.xml><?xml version="1.0" encoding="utf-8"?>
+<file path=ppt/slides/slide82.xml><?xml version="1.0" encoding="utf-8"?>
 <p:sld xmlns:a="http://schemas.openxmlformats.org/drawingml/2006/main" xmlns:r="http://schemas.openxmlformats.org/officeDocument/2006/relationships" xmlns:p="http://schemas.openxmlformats.org/presentationml/2006/main">
   <p:cSld>
     <p:spTree>
@@ -23449,7 +24547,7 @@
 </p:sld>
 </file>
 
-<file path=ppt/slides/slide78.xml><?xml version="1.0" encoding="utf-8"?>
+<file path=ppt/slides/slide83.xml><?xml version="1.0" encoding="utf-8"?>
 <p:sld xmlns:a="http://schemas.openxmlformats.org/drawingml/2006/main" xmlns:r="http://schemas.openxmlformats.org/officeDocument/2006/relationships" xmlns:p="http://schemas.openxmlformats.org/presentationml/2006/main">
   <p:cSld>
     <p:spTree>
@@ -25509,7 +26607,7 @@
 </p:sld>
 </file>
 
-<file path=ppt/slides/slide79.xml><?xml version="1.0" encoding="utf-8"?>
+<file path=ppt/slides/slide84.xml><?xml version="1.0" encoding="utf-8"?>
 <p:sld xmlns:a="http://schemas.openxmlformats.org/drawingml/2006/main" xmlns:r="http://schemas.openxmlformats.org/officeDocument/2006/relationships" xmlns:p="http://schemas.openxmlformats.org/presentationml/2006/main" show="0">
   <p:cSld>
     <p:bg>
@@ -29994,179 +31092,7 @@
 </p:sld>
 </file>
 
-<file path=ppt/slides/slide8.xml><?xml version="1.0" encoding="utf-8"?>
-<p:sld xmlns:a="http://schemas.openxmlformats.org/drawingml/2006/main" xmlns:r="http://schemas.openxmlformats.org/officeDocument/2006/relationships" xmlns:p="http://schemas.openxmlformats.org/presentationml/2006/main">
-  <p:cSld>
-    <p:spTree>
-      <p:nvGrpSpPr>
-        <p:cNvPr id="1" name=""/>
-        <p:cNvGrpSpPr/>
-        <p:nvPr/>
-      </p:nvGrpSpPr>
-      <p:grpSpPr>
-        <a:xfrm>
-          <a:off x="0" y="0"/>
-          <a:ext cx="0" cy="0"/>
-          <a:chOff x="0" y="0"/>
-          <a:chExt cx="0" cy="0"/>
-        </a:xfrm>
-      </p:grpSpPr>
-      <p:sp>
-        <p:nvSpPr>
-          <p:cNvPr id="2" name="Заголовок 1"/>
-          <p:cNvSpPr>
-            <a:spLocks noGrp="1"/>
-          </p:cNvSpPr>
-          <p:nvPr>
-            <p:ph type="title"/>
-          </p:nvPr>
-        </p:nvSpPr>
-        <p:spPr/>
-        <p:txBody>
-          <a:bodyPr/>
-          <a:lstStyle/>
-          <a:p>
-            <a:r>
-              <a:rPr lang="ru-RU" dirty="0"/>
-              <a:t>Информация об этом курсе</a:t>
-            </a:r>
-          </a:p>
-        </p:txBody>
-      </p:sp>
-      <p:sp>
-        <p:nvSpPr>
-          <p:cNvPr id="3" name="Содержимое 2"/>
-          <p:cNvSpPr>
-            <a:spLocks noGrp="1"/>
-          </p:cNvSpPr>
-          <p:nvPr>
-            <p:ph sz="half" idx="1"/>
-          </p:nvPr>
-        </p:nvSpPr>
-        <p:spPr/>
-        <p:txBody>
-          <a:bodyPr>
-            <a:normAutofit/>
-          </a:bodyPr>
-          <a:lstStyle/>
-          <a:p>
-            <a:r>
-              <a:rPr lang="ru-RU" sz="2400" dirty="0"/>
-              <a:t>Петров Евгений Сергеевич</a:t>
-            </a:r>
-            <a:endParaRPr lang="en-US" sz="2400" dirty="0"/>
-          </a:p>
-          <a:p>
-            <a:endParaRPr lang="en-US" sz="2400" dirty="0"/>
-          </a:p>
-          <a:p>
-            <a:r>
-              <a:rPr lang="ru-RU" sz="2400" dirty="0"/>
-              <a:t>Программа курса</a:t>
-            </a:r>
-            <a:endParaRPr lang="en-US" sz="2400" dirty="0"/>
-          </a:p>
-          <a:p>
-            <a:pPr lvl="1"/>
-            <a:r>
-              <a:rPr lang="en-US" sz="2000" dirty="0"/>
-              <a:t>https://www.nsu.ru/n/information-technologies-department/education_fit/programs/OOP/09-03-01/piikn/rabochie-programmy/09.03.01_PIiKN_B1.B.4.pdf</a:t>
-            </a:r>
-            <a:endParaRPr lang="ru-RU" sz="2000" dirty="0"/>
-          </a:p>
-          <a:p>
-            <a:endParaRPr lang="en-US" sz="2400" dirty="0"/>
-          </a:p>
-          <a:p>
-            <a:r>
-              <a:rPr lang="ru-RU" sz="2400" dirty="0"/>
-              <a:t>Лекция + семинар + практика каждую учебную неделю</a:t>
-            </a:r>
-          </a:p>
-          <a:p>
-            <a:endParaRPr lang="ru-RU" sz="2400" dirty="0"/>
-          </a:p>
-        </p:txBody>
-      </p:sp>
-      <p:sp>
-        <p:nvSpPr>
-          <p:cNvPr id="4" name="Объект 3"/>
-          <p:cNvSpPr>
-            <a:spLocks noGrp="1"/>
-          </p:cNvSpPr>
-          <p:nvPr>
-            <p:ph sz="half" idx="2"/>
-          </p:nvPr>
-        </p:nvSpPr>
-        <p:spPr/>
-        <p:txBody>
-          <a:bodyPr>
-            <a:normAutofit/>
-          </a:bodyPr>
-          <a:lstStyle/>
-          <a:p>
-            <a:r>
-              <a:rPr lang="ru-RU" dirty="0"/>
-              <a:t>1й семестр</a:t>
-            </a:r>
-          </a:p>
-          <a:p>
-            <a:pPr lvl="1"/>
-            <a:r>
-              <a:rPr lang="ru-RU" dirty="0"/>
-              <a:t>16 учебных недель</a:t>
-            </a:r>
-            <a:endParaRPr lang="en-US" dirty="0"/>
-          </a:p>
-          <a:p>
-            <a:pPr lvl="1"/>
-            <a:r>
-              <a:rPr lang="ru-RU" dirty="0"/>
-              <a:t>Дифференцированный зачёт</a:t>
-            </a:r>
-          </a:p>
-          <a:p>
-            <a:endParaRPr lang="ru-RU" dirty="0"/>
-          </a:p>
-          <a:p>
-            <a:r>
-              <a:rPr lang="ru-RU" dirty="0"/>
-              <a:t>2й семестр</a:t>
-            </a:r>
-          </a:p>
-          <a:p>
-            <a:pPr lvl="1"/>
-            <a:r>
-              <a:rPr lang="ru-RU" dirty="0"/>
-              <a:t>16 учебных недель</a:t>
-            </a:r>
-          </a:p>
-          <a:p>
-            <a:pPr lvl="1"/>
-            <a:r>
-              <a:rPr lang="ru-RU" dirty="0"/>
-              <a:t>Экзамен</a:t>
-            </a:r>
-          </a:p>
-          <a:p>
-            <a:endParaRPr lang="ru-RU" dirty="0"/>
-          </a:p>
-        </p:txBody>
-      </p:sp>
-    </p:spTree>
-    <p:extLst>
-      <p:ext uri="{BB962C8B-B14F-4D97-AF65-F5344CB8AC3E}">
-        <p14:creationId xmlns:p14="http://schemas.microsoft.com/office/powerpoint/2010/main" val="3163583711"/>
-      </p:ext>
-    </p:extLst>
-  </p:cSld>
-  <p:clrMapOvr>
-    <a:masterClrMapping/>
-  </p:clrMapOvr>
-</p:sld>
-</file>
-
-<file path=ppt/slides/slide80.xml><?xml version="1.0" encoding="utf-8"?>
+<file path=ppt/slides/slide85.xml><?xml version="1.0" encoding="utf-8"?>
 <p:sld xmlns:a="http://schemas.openxmlformats.org/drawingml/2006/main" xmlns:r="http://schemas.openxmlformats.org/officeDocument/2006/relationships" xmlns:p="http://schemas.openxmlformats.org/presentationml/2006/main" show="0">
   <p:cSld>
     <p:spTree>
@@ -30241,7 +31167,7 @@
 </p:sld>
 </file>
 
-<file path=ppt/slides/slide81.xml><?xml version="1.0" encoding="utf-8"?>
+<file path=ppt/slides/slide86.xml><?xml version="1.0" encoding="utf-8"?>
 <p:sld xmlns:a="http://schemas.openxmlformats.org/drawingml/2006/main" xmlns:r="http://schemas.openxmlformats.org/officeDocument/2006/relationships" xmlns:p="http://schemas.openxmlformats.org/presentationml/2006/main" show="0">
   <p:cSld>
     <p:spTree>
@@ -30316,7 +31242,7 @@
 </p:sld>
 </file>
 
-<file path=ppt/slides/slide82.xml><?xml version="1.0" encoding="utf-8"?>
+<file path=ppt/slides/slide87.xml><?xml version="1.0" encoding="utf-8"?>
 <p:sld xmlns:a="http://schemas.openxmlformats.org/drawingml/2006/main" xmlns:r="http://schemas.openxmlformats.org/officeDocument/2006/relationships" xmlns:p="http://schemas.openxmlformats.org/presentationml/2006/main" show="0">
   <p:cSld>
     <p:spTree>
@@ -30391,7 +31317,7 @@
 </p:sld>
 </file>
 
-<file path=ppt/slides/slide83.xml><?xml version="1.0" encoding="utf-8"?>
+<file path=ppt/slides/slide88.xml><?xml version="1.0" encoding="utf-8"?>
 <p:sld xmlns:a="http://schemas.openxmlformats.org/drawingml/2006/main" xmlns:r="http://schemas.openxmlformats.org/officeDocument/2006/relationships" xmlns:p="http://schemas.openxmlformats.org/presentationml/2006/main" show="0">
   <p:cSld>
     <p:spTree>

--- a/01 Понятие программы.pptx
+++ b/01 Понятие программы.pptx
@@ -78,21 +78,26 @@
     <p:sldId id="350" r:id="rId72"/>
     <p:sldId id="351" r:id="rId73"/>
     <p:sldId id="352" r:id="rId74"/>
-    <p:sldId id="341" r:id="rId75"/>
-    <p:sldId id="342" r:id="rId76"/>
-    <p:sldId id="343" r:id="rId77"/>
-    <p:sldId id="344" r:id="rId78"/>
-    <p:sldId id="345" r:id="rId79"/>
-    <p:sldId id="278" r:id="rId80"/>
-    <p:sldId id="270" r:id="rId81"/>
-    <p:sldId id="280" r:id="rId82"/>
-    <p:sldId id="281" r:id="rId83"/>
-    <p:sldId id="282" r:id="rId84"/>
-    <p:sldId id="285" r:id="rId85"/>
-    <p:sldId id="264" r:id="rId86"/>
-    <p:sldId id="265" r:id="rId87"/>
-    <p:sldId id="266" r:id="rId88"/>
-    <p:sldId id="267" r:id="rId89"/>
+    <p:sldId id="353" r:id="rId75"/>
+    <p:sldId id="354" r:id="rId76"/>
+    <p:sldId id="355" r:id="rId77"/>
+    <p:sldId id="356" r:id="rId78"/>
+    <p:sldId id="357" r:id="rId79"/>
+    <p:sldId id="341" r:id="rId80"/>
+    <p:sldId id="342" r:id="rId81"/>
+    <p:sldId id="343" r:id="rId82"/>
+    <p:sldId id="344" r:id="rId83"/>
+    <p:sldId id="345" r:id="rId84"/>
+    <p:sldId id="278" r:id="rId85"/>
+    <p:sldId id="270" r:id="rId86"/>
+    <p:sldId id="280" r:id="rId87"/>
+    <p:sldId id="281" r:id="rId88"/>
+    <p:sldId id="282" r:id="rId89"/>
+    <p:sldId id="285" r:id="rId90"/>
+    <p:sldId id="264" r:id="rId91"/>
+    <p:sldId id="265" r:id="rId92"/>
+    <p:sldId id="266" r:id="rId93"/>
+    <p:sldId id="267" r:id="rId94"/>
   </p:sldIdLst>
   <p:sldSz cx="12192000" cy="6858000"/>
   <p:notesSz cx="6858000" cy="9144000"/>
@@ -17011,10 +17016,10 @@
       </p:sp>
       <p:pic>
         <p:nvPicPr>
-          <p:cNvPr id="5" name="Picture 4">
+          <p:cNvPr id="7" name="Picture 6">
             <a:extLst>
               <a:ext uri="{FF2B5EF4-FFF2-40B4-BE49-F238E27FC236}">
-                <a16:creationId xmlns:a16="http://schemas.microsoft.com/office/drawing/2014/main" id="{20E49EEF-E6D9-8E82-49AA-C53CEE8C4ED9}"/>
+                <a16:creationId xmlns:a16="http://schemas.microsoft.com/office/drawing/2014/main" id="{1FA5B295-2F1C-1B2E-9F4F-2FCF538E1BA7}"/>
               </a:ext>
             </a:extLst>
           </p:cNvPr>
@@ -17031,8 +17036,8 @@
         </p:blipFill>
         <p:spPr>
           <a:xfrm>
-            <a:off x="0" y="228418"/>
-            <a:ext cx="12192000" cy="6401163"/>
+            <a:off x="0" y="121067"/>
+            <a:ext cx="12192000" cy="6615865"/>
           </a:xfrm>
           <a:prstGeom prst="rect">
             <a:avLst/>
@@ -17074,7 +17079,7 @@
           <p:cNvPr id="2" name="Title 1">
             <a:extLst>
               <a:ext uri="{FF2B5EF4-FFF2-40B4-BE49-F238E27FC236}">
-                <a16:creationId xmlns:a16="http://schemas.microsoft.com/office/drawing/2014/main" id="{7D7761E7-F777-16F4-FF29-B4FD5455B806}"/>
+                <a16:creationId xmlns:a16="http://schemas.microsoft.com/office/drawing/2014/main" id="{2F477403-97BA-D9FE-E580-2E84EB24116B}"/>
               </a:ext>
             </a:extLst>
           </p:cNvPr>
@@ -17099,7 +17104,7 @@
           <p:cNvPr id="3" name="Content Placeholder 2">
             <a:extLst>
               <a:ext uri="{FF2B5EF4-FFF2-40B4-BE49-F238E27FC236}">
-                <a16:creationId xmlns:a16="http://schemas.microsoft.com/office/drawing/2014/main" id="{87B0FB53-AACE-A655-CBC2-5953BCF009B6}"/>
+                <a16:creationId xmlns:a16="http://schemas.microsoft.com/office/drawing/2014/main" id="{1789F6E7-082D-5A80-6032-0C0F0BF9DE90}"/>
               </a:ext>
             </a:extLst>
           </p:cNvPr>
@@ -17124,7 +17129,7 @@
           <p:cNvPr id="7" name="Picture 6">
             <a:extLst>
               <a:ext uri="{FF2B5EF4-FFF2-40B4-BE49-F238E27FC236}">
-                <a16:creationId xmlns:a16="http://schemas.microsoft.com/office/drawing/2014/main" id="{836FE92C-D509-BC08-DFAC-0C9EF02826B1}"/>
+                <a16:creationId xmlns:a16="http://schemas.microsoft.com/office/drawing/2014/main" id="{FBBEF26F-1C56-A82A-DA34-7C3E93DEBFD5}"/>
               </a:ext>
             </a:extLst>
           </p:cNvPr>
@@ -17141,8 +17146,8 @@
         </p:blipFill>
         <p:spPr>
           <a:xfrm>
-            <a:off x="0" y="94683"/>
-            <a:ext cx="12192000" cy="6668633"/>
+            <a:off x="0" y="126725"/>
+            <a:ext cx="12192000" cy="6604550"/>
           </a:xfrm>
           <a:prstGeom prst="rect">
             <a:avLst/>
@@ -17152,7 +17157,7 @@
     </p:spTree>
     <p:extLst>
       <p:ext uri="{BB962C8B-B14F-4D97-AF65-F5344CB8AC3E}">
-        <p14:creationId xmlns:p14="http://schemas.microsoft.com/office/powerpoint/2010/main" val="589837757"/>
+        <p14:creationId xmlns:p14="http://schemas.microsoft.com/office/powerpoint/2010/main" val="1916452747"/>
       </p:ext>
     </p:extLst>
   </p:cSld>
@@ -17184,7 +17189,7 @@
           <p:cNvPr id="2" name="Title 1">
             <a:extLst>
               <a:ext uri="{FF2B5EF4-FFF2-40B4-BE49-F238E27FC236}">
-                <a16:creationId xmlns:a16="http://schemas.microsoft.com/office/drawing/2014/main" id="{0A89C5E4-A109-CFFC-A588-E45666DE76B3}"/>
+                <a16:creationId xmlns:a16="http://schemas.microsoft.com/office/drawing/2014/main" id="{8EB9F973-BAF0-088A-B00D-D168EB94EC9F}"/>
               </a:ext>
             </a:extLst>
           </p:cNvPr>
@@ -17209,7 +17214,7 @@
           <p:cNvPr id="3" name="Content Placeholder 2">
             <a:extLst>
               <a:ext uri="{FF2B5EF4-FFF2-40B4-BE49-F238E27FC236}">
-                <a16:creationId xmlns:a16="http://schemas.microsoft.com/office/drawing/2014/main" id="{D97EA014-BF9D-A154-F96F-AC1C95046F89}"/>
+                <a16:creationId xmlns:a16="http://schemas.microsoft.com/office/drawing/2014/main" id="{538B6DB7-58C1-D687-120F-3B1FB76AC6B6}"/>
               </a:ext>
             </a:extLst>
           </p:cNvPr>
@@ -17234,7 +17239,7 @@
           <p:cNvPr id="5" name="Picture 4">
             <a:extLst>
               <a:ext uri="{FF2B5EF4-FFF2-40B4-BE49-F238E27FC236}">
-                <a16:creationId xmlns:a16="http://schemas.microsoft.com/office/drawing/2014/main" id="{CCF68E09-5EBA-FA87-9F2D-0EBB3D3563A6}"/>
+                <a16:creationId xmlns:a16="http://schemas.microsoft.com/office/drawing/2014/main" id="{71C22572-AAB3-6DC2-9B4A-F2D1B94724A9}"/>
               </a:ext>
             </a:extLst>
           </p:cNvPr>
@@ -17251,38 +17256,8 @@
         </p:blipFill>
         <p:spPr>
           <a:xfrm>
-            <a:off x="0" y="19271"/>
-            <a:ext cx="12179356" cy="3216545"/>
-          </a:xfrm>
-          <a:prstGeom prst="rect">
-            <a:avLst/>
-          </a:prstGeom>
-        </p:spPr>
-      </p:pic>
-      <p:pic>
-        <p:nvPicPr>
-          <p:cNvPr id="7" name="Picture 6">
-            <a:extLst>
-              <a:ext uri="{FF2B5EF4-FFF2-40B4-BE49-F238E27FC236}">
-                <a16:creationId xmlns:a16="http://schemas.microsoft.com/office/drawing/2014/main" id="{7971C42B-6759-F0A8-D666-C37AA8E22650}"/>
-              </a:ext>
-            </a:extLst>
-          </p:cNvPr>
-          <p:cNvPicPr>
-            <a:picLocks noChangeAspect="1"/>
-          </p:cNvPicPr>
-          <p:nvPr/>
-        </p:nvPicPr>
-        <p:blipFill>
-          <a:blip r:embed="rId3"/>
-          <a:stretch>
-            <a:fillRect/>
-          </a:stretch>
-        </p:blipFill>
-        <p:spPr>
-          <a:xfrm>
-            <a:off x="0" y="3356015"/>
-            <a:ext cx="12179356" cy="3477202"/>
+            <a:off x="0" y="139672"/>
+            <a:ext cx="12192000" cy="6578655"/>
           </a:xfrm>
           <a:prstGeom prst="rect">
             <a:avLst/>
@@ -17292,7 +17267,7 @@
     </p:spTree>
     <p:extLst>
       <p:ext uri="{BB962C8B-B14F-4D97-AF65-F5344CB8AC3E}">
-        <p14:creationId xmlns:p14="http://schemas.microsoft.com/office/powerpoint/2010/main" val="558879587"/>
+        <p14:creationId xmlns:p14="http://schemas.microsoft.com/office/powerpoint/2010/main" val="728220582"/>
       </p:ext>
     </p:extLst>
   </p:cSld>
@@ -17324,7 +17299,7 @@
           <p:cNvPr id="2" name="Title 1">
             <a:extLst>
               <a:ext uri="{FF2B5EF4-FFF2-40B4-BE49-F238E27FC236}">
-                <a16:creationId xmlns:a16="http://schemas.microsoft.com/office/drawing/2014/main" id="{4845D98B-B9DD-65A5-B88C-2C8163077606}"/>
+                <a16:creationId xmlns:a16="http://schemas.microsoft.com/office/drawing/2014/main" id="{DB465C16-CAF1-022F-7F07-E8A308ADA7F1}"/>
               </a:ext>
             </a:extLst>
           </p:cNvPr>
@@ -17349,7 +17324,7 @@
           <p:cNvPr id="3" name="Content Placeholder 2">
             <a:extLst>
               <a:ext uri="{FF2B5EF4-FFF2-40B4-BE49-F238E27FC236}">
-                <a16:creationId xmlns:a16="http://schemas.microsoft.com/office/drawing/2014/main" id="{7A8831BF-64A6-7968-6A10-101FE8FD5594}"/>
+                <a16:creationId xmlns:a16="http://schemas.microsoft.com/office/drawing/2014/main" id="{241E57D2-41E3-9DAB-2E71-84A799EE61C6}"/>
               </a:ext>
             </a:extLst>
           </p:cNvPr>
@@ -17371,10 +17346,10 @@
       </p:sp>
       <p:pic>
         <p:nvPicPr>
-          <p:cNvPr id="5" name="Picture 4">
+          <p:cNvPr id="9" name="Picture 8">
             <a:extLst>
               <a:ext uri="{FF2B5EF4-FFF2-40B4-BE49-F238E27FC236}">
-                <a16:creationId xmlns:a16="http://schemas.microsoft.com/office/drawing/2014/main" id="{9BF103FF-5959-FD8C-7772-9BC67A184492}"/>
+                <a16:creationId xmlns:a16="http://schemas.microsoft.com/office/drawing/2014/main" id="{48DFBCCA-4E38-5288-3E3F-9E39F8698A82}"/>
               </a:ext>
             </a:extLst>
           </p:cNvPr>
@@ -17391,62 +17366,18 @@
         </p:blipFill>
         <p:spPr>
           <a:xfrm>
-            <a:off x="167421" y="0"/>
-            <a:ext cx="11857158" cy="6858000"/>
+            <a:off x="0" y="126449"/>
+            <a:ext cx="12192000" cy="6605102"/>
           </a:xfrm>
           <a:prstGeom prst="rect">
             <a:avLst/>
           </a:prstGeom>
         </p:spPr>
       </p:pic>
-      <p:sp>
-        <p:nvSpPr>
-          <p:cNvPr id="6" name="TextBox 5">
-            <a:extLst>
-              <a:ext uri="{FF2B5EF4-FFF2-40B4-BE49-F238E27FC236}">
-                <a16:creationId xmlns:a16="http://schemas.microsoft.com/office/drawing/2014/main" id="{C107D25C-1652-23C0-A190-032CCFB665A9}"/>
-              </a:ext>
-            </a:extLst>
-          </p:cNvPr>
-          <p:cNvSpPr txBox="1"/>
-          <p:nvPr/>
-        </p:nvSpPr>
-        <p:spPr>
-          <a:xfrm>
-            <a:off x="5015880" y="1598890"/>
-            <a:ext cx="1192955" cy="369332"/>
-          </a:xfrm>
-          <a:prstGeom prst="rect">
-            <a:avLst/>
-          </a:prstGeom>
-          <a:noFill/>
-        </p:spPr>
-        <p:txBody>
-          <a:bodyPr wrap="none" rtlCol="0">
-            <a:spAutoFit/>
-          </a:bodyPr>
-          <a:lstStyle/>
-          <a:p>
-            <a:r>
-              <a:rPr lang="ru-RU" dirty="0" err="1">
-                <a:solidFill>
-                  <a:srgbClr val="FF0000"/>
-                </a:solidFill>
-              </a:rPr>
-              <a:t>Клац-клац</a:t>
-            </a:r>
-            <a:endParaRPr lang="ru-RU" dirty="0">
-              <a:solidFill>
-                <a:srgbClr val="FF0000"/>
-              </a:solidFill>
-            </a:endParaRPr>
-          </a:p>
-        </p:txBody>
-      </p:sp>
     </p:spTree>
     <p:extLst>
       <p:ext uri="{BB962C8B-B14F-4D97-AF65-F5344CB8AC3E}">
-        <p14:creationId xmlns:p14="http://schemas.microsoft.com/office/powerpoint/2010/main" val="3973645052"/>
+        <p14:creationId xmlns:p14="http://schemas.microsoft.com/office/powerpoint/2010/main" val="1666000877"/>
       </p:ext>
     </p:extLst>
   </p:cSld>
@@ -17457,6 +17388,556 @@
 </file>
 
 <file path=ppt/slides/slide74.xml><?xml version="1.0" encoding="utf-8"?>
+<p:sld xmlns:a="http://schemas.openxmlformats.org/drawingml/2006/main" xmlns:r="http://schemas.openxmlformats.org/officeDocument/2006/relationships" xmlns:p="http://schemas.openxmlformats.org/presentationml/2006/main">
+  <p:cSld>
+    <p:spTree>
+      <p:nvGrpSpPr>
+        <p:cNvPr id="1" name=""/>
+        <p:cNvGrpSpPr/>
+        <p:nvPr/>
+      </p:nvGrpSpPr>
+      <p:grpSpPr>
+        <a:xfrm>
+          <a:off x="0" y="0"/>
+          <a:ext cx="0" cy="0"/>
+          <a:chOff x="0" y="0"/>
+          <a:chExt cx="0" cy="0"/>
+        </a:xfrm>
+      </p:grpSpPr>
+      <p:sp>
+        <p:nvSpPr>
+          <p:cNvPr id="2" name="Title 1">
+            <a:extLst>
+              <a:ext uri="{FF2B5EF4-FFF2-40B4-BE49-F238E27FC236}">
+                <a16:creationId xmlns:a16="http://schemas.microsoft.com/office/drawing/2014/main" id="{D73C7EEE-CB63-E26C-E056-C2F9EA0BDA6C}"/>
+              </a:ext>
+            </a:extLst>
+          </p:cNvPr>
+          <p:cNvSpPr>
+            <a:spLocks noGrp="1"/>
+          </p:cNvSpPr>
+          <p:nvPr>
+            <p:ph type="title"/>
+          </p:nvPr>
+        </p:nvSpPr>
+        <p:spPr/>
+        <p:txBody>
+          <a:bodyPr/>
+          <a:lstStyle/>
+          <a:p>
+            <a:endParaRPr lang="ru-RU"/>
+          </a:p>
+        </p:txBody>
+      </p:sp>
+      <p:sp>
+        <p:nvSpPr>
+          <p:cNvPr id="3" name="Content Placeholder 2">
+            <a:extLst>
+              <a:ext uri="{FF2B5EF4-FFF2-40B4-BE49-F238E27FC236}">
+                <a16:creationId xmlns:a16="http://schemas.microsoft.com/office/drawing/2014/main" id="{9DBCFC48-8A09-9807-F3D3-3F513E458742}"/>
+              </a:ext>
+            </a:extLst>
+          </p:cNvPr>
+          <p:cNvSpPr>
+            <a:spLocks noGrp="1"/>
+          </p:cNvSpPr>
+          <p:nvPr>
+            <p:ph idx="1"/>
+          </p:nvPr>
+        </p:nvSpPr>
+        <p:spPr/>
+        <p:txBody>
+          <a:bodyPr/>
+          <a:lstStyle/>
+          <a:p>
+            <a:endParaRPr lang="ru-RU"/>
+          </a:p>
+        </p:txBody>
+      </p:sp>
+      <p:pic>
+        <p:nvPicPr>
+          <p:cNvPr id="5" name="Picture 4">
+            <a:extLst>
+              <a:ext uri="{FF2B5EF4-FFF2-40B4-BE49-F238E27FC236}">
+                <a16:creationId xmlns:a16="http://schemas.microsoft.com/office/drawing/2014/main" id="{03834317-1FB1-3177-92B3-414E731F9ABE}"/>
+              </a:ext>
+            </a:extLst>
+          </p:cNvPr>
+          <p:cNvPicPr>
+            <a:picLocks noChangeAspect="1"/>
+          </p:cNvPicPr>
+          <p:nvPr/>
+        </p:nvPicPr>
+        <p:blipFill>
+          <a:blip r:embed="rId2"/>
+          <a:stretch>
+            <a:fillRect/>
+          </a:stretch>
+        </p:blipFill>
+        <p:spPr>
+          <a:xfrm>
+            <a:off x="0" y="133865"/>
+            <a:ext cx="12192000" cy="6590270"/>
+          </a:xfrm>
+          <a:prstGeom prst="rect">
+            <a:avLst/>
+          </a:prstGeom>
+        </p:spPr>
+      </p:pic>
+    </p:spTree>
+    <p:extLst>
+      <p:ext uri="{BB962C8B-B14F-4D97-AF65-F5344CB8AC3E}">
+        <p14:creationId xmlns:p14="http://schemas.microsoft.com/office/powerpoint/2010/main" val="2255651767"/>
+      </p:ext>
+    </p:extLst>
+  </p:cSld>
+  <p:clrMapOvr>
+    <a:masterClrMapping/>
+  </p:clrMapOvr>
+</p:sld>
+</file>
+
+<file path=ppt/slides/slide75.xml><?xml version="1.0" encoding="utf-8"?>
+<p:sld xmlns:a="http://schemas.openxmlformats.org/drawingml/2006/main" xmlns:r="http://schemas.openxmlformats.org/officeDocument/2006/relationships" xmlns:p="http://schemas.openxmlformats.org/presentationml/2006/main">
+  <p:cSld>
+    <p:spTree>
+      <p:nvGrpSpPr>
+        <p:cNvPr id="1" name=""/>
+        <p:cNvGrpSpPr/>
+        <p:nvPr/>
+      </p:nvGrpSpPr>
+      <p:grpSpPr>
+        <a:xfrm>
+          <a:off x="0" y="0"/>
+          <a:ext cx="0" cy="0"/>
+          <a:chOff x="0" y="0"/>
+          <a:chExt cx="0" cy="0"/>
+        </a:xfrm>
+      </p:grpSpPr>
+      <p:sp>
+        <p:nvSpPr>
+          <p:cNvPr id="2" name="Title 1">
+            <a:extLst>
+              <a:ext uri="{FF2B5EF4-FFF2-40B4-BE49-F238E27FC236}">
+                <a16:creationId xmlns:a16="http://schemas.microsoft.com/office/drawing/2014/main" id="{167EE32A-0519-0EDD-4F4B-D7036F346C3B}"/>
+              </a:ext>
+            </a:extLst>
+          </p:cNvPr>
+          <p:cNvSpPr>
+            <a:spLocks noGrp="1"/>
+          </p:cNvSpPr>
+          <p:nvPr>
+            <p:ph type="title"/>
+          </p:nvPr>
+        </p:nvSpPr>
+        <p:spPr/>
+        <p:txBody>
+          <a:bodyPr/>
+          <a:lstStyle/>
+          <a:p>
+            <a:endParaRPr lang="ru-RU"/>
+          </a:p>
+        </p:txBody>
+      </p:sp>
+      <p:sp>
+        <p:nvSpPr>
+          <p:cNvPr id="3" name="Content Placeholder 2">
+            <a:extLst>
+              <a:ext uri="{FF2B5EF4-FFF2-40B4-BE49-F238E27FC236}">
+                <a16:creationId xmlns:a16="http://schemas.microsoft.com/office/drawing/2014/main" id="{41C0F027-43EC-3D9C-5204-08E1EEB83C45}"/>
+              </a:ext>
+            </a:extLst>
+          </p:cNvPr>
+          <p:cNvSpPr>
+            <a:spLocks noGrp="1"/>
+          </p:cNvSpPr>
+          <p:nvPr>
+            <p:ph idx="1"/>
+          </p:nvPr>
+        </p:nvSpPr>
+        <p:spPr/>
+        <p:txBody>
+          <a:bodyPr/>
+          <a:lstStyle/>
+          <a:p>
+            <a:endParaRPr lang="ru-RU"/>
+          </a:p>
+        </p:txBody>
+      </p:sp>
+      <p:pic>
+        <p:nvPicPr>
+          <p:cNvPr id="5" name="Picture 4">
+            <a:extLst>
+              <a:ext uri="{FF2B5EF4-FFF2-40B4-BE49-F238E27FC236}">
+                <a16:creationId xmlns:a16="http://schemas.microsoft.com/office/drawing/2014/main" id="{E175D397-8D56-CCDE-7501-5A957CE6EDC4}"/>
+              </a:ext>
+            </a:extLst>
+          </p:cNvPr>
+          <p:cNvPicPr>
+            <a:picLocks noChangeAspect="1"/>
+          </p:cNvPicPr>
+          <p:nvPr/>
+        </p:nvPicPr>
+        <p:blipFill>
+          <a:blip r:embed="rId2"/>
+          <a:stretch>
+            <a:fillRect/>
+          </a:stretch>
+        </p:blipFill>
+        <p:spPr>
+          <a:xfrm>
+            <a:off x="0" y="138151"/>
+            <a:ext cx="12192000" cy="6581698"/>
+          </a:xfrm>
+          <a:prstGeom prst="rect">
+            <a:avLst/>
+          </a:prstGeom>
+        </p:spPr>
+      </p:pic>
+    </p:spTree>
+    <p:extLst>
+      <p:ext uri="{BB962C8B-B14F-4D97-AF65-F5344CB8AC3E}">
+        <p14:creationId xmlns:p14="http://schemas.microsoft.com/office/powerpoint/2010/main" val="1035892458"/>
+      </p:ext>
+    </p:extLst>
+  </p:cSld>
+  <p:clrMapOvr>
+    <a:masterClrMapping/>
+  </p:clrMapOvr>
+</p:sld>
+</file>
+
+<file path=ppt/slides/slide76.xml><?xml version="1.0" encoding="utf-8"?>
+<p:sld xmlns:a="http://schemas.openxmlformats.org/drawingml/2006/main" xmlns:r="http://schemas.openxmlformats.org/officeDocument/2006/relationships" xmlns:p="http://schemas.openxmlformats.org/presentationml/2006/main">
+  <p:cSld>
+    <p:spTree>
+      <p:nvGrpSpPr>
+        <p:cNvPr id="1" name=""/>
+        <p:cNvGrpSpPr/>
+        <p:nvPr/>
+      </p:nvGrpSpPr>
+      <p:grpSpPr>
+        <a:xfrm>
+          <a:off x="0" y="0"/>
+          <a:ext cx="0" cy="0"/>
+          <a:chOff x="0" y="0"/>
+          <a:chExt cx="0" cy="0"/>
+        </a:xfrm>
+      </p:grpSpPr>
+      <p:sp>
+        <p:nvSpPr>
+          <p:cNvPr id="2" name="Title 1">
+            <a:extLst>
+              <a:ext uri="{FF2B5EF4-FFF2-40B4-BE49-F238E27FC236}">
+                <a16:creationId xmlns:a16="http://schemas.microsoft.com/office/drawing/2014/main" id="{0041F006-2110-CC09-D77E-6430E145FF92}"/>
+              </a:ext>
+            </a:extLst>
+          </p:cNvPr>
+          <p:cNvSpPr>
+            <a:spLocks noGrp="1"/>
+          </p:cNvSpPr>
+          <p:nvPr>
+            <p:ph type="title"/>
+          </p:nvPr>
+        </p:nvSpPr>
+        <p:spPr/>
+        <p:txBody>
+          <a:bodyPr/>
+          <a:lstStyle/>
+          <a:p>
+            <a:endParaRPr lang="ru-RU"/>
+          </a:p>
+        </p:txBody>
+      </p:sp>
+      <p:sp>
+        <p:nvSpPr>
+          <p:cNvPr id="3" name="Content Placeholder 2">
+            <a:extLst>
+              <a:ext uri="{FF2B5EF4-FFF2-40B4-BE49-F238E27FC236}">
+                <a16:creationId xmlns:a16="http://schemas.microsoft.com/office/drawing/2014/main" id="{77152E3D-9176-95A9-8E66-7E244F16B817}"/>
+              </a:ext>
+            </a:extLst>
+          </p:cNvPr>
+          <p:cNvSpPr>
+            <a:spLocks noGrp="1"/>
+          </p:cNvSpPr>
+          <p:nvPr>
+            <p:ph idx="1"/>
+          </p:nvPr>
+        </p:nvSpPr>
+        <p:spPr/>
+        <p:txBody>
+          <a:bodyPr/>
+          <a:lstStyle/>
+          <a:p>
+            <a:endParaRPr lang="ru-RU"/>
+          </a:p>
+        </p:txBody>
+      </p:sp>
+      <p:pic>
+        <p:nvPicPr>
+          <p:cNvPr id="5" name="Picture 4">
+            <a:extLst>
+              <a:ext uri="{FF2B5EF4-FFF2-40B4-BE49-F238E27FC236}">
+                <a16:creationId xmlns:a16="http://schemas.microsoft.com/office/drawing/2014/main" id="{1FCD791A-BCEE-1061-8A0C-9CD72D779CEE}"/>
+              </a:ext>
+            </a:extLst>
+          </p:cNvPr>
+          <p:cNvPicPr>
+            <a:picLocks noChangeAspect="1"/>
+          </p:cNvPicPr>
+          <p:nvPr/>
+        </p:nvPicPr>
+        <p:blipFill>
+          <a:blip r:embed="rId2"/>
+          <a:stretch>
+            <a:fillRect/>
+          </a:stretch>
+        </p:blipFill>
+        <p:spPr>
+          <a:xfrm>
+            <a:off x="0" y="116531"/>
+            <a:ext cx="12192000" cy="6624937"/>
+          </a:xfrm>
+          <a:prstGeom prst="rect">
+            <a:avLst/>
+          </a:prstGeom>
+        </p:spPr>
+      </p:pic>
+    </p:spTree>
+    <p:extLst>
+      <p:ext uri="{BB962C8B-B14F-4D97-AF65-F5344CB8AC3E}">
+        <p14:creationId xmlns:p14="http://schemas.microsoft.com/office/powerpoint/2010/main" val="2151736474"/>
+      </p:ext>
+    </p:extLst>
+  </p:cSld>
+  <p:clrMapOvr>
+    <a:masterClrMapping/>
+  </p:clrMapOvr>
+</p:sld>
+</file>
+
+<file path=ppt/slides/slide77.xml><?xml version="1.0" encoding="utf-8"?>
+<p:sld xmlns:a="http://schemas.openxmlformats.org/drawingml/2006/main" xmlns:r="http://schemas.openxmlformats.org/officeDocument/2006/relationships" xmlns:p="http://schemas.openxmlformats.org/presentationml/2006/main">
+  <p:cSld>
+    <p:spTree>
+      <p:nvGrpSpPr>
+        <p:cNvPr id="1" name=""/>
+        <p:cNvGrpSpPr/>
+        <p:nvPr/>
+      </p:nvGrpSpPr>
+      <p:grpSpPr>
+        <a:xfrm>
+          <a:off x="0" y="0"/>
+          <a:ext cx="0" cy="0"/>
+          <a:chOff x="0" y="0"/>
+          <a:chExt cx="0" cy="0"/>
+        </a:xfrm>
+      </p:grpSpPr>
+      <p:sp>
+        <p:nvSpPr>
+          <p:cNvPr id="2" name="Title 1">
+            <a:extLst>
+              <a:ext uri="{FF2B5EF4-FFF2-40B4-BE49-F238E27FC236}">
+                <a16:creationId xmlns:a16="http://schemas.microsoft.com/office/drawing/2014/main" id="{C03DF6DC-442C-9DA5-6F27-DF69C13D169A}"/>
+              </a:ext>
+            </a:extLst>
+          </p:cNvPr>
+          <p:cNvSpPr>
+            <a:spLocks noGrp="1"/>
+          </p:cNvSpPr>
+          <p:nvPr>
+            <p:ph type="title"/>
+          </p:nvPr>
+        </p:nvSpPr>
+        <p:spPr/>
+        <p:txBody>
+          <a:bodyPr/>
+          <a:lstStyle/>
+          <a:p>
+            <a:endParaRPr lang="ru-RU"/>
+          </a:p>
+        </p:txBody>
+      </p:sp>
+      <p:sp>
+        <p:nvSpPr>
+          <p:cNvPr id="3" name="Content Placeholder 2">
+            <a:extLst>
+              <a:ext uri="{FF2B5EF4-FFF2-40B4-BE49-F238E27FC236}">
+                <a16:creationId xmlns:a16="http://schemas.microsoft.com/office/drawing/2014/main" id="{293F890D-F8E4-35FC-186F-533F9601364C}"/>
+              </a:ext>
+            </a:extLst>
+          </p:cNvPr>
+          <p:cNvSpPr>
+            <a:spLocks noGrp="1"/>
+          </p:cNvSpPr>
+          <p:nvPr>
+            <p:ph idx="1"/>
+          </p:nvPr>
+        </p:nvSpPr>
+        <p:spPr/>
+        <p:txBody>
+          <a:bodyPr/>
+          <a:lstStyle/>
+          <a:p>
+            <a:endParaRPr lang="ru-RU"/>
+          </a:p>
+        </p:txBody>
+      </p:sp>
+      <p:pic>
+        <p:nvPicPr>
+          <p:cNvPr id="5" name="Picture 4">
+            <a:extLst>
+              <a:ext uri="{FF2B5EF4-FFF2-40B4-BE49-F238E27FC236}">
+                <a16:creationId xmlns:a16="http://schemas.microsoft.com/office/drawing/2014/main" id="{6AE74FC0-C724-351A-FA67-0D58C4D7713E}"/>
+              </a:ext>
+            </a:extLst>
+          </p:cNvPr>
+          <p:cNvPicPr>
+            <a:picLocks noChangeAspect="1"/>
+          </p:cNvPicPr>
+          <p:nvPr/>
+        </p:nvPicPr>
+        <p:blipFill>
+          <a:blip r:embed="rId2"/>
+          <a:stretch>
+            <a:fillRect/>
+          </a:stretch>
+        </p:blipFill>
+        <p:spPr>
+          <a:xfrm>
+            <a:off x="0" y="119837"/>
+            <a:ext cx="12192000" cy="6618325"/>
+          </a:xfrm>
+          <a:prstGeom prst="rect">
+            <a:avLst/>
+          </a:prstGeom>
+        </p:spPr>
+      </p:pic>
+    </p:spTree>
+    <p:extLst>
+      <p:ext uri="{BB962C8B-B14F-4D97-AF65-F5344CB8AC3E}">
+        <p14:creationId xmlns:p14="http://schemas.microsoft.com/office/powerpoint/2010/main" val="639667103"/>
+      </p:ext>
+    </p:extLst>
+  </p:cSld>
+  <p:clrMapOvr>
+    <a:masterClrMapping/>
+  </p:clrMapOvr>
+</p:sld>
+</file>
+
+<file path=ppt/slides/slide78.xml><?xml version="1.0" encoding="utf-8"?>
+<p:sld xmlns:a="http://schemas.openxmlformats.org/drawingml/2006/main" xmlns:r="http://schemas.openxmlformats.org/officeDocument/2006/relationships" xmlns:p="http://schemas.openxmlformats.org/presentationml/2006/main">
+  <p:cSld>
+    <p:spTree>
+      <p:nvGrpSpPr>
+        <p:cNvPr id="1" name=""/>
+        <p:cNvGrpSpPr/>
+        <p:nvPr/>
+      </p:nvGrpSpPr>
+      <p:grpSpPr>
+        <a:xfrm>
+          <a:off x="0" y="0"/>
+          <a:ext cx="0" cy="0"/>
+          <a:chOff x="0" y="0"/>
+          <a:chExt cx="0" cy="0"/>
+        </a:xfrm>
+      </p:grpSpPr>
+      <p:sp>
+        <p:nvSpPr>
+          <p:cNvPr id="2" name="Title 1">
+            <a:extLst>
+              <a:ext uri="{FF2B5EF4-FFF2-40B4-BE49-F238E27FC236}">
+                <a16:creationId xmlns:a16="http://schemas.microsoft.com/office/drawing/2014/main" id="{EC0EF582-5A45-4C64-D772-ED4A84B46DC4}"/>
+              </a:ext>
+            </a:extLst>
+          </p:cNvPr>
+          <p:cNvSpPr>
+            <a:spLocks noGrp="1"/>
+          </p:cNvSpPr>
+          <p:nvPr>
+            <p:ph type="title"/>
+          </p:nvPr>
+        </p:nvSpPr>
+        <p:spPr/>
+        <p:txBody>
+          <a:bodyPr/>
+          <a:lstStyle/>
+          <a:p>
+            <a:endParaRPr lang="ru-RU"/>
+          </a:p>
+        </p:txBody>
+      </p:sp>
+      <p:sp>
+        <p:nvSpPr>
+          <p:cNvPr id="3" name="Content Placeholder 2">
+            <a:extLst>
+              <a:ext uri="{FF2B5EF4-FFF2-40B4-BE49-F238E27FC236}">
+                <a16:creationId xmlns:a16="http://schemas.microsoft.com/office/drawing/2014/main" id="{758945CB-40B6-CF8E-6BE7-FA73ABC525EF}"/>
+              </a:ext>
+            </a:extLst>
+          </p:cNvPr>
+          <p:cNvSpPr>
+            <a:spLocks noGrp="1"/>
+          </p:cNvSpPr>
+          <p:nvPr>
+            <p:ph idx="1"/>
+          </p:nvPr>
+        </p:nvSpPr>
+        <p:spPr/>
+        <p:txBody>
+          <a:bodyPr/>
+          <a:lstStyle/>
+          <a:p>
+            <a:endParaRPr lang="ru-RU"/>
+          </a:p>
+        </p:txBody>
+      </p:sp>
+      <p:pic>
+        <p:nvPicPr>
+          <p:cNvPr id="5" name="Picture 4">
+            <a:extLst>
+              <a:ext uri="{FF2B5EF4-FFF2-40B4-BE49-F238E27FC236}">
+                <a16:creationId xmlns:a16="http://schemas.microsoft.com/office/drawing/2014/main" id="{130DA28E-ECC4-459D-C6C1-67BAA8BF5C62}"/>
+              </a:ext>
+            </a:extLst>
+          </p:cNvPr>
+          <p:cNvPicPr>
+            <a:picLocks noChangeAspect="1"/>
+          </p:cNvPicPr>
+          <p:nvPr/>
+        </p:nvPicPr>
+        <p:blipFill>
+          <a:blip r:embed="rId2"/>
+          <a:stretch>
+            <a:fillRect/>
+          </a:stretch>
+        </p:blipFill>
+        <p:spPr>
+          <a:xfrm>
+            <a:off x="0" y="134580"/>
+            <a:ext cx="12192000" cy="6588840"/>
+          </a:xfrm>
+          <a:prstGeom prst="rect">
+            <a:avLst/>
+          </a:prstGeom>
+        </p:spPr>
+      </p:pic>
+    </p:spTree>
+    <p:extLst>
+      <p:ext uri="{BB962C8B-B14F-4D97-AF65-F5344CB8AC3E}">
+        <p14:creationId xmlns:p14="http://schemas.microsoft.com/office/powerpoint/2010/main" val="1154427931"/>
+      </p:ext>
+    </p:extLst>
+  </p:cSld>
+  <p:clrMapOvr>
+    <a:masterClrMapping/>
+  </p:clrMapOvr>
+</p:sld>
+</file>
+
+<file path=ppt/slides/slide79.xml><?xml version="1.0" encoding="utf-8"?>
 <p:sld xmlns:a="http://schemas.openxmlformats.org/drawingml/2006/main" xmlns:r="http://schemas.openxmlformats.org/officeDocument/2006/relationships" xmlns:p="http://schemas.openxmlformats.org/presentationml/2006/main">
   <p:cSld>
     <p:spTree>
@@ -18421,7 +18902,215 @@
 </p:sld>
 </file>
 
-<file path=ppt/slides/slide75.xml><?xml version="1.0" encoding="utf-8"?>
+<file path=ppt/slides/slide8.xml><?xml version="1.0" encoding="utf-8"?>
+<p:sld xmlns:a="http://schemas.openxmlformats.org/drawingml/2006/main" xmlns:r="http://schemas.openxmlformats.org/officeDocument/2006/relationships" xmlns:p="http://schemas.openxmlformats.org/presentationml/2006/main">
+  <p:cSld>
+    <p:spTree>
+      <p:nvGrpSpPr>
+        <p:cNvPr id="1" name=""/>
+        <p:cNvGrpSpPr/>
+        <p:nvPr/>
+      </p:nvGrpSpPr>
+      <p:grpSpPr>
+        <a:xfrm>
+          <a:off x="0" y="0"/>
+          <a:ext cx="0" cy="0"/>
+          <a:chOff x="0" y="0"/>
+          <a:chExt cx="0" cy="0"/>
+        </a:xfrm>
+      </p:grpSpPr>
+      <p:sp>
+        <p:nvSpPr>
+          <p:cNvPr id="2" name="Заголовок 1"/>
+          <p:cNvSpPr>
+            <a:spLocks noGrp="1"/>
+          </p:cNvSpPr>
+          <p:nvPr>
+            <p:ph type="title"/>
+          </p:nvPr>
+        </p:nvSpPr>
+        <p:spPr/>
+        <p:txBody>
+          <a:bodyPr/>
+          <a:lstStyle/>
+          <a:p>
+            <a:r>
+              <a:rPr lang="ru-RU" dirty="0"/>
+              <a:t>Информация об этом курсе</a:t>
+            </a:r>
+          </a:p>
+        </p:txBody>
+      </p:sp>
+      <p:sp>
+        <p:nvSpPr>
+          <p:cNvPr id="3" name="Содержимое 2"/>
+          <p:cNvSpPr>
+            <a:spLocks noGrp="1"/>
+          </p:cNvSpPr>
+          <p:nvPr>
+            <p:ph sz="half" idx="1"/>
+          </p:nvPr>
+        </p:nvSpPr>
+        <p:spPr/>
+        <p:txBody>
+          <a:bodyPr>
+            <a:normAutofit/>
+          </a:bodyPr>
+          <a:lstStyle/>
+          <a:p>
+            <a:r>
+              <a:rPr lang="ru-RU" sz="2400" dirty="0"/>
+              <a:t>Петров Евгений Сергеевич</a:t>
+            </a:r>
+            <a:endParaRPr lang="en-US" sz="2400" dirty="0"/>
+          </a:p>
+          <a:p>
+            <a:endParaRPr lang="en-US" sz="2400" dirty="0"/>
+          </a:p>
+          <a:p>
+            <a:r>
+              <a:rPr lang="ru-RU" sz="2400" dirty="0"/>
+              <a:t>Программа курса</a:t>
+            </a:r>
+            <a:endParaRPr lang="en-US" sz="2400" dirty="0"/>
+          </a:p>
+          <a:p>
+            <a:pPr lvl="1"/>
+            <a:r>
+              <a:rPr lang="en-US" sz="2000" dirty="0"/>
+              <a:t>https://www.nsu.ru/n/information-technologies-department/education_fit/programs/OOP/09-03-01/piikn/rabochie-programmy/09.03.01_PIiKN_B1.B.4.pdf</a:t>
+            </a:r>
+            <a:endParaRPr lang="ru-RU" sz="2000" dirty="0"/>
+          </a:p>
+          <a:p>
+            <a:endParaRPr lang="en-US" sz="2400" dirty="0"/>
+          </a:p>
+          <a:p>
+            <a:r>
+              <a:rPr lang="ru-RU" sz="2400" dirty="0"/>
+              <a:t>Лекция + семинар + практика каждую учебную неделю</a:t>
+            </a:r>
+          </a:p>
+          <a:p>
+            <a:endParaRPr lang="ru-RU" sz="2400" dirty="0"/>
+          </a:p>
+        </p:txBody>
+      </p:sp>
+      <p:sp>
+        <p:nvSpPr>
+          <p:cNvPr id="4" name="Объект 3"/>
+          <p:cNvSpPr>
+            <a:spLocks noGrp="1"/>
+          </p:cNvSpPr>
+          <p:nvPr>
+            <p:ph sz="half" idx="2"/>
+          </p:nvPr>
+        </p:nvSpPr>
+        <p:spPr/>
+        <p:txBody>
+          <a:bodyPr>
+            <a:normAutofit/>
+          </a:bodyPr>
+          <a:lstStyle/>
+          <a:p>
+            <a:r>
+              <a:rPr lang="ru-RU" dirty="0"/>
+              <a:t>1й семестр</a:t>
+            </a:r>
+          </a:p>
+          <a:p>
+            <a:pPr lvl="1"/>
+            <a:r>
+              <a:rPr lang="ru-RU" dirty="0"/>
+              <a:t>16 учебных недель</a:t>
+            </a:r>
+            <a:endParaRPr lang="en-US" dirty="0"/>
+          </a:p>
+          <a:p>
+            <a:pPr lvl="1"/>
+            <a:r>
+              <a:rPr lang="ru-RU" dirty="0"/>
+              <a:t>Дифференцированный зачёт</a:t>
+            </a:r>
+          </a:p>
+          <a:p>
+            <a:endParaRPr lang="ru-RU" dirty="0"/>
+          </a:p>
+          <a:p>
+            <a:r>
+              <a:rPr lang="ru-RU" dirty="0"/>
+              <a:t>2й семестр</a:t>
+            </a:r>
+          </a:p>
+          <a:p>
+            <a:pPr lvl="1"/>
+            <a:r>
+              <a:rPr lang="ru-RU" dirty="0"/>
+              <a:t>16 учебных недель</a:t>
+            </a:r>
+          </a:p>
+          <a:p>
+            <a:pPr lvl="1"/>
+            <a:r>
+              <a:rPr lang="ru-RU" dirty="0"/>
+              <a:t>Экзамен</a:t>
+            </a:r>
+          </a:p>
+          <a:p>
+            <a:endParaRPr lang="ru-RU" dirty="0"/>
+          </a:p>
+        </p:txBody>
+      </p:sp>
+      <p:pic>
+        <p:nvPicPr>
+          <p:cNvPr id="8" name="Picture 7" descr="A qr code on a white background&#10;&#10;Description automatically generated">
+            <a:extLst>
+              <a:ext uri="{FF2B5EF4-FFF2-40B4-BE49-F238E27FC236}">
+                <a16:creationId xmlns:a16="http://schemas.microsoft.com/office/drawing/2014/main" id="{A21C1807-F6AD-ADCB-D378-4CCDD149750E}"/>
+              </a:ext>
+            </a:extLst>
+          </p:cNvPr>
+          <p:cNvPicPr>
+            <a:picLocks noChangeAspect="1"/>
+          </p:cNvPicPr>
+          <p:nvPr/>
+        </p:nvPicPr>
+        <p:blipFill>
+          <a:blip r:embed="rId2">
+            <a:extLst>
+              <a:ext uri="{28A0092B-C50C-407E-A947-70E740481C1C}">
+                <a14:useLocalDpi xmlns:a14="http://schemas.microsoft.com/office/drawing/2010/main" val="0"/>
+              </a:ext>
+            </a:extLst>
+          </a:blip>
+          <a:stretch>
+            <a:fillRect/>
+          </a:stretch>
+        </p:blipFill>
+        <p:spPr>
+          <a:xfrm>
+            <a:off x="9696400" y="116632"/>
+            <a:ext cx="2376264" cy="2376264"/>
+          </a:xfrm>
+          <a:prstGeom prst="rect">
+            <a:avLst/>
+          </a:prstGeom>
+        </p:spPr>
+      </p:pic>
+    </p:spTree>
+    <p:extLst>
+      <p:ext uri="{BB962C8B-B14F-4D97-AF65-F5344CB8AC3E}">
+        <p14:creationId xmlns:p14="http://schemas.microsoft.com/office/powerpoint/2010/main" val="3163583711"/>
+      </p:ext>
+    </p:extLst>
+  </p:cSld>
+  <p:clrMapOvr>
+    <a:masterClrMapping/>
+  </p:clrMapOvr>
+</p:sld>
+</file>
+
+<file path=ppt/slides/slide80.xml><?xml version="1.0" encoding="utf-8"?>
 <p:sld xmlns:a="http://schemas.openxmlformats.org/drawingml/2006/main" xmlns:r="http://schemas.openxmlformats.org/officeDocument/2006/relationships" xmlns:p="http://schemas.openxmlformats.org/presentationml/2006/main">
   <p:cSld>
     <p:spTree>
@@ -18673,7 +19362,7 @@
 </p:sld>
 </file>
 
-<file path=ppt/slides/slide76.xml><?xml version="1.0" encoding="utf-8"?>
+<file path=ppt/slides/slide81.xml><?xml version="1.0" encoding="utf-8"?>
 <p:sld xmlns:a="http://schemas.openxmlformats.org/drawingml/2006/main" xmlns:r="http://schemas.openxmlformats.org/officeDocument/2006/relationships" xmlns:p="http://schemas.openxmlformats.org/presentationml/2006/main">
   <p:cSld>
     <p:spTree>
@@ -19110,7 +19799,7 @@
 </p:sld>
 </file>
 
-<file path=ppt/slides/slide77.xml><?xml version="1.0" encoding="utf-8"?>
+<file path=ppt/slides/slide82.xml><?xml version="1.0" encoding="utf-8"?>
 <p:sld xmlns:a="http://schemas.openxmlformats.org/drawingml/2006/main" xmlns:r="http://schemas.openxmlformats.org/officeDocument/2006/relationships" xmlns:p="http://schemas.openxmlformats.org/presentationml/2006/main">
   <p:cSld>
     <p:spTree>
@@ -19555,7 +20244,7 @@
 </p:sld>
 </file>
 
-<file path=ppt/slides/slide78.xml><?xml version="1.0" encoding="utf-8"?>
+<file path=ppt/slides/slide83.xml><?xml version="1.0" encoding="utf-8"?>
 <p:sld xmlns:a="http://schemas.openxmlformats.org/drawingml/2006/main" xmlns:r="http://schemas.openxmlformats.org/officeDocument/2006/relationships" xmlns:p="http://schemas.openxmlformats.org/presentationml/2006/main">
   <p:cSld>
     <p:spTree>
@@ -20342,7 +21031,7 @@
 </p:sld>
 </file>
 
-<file path=ppt/slides/slide79.xml><?xml version="1.0" encoding="utf-8"?>
+<file path=ppt/slides/slide84.xml><?xml version="1.0" encoding="utf-8"?>
 <p:sld xmlns:a="http://schemas.openxmlformats.org/drawingml/2006/main" xmlns:r="http://schemas.openxmlformats.org/officeDocument/2006/relationships" xmlns:p="http://schemas.openxmlformats.org/presentationml/2006/main">
   <p:cSld>
     <p:spTree>
@@ -20469,215 +21158,7 @@
 </p:sld>
 </file>
 
-<file path=ppt/slides/slide8.xml><?xml version="1.0" encoding="utf-8"?>
-<p:sld xmlns:a="http://schemas.openxmlformats.org/drawingml/2006/main" xmlns:r="http://schemas.openxmlformats.org/officeDocument/2006/relationships" xmlns:p="http://schemas.openxmlformats.org/presentationml/2006/main">
-  <p:cSld>
-    <p:spTree>
-      <p:nvGrpSpPr>
-        <p:cNvPr id="1" name=""/>
-        <p:cNvGrpSpPr/>
-        <p:nvPr/>
-      </p:nvGrpSpPr>
-      <p:grpSpPr>
-        <a:xfrm>
-          <a:off x="0" y="0"/>
-          <a:ext cx="0" cy="0"/>
-          <a:chOff x="0" y="0"/>
-          <a:chExt cx="0" cy="0"/>
-        </a:xfrm>
-      </p:grpSpPr>
-      <p:sp>
-        <p:nvSpPr>
-          <p:cNvPr id="2" name="Заголовок 1"/>
-          <p:cNvSpPr>
-            <a:spLocks noGrp="1"/>
-          </p:cNvSpPr>
-          <p:nvPr>
-            <p:ph type="title"/>
-          </p:nvPr>
-        </p:nvSpPr>
-        <p:spPr/>
-        <p:txBody>
-          <a:bodyPr/>
-          <a:lstStyle/>
-          <a:p>
-            <a:r>
-              <a:rPr lang="ru-RU" dirty="0"/>
-              <a:t>Информация об этом курсе</a:t>
-            </a:r>
-          </a:p>
-        </p:txBody>
-      </p:sp>
-      <p:sp>
-        <p:nvSpPr>
-          <p:cNvPr id="3" name="Содержимое 2"/>
-          <p:cNvSpPr>
-            <a:spLocks noGrp="1"/>
-          </p:cNvSpPr>
-          <p:nvPr>
-            <p:ph sz="half" idx="1"/>
-          </p:nvPr>
-        </p:nvSpPr>
-        <p:spPr/>
-        <p:txBody>
-          <a:bodyPr>
-            <a:normAutofit/>
-          </a:bodyPr>
-          <a:lstStyle/>
-          <a:p>
-            <a:r>
-              <a:rPr lang="ru-RU" sz="2400" dirty="0"/>
-              <a:t>Петров Евгений Сергеевич</a:t>
-            </a:r>
-            <a:endParaRPr lang="en-US" sz="2400" dirty="0"/>
-          </a:p>
-          <a:p>
-            <a:endParaRPr lang="en-US" sz="2400" dirty="0"/>
-          </a:p>
-          <a:p>
-            <a:r>
-              <a:rPr lang="ru-RU" sz="2400" dirty="0"/>
-              <a:t>Программа курса</a:t>
-            </a:r>
-            <a:endParaRPr lang="en-US" sz="2400" dirty="0"/>
-          </a:p>
-          <a:p>
-            <a:pPr lvl="1"/>
-            <a:r>
-              <a:rPr lang="en-US" sz="2000" dirty="0"/>
-              <a:t>https://www.nsu.ru/n/information-technologies-department/education_fit/programs/OOP/09-03-01/piikn/rabochie-programmy/09.03.01_PIiKN_B1.B.4.pdf</a:t>
-            </a:r>
-            <a:endParaRPr lang="ru-RU" sz="2000" dirty="0"/>
-          </a:p>
-          <a:p>
-            <a:endParaRPr lang="en-US" sz="2400" dirty="0"/>
-          </a:p>
-          <a:p>
-            <a:r>
-              <a:rPr lang="ru-RU" sz="2400" dirty="0"/>
-              <a:t>Лекция + семинар + практика каждую учебную неделю</a:t>
-            </a:r>
-          </a:p>
-          <a:p>
-            <a:endParaRPr lang="ru-RU" sz="2400" dirty="0"/>
-          </a:p>
-        </p:txBody>
-      </p:sp>
-      <p:sp>
-        <p:nvSpPr>
-          <p:cNvPr id="4" name="Объект 3"/>
-          <p:cNvSpPr>
-            <a:spLocks noGrp="1"/>
-          </p:cNvSpPr>
-          <p:nvPr>
-            <p:ph sz="half" idx="2"/>
-          </p:nvPr>
-        </p:nvSpPr>
-        <p:spPr/>
-        <p:txBody>
-          <a:bodyPr>
-            <a:normAutofit/>
-          </a:bodyPr>
-          <a:lstStyle/>
-          <a:p>
-            <a:r>
-              <a:rPr lang="ru-RU" dirty="0"/>
-              <a:t>1й семестр</a:t>
-            </a:r>
-          </a:p>
-          <a:p>
-            <a:pPr lvl="1"/>
-            <a:r>
-              <a:rPr lang="ru-RU" dirty="0"/>
-              <a:t>16 учебных недель</a:t>
-            </a:r>
-            <a:endParaRPr lang="en-US" dirty="0"/>
-          </a:p>
-          <a:p>
-            <a:pPr lvl="1"/>
-            <a:r>
-              <a:rPr lang="ru-RU" dirty="0"/>
-              <a:t>Дифференцированный зачёт</a:t>
-            </a:r>
-          </a:p>
-          <a:p>
-            <a:endParaRPr lang="ru-RU" dirty="0"/>
-          </a:p>
-          <a:p>
-            <a:r>
-              <a:rPr lang="ru-RU" dirty="0"/>
-              <a:t>2й семестр</a:t>
-            </a:r>
-          </a:p>
-          <a:p>
-            <a:pPr lvl="1"/>
-            <a:r>
-              <a:rPr lang="ru-RU" dirty="0"/>
-              <a:t>16 учебных недель</a:t>
-            </a:r>
-          </a:p>
-          <a:p>
-            <a:pPr lvl="1"/>
-            <a:r>
-              <a:rPr lang="ru-RU" dirty="0"/>
-              <a:t>Экзамен</a:t>
-            </a:r>
-          </a:p>
-          <a:p>
-            <a:endParaRPr lang="ru-RU" dirty="0"/>
-          </a:p>
-        </p:txBody>
-      </p:sp>
-      <p:pic>
-        <p:nvPicPr>
-          <p:cNvPr id="8" name="Picture 7" descr="A qr code on a white background&#10;&#10;Description automatically generated">
-            <a:extLst>
-              <a:ext uri="{FF2B5EF4-FFF2-40B4-BE49-F238E27FC236}">
-                <a16:creationId xmlns:a16="http://schemas.microsoft.com/office/drawing/2014/main" id="{A21C1807-F6AD-ADCB-D378-4CCDD149750E}"/>
-              </a:ext>
-            </a:extLst>
-          </p:cNvPr>
-          <p:cNvPicPr>
-            <a:picLocks noChangeAspect="1"/>
-          </p:cNvPicPr>
-          <p:nvPr/>
-        </p:nvPicPr>
-        <p:blipFill>
-          <a:blip r:embed="rId2">
-            <a:extLst>
-              <a:ext uri="{28A0092B-C50C-407E-A947-70E740481C1C}">
-                <a14:useLocalDpi xmlns:a14="http://schemas.microsoft.com/office/drawing/2010/main" val="0"/>
-              </a:ext>
-            </a:extLst>
-          </a:blip>
-          <a:stretch>
-            <a:fillRect/>
-          </a:stretch>
-        </p:blipFill>
-        <p:spPr>
-          <a:xfrm>
-            <a:off x="9696400" y="116632"/>
-            <a:ext cx="2376264" cy="2376264"/>
-          </a:xfrm>
-          <a:prstGeom prst="rect">
-            <a:avLst/>
-          </a:prstGeom>
-        </p:spPr>
-      </p:pic>
-    </p:spTree>
-    <p:extLst>
-      <p:ext uri="{BB962C8B-B14F-4D97-AF65-F5344CB8AC3E}">
-        <p14:creationId xmlns:p14="http://schemas.microsoft.com/office/powerpoint/2010/main" val="3163583711"/>
-      </p:ext>
-    </p:extLst>
-  </p:cSld>
-  <p:clrMapOvr>
-    <a:masterClrMapping/>
-  </p:clrMapOvr>
-</p:sld>
-</file>
-
-<file path=ppt/slides/slide80.xml><?xml version="1.0" encoding="utf-8"?>
+<file path=ppt/slides/slide85.xml><?xml version="1.0" encoding="utf-8"?>
 <p:sld xmlns:a="http://schemas.openxmlformats.org/drawingml/2006/main" xmlns:r="http://schemas.openxmlformats.org/officeDocument/2006/relationships" xmlns:p="http://schemas.openxmlformats.org/presentationml/2006/main">
   <p:cSld>
     <p:spTree>
@@ -21140,7 +21621,7 @@
 </p:sld>
 </file>
 
-<file path=ppt/slides/slide81.xml><?xml version="1.0" encoding="utf-8"?>
+<file path=ppt/slides/slide86.xml><?xml version="1.0" encoding="utf-8"?>
 <p:sld xmlns:a="http://schemas.openxmlformats.org/drawingml/2006/main" xmlns:r="http://schemas.openxmlformats.org/officeDocument/2006/relationships" xmlns:p="http://schemas.openxmlformats.org/presentationml/2006/main">
   <p:cSld>
     <p:spTree>
@@ -23272,7 +23753,7 @@
 </p:sld>
 </file>
 
-<file path=ppt/slides/slide82.xml><?xml version="1.0" encoding="utf-8"?>
+<file path=ppt/slides/slide87.xml><?xml version="1.0" encoding="utf-8"?>
 <p:sld xmlns:a="http://schemas.openxmlformats.org/drawingml/2006/main" xmlns:r="http://schemas.openxmlformats.org/officeDocument/2006/relationships" xmlns:p="http://schemas.openxmlformats.org/presentationml/2006/main">
   <p:cSld>
     <p:spTree>
@@ -24547,7 +25028,7 @@
 </p:sld>
 </file>
 
-<file path=ppt/slides/slide83.xml><?xml version="1.0" encoding="utf-8"?>
+<file path=ppt/slides/slide88.xml><?xml version="1.0" encoding="utf-8"?>
 <p:sld xmlns:a="http://schemas.openxmlformats.org/drawingml/2006/main" xmlns:r="http://schemas.openxmlformats.org/officeDocument/2006/relationships" xmlns:p="http://schemas.openxmlformats.org/presentationml/2006/main">
   <p:cSld>
     <p:spTree>
@@ -26607,7 +27088,7 @@
 </p:sld>
 </file>
 
-<file path=ppt/slides/slide84.xml><?xml version="1.0" encoding="utf-8"?>
+<file path=ppt/slides/slide89.xml><?xml version="1.0" encoding="utf-8"?>
 <p:sld xmlns:a="http://schemas.openxmlformats.org/drawingml/2006/main" xmlns:r="http://schemas.openxmlformats.org/officeDocument/2006/relationships" xmlns:p="http://schemas.openxmlformats.org/presentationml/2006/main" show="0">
   <p:cSld>
     <p:bg>
@@ -31092,7 +31573,80 @@
 </p:sld>
 </file>
 
-<file path=ppt/slides/slide85.xml><?xml version="1.0" encoding="utf-8"?>
+<file path=ppt/slides/slide9.xml><?xml version="1.0" encoding="utf-8"?>
+<p:sld xmlns:a="http://schemas.openxmlformats.org/drawingml/2006/main" xmlns:r="http://schemas.openxmlformats.org/officeDocument/2006/relationships" xmlns:p="http://schemas.openxmlformats.org/presentationml/2006/main">
+  <p:cSld>
+    <p:spTree>
+      <p:nvGrpSpPr>
+        <p:cNvPr id="1" name=""/>
+        <p:cNvGrpSpPr/>
+        <p:nvPr/>
+      </p:nvGrpSpPr>
+      <p:grpSpPr>
+        <a:xfrm>
+          <a:off x="0" y="0"/>
+          <a:ext cx="0" cy="0"/>
+          <a:chOff x="0" y="0"/>
+          <a:chExt cx="0" cy="0"/>
+        </a:xfrm>
+      </p:grpSpPr>
+      <p:sp>
+        <p:nvSpPr>
+          <p:cNvPr id="2" name="Заголовок 1"/>
+          <p:cNvSpPr>
+            <a:spLocks noGrp="1"/>
+          </p:cNvSpPr>
+          <p:nvPr>
+            <p:ph type="title"/>
+          </p:nvPr>
+        </p:nvSpPr>
+        <p:spPr/>
+        <p:txBody>
+          <a:bodyPr/>
+          <a:lstStyle/>
+          <a:p>
+            <a:r>
+              <a:rPr lang="ru-RU" dirty="0"/>
+              <a:t>Учебная литература</a:t>
+            </a:r>
+          </a:p>
+        </p:txBody>
+      </p:sp>
+      <p:sp>
+        <p:nvSpPr>
+          <p:cNvPr id="3" name="Содержимое 2"/>
+          <p:cNvSpPr>
+            <a:spLocks noGrp="1"/>
+          </p:cNvSpPr>
+          <p:nvPr>
+            <p:ph idx="1"/>
+          </p:nvPr>
+        </p:nvSpPr>
+        <p:spPr/>
+        <p:txBody>
+          <a:bodyPr>
+            <a:normAutofit/>
+          </a:bodyPr>
+          <a:lstStyle/>
+          <a:p>
+            <a:endParaRPr lang="ru-RU" sz="2800" dirty="0"/>
+          </a:p>
+        </p:txBody>
+      </p:sp>
+    </p:spTree>
+    <p:extLst>
+      <p:ext uri="{BB962C8B-B14F-4D97-AF65-F5344CB8AC3E}">
+        <p14:creationId xmlns:p14="http://schemas.microsoft.com/office/powerpoint/2010/main" val="4194064512"/>
+      </p:ext>
+    </p:extLst>
+  </p:cSld>
+  <p:clrMapOvr>
+    <a:masterClrMapping/>
+  </p:clrMapOvr>
+</p:sld>
+</file>
+
+<file path=ppt/slides/slide90.xml><?xml version="1.0" encoding="utf-8"?>
 <p:sld xmlns:a="http://schemas.openxmlformats.org/drawingml/2006/main" xmlns:r="http://schemas.openxmlformats.org/officeDocument/2006/relationships" xmlns:p="http://schemas.openxmlformats.org/presentationml/2006/main" show="0">
   <p:cSld>
     <p:spTree>
@@ -31167,7 +31721,7 @@
 </p:sld>
 </file>
 
-<file path=ppt/slides/slide86.xml><?xml version="1.0" encoding="utf-8"?>
+<file path=ppt/slides/slide91.xml><?xml version="1.0" encoding="utf-8"?>
 <p:sld xmlns:a="http://schemas.openxmlformats.org/drawingml/2006/main" xmlns:r="http://schemas.openxmlformats.org/officeDocument/2006/relationships" xmlns:p="http://schemas.openxmlformats.org/presentationml/2006/main" show="0">
   <p:cSld>
     <p:spTree>
@@ -31242,7 +31796,7 @@
 </p:sld>
 </file>
 
-<file path=ppt/slides/slide87.xml><?xml version="1.0" encoding="utf-8"?>
+<file path=ppt/slides/slide92.xml><?xml version="1.0" encoding="utf-8"?>
 <p:sld xmlns:a="http://schemas.openxmlformats.org/drawingml/2006/main" xmlns:r="http://schemas.openxmlformats.org/officeDocument/2006/relationships" xmlns:p="http://schemas.openxmlformats.org/presentationml/2006/main" show="0">
   <p:cSld>
     <p:spTree>
@@ -31317,7 +31871,7 @@
 </p:sld>
 </file>
 
-<file path=ppt/slides/slide88.xml><?xml version="1.0" encoding="utf-8"?>
+<file path=ppt/slides/slide93.xml><?xml version="1.0" encoding="utf-8"?>
 <p:sld xmlns:a="http://schemas.openxmlformats.org/drawingml/2006/main" xmlns:r="http://schemas.openxmlformats.org/officeDocument/2006/relationships" xmlns:p="http://schemas.openxmlformats.org/presentationml/2006/main" show="0">
   <p:cSld>
     <p:spTree>
@@ -31864,79 +32418,6 @@
         </a:graphic>
       </p:graphicFrame>
     </p:spTree>
-  </p:cSld>
-  <p:clrMapOvr>
-    <a:masterClrMapping/>
-  </p:clrMapOvr>
-</p:sld>
-</file>
-
-<file path=ppt/slides/slide9.xml><?xml version="1.0" encoding="utf-8"?>
-<p:sld xmlns:a="http://schemas.openxmlformats.org/drawingml/2006/main" xmlns:r="http://schemas.openxmlformats.org/officeDocument/2006/relationships" xmlns:p="http://schemas.openxmlformats.org/presentationml/2006/main">
-  <p:cSld>
-    <p:spTree>
-      <p:nvGrpSpPr>
-        <p:cNvPr id="1" name=""/>
-        <p:cNvGrpSpPr/>
-        <p:nvPr/>
-      </p:nvGrpSpPr>
-      <p:grpSpPr>
-        <a:xfrm>
-          <a:off x="0" y="0"/>
-          <a:ext cx="0" cy="0"/>
-          <a:chOff x="0" y="0"/>
-          <a:chExt cx="0" cy="0"/>
-        </a:xfrm>
-      </p:grpSpPr>
-      <p:sp>
-        <p:nvSpPr>
-          <p:cNvPr id="2" name="Заголовок 1"/>
-          <p:cNvSpPr>
-            <a:spLocks noGrp="1"/>
-          </p:cNvSpPr>
-          <p:nvPr>
-            <p:ph type="title"/>
-          </p:nvPr>
-        </p:nvSpPr>
-        <p:spPr/>
-        <p:txBody>
-          <a:bodyPr/>
-          <a:lstStyle/>
-          <a:p>
-            <a:r>
-              <a:rPr lang="ru-RU" dirty="0"/>
-              <a:t>Учебная литература</a:t>
-            </a:r>
-          </a:p>
-        </p:txBody>
-      </p:sp>
-      <p:sp>
-        <p:nvSpPr>
-          <p:cNvPr id="3" name="Содержимое 2"/>
-          <p:cNvSpPr>
-            <a:spLocks noGrp="1"/>
-          </p:cNvSpPr>
-          <p:nvPr>
-            <p:ph idx="1"/>
-          </p:nvPr>
-        </p:nvSpPr>
-        <p:spPr/>
-        <p:txBody>
-          <a:bodyPr>
-            <a:normAutofit/>
-          </a:bodyPr>
-          <a:lstStyle/>
-          <a:p>
-            <a:endParaRPr lang="ru-RU" sz="2800" dirty="0"/>
-          </a:p>
-        </p:txBody>
-      </p:sp>
-    </p:spTree>
-    <p:extLst>
-      <p:ext uri="{BB962C8B-B14F-4D97-AF65-F5344CB8AC3E}">
-        <p14:creationId xmlns:p14="http://schemas.microsoft.com/office/powerpoint/2010/main" val="4194064512"/>
-      </p:ext>
-    </p:extLst>
   </p:cSld>
   <p:clrMapOvr>
     <a:masterClrMapping/>
